--- a/to be ranged/CH.XX Mise à Points des outils numériques/figures/figure.pptx
+++ b/to be ranged/CH.XX Mise à Points des outils numériques/figures/figure.pptx
@@ -5,13 +5,14 @@
     <p:sldMasterId id="2147483648" r:id="rId1"/>
   </p:sldMasterIdLst>
   <p:notesMasterIdLst>
-    <p:notesMasterId r:id="rId6"/>
+    <p:notesMasterId r:id="rId7"/>
   </p:notesMasterIdLst>
   <p:sldIdLst>
     <p:sldId id="263" r:id="rId2"/>
     <p:sldId id="264" r:id="rId3"/>
     <p:sldId id="265" r:id="rId4"/>
     <p:sldId id="266" r:id="rId5"/>
+    <p:sldId id="267" r:id="rId6"/>
   </p:sldIdLst>
   <p:sldSz cx="12192000" cy="6858000"/>
   <p:notesSz cx="6858000" cy="9926638"/>
@@ -200,7 +201,7 @@
           <a:p>
             <a:fld id="{42D30341-7FEA-4EBA-8C94-D6EAB4B64397}" type="datetimeFigureOut">
               <a:rPr lang="fr-FR" smtClean="0"/>
-              <a:t>25/09/2018</a:t>
+              <a:t>21/01/2019</a:t>
             </a:fld>
             <a:endParaRPr lang="fr-FR"/>
           </a:p>
@@ -683,7 +684,7 @@
           <a:p>
             <a:fld id="{C001D32E-42E9-48CB-B1BA-2416B2F1CC2A}" type="datetimeFigureOut">
               <a:rPr lang="fr-FR" smtClean="0"/>
-              <a:t>25/09/2018</a:t>
+              <a:t>21/01/2019</a:t>
             </a:fld>
             <a:endParaRPr lang="fr-FR"/>
           </a:p>
@@ -853,7 +854,7 @@
           <a:p>
             <a:fld id="{C001D32E-42E9-48CB-B1BA-2416B2F1CC2A}" type="datetimeFigureOut">
               <a:rPr lang="fr-FR" smtClean="0"/>
-              <a:t>25/09/2018</a:t>
+              <a:t>21/01/2019</a:t>
             </a:fld>
             <a:endParaRPr lang="fr-FR"/>
           </a:p>
@@ -1033,7 +1034,7 @@
           <a:p>
             <a:fld id="{C001D32E-42E9-48CB-B1BA-2416B2F1CC2A}" type="datetimeFigureOut">
               <a:rPr lang="fr-FR" smtClean="0"/>
-              <a:t>25/09/2018</a:t>
+              <a:t>21/01/2019</a:t>
             </a:fld>
             <a:endParaRPr lang="fr-FR"/>
           </a:p>
@@ -1203,7 +1204,7 @@
           <a:p>
             <a:fld id="{C001D32E-42E9-48CB-B1BA-2416B2F1CC2A}" type="datetimeFigureOut">
               <a:rPr lang="fr-FR" smtClean="0"/>
-              <a:t>25/09/2018</a:t>
+              <a:t>21/01/2019</a:t>
             </a:fld>
             <a:endParaRPr lang="fr-FR"/>
           </a:p>
@@ -1449,7 +1450,7 @@
           <a:p>
             <a:fld id="{C001D32E-42E9-48CB-B1BA-2416B2F1CC2A}" type="datetimeFigureOut">
               <a:rPr lang="fr-FR" smtClean="0"/>
-              <a:t>25/09/2018</a:t>
+              <a:t>21/01/2019</a:t>
             </a:fld>
             <a:endParaRPr lang="fr-FR"/>
           </a:p>
@@ -1681,7 +1682,7 @@
           <a:p>
             <a:fld id="{C001D32E-42E9-48CB-B1BA-2416B2F1CC2A}" type="datetimeFigureOut">
               <a:rPr lang="fr-FR" smtClean="0"/>
-              <a:t>25/09/2018</a:t>
+              <a:t>21/01/2019</a:t>
             </a:fld>
             <a:endParaRPr lang="fr-FR"/>
           </a:p>
@@ -2048,7 +2049,7 @@
           <a:p>
             <a:fld id="{C001D32E-42E9-48CB-B1BA-2416B2F1CC2A}" type="datetimeFigureOut">
               <a:rPr lang="fr-FR" smtClean="0"/>
-              <a:t>25/09/2018</a:t>
+              <a:t>21/01/2019</a:t>
             </a:fld>
             <a:endParaRPr lang="fr-FR"/>
           </a:p>
@@ -2166,7 +2167,7 @@
           <a:p>
             <a:fld id="{C001D32E-42E9-48CB-B1BA-2416B2F1CC2A}" type="datetimeFigureOut">
               <a:rPr lang="fr-FR" smtClean="0"/>
-              <a:t>25/09/2018</a:t>
+              <a:t>21/01/2019</a:t>
             </a:fld>
             <a:endParaRPr lang="fr-FR"/>
           </a:p>
@@ -2261,7 +2262,7 @@
           <a:p>
             <a:fld id="{C001D32E-42E9-48CB-B1BA-2416B2F1CC2A}" type="datetimeFigureOut">
               <a:rPr lang="fr-FR" smtClean="0"/>
-              <a:t>25/09/2018</a:t>
+              <a:t>21/01/2019</a:t>
             </a:fld>
             <a:endParaRPr lang="fr-FR"/>
           </a:p>
@@ -2538,7 +2539,7 @@
           <a:p>
             <a:fld id="{C001D32E-42E9-48CB-B1BA-2416B2F1CC2A}" type="datetimeFigureOut">
               <a:rPr lang="fr-FR" smtClean="0"/>
-              <a:t>25/09/2018</a:t>
+              <a:t>21/01/2019</a:t>
             </a:fld>
             <a:endParaRPr lang="fr-FR"/>
           </a:p>
@@ -2791,7 +2792,7 @@
           <a:p>
             <a:fld id="{C001D32E-42E9-48CB-B1BA-2416B2F1CC2A}" type="datetimeFigureOut">
               <a:rPr lang="fr-FR" smtClean="0"/>
-              <a:t>25/09/2018</a:t>
+              <a:t>21/01/2019</a:t>
             </a:fld>
             <a:endParaRPr lang="fr-FR"/>
           </a:p>
@@ -3004,7 +3005,7 @@
           <a:p>
             <a:fld id="{C001D32E-42E9-48CB-B1BA-2416B2F1CC2A}" type="datetimeFigureOut">
               <a:rPr lang="fr-FR" smtClean="0"/>
-              <a:t>25/09/2018</a:t>
+              <a:t>21/01/2019</a:t>
             </a:fld>
             <a:endParaRPr lang="fr-FR"/>
           </a:p>
@@ -7199,8 +7200,8 @@
                     </a:fontRef>
                   </p:style>
                 </p:cxnSp>
-                <mc:AlternateContent xmlns:mc="http://schemas.openxmlformats.org/markup-compatibility/2006">
-                  <mc:Choice xmlns:a14="http://schemas.microsoft.com/office/drawing/2010/main" Requires="a14">
+                <mc:AlternateContent xmlns:mc="http://schemas.openxmlformats.org/markup-compatibility/2006" xmlns:a14="http://schemas.microsoft.com/office/drawing/2010/main">
+                  <mc:Choice Requires="a14">
                     <p:sp>
                       <p:nvSpPr>
                         <p:cNvPr id="182" name="Zone de texte 153"/>
@@ -7300,7 +7301,7 @@
                       </p:txBody>
                     </p:sp>
                   </mc:Choice>
-                  <mc:Fallback>
+                  <mc:Fallback xmlns="">
                     <p:sp>
                       <p:nvSpPr>
                         <p:cNvPr id="182" name="Zone de texte 153"/>
@@ -7373,8 +7374,8 @@
                       <a:chExt cx="2572295" cy="2963951"/>
                     </a:xfrm>
                   </p:grpSpPr>
-                  <mc:AlternateContent xmlns:mc="http://schemas.openxmlformats.org/markup-compatibility/2006">
-                    <mc:Choice xmlns:a14="http://schemas.microsoft.com/office/drawing/2010/main" Requires="a14">
+                  <mc:AlternateContent xmlns:mc="http://schemas.openxmlformats.org/markup-compatibility/2006" xmlns:a14="http://schemas.microsoft.com/office/drawing/2010/main">
+                    <mc:Choice Requires="a14">
                       <p:sp>
                         <p:nvSpPr>
                           <p:cNvPr id="159" name="ZoneTexte 158"/>
@@ -7456,7 +7457,7 @@
                         </p:txBody>
                       </p:sp>
                     </mc:Choice>
-                    <mc:Fallback>
+                    <mc:Fallback xmlns="">
                       <p:sp>
                         <p:nvSpPr>
                           <p:cNvPr id="159" name="ZoneTexte 158"/>
@@ -7626,8 +7627,8 @@
                             </p:style>
                           </p:cxnSp>
                         </p:grpSp>
-                        <mc:AlternateContent xmlns:mc="http://schemas.openxmlformats.org/markup-compatibility/2006">
-                          <mc:Choice xmlns:a14="http://schemas.microsoft.com/office/drawing/2010/main" Requires="a14">
+                        <mc:AlternateContent xmlns:mc="http://schemas.openxmlformats.org/markup-compatibility/2006" xmlns:a14="http://schemas.microsoft.com/office/drawing/2010/main">
+                          <mc:Choice Requires="a14">
                             <p:sp>
                               <p:nvSpPr>
                                 <p:cNvPr id="177" name="Zone de texte 153"/>
@@ -7725,7 +7726,7 @@
                               </p:txBody>
                             </p:sp>
                           </mc:Choice>
-                          <mc:Fallback>
+                          <mc:Fallback xmlns="">
                             <p:sp>
                               <p:nvSpPr>
                                 <p:cNvPr id="177" name="Zone de texte 153"/>
@@ -7769,8 +7770,8 @@
                             </p:sp>
                           </mc:Fallback>
                         </mc:AlternateContent>
-                        <mc:AlternateContent xmlns:mc="http://schemas.openxmlformats.org/markup-compatibility/2006">
-                          <mc:Choice xmlns:a14="http://schemas.microsoft.com/office/drawing/2010/main" Requires="a14">
+                        <mc:AlternateContent xmlns:mc="http://schemas.openxmlformats.org/markup-compatibility/2006" xmlns:a14="http://schemas.microsoft.com/office/drawing/2010/main">
+                          <mc:Choice Requires="a14">
                             <p:sp>
                               <p:nvSpPr>
                                 <p:cNvPr id="178" name="Zone de texte 154"/>
@@ -7868,7 +7869,7 @@
                               </p:txBody>
                             </p:sp>
                           </mc:Choice>
-                          <mc:Fallback>
+                          <mc:Fallback xmlns="">
                             <p:sp>
                               <p:nvSpPr>
                                 <p:cNvPr id="178" name="Zone de texte 154"/>
@@ -8078,8 +8079,8 @@
                           </a:p>
                         </p:txBody>
                       </p:sp>
-                      <mc:AlternateContent xmlns:mc="http://schemas.openxmlformats.org/markup-compatibility/2006">
-                        <mc:Choice xmlns:a14="http://schemas.microsoft.com/office/drawing/2010/main" Requires="a14">
+                      <mc:AlternateContent xmlns:mc="http://schemas.openxmlformats.org/markup-compatibility/2006" xmlns:a14="http://schemas.microsoft.com/office/drawing/2010/main">
+                        <mc:Choice Requires="a14">
                           <p:sp>
                             <p:nvSpPr>
                               <p:cNvPr id="208" name="ZoneTexte 207"/>
@@ -8102,6 +8103,7 @@
                               </a:bodyPr>
                               <a:lstStyle/>
                               <a:p>
+                                <a:pPr/>
                                 <a14:m>
                                   <m:oMathPara xmlns:m="http://schemas.openxmlformats.org/officeDocument/2006/math">
                                     <m:oMathParaPr>
@@ -8150,7 +8152,7 @@
                             </p:txBody>
                           </p:sp>
                         </mc:Choice>
-                        <mc:Fallback>
+                        <mc:Fallback xmlns="">
                           <p:sp>
                             <p:nvSpPr>
                               <p:cNvPr id="208" name="ZoneTexte 207"/>
@@ -8252,8 +8254,8 @@
                           </a:p>
                         </p:txBody>
                       </p:sp>
-                      <mc:AlternateContent xmlns:mc="http://schemas.openxmlformats.org/markup-compatibility/2006">
-                        <mc:Choice xmlns:a14="http://schemas.microsoft.com/office/drawing/2010/main" Requires="a14">
+                      <mc:AlternateContent xmlns:mc="http://schemas.openxmlformats.org/markup-compatibility/2006" xmlns:a14="http://schemas.microsoft.com/office/drawing/2010/main">
+                        <mc:Choice Requires="a14">
                           <p:sp>
                             <p:nvSpPr>
                               <p:cNvPr id="211" name="ZoneTexte 210"/>
@@ -8276,6 +8278,7 @@
                               </a:bodyPr>
                               <a:lstStyle/>
                               <a:p>
+                                <a:pPr/>
                                 <a14:m>
                                   <m:oMathPara xmlns:m="http://schemas.openxmlformats.org/officeDocument/2006/math">
                                     <m:oMathParaPr>
@@ -8324,7 +8327,7 @@
                             </p:txBody>
                           </p:sp>
                         </mc:Choice>
-                        <mc:Fallback>
+                        <mc:Fallback xmlns="">
                           <p:sp>
                             <p:nvSpPr>
                               <p:cNvPr id="211" name="ZoneTexte 210"/>
@@ -8426,8 +8429,8 @@
                           </a:p>
                         </p:txBody>
                       </p:sp>
-                      <mc:AlternateContent xmlns:mc="http://schemas.openxmlformats.org/markup-compatibility/2006">
-                        <mc:Choice xmlns:a14="http://schemas.microsoft.com/office/drawing/2010/main" Requires="a14">
+                      <mc:AlternateContent xmlns:mc="http://schemas.openxmlformats.org/markup-compatibility/2006" xmlns:a14="http://schemas.microsoft.com/office/drawing/2010/main">
+                        <mc:Choice Requires="a14">
                           <p:sp>
                             <p:nvSpPr>
                               <p:cNvPr id="215" name="ZoneTexte 214"/>
@@ -8450,6 +8453,7 @@
                               </a:bodyPr>
                               <a:lstStyle/>
                               <a:p>
+                                <a:pPr/>
                                 <a14:m>
                                   <m:oMathPara xmlns:m="http://schemas.openxmlformats.org/officeDocument/2006/math">
                                     <m:oMathParaPr>
@@ -8477,7 +8481,7 @@
                             </p:txBody>
                           </p:sp>
                         </mc:Choice>
-                        <mc:Fallback>
+                        <mc:Fallback xmlns="">
                           <p:sp>
                             <p:nvSpPr>
                               <p:cNvPr id="215" name="ZoneTexte 214"/>
@@ -8647,8 +8651,8 @@
                             </a:fontRef>
                           </p:style>
                         </p:cxnSp>
-                        <mc:AlternateContent xmlns:mc="http://schemas.openxmlformats.org/markup-compatibility/2006">
-                          <mc:Choice xmlns:a14="http://schemas.microsoft.com/office/drawing/2010/main" Requires="a14">
+                        <mc:AlternateContent xmlns:mc="http://schemas.openxmlformats.org/markup-compatibility/2006" xmlns:a14="http://schemas.microsoft.com/office/drawing/2010/main">
+                          <mc:Choice Requires="a14">
                             <p:sp>
                               <p:nvSpPr>
                                 <p:cNvPr id="66" name="Zone de texte 153"/>
@@ -8745,7 +8749,7 @@
                               </p:txBody>
                             </p:sp>
                           </mc:Choice>
-                          <mc:Fallback>
+                          <mc:Fallback xmlns="">
                             <p:sp>
                               <p:nvSpPr>
                                 <p:cNvPr id="66" name="Zone de texte 153"/>
@@ -8788,8 +8792,8 @@
                             </p:sp>
                           </mc:Fallback>
                         </mc:AlternateContent>
-                        <mc:AlternateContent xmlns:mc="http://schemas.openxmlformats.org/markup-compatibility/2006">
-                          <mc:Choice xmlns:a14="http://schemas.microsoft.com/office/drawing/2010/main" Requires="a14">
+                        <mc:AlternateContent xmlns:mc="http://schemas.openxmlformats.org/markup-compatibility/2006" xmlns:a14="http://schemas.microsoft.com/office/drawing/2010/main">
+                          <mc:Choice Requires="a14">
                             <p:sp>
                               <p:nvSpPr>
                                 <p:cNvPr id="67" name="Zone de texte 154"/>
@@ -8886,7 +8890,7 @@
                               </p:txBody>
                             </p:sp>
                           </mc:Choice>
-                          <mc:Fallback>
+                          <mc:Fallback xmlns="">
                             <p:sp>
                               <p:nvSpPr>
                                 <p:cNvPr id="67" name="Zone de texte 154"/>
@@ -9115,8 +9119,8 @@
                                   </a:fontRef>
                                 </p:style>
                               </p:cxnSp>
-                              <mc:AlternateContent xmlns:mc="http://schemas.openxmlformats.org/markup-compatibility/2006">
-                                <mc:Choice xmlns:a14="http://schemas.microsoft.com/office/drawing/2010/main" Requires="a14">
+                              <mc:AlternateContent xmlns:mc="http://schemas.openxmlformats.org/markup-compatibility/2006" xmlns:a14="http://schemas.microsoft.com/office/drawing/2010/main">
+                                <mc:Choice Requires="a14">
                                   <p:sp>
                                     <p:nvSpPr>
                                       <p:cNvPr id="95" name="Zone de texte 153"/>
@@ -9216,7 +9220,7 @@
                                     </p:txBody>
                                   </p:sp>
                                 </mc:Choice>
-                                <mc:Fallback>
+                                <mc:Fallback xmlns="">
                                   <p:sp>
                                     <p:nvSpPr>
                                       <p:cNvPr id="95" name="Zone de texte 153"/>
@@ -9772,8 +9776,8 @@
                               </p:grpSp>
                             </p:grpSp>
                           </p:grpSp>
-                          <mc:AlternateContent xmlns:mc="http://schemas.openxmlformats.org/markup-compatibility/2006">
-                            <mc:Choice xmlns:a14="http://schemas.microsoft.com/office/drawing/2010/main" Requires="a14">
+                          <mc:AlternateContent xmlns:mc="http://schemas.openxmlformats.org/markup-compatibility/2006" xmlns:a14="http://schemas.microsoft.com/office/drawing/2010/main">
+                            <mc:Choice Requires="a14">
                               <p:sp>
                                 <p:nvSpPr>
                                   <p:cNvPr id="80" name="ZoneTexte 79"/>
@@ -9855,7 +9859,7 @@
                                 </p:txBody>
                               </p:sp>
                             </mc:Choice>
-                            <mc:Fallback>
+                            <mc:Fallback xmlns="">
                               <p:sp>
                                 <p:nvSpPr>
                                   <p:cNvPr id="80" name="ZoneTexte 79"/>
@@ -10068,8 +10072,8 @@
                           </a:p>
                         </p:txBody>
                       </p:sp>
-                      <mc:AlternateContent xmlns:mc="http://schemas.openxmlformats.org/markup-compatibility/2006">
-                        <mc:Choice xmlns:a14="http://schemas.microsoft.com/office/drawing/2010/main" Requires="a14">
+                      <mc:AlternateContent xmlns:mc="http://schemas.openxmlformats.org/markup-compatibility/2006" xmlns:a14="http://schemas.microsoft.com/office/drawing/2010/main">
+                        <mc:Choice Requires="a14">
                           <p:sp>
                             <p:nvSpPr>
                               <p:cNvPr id="197" name="ZoneTexte 196"/>
@@ -10092,6 +10096,7 @@
                               </a:bodyPr>
                               <a:lstStyle/>
                               <a:p>
+                                <a:pPr/>
                                 <a14:m>
                                   <m:oMathPara xmlns:m="http://schemas.openxmlformats.org/officeDocument/2006/math">
                                     <m:oMathParaPr>
@@ -10140,7 +10145,7 @@
                             </p:txBody>
                           </p:sp>
                         </mc:Choice>
-                        <mc:Fallback>
+                        <mc:Fallback xmlns="">
                           <p:sp>
                             <p:nvSpPr>
                               <p:cNvPr id="197" name="ZoneTexte 196"/>
@@ -10242,8 +10247,8 @@
                           </a:p>
                         </p:txBody>
                       </p:sp>
-                      <mc:AlternateContent xmlns:mc="http://schemas.openxmlformats.org/markup-compatibility/2006">
-                        <mc:Choice xmlns:a14="http://schemas.microsoft.com/office/drawing/2010/main" Requires="a14">
+                      <mc:AlternateContent xmlns:mc="http://schemas.openxmlformats.org/markup-compatibility/2006" xmlns:a14="http://schemas.microsoft.com/office/drawing/2010/main">
+                        <mc:Choice Requires="a14">
                           <p:sp>
                             <p:nvSpPr>
                               <p:cNvPr id="220" name="ZoneTexte 219"/>
@@ -10266,6 +10271,7 @@
                               </a:bodyPr>
                               <a:lstStyle/>
                               <a:p>
+                                <a:pPr/>
                                 <a14:m>
                                   <m:oMathPara xmlns:m="http://schemas.openxmlformats.org/officeDocument/2006/math">
                                     <m:oMathParaPr>
@@ -10339,7 +10345,7 @@
                             </p:txBody>
                           </p:sp>
                         </mc:Choice>
-                        <mc:Fallback>
+                        <mc:Fallback xmlns="">
                           <p:sp>
                             <p:nvSpPr>
                               <p:cNvPr id="220" name="ZoneTexte 219"/>
@@ -10431,8 +10437,8 @@
                         </a:fontRef>
                       </p:style>
                     </p:cxnSp>
-                    <mc:AlternateContent xmlns:mc="http://schemas.openxmlformats.org/markup-compatibility/2006">
-                      <mc:Choice xmlns:a14="http://schemas.microsoft.com/office/drawing/2010/main" Requires="a14">
+                    <mc:AlternateContent xmlns:mc="http://schemas.openxmlformats.org/markup-compatibility/2006" xmlns:a14="http://schemas.microsoft.com/office/drawing/2010/main">
+                      <mc:Choice Requires="a14">
                         <p:sp>
                           <p:nvSpPr>
                             <p:cNvPr id="223" name="Zone de texte 153"/>
@@ -10532,7 +10538,7 @@
                           </p:txBody>
                         </p:sp>
                       </mc:Choice>
-                      <mc:Fallback>
+                      <mc:Fallback xmlns="">
                         <p:sp>
                           <p:nvSpPr>
                             <p:cNvPr id="223" name="Zone de texte 153"/>
@@ -10639,8 +10645,8 @@
                         </a:p>
                       </p:txBody>
                     </p:sp>
-                    <mc:AlternateContent xmlns:mc="http://schemas.openxmlformats.org/markup-compatibility/2006">
-                      <mc:Choice xmlns:a14="http://schemas.microsoft.com/office/drawing/2010/main" Requires="a14">
+                    <mc:AlternateContent xmlns:mc="http://schemas.openxmlformats.org/markup-compatibility/2006" xmlns:a14="http://schemas.microsoft.com/office/drawing/2010/main">
+                      <mc:Choice Requires="a14">
                         <p:sp>
                           <p:nvSpPr>
                             <p:cNvPr id="226" name="ZoneTexte 225"/>
@@ -10663,6 +10669,7 @@
                             </a:bodyPr>
                             <a:lstStyle/>
                             <a:p>
+                              <a:pPr/>
                               <a14:m>
                                 <m:oMathPara xmlns:m="http://schemas.openxmlformats.org/officeDocument/2006/math">
                                   <m:oMathParaPr>
@@ -10683,7 +10690,7 @@
                           </p:txBody>
                         </p:sp>
                       </mc:Choice>
-                      <mc:Fallback>
+                      <mc:Fallback xmlns="">
                         <p:sp>
                           <p:nvSpPr>
                             <p:cNvPr id="226" name="ZoneTexte 225"/>
@@ -10726,8 +10733,8 @@
                 </p:grpSp>
               </p:grpSp>
             </p:grpSp>
-            <mc:AlternateContent xmlns:mc="http://schemas.openxmlformats.org/markup-compatibility/2006">
-              <mc:Choice xmlns:a14="http://schemas.microsoft.com/office/drawing/2010/main" Requires="a14">
+            <mc:AlternateContent xmlns:mc="http://schemas.openxmlformats.org/markup-compatibility/2006" xmlns:a14="http://schemas.microsoft.com/office/drawing/2010/main">
+              <mc:Choice Requires="a14">
                 <p:sp>
                   <p:nvSpPr>
                     <p:cNvPr id="309" name="ZoneTexte 308"/>
@@ -10750,7 +10757,6 @@
                     </a:bodyPr>
                     <a:lstStyle/>
                     <a:p>
-                      <a:pPr/>
                       <a14:m>
                         <m:oMath xmlns:m="http://schemas.openxmlformats.org/officeDocument/2006/math">
                           <m:r>
@@ -10782,7 +10788,7 @@
                   </p:txBody>
                 </p:sp>
               </mc:Choice>
-              <mc:Fallback>
+              <mc:Fallback xmlns="">
                 <p:sp>
                   <p:nvSpPr>
                     <p:cNvPr id="309" name="ZoneTexte 308"/>
@@ -10821,8 +10827,8 @@
                 </p:sp>
               </mc:Fallback>
             </mc:AlternateContent>
-            <mc:AlternateContent xmlns:mc="http://schemas.openxmlformats.org/markup-compatibility/2006">
-              <mc:Choice xmlns:a14="http://schemas.microsoft.com/office/drawing/2010/main" Requires="a14">
+            <mc:AlternateContent xmlns:mc="http://schemas.openxmlformats.org/markup-compatibility/2006" xmlns:a14="http://schemas.microsoft.com/office/drawing/2010/main">
+              <mc:Choice Requires="a14">
                 <p:sp>
                   <p:nvSpPr>
                     <p:cNvPr id="310" name="ZoneTexte 309"/>
@@ -10890,7 +10896,7 @@
                   </p:txBody>
                 </p:sp>
               </mc:Choice>
-              <mc:Fallback>
+              <mc:Fallback xmlns="">
                 <p:sp>
                   <p:nvSpPr>
                     <p:cNvPr id="310" name="ZoneTexte 309"/>
@@ -11384,8 +11390,8 @@
             </p:txBody>
           </p:sp>
         </p:grpSp>
-        <mc:AlternateContent xmlns:mc="http://schemas.openxmlformats.org/markup-compatibility/2006">
-          <mc:Choice xmlns:a14="http://schemas.microsoft.com/office/drawing/2010/main" Requires="a14">
+        <mc:AlternateContent xmlns:mc="http://schemas.openxmlformats.org/markup-compatibility/2006" xmlns:a14="http://schemas.microsoft.com/office/drawing/2010/main">
+          <mc:Choice Requires="a14">
             <p:sp>
               <p:nvSpPr>
                 <p:cNvPr id="481" name="ZoneTexte 480"/>
@@ -11448,7 +11454,7 @@
               </p:txBody>
             </p:sp>
           </mc:Choice>
-          <mc:Fallback>
+          <mc:Fallback xmlns="">
             <p:sp>
               <p:nvSpPr>
                 <p:cNvPr id="481" name="ZoneTexte 480"/>
@@ -11487,8 +11493,8 @@
             </p:sp>
           </mc:Fallback>
         </mc:AlternateContent>
-        <mc:AlternateContent xmlns:mc="http://schemas.openxmlformats.org/markup-compatibility/2006">
-          <mc:Choice xmlns:a14="http://schemas.microsoft.com/office/drawing/2010/main" Requires="a14">
+        <mc:AlternateContent xmlns:mc="http://schemas.openxmlformats.org/markup-compatibility/2006" xmlns:a14="http://schemas.microsoft.com/office/drawing/2010/main">
+          <mc:Choice Requires="a14">
             <p:sp>
               <p:nvSpPr>
                 <p:cNvPr id="482" name="ZoneTexte 481"/>
@@ -11551,7 +11557,7 @@
               </p:txBody>
             </p:sp>
           </mc:Choice>
-          <mc:Fallback>
+          <mc:Fallback xmlns="">
             <p:sp>
               <p:nvSpPr>
                 <p:cNvPr id="482" name="ZoneTexte 481"/>
@@ -13268,8 +13274,8 @@
                 </p:style>
               </p:cxnSp>
             </p:grpSp>
-            <mc:AlternateContent xmlns:mc="http://schemas.openxmlformats.org/markup-compatibility/2006">
-              <mc:Choice xmlns:a14="http://schemas.microsoft.com/office/drawing/2010/main" Requires="a14">
+            <mc:AlternateContent xmlns:mc="http://schemas.openxmlformats.org/markup-compatibility/2006" xmlns:a14="http://schemas.microsoft.com/office/drawing/2010/main">
+              <mc:Choice Requires="a14">
                 <p:sp>
                   <p:nvSpPr>
                     <p:cNvPr id="13" name="Zone de texte 153"/>
@@ -13366,7 +13372,7 @@
                   </p:txBody>
                 </p:sp>
               </mc:Choice>
-              <mc:Fallback>
+              <mc:Fallback xmlns="">
                 <p:sp>
                   <p:nvSpPr>
                     <p:cNvPr id="13" name="Zone de texte 153"/>
@@ -13409,8 +13415,8 @@
                 </p:sp>
               </mc:Fallback>
             </mc:AlternateContent>
-            <mc:AlternateContent xmlns:mc="http://schemas.openxmlformats.org/markup-compatibility/2006">
-              <mc:Choice xmlns:a14="http://schemas.microsoft.com/office/drawing/2010/main" Requires="a14">
+            <mc:AlternateContent xmlns:mc="http://schemas.openxmlformats.org/markup-compatibility/2006" xmlns:a14="http://schemas.microsoft.com/office/drawing/2010/main">
+              <mc:Choice Requires="a14">
                 <p:sp>
                   <p:nvSpPr>
                     <p:cNvPr id="14" name="Zone de texte 154"/>
@@ -13507,7 +13513,7 @@
                   </p:txBody>
                 </p:sp>
               </mc:Choice>
-              <mc:Fallback>
+              <mc:Fallback xmlns="">
                 <p:sp>
                   <p:nvSpPr>
                     <p:cNvPr id="14" name="Zone de texte 154"/>
@@ -13600,8 +13606,8 @@
               </a:p>
             </p:txBody>
           </p:sp>
-          <mc:AlternateContent xmlns:mc="http://schemas.openxmlformats.org/markup-compatibility/2006">
-            <mc:Choice xmlns:a14="http://schemas.microsoft.com/office/drawing/2010/main" Requires="a14">
+          <mc:AlternateContent xmlns:mc="http://schemas.openxmlformats.org/markup-compatibility/2006" xmlns:a14="http://schemas.microsoft.com/office/drawing/2010/main">
+            <mc:Choice Requires="a14">
               <p:sp>
                 <p:nvSpPr>
                   <p:cNvPr id="20" name="Zone de texte 172"/>
@@ -13702,7 +13708,7 @@
                 </p:txBody>
               </p:sp>
             </mc:Choice>
-            <mc:Fallback>
+            <mc:Fallback xmlns="">
               <p:sp>
                 <p:nvSpPr>
                   <p:cNvPr id="20" name="Zone de texte 172"/>
@@ -13828,6 +13834,1531 @@
     <p:extLst>
       <p:ext uri="{BB962C8B-B14F-4D97-AF65-F5344CB8AC3E}">
         <p14:creationId xmlns:p14="http://schemas.microsoft.com/office/powerpoint/2010/main" val="2494791254"/>
+      </p:ext>
+    </p:extLst>
+  </p:cSld>
+  <p:clrMapOvr>
+    <a:masterClrMapping/>
+  </p:clrMapOvr>
+</p:sld>
+</file>
+
+<file path=ppt/slides/slide5.xml><?xml version="1.0" encoding="utf-8"?>
+<p:sld xmlns:a="http://schemas.openxmlformats.org/drawingml/2006/main" xmlns:r="http://schemas.openxmlformats.org/officeDocument/2006/relationships" xmlns:p="http://schemas.openxmlformats.org/presentationml/2006/main">
+  <p:cSld>
+    <p:spTree>
+      <p:nvGrpSpPr>
+        <p:cNvPr id="1" name=""/>
+        <p:cNvGrpSpPr/>
+        <p:nvPr/>
+      </p:nvGrpSpPr>
+      <p:grpSpPr>
+        <a:xfrm>
+          <a:off x="0" y="0"/>
+          <a:ext cx="0" cy="0"/>
+          <a:chOff x="0" y="0"/>
+          <a:chExt cx="0" cy="0"/>
+        </a:xfrm>
+      </p:grpSpPr>
+      <p:grpSp>
+        <p:nvGrpSpPr>
+          <p:cNvPr id="55" name="Groupe 54"/>
+          <p:cNvGrpSpPr/>
+          <p:nvPr/>
+        </p:nvGrpSpPr>
+        <p:grpSpPr>
+          <a:xfrm>
+            <a:off x="2455040" y="1053713"/>
+            <a:ext cx="6752314" cy="4821552"/>
+            <a:chOff x="2455040" y="1053713"/>
+            <a:chExt cx="6752314" cy="4821552"/>
+          </a:xfrm>
+        </p:grpSpPr>
+        <p:grpSp>
+          <p:nvGrpSpPr>
+            <p:cNvPr id="4" name="Groupe 3"/>
+            <p:cNvGrpSpPr/>
+            <p:nvPr/>
+          </p:nvGrpSpPr>
+          <p:grpSpPr>
+            <a:xfrm>
+              <a:off x="3235826" y="1119187"/>
+              <a:ext cx="5062520" cy="4756078"/>
+              <a:chOff x="790577" y="379448"/>
+              <a:chExt cx="5062520" cy="4756078"/>
+            </a:xfrm>
+          </p:grpSpPr>
+          <p:grpSp>
+            <p:nvGrpSpPr>
+              <p:cNvPr id="5" name="Groupe 4"/>
+              <p:cNvGrpSpPr/>
+              <p:nvPr/>
+            </p:nvGrpSpPr>
+            <p:grpSpPr>
+              <a:xfrm>
+                <a:off x="1295695" y="930855"/>
+                <a:ext cx="3865818" cy="3865818"/>
+                <a:chOff x="1744407" y="1446219"/>
+                <a:chExt cx="3865818" cy="3865818"/>
+              </a:xfrm>
+            </p:grpSpPr>
+            <p:sp>
+              <p:nvSpPr>
+                <p:cNvPr id="15" name="Ellipse 14"/>
+                <p:cNvSpPr/>
+                <p:nvPr/>
+              </p:nvSpPr>
+              <p:spPr>
+                <a:xfrm>
+                  <a:off x="1744407" y="1446219"/>
+                  <a:ext cx="3865818" cy="3865818"/>
+                </a:xfrm>
+                <a:prstGeom prst="ellipse">
+                  <a:avLst/>
+                </a:prstGeom>
+                <a:solidFill>
+                  <a:schemeClr val="bg1">
+                    <a:lumMod val="75000"/>
+                  </a:schemeClr>
+                </a:solidFill>
+                <a:ln w="19050">
+                  <a:solidFill>
+                    <a:schemeClr val="tx1"/>
+                  </a:solidFill>
+                </a:ln>
+              </p:spPr>
+              <p:style>
+                <a:lnRef idx="2">
+                  <a:schemeClr val="accent1">
+                    <a:shade val="50000"/>
+                  </a:schemeClr>
+                </a:lnRef>
+                <a:fillRef idx="1">
+                  <a:schemeClr val="accent1"/>
+                </a:fillRef>
+                <a:effectRef idx="0">
+                  <a:schemeClr val="accent1"/>
+                </a:effectRef>
+                <a:fontRef idx="minor">
+                  <a:schemeClr val="lt1"/>
+                </a:fontRef>
+              </p:style>
+              <p:txBody>
+                <a:bodyPr rtlCol="0" anchor="ctr"/>
+                <a:lstStyle/>
+                <a:p>
+                  <a:pPr algn="ctr"/>
+                  <a:endParaRPr lang="fr-FR"/>
+                </a:p>
+              </p:txBody>
+            </p:sp>
+            <p:sp>
+              <p:nvSpPr>
+                <p:cNvPr id="16" name="Ellipse 15"/>
+                <p:cNvSpPr/>
+                <p:nvPr/>
+              </p:nvSpPr>
+              <p:spPr>
+                <a:xfrm>
+                  <a:off x="1915857" y="1589094"/>
+                  <a:ext cx="3541968" cy="3541968"/>
+                </a:xfrm>
+                <a:prstGeom prst="ellipse">
+                  <a:avLst/>
+                </a:prstGeom>
+                <a:solidFill>
+                  <a:schemeClr val="bg1"/>
+                </a:solidFill>
+                <a:ln w="19050">
+                  <a:solidFill>
+                    <a:schemeClr val="tx1"/>
+                  </a:solidFill>
+                </a:ln>
+              </p:spPr>
+              <p:style>
+                <a:lnRef idx="2">
+                  <a:schemeClr val="accent1">
+                    <a:shade val="50000"/>
+                  </a:schemeClr>
+                </a:lnRef>
+                <a:fillRef idx="1">
+                  <a:schemeClr val="accent1"/>
+                </a:fillRef>
+                <a:effectRef idx="0">
+                  <a:schemeClr val="accent1"/>
+                </a:effectRef>
+                <a:fontRef idx="minor">
+                  <a:schemeClr val="lt1"/>
+                </a:fontRef>
+              </p:style>
+              <p:txBody>
+                <a:bodyPr rtlCol="0" anchor="ctr"/>
+                <a:lstStyle/>
+                <a:p>
+                  <a:pPr algn="ctr"/>
+                  <a:endParaRPr lang="fr-FR"/>
+                </a:p>
+              </p:txBody>
+            </p:sp>
+          </p:grpSp>
+          <p:grpSp>
+            <p:nvGrpSpPr>
+              <p:cNvPr id="6" name="Groupe 5"/>
+              <p:cNvGrpSpPr/>
+              <p:nvPr/>
+            </p:nvGrpSpPr>
+            <p:grpSpPr>
+              <a:xfrm>
+                <a:off x="790577" y="379448"/>
+                <a:ext cx="5062520" cy="4756078"/>
+                <a:chOff x="2943314" y="-133329"/>
+                <a:chExt cx="5062520" cy="4756078"/>
+              </a:xfrm>
+            </p:grpSpPr>
+            <p:grpSp>
+              <p:nvGrpSpPr>
+                <p:cNvPr id="7" name="Groupe 6"/>
+                <p:cNvGrpSpPr/>
+                <p:nvPr/>
+              </p:nvGrpSpPr>
+              <p:grpSpPr>
+                <a:xfrm>
+                  <a:off x="2943314" y="-84152"/>
+                  <a:ext cx="5062520" cy="4706901"/>
+                  <a:chOff x="6005425" y="972635"/>
+                  <a:chExt cx="4096191" cy="4234005"/>
+                </a:xfrm>
+              </p:grpSpPr>
+              <p:grpSp>
+                <p:nvGrpSpPr>
+                  <p:cNvPr id="10" name="Groupe 9"/>
+                  <p:cNvGrpSpPr/>
+                  <p:nvPr/>
+                </p:nvGrpSpPr>
+                <p:grpSpPr>
+                  <a:xfrm>
+                    <a:off x="6005425" y="972635"/>
+                    <a:ext cx="3868851" cy="4189769"/>
+                    <a:chOff x="-937798" y="-983573"/>
+                    <a:chExt cx="3871157" cy="4191934"/>
+                  </a:xfrm>
+                </p:grpSpPr>
+                <p:cxnSp>
+                  <p:nvCxnSpPr>
+                    <p:cNvPr id="13" name="Connecteur droit avec flèche 12"/>
+                    <p:cNvCxnSpPr/>
+                    <p:nvPr/>
+                  </p:nvCxnSpPr>
+                  <p:spPr>
+                    <a:xfrm>
+                      <a:off x="-937798" y="1182414"/>
+                      <a:ext cx="3871157" cy="0"/>
+                    </a:xfrm>
+                    <a:prstGeom prst="straightConnector1">
+                      <a:avLst/>
+                    </a:prstGeom>
+                    <a:ln w="38100">
+                      <a:solidFill>
+                        <a:schemeClr val="tx1"/>
+                      </a:solidFill>
+                      <a:tailEnd type="triangle"/>
+                    </a:ln>
+                  </p:spPr>
+                  <p:style>
+                    <a:lnRef idx="1">
+                      <a:schemeClr val="accent1"/>
+                    </a:lnRef>
+                    <a:fillRef idx="0">
+                      <a:schemeClr val="accent1"/>
+                    </a:fillRef>
+                    <a:effectRef idx="0">
+                      <a:schemeClr val="accent1"/>
+                    </a:effectRef>
+                    <a:fontRef idx="minor">
+                      <a:schemeClr val="tx1"/>
+                    </a:fontRef>
+                  </p:style>
+                </p:cxnSp>
+                <p:cxnSp>
+                  <p:nvCxnSpPr>
+                    <p:cNvPr id="14" name="Connecteur droit avec flèche 13"/>
+                    <p:cNvCxnSpPr/>
+                    <p:nvPr/>
+                  </p:nvCxnSpPr>
+                  <p:spPr>
+                    <a:xfrm>
+                      <a:off x="1052702" y="-983573"/>
+                      <a:ext cx="0" cy="4191934"/>
+                    </a:xfrm>
+                    <a:prstGeom prst="straightConnector1">
+                      <a:avLst/>
+                    </a:prstGeom>
+                    <a:ln w="38100">
+                      <a:solidFill>
+                        <a:schemeClr val="tx1"/>
+                      </a:solidFill>
+                      <a:tailEnd type="triangle"/>
+                    </a:ln>
+                  </p:spPr>
+                  <p:style>
+                    <a:lnRef idx="1">
+                      <a:schemeClr val="accent1"/>
+                    </a:lnRef>
+                    <a:fillRef idx="0">
+                      <a:schemeClr val="accent1"/>
+                    </a:fillRef>
+                    <a:effectRef idx="0">
+                      <a:schemeClr val="accent1"/>
+                    </a:effectRef>
+                    <a:fontRef idx="minor">
+                      <a:schemeClr val="tx1"/>
+                    </a:fontRef>
+                  </p:style>
+                </p:cxnSp>
+              </p:grpSp>
+              <mc:AlternateContent xmlns:mc="http://schemas.openxmlformats.org/markup-compatibility/2006">
+                <mc:Choice xmlns:a14="http://schemas.microsoft.com/office/drawing/2010/main" Requires="a14">
+                  <p:sp>
+                    <p:nvSpPr>
+                      <p:cNvPr id="11" name="Zone de texte 153"/>
+                      <p:cNvSpPr txBox="1"/>
+                      <p:nvPr/>
+                    </p:nvSpPr>
+                    <p:spPr>
+                      <a:xfrm>
+                        <a:off x="7978084" y="4931990"/>
+                        <a:ext cx="301748" cy="274650"/>
+                      </a:xfrm>
+                      <a:prstGeom prst="rect">
+                        <a:avLst/>
+                      </a:prstGeom>
+                      <a:noFill/>
+                      <a:ln w="6350">
+                        <a:noFill/>
+                      </a:ln>
+                      <a:effectLst/>
+                    </p:spPr>
+                    <p:style>
+                      <a:lnRef idx="0">
+                        <a:schemeClr val="accent1"/>
+                      </a:lnRef>
+                      <a:fillRef idx="0">
+                        <a:schemeClr val="accent1"/>
+                      </a:fillRef>
+                      <a:effectRef idx="0">
+                        <a:schemeClr val="accent1"/>
+                      </a:effectRef>
+                      <a:fontRef idx="minor">
+                        <a:schemeClr val="dk1"/>
+                      </a:fontRef>
+                    </p:style>
+                    <p:txBody>
+                      <a:bodyPr rot="0" spcFirstLastPara="0" vert="horz" wrap="square" lIns="91440" tIns="45720" rIns="91440" bIns="45720" numCol="1" spcCol="0" rtlCol="0" fromWordArt="0" anchor="t" anchorCtr="0" forceAA="0" compatLnSpc="1">
+                        <a:prstTxWarp prst="textNoShape">
+                          <a:avLst/>
+                        </a:prstTxWarp>
+                        <a:noAutofit/>
+                      </a:bodyPr>
+                      <a:lstStyle/>
+                      <a:p>
+                        <a:pPr>
+                          <a:lnSpc>
+                            <a:spcPct val="107000"/>
+                          </a:lnSpc>
+                          <a:spcAft>
+                            <a:spcPts val="800"/>
+                          </a:spcAft>
+                        </a:pPr>
+                        <a14:m>
+                          <m:oMathPara xmlns:m="http://schemas.openxmlformats.org/officeDocument/2006/math">
+                            <m:oMathParaPr>
+                              <m:jc m:val="centerGroup"/>
+                            </m:oMathParaPr>
+                            <m:oMath xmlns:m="http://schemas.openxmlformats.org/officeDocument/2006/math">
+                              <m:r>
+                                <a:rPr lang="fr-FR" sz="2400" b="0" i="1" smtClean="0">
+                                  <a:effectLst/>
+                                  <a:latin typeface="Cambria Math" panose="02040503050406030204" pitchFamily="18" charset="0"/>
+                                  <a:ea typeface="Calibri" panose="020F0502020204030204" pitchFamily="34" charset="0"/>
+                                  <a:cs typeface="Times New Roman" panose="02020603050405020304" pitchFamily="18" charset="0"/>
+                                </a:rPr>
+                                <m:t>𝑋</m:t>
+                              </m:r>
+                            </m:oMath>
+                          </m:oMathPara>
+                        </a14:m>
+                        <a:endParaRPr lang="fr-FR" sz="2400" dirty="0">
+                          <a:effectLst/>
+                          <a:ea typeface="Calibri" panose="020F0502020204030204" pitchFamily="34" charset="0"/>
+                          <a:cs typeface="Times New Roman" panose="02020603050405020304" pitchFamily="18" charset="0"/>
+                        </a:endParaRPr>
+                      </a:p>
+                      <a:p>
+                        <a:pPr>
+                          <a:lnSpc>
+                            <a:spcPct val="107000"/>
+                          </a:lnSpc>
+                          <a:spcAft>
+                            <a:spcPts val="800"/>
+                          </a:spcAft>
+                        </a:pPr>
+                        <a:r>
+                          <a:rPr lang="fr-FR" sz="2400" dirty="0">
+                            <a:effectLst/>
+                            <a:ea typeface="Calibri" panose="020F0502020204030204" pitchFamily="34" charset="0"/>
+                            <a:cs typeface="Times New Roman" panose="02020603050405020304" pitchFamily="18" charset="0"/>
+                          </a:rPr>
+                          <a:t> </a:t>
+                        </a:r>
+                      </a:p>
+                    </p:txBody>
+                  </p:sp>
+                </mc:Choice>
+                <mc:Fallback>
+                  <p:sp>
+                    <p:nvSpPr>
+                      <p:cNvPr id="11" name="Zone de texte 153"/>
+                      <p:cNvSpPr txBox="1">
+                        <a:spLocks noRot="1" noChangeAspect="1" noMove="1" noResize="1" noEditPoints="1" noAdjustHandles="1" noChangeArrowheads="1" noChangeShapeType="1" noTextEdit="1"/>
+                      </p:cNvSpPr>
+                      <p:nvPr/>
+                    </p:nvSpPr>
+                    <p:spPr>
+                      <a:xfrm>
+                        <a:off x="7978084" y="4931990"/>
+                        <a:ext cx="301748" cy="274650"/>
+                      </a:xfrm>
+                      <a:prstGeom prst="rect">
+                        <a:avLst/>
+                      </a:prstGeom>
+                      <a:blipFill rotWithShape="0">
+                        <a:blip r:embed="rId2"/>
+                        <a:stretch>
+                          <a:fillRect b="-12000"/>
+                        </a:stretch>
+                      </a:blipFill>
+                      <a:ln w="6350">
+                        <a:noFill/>
+                      </a:ln>
+                      <a:effectLst/>
+                    </p:spPr>
+                    <p:txBody>
+                      <a:bodyPr/>
+                      <a:lstStyle/>
+                      <a:p>
+                        <a:r>
+                          <a:rPr lang="fr-FR">
+                            <a:noFill/>
+                          </a:rPr>
+                          <a:t> </a:t>
+                        </a:r>
+                      </a:p>
+                    </p:txBody>
+                  </p:sp>
+                </mc:Fallback>
+              </mc:AlternateContent>
+              <mc:AlternateContent xmlns:mc="http://schemas.openxmlformats.org/markup-compatibility/2006">
+                <mc:Choice xmlns:a14="http://schemas.microsoft.com/office/drawing/2010/main" Requires="a14">
+                  <p:sp>
+                    <p:nvSpPr>
+                      <p:cNvPr id="12" name="Zone de texte 154"/>
+                      <p:cNvSpPr txBox="1"/>
+                      <p:nvPr/>
+                    </p:nvSpPr>
+                    <p:spPr>
+                      <a:xfrm>
+                        <a:off x="9799868" y="2749962"/>
+                        <a:ext cx="301748" cy="274650"/>
+                      </a:xfrm>
+                      <a:prstGeom prst="rect">
+                        <a:avLst/>
+                      </a:prstGeom>
+                      <a:noFill/>
+                      <a:ln w="6350">
+                        <a:noFill/>
+                      </a:ln>
+                      <a:effectLst/>
+                    </p:spPr>
+                    <p:style>
+                      <a:lnRef idx="0">
+                        <a:schemeClr val="accent1"/>
+                      </a:lnRef>
+                      <a:fillRef idx="0">
+                        <a:schemeClr val="accent1"/>
+                      </a:fillRef>
+                      <a:effectRef idx="0">
+                        <a:schemeClr val="accent1"/>
+                      </a:effectRef>
+                      <a:fontRef idx="minor">
+                        <a:schemeClr val="dk1"/>
+                      </a:fontRef>
+                    </p:style>
+                    <p:txBody>
+                      <a:bodyPr rot="0" spcFirstLastPara="0" vert="horz" wrap="square" lIns="91440" tIns="45720" rIns="91440" bIns="45720" numCol="1" spcCol="0" rtlCol="0" fromWordArt="0" anchor="t" anchorCtr="0" forceAA="0" compatLnSpc="1">
+                        <a:prstTxWarp prst="textNoShape">
+                          <a:avLst/>
+                        </a:prstTxWarp>
+                        <a:noAutofit/>
+                      </a:bodyPr>
+                      <a:lstStyle/>
+                      <a:p>
+                        <a:pPr>
+                          <a:lnSpc>
+                            <a:spcPct val="107000"/>
+                          </a:lnSpc>
+                          <a:spcAft>
+                            <a:spcPts val="800"/>
+                          </a:spcAft>
+                        </a:pPr>
+                        <a14:m>
+                          <m:oMathPara xmlns:m="http://schemas.openxmlformats.org/officeDocument/2006/math">
+                            <m:oMathParaPr>
+                              <m:jc m:val="centerGroup"/>
+                            </m:oMathParaPr>
+                            <m:oMath xmlns:m="http://schemas.openxmlformats.org/officeDocument/2006/math">
+                              <m:r>
+                                <a:rPr lang="fr-FR" sz="2400" b="0" i="1" smtClean="0">
+                                  <a:effectLst/>
+                                  <a:latin typeface="Cambria Math" panose="02040503050406030204" pitchFamily="18" charset="0"/>
+                                  <a:ea typeface="Calibri" panose="020F0502020204030204" pitchFamily="34" charset="0"/>
+                                  <a:cs typeface="Times New Roman" panose="02020603050405020304" pitchFamily="18" charset="0"/>
+                                </a:rPr>
+                                <m:t>𝑌</m:t>
+                              </m:r>
+                            </m:oMath>
+                          </m:oMathPara>
+                        </a14:m>
+                        <a:endParaRPr lang="fr-FR" sz="2400" dirty="0">
+                          <a:effectLst/>
+                          <a:ea typeface="Calibri" panose="020F0502020204030204" pitchFamily="34" charset="0"/>
+                          <a:cs typeface="Times New Roman" panose="02020603050405020304" pitchFamily="18" charset="0"/>
+                        </a:endParaRPr>
+                      </a:p>
+                      <a:p>
+                        <a:pPr>
+                          <a:lnSpc>
+                            <a:spcPct val="107000"/>
+                          </a:lnSpc>
+                          <a:spcAft>
+                            <a:spcPts val="800"/>
+                          </a:spcAft>
+                        </a:pPr>
+                        <a:r>
+                          <a:rPr lang="fr-FR" sz="2400" dirty="0">
+                            <a:effectLst/>
+                            <a:ea typeface="Calibri" panose="020F0502020204030204" pitchFamily="34" charset="0"/>
+                            <a:cs typeface="Times New Roman" panose="02020603050405020304" pitchFamily="18" charset="0"/>
+                          </a:rPr>
+                          <a:t> </a:t>
+                        </a:r>
+                      </a:p>
+                    </p:txBody>
+                  </p:sp>
+                </mc:Choice>
+                <mc:Fallback>
+                  <p:sp>
+                    <p:nvSpPr>
+                      <p:cNvPr id="12" name="Zone de texte 154"/>
+                      <p:cNvSpPr txBox="1">
+                        <a:spLocks noRot="1" noChangeAspect="1" noMove="1" noResize="1" noEditPoints="1" noAdjustHandles="1" noChangeArrowheads="1" noChangeShapeType="1" noTextEdit="1"/>
+                      </p:cNvSpPr>
+                      <p:nvPr/>
+                    </p:nvSpPr>
+                    <p:spPr>
+                      <a:xfrm>
+                        <a:off x="9799868" y="2749962"/>
+                        <a:ext cx="301748" cy="274650"/>
+                      </a:xfrm>
+                      <a:prstGeom prst="rect">
+                        <a:avLst/>
+                      </a:prstGeom>
+                      <a:blipFill rotWithShape="0">
+                        <a:blip r:embed="rId3"/>
+                        <a:stretch>
+                          <a:fillRect b="-12000"/>
+                        </a:stretch>
+                      </a:blipFill>
+                      <a:ln w="6350">
+                        <a:noFill/>
+                      </a:ln>
+                      <a:effectLst/>
+                    </p:spPr>
+                    <p:txBody>
+                      <a:bodyPr/>
+                      <a:lstStyle/>
+                      <a:p>
+                        <a:r>
+                          <a:rPr lang="fr-FR">
+                            <a:noFill/>
+                          </a:rPr>
+                          <a:t> </a:t>
+                        </a:r>
+                      </a:p>
+                    </p:txBody>
+                  </p:sp>
+                </mc:Fallback>
+              </mc:AlternateContent>
+            </p:grpSp>
+            <p:sp>
+              <p:nvSpPr>
+                <p:cNvPr id="8" name="Arc 7"/>
+                <p:cNvSpPr/>
+                <p:nvPr/>
+              </p:nvSpPr>
+              <p:spPr>
+                <a:xfrm rot="13411610">
+                  <a:off x="4701168" y="97926"/>
+                  <a:ext cx="962471" cy="1002521"/>
+                </a:xfrm>
+                <a:prstGeom prst="arc">
+                  <a:avLst>
+                    <a:gd name="adj1" fmla="val 21020445"/>
+                    <a:gd name="adj2" fmla="val 4480889"/>
+                  </a:avLst>
+                </a:prstGeom>
+                <a:ln>
+                  <a:prstDash val="solid"/>
+                  <a:headEnd type="triangle"/>
+                </a:ln>
+              </p:spPr>
+              <p:style>
+                <a:lnRef idx="3">
+                  <a:schemeClr val="dk1"/>
+                </a:lnRef>
+                <a:fillRef idx="0">
+                  <a:schemeClr val="dk1"/>
+                </a:fillRef>
+                <a:effectRef idx="2">
+                  <a:schemeClr val="dk1"/>
+                </a:effectRef>
+                <a:fontRef idx="minor">
+                  <a:schemeClr val="tx1"/>
+                </a:fontRef>
+              </p:style>
+              <p:txBody>
+                <a:bodyPr rot="0" spcFirstLastPara="0" vert="horz" wrap="square" lIns="91440" tIns="45720" rIns="91440" bIns="45720" numCol="1" spcCol="0" rtlCol="0" fromWordArt="0" anchor="ctr" anchorCtr="0" forceAA="0" compatLnSpc="1">
+                  <a:prstTxWarp prst="textNoShape">
+                    <a:avLst/>
+                  </a:prstTxWarp>
+                  <a:noAutofit/>
+                </a:bodyPr>
+                <a:lstStyle/>
+                <a:p>
+                  <a:endParaRPr lang="fr-FR" sz="4000"/>
+                </a:p>
+              </p:txBody>
+            </p:sp>
+            <mc:AlternateContent xmlns:mc="http://schemas.openxmlformats.org/markup-compatibility/2006" xmlns:a14="http://schemas.microsoft.com/office/drawing/2010/main">
+              <mc:Choice Requires="a14">
+                <p:sp>
+                  <p:nvSpPr>
+                    <p:cNvPr id="9" name="Zone de texte 172"/>
+                    <p:cNvSpPr txBox="1"/>
+                    <p:nvPr/>
+                  </p:nvSpPr>
+                  <p:spPr>
+                    <a:xfrm>
+                      <a:off x="4535910" y="-133329"/>
+                      <a:ext cx="290213" cy="370432"/>
+                    </a:xfrm>
+                    <a:prstGeom prst="rect">
+                      <a:avLst/>
+                    </a:prstGeom>
+                    <a:noFill/>
+                    <a:ln w="6350">
+                      <a:noFill/>
+                    </a:ln>
+                    <a:effectLst/>
+                  </p:spPr>
+                  <p:style>
+                    <a:lnRef idx="0">
+                      <a:schemeClr val="accent1"/>
+                    </a:lnRef>
+                    <a:fillRef idx="0">
+                      <a:schemeClr val="accent1"/>
+                    </a:fillRef>
+                    <a:effectRef idx="0">
+                      <a:schemeClr val="accent1"/>
+                    </a:effectRef>
+                    <a:fontRef idx="minor">
+                      <a:schemeClr val="dk1"/>
+                    </a:fontRef>
+                  </p:style>
+                  <p:txBody>
+                    <a:bodyPr rot="0" spcFirstLastPara="0" vert="horz" wrap="square" lIns="91440" tIns="45720" rIns="91440" bIns="45720" numCol="1" spcCol="0" rtlCol="0" fromWordArt="0" anchor="t" anchorCtr="0" forceAA="0" compatLnSpc="1">
+                      <a:prstTxWarp prst="textNoShape">
+                        <a:avLst/>
+                      </a:prstTxWarp>
+                      <a:noAutofit/>
+                    </a:bodyPr>
+                    <a:lstStyle/>
+                    <a:p>
+                      <a:pPr>
+                        <a:lnSpc>
+                          <a:spcPct val="107000"/>
+                        </a:lnSpc>
+                        <a:spcAft>
+                          <a:spcPts val="800"/>
+                        </a:spcAft>
+                      </a:pPr>
+                      <a14:m>
+                        <m:oMathPara xmlns:m="http://schemas.openxmlformats.org/officeDocument/2006/math">
+                          <m:oMathParaPr>
+                            <m:jc m:val="centerGroup"/>
+                          </m:oMathParaPr>
+                          <m:oMath xmlns:m="http://schemas.openxmlformats.org/officeDocument/2006/math">
+                            <m:sSup>
+                              <m:sSupPr>
+                                <m:ctrlPr>
+                                  <a:rPr lang="fr-FR" sz="2400" b="0" i="1" smtClean="0">
+                                    <a:latin typeface="Cambria Math" panose="02040503050406030204" pitchFamily="18" charset="0"/>
+                                    <a:ea typeface="Calibri" panose="020F0502020204030204" pitchFamily="34" charset="0"/>
+                                    <a:cs typeface="Times New Roman" panose="02020603050405020304" pitchFamily="18" charset="0"/>
+                                  </a:rPr>
+                                </m:ctrlPr>
+                              </m:sSupPr>
+                              <m:e>
+                                <m:r>
+                                  <a:rPr lang="fr-FR" sz="2400" i="1" smtClean="0">
+                                    <a:latin typeface="Cambria Math" panose="02040503050406030204" pitchFamily="18" charset="0"/>
+                                    <a:ea typeface="Calibri" panose="020F0502020204030204" pitchFamily="34" charset="0"/>
+                                    <a:cs typeface="Times New Roman" panose="02020603050405020304" pitchFamily="18" charset="0"/>
+                                  </a:rPr>
+                                  <m:t>𝜃</m:t>
+                                </m:r>
+                              </m:e>
+                              <m:sup>
+                                <m:r>
+                                  <a:rPr lang="fr-FR" sz="2400" b="0" i="1" smtClean="0">
+                                    <a:latin typeface="Cambria Math" panose="02040503050406030204" pitchFamily="18" charset="0"/>
+                                    <a:ea typeface="Calibri" panose="020F0502020204030204" pitchFamily="34" charset="0"/>
+                                    <a:cs typeface="Times New Roman" panose="02020603050405020304" pitchFamily="18" charset="0"/>
+                                  </a:rPr>
+                                  <m:t>∗</m:t>
+                                </m:r>
+                              </m:sup>
+                            </m:sSup>
+                          </m:oMath>
+                        </m:oMathPara>
+                      </a14:m>
+                      <a:endParaRPr lang="fr-FR" sz="2400" dirty="0">
+                        <a:effectLst/>
+                        <a:ea typeface="Calibri" panose="020F0502020204030204" pitchFamily="34" charset="0"/>
+                        <a:cs typeface="Times New Roman" panose="02020603050405020304" pitchFamily="18" charset="0"/>
+                      </a:endParaRPr>
+                    </a:p>
+                  </p:txBody>
+                </p:sp>
+              </mc:Choice>
+              <mc:Fallback xmlns="">
+                <p:sp>
+                  <p:nvSpPr>
+                    <p:cNvPr id="20" name="Zone de texte 172"/>
+                    <p:cNvSpPr txBox="1">
+                      <a:spLocks noRot="1" noChangeAspect="1" noMove="1" noResize="1" noEditPoints="1" noAdjustHandles="1" noChangeArrowheads="1" noChangeShapeType="1" noTextEdit="1"/>
+                    </p:cNvSpPr>
+                    <p:nvPr/>
+                  </p:nvSpPr>
+                  <p:spPr>
+                    <a:xfrm>
+                      <a:off x="4535910" y="-133329"/>
+                      <a:ext cx="290213" cy="370432"/>
+                    </a:xfrm>
+                    <a:prstGeom prst="rect">
+                      <a:avLst/>
+                    </a:prstGeom>
+                    <a:blipFill rotWithShape="0">
+                      <a:blip r:embed="rId4"/>
+                      <a:stretch>
+                        <a:fillRect r="-29167"/>
+                      </a:stretch>
+                    </a:blipFill>
+                    <a:ln w="6350">
+                      <a:noFill/>
+                    </a:ln>
+                    <a:effectLst/>
+                  </p:spPr>
+                  <p:txBody>
+                    <a:bodyPr/>
+                    <a:lstStyle/>
+                    <a:p>
+                      <a:r>
+                        <a:rPr lang="fr-FR">
+                          <a:noFill/>
+                        </a:rPr>
+                        <a:t> </a:t>
+                      </a:r>
+                    </a:p>
+                  </p:txBody>
+                </p:sp>
+              </mc:Fallback>
+            </mc:AlternateContent>
+          </p:grpSp>
+        </p:grpSp>
+        <p:sp>
+          <p:nvSpPr>
+            <p:cNvPr id="17" name="ZoneTexte 16"/>
+            <p:cNvSpPr txBox="1"/>
+            <p:nvPr/>
+          </p:nvSpPr>
+          <p:spPr>
+            <a:xfrm>
+              <a:off x="7807675" y="1053713"/>
+              <a:ext cx="1399679" cy="461665"/>
+            </a:xfrm>
+            <a:prstGeom prst="rect">
+              <a:avLst/>
+            </a:prstGeom>
+            <a:noFill/>
+          </p:spPr>
+          <p:txBody>
+            <a:bodyPr wrap="none" rtlCol="0">
+              <a:spAutoFit/>
+            </a:bodyPr>
+            <a:lstStyle/>
+            <a:p>
+              <a:r>
+                <a:rPr lang="fr-FR" sz="2400" dirty="0" smtClean="0"/>
+                <a:t>Coussinet</a:t>
+              </a:r>
+              <a:endParaRPr lang="fr-FR" sz="2400" dirty="0"/>
+            </a:p>
+          </p:txBody>
+        </p:sp>
+        <p:cxnSp>
+          <p:nvCxnSpPr>
+            <p:cNvPr id="19" name="Connecteur en arc 18"/>
+            <p:cNvCxnSpPr>
+              <a:stCxn id="17" idx="1"/>
+              <a:endCxn id="15" idx="7"/>
+            </p:cNvCxnSpPr>
+            <p:nvPr/>
+          </p:nvCxnSpPr>
+          <p:spPr>
+            <a:xfrm rot="10800000" flipV="1">
+              <a:off x="7040627" y="1284546"/>
+              <a:ext cx="767049" cy="952184"/>
+            </a:xfrm>
+            <a:prstGeom prst="curvedConnector2">
+              <a:avLst/>
+            </a:prstGeom>
+            <a:ln w="28575">
+              <a:solidFill>
+                <a:schemeClr val="tx1"/>
+              </a:solidFill>
+              <a:tailEnd type="triangle"/>
+            </a:ln>
+          </p:spPr>
+          <p:style>
+            <a:lnRef idx="1">
+              <a:schemeClr val="accent1"/>
+            </a:lnRef>
+            <a:fillRef idx="0">
+              <a:schemeClr val="accent1"/>
+            </a:fillRef>
+            <a:effectRef idx="0">
+              <a:schemeClr val="accent1"/>
+            </a:effectRef>
+            <a:fontRef idx="minor">
+              <a:schemeClr val="tx1"/>
+            </a:fontRef>
+          </p:style>
+        </p:cxnSp>
+        <p:sp>
+          <p:nvSpPr>
+            <p:cNvPr id="22" name="ZoneTexte 21"/>
+            <p:cNvSpPr txBox="1"/>
+            <p:nvPr/>
+          </p:nvSpPr>
+          <p:spPr>
+            <a:xfrm>
+              <a:off x="2455040" y="1798657"/>
+              <a:ext cx="931792" cy="461665"/>
+            </a:xfrm>
+            <a:prstGeom prst="rect">
+              <a:avLst/>
+            </a:prstGeom>
+            <a:noFill/>
+          </p:spPr>
+          <p:txBody>
+            <a:bodyPr wrap="square" rtlCol="0">
+              <a:spAutoFit/>
+            </a:bodyPr>
+            <a:lstStyle/>
+            <a:p>
+              <a:pPr algn="ctr"/>
+              <a:r>
+                <a:rPr lang="fr-FR" sz="2400" dirty="0" smtClean="0">
+                  <a:solidFill>
+                    <a:srgbClr val="0070C0"/>
+                  </a:solidFill>
+                </a:rPr>
+                <a:t>Rotor</a:t>
+              </a:r>
+              <a:endParaRPr lang="fr-FR" sz="1400" dirty="0">
+                <a:solidFill>
+                  <a:srgbClr val="0070C0"/>
+                </a:solidFill>
+              </a:endParaRPr>
+            </a:p>
+          </p:txBody>
+        </p:sp>
+        <p:cxnSp>
+          <p:nvCxnSpPr>
+            <p:cNvPr id="23" name="Connecteur en arc 22"/>
+            <p:cNvCxnSpPr>
+              <a:stCxn id="22" idx="3"/>
+              <a:endCxn id="21" idx="1"/>
+            </p:cNvCxnSpPr>
+            <p:nvPr/>
+          </p:nvCxnSpPr>
+          <p:spPr>
+            <a:xfrm>
+              <a:off x="3386832" y="2029490"/>
+              <a:ext cx="1563697" cy="791288"/>
+            </a:xfrm>
+            <a:prstGeom prst="curvedConnector2">
+              <a:avLst/>
+            </a:prstGeom>
+            <a:ln w="28575">
+              <a:solidFill>
+                <a:srgbClr val="0070C0"/>
+              </a:solidFill>
+              <a:tailEnd type="triangle"/>
+            </a:ln>
+          </p:spPr>
+          <p:style>
+            <a:lnRef idx="1">
+              <a:schemeClr val="accent1"/>
+            </a:lnRef>
+            <a:fillRef idx="0">
+              <a:schemeClr val="accent1"/>
+            </a:fillRef>
+            <a:effectRef idx="0">
+              <a:schemeClr val="accent1"/>
+            </a:effectRef>
+            <a:fontRef idx="minor">
+              <a:schemeClr val="tx1"/>
+            </a:fontRef>
+          </p:style>
+        </p:cxnSp>
+        <p:grpSp>
+          <p:nvGrpSpPr>
+            <p:cNvPr id="44" name="Groupe 43"/>
+            <p:cNvGrpSpPr/>
+            <p:nvPr/>
+          </p:nvGrpSpPr>
+          <p:grpSpPr>
+            <a:xfrm>
+              <a:off x="4634204" y="1770062"/>
+              <a:ext cx="3100330" cy="3481819"/>
+              <a:chOff x="2543007" y="1257901"/>
+              <a:chExt cx="3100330" cy="3481819"/>
+            </a:xfrm>
+          </p:grpSpPr>
+          <p:sp>
+            <p:nvSpPr>
+              <p:cNvPr id="21" name="Ellipse 20"/>
+              <p:cNvSpPr/>
+              <p:nvPr/>
+            </p:nvSpPr>
+            <p:spPr>
+              <a:xfrm>
+                <a:off x="2543007" y="1992292"/>
+                <a:ext cx="2160000" cy="2160000"/>
+              </a:xfrm>
+              <a:prstGeom prst="ellipse">
+                <a:avLst/>
+              </a:prstGeom>
+              <a:noFill/>
+              <a:ln w="38100">
+                <a:solidFill>
+                  <a:srgbClr val="0070C0"/>
+                </a:solidFill>
+              </a:ln>
+            </p:spPr>
+            <p:style>
+              <a:lnRef idx="2">
+                <a:schemeClr val="accent1">
+                  <a:shade val="50000"/>
+                </a:schemeClr>
+              </a:lnRef>
+              <a:fillRef idx="1">
+                <a:schemeClr val="accent1"/>
+              </a:fillRef>
+              <a:effectRef idx="0">
+                <a:schemeClr val="accent1"/>
+              </a:effectRef>
+              <a:fontRef idx="minor">
+                <a:schemeClr val="lt1"/>
+              </a:fontRef>
+            </p:style>
+            <p:txBody>
+              <a:bodyPr rtlCol="0" anchor="ctr"/>
+              <a:lstStyle/>
+              <a:p>
+                <a:pPr algn="ctr"/>
+                <a:endParaRPr lang="fr-FR"/>
+              </a:p>
+            </p:txBody>
+          </p:sp>
+          <p:grpSp>
+            <p:nvGrpSpPr>
+              <p:cNvPr id="41" name="Groupe 40"/>
+              <p:cNvGrpSpPr/>
+              <p:nvPr/>
+            </p:nvGrpSpPr>
+            <p:grpSpPr>
+              <a:xfrm>
+                <a:off x="3601537" y="1561672"/>
+                <a:ext cx="1675177" cy="3111875"/>
+                <a:chOff x="3601537" y="1561672"/>
+                <a:chExt cx="1675177" cy="3111875"/>
+              </a:xfrm>
+            </p:grpSpPr>
+            <p:cxnSp>
+              <p:nvCxnSpPr>
+                <p:cNvPr id="34" name="Connecteur droit avec flèche 33"/>
+                <p:cNvCxnSpPr/>
+                <p:nvPr/>
+              </p:nvCxnSpPr>
+              <p:spPr>
+                <a:xfrm>
+                  <a:off x="3601537" y="3047038"/>
+                  <a:ext cx="1527646" cy="1626509"/>
+                </a:xfrm>
+                <a:prstGeom prst="straightConnector1">
+                  <a:avLst/>
+                </a:prstGeom>
+                <a:ln w="38100">
+                  <a:solidFill>
+                    <a:srgbClr val="0070C0"/>
+                  </a:solidFill>
+                  <a:tailEnd type="triangle"/>
+                </a:ln>
+              </p:spPr>
+              <p:style>
+                <a:lnRef idx="1">
+                  <a:schemeClr val="accent1"/>
+                </a:lnRef>
+                <a:fillRef idx="0">
+                  <a:schemeClr val="accent1"/>
+                </a:fillRef>
+                <a:effectRef idx="0">
+                  <a:schemeClr val="accent1"/>
+                </a:effectRef>
+                <a:fontRef idx="minor">
+                  <a:schemeClr val="tx1"/>
+                </a:fontRef>
+              </p:style>
+            </p:cxnSp>
+            <p:cxnSp>
+              <p:nvCxnSpPr>
+                <p:cNvPr id="35" name="Connecteur droit avec flèche 34"/>
+                <p:cNvCxnSpPr/>
+                <p:nvPr/>
+              </p:nvCxnSpPr>
+              <p:spPr>
+                <a:xfrm flipV="1">
+                  <a:off x="3623007" y="1561672"/>
+                  <a:ext cx="1653707" cy="1499848"/>
+                </a:xfrm>
+                <a:prstGeom prst="straightConnector1">
+                  <a:avLst/>
+                </a:prstGeom>
+                <a:ln w="38100">
+                  <a:solidFill>
+                    <a:srgbClr val="0070C0"/>
+                  </a:solidFill>
+                  <a:tailEnd type="triangle"/>
+                </a:ln>
+              </p:spPr>
+              <p:style>
+                <a:lnRef idx="1">
+                  <a:schemeClr val="accent1"/>
+                </a:lnRef>
+                <a:fillRef idx="0">
+                  <a:schemeClr val="accent1"/>
+                </a:fillRef>
+                <a:effectRef idx="0">
+                  <a:schemeClr val="accent1"/>
+                </a:effectRef>
+                <a:fontRef idx="minor">
+                  <a:schemeClr val="tx1"/>
+                </a:fontRef>
+              </p:style>
+            </p:cxnSp>
+          </p:grpSp>
+          <mc:AlternateContent xmlns:mc="http://schemas.openxmlformats.org/markup-compatibility/2006">
+            <mc:Choice xmlns:a14="http://schemas.microsoft.com/office/drawing/2010/main" Requires="a14">
+              <p:sp>
+                <p:nvSpPr>
+                  <p:cNvPr id="42" name="Zone de texte 153"/>
+                  <p:cNvSpPr txBox="1"/>
+                  <p:nvPr/>
+                </p:nvSpPr>
+                <p:spPr>
+                  <a:xfrm>
+                    <a:off x="5090247" y="4434394"/>
+                    <a:ext cx="372933" cy="305326"/>
+                  </a:xfrm>
+                  <a:prstGeom prst="rect">
+                    <a:avLst/>
+                  </a:prstGeom>
+                  <a:noFill/>
+                  <a:ln w="6350">
+                    <a:noFill/>
+                  </a:ln>
+                  <a:effectLst/>
+                </p:spPr>
+                <p:style>
+                  <a:lnRef idx="0">
+                    <a:schemeClr val="accent1"/>
+                  </a:lnRef>
+                  <a:fillRef idx="0">
+                    <a:schemeClr val="accent1"/>
+                  </a:fillRef>
+                  <a:effectRef idx="0">
+                    <a:schemeClr val="accent1"/>
+                  </a:effectRef>
+                  <a:fontRef idx="minor">
+                    <a:schemeClr val="dk1"/>
+                  </a:fontRef>
+                </p:style>
+                <p:txBody>
+                  <a:bodyPr rot="0" spcFirstLastPara="0" vert="horz" wrap="square" lIns="91440" tIns="45720" rIns="91440" bIns="45720" numCol="1" spcCol="0" rtlCol="0" fromWordArt="0" anchor="t" anchorCtr="0" forceAA="0" compatLnSpc="1">
+                    <a:prstTxWarp prst="textNoShape">
+                      <a:avLst/>
+                    </a:prstTxWarp>
+                    <a:noAutofit/>
+                  </a:bodyPr>
+                  <a:lstStyle/>
+                  <a:p>
+                    <a:pPr>
+                      <a:lnSpc>
+                        <a:spcPct val="107000"/>
+                      </a:lnSpc>
+                      <a:spcAft>
+                        <a:spcPts val="800"/>
+                      </a:spcAft>
+                    </a:pPr>
+                    <a14:m>
+                      <m:oMathPara xmlns:m="http://schemas.openxmlformats.org/officeDocument/2006/math">
+                        <m:oMathParaPr>
+                          <m:jc m:val="centerGroup"/>
+                        </m:oMathParaPr>
+                        <m:oMath xmlns:m="http://schemas.openxmlformats.org/officeDocument/2006/math">
+                          <m:r>
+                            <a:rPr lang="fr-FR" sz="2400" b="0" i="1" smtClean="0">
+                              <a:solidFill>
+                                <a:srgbClr val="0070C0"/>
+                              </a:solidFill>
+                              <a:effectLst/>
+                              <a:latin typeface="Cambria Math" panose="02040503050406030204" pitchFamily="18" charset="0"/>
+                              <a:ea typeface="Calibri" panose="020F0502020204030204" pitchFamily="34" charset="0"/>
+                              <a:cs typeface="Times New Roman" panose="02020603050405020304" pitchFamily="18" charset="0"/>
+                            </a:rPr>
+                            <m:t>𝑟</m:t>
+                          </m:r>
+                        </m:oMath>
+                      </m:oMathPara>
+                    </a14:m>
+                    <a:endParaRPr lang="fr-FR" sz="2400" dirty="0">
+                      <a:solidFill>
+                        <a:srgbClr val="0070C0"/>
+                      </a:solidFill>
+                      <a:effectLst/>
+                      <a:ea typeface="Calibri" panose="020F0502020204030204" pitchFamily="34" charset="0"/>
+                      <a:cs typeface="Times New Roman" panose="02020603050405020304" pitchFamily="18" charset="0"/>
+                    </a:endParaRPr>
+                  </a:p>
+                  <a:p>
+                    <a:pPr>
+                      <a:lnSpc>
+                        <a:spcPct val="107000"/>
+                      </a:lnSpc>
+                      <a:spcAft>
+                        <a:spcPts val="800"/>
+                      </a:spcAft>
+                    </a:pPr>
+                    <a:r>
+                      <a:rPr lang="fr-FR" sz="2400" dirty="0">
+                        <a:effectLst/>
+                        <a:ea typeface="Calibri" panose="020F0502020204030204" pitchFamily="34" charset="0"/>
+                        <a:cs typeface="Times New Roman" panose="02020603050405020304" pitchFamily="18" charset="0"/>
+                      </a:rPr>
+                      <a:t> </a:t>
+                    </a:r>
+                  </a:p>
+                </p:txBody>
+              </p:sp>
+            </mc:Choice>
+            <mc:Fallback>
+              <p:sp>
+                <p:nvSpPr>
+                  <p:cNvPr id="42" name="Zone de texte 153"/>
+                  <p:cNvSpPr txBox="1">
+                    <a:spLocks noRot="1" noChangeAspect="1" noMove="1" noResize="1" noEditPoints="1" noAdjustHandles="1" noChangeArrowheads="1" noChangeShapeType="1" noTextEdit="1"/>
+                  </p:cNvSpPr>
+                  <p:nvPr/>
+                </p:nvSpPr>
+                <p:spPr>
+                  <a:xfrm>
+                    <a:off x="5090247" y="4434394"/>
+                    <a:ext cx="372933" cy="305326"/>
+                  </a:xfrm>
+                  <a:prstGeom prst="rect">
+                    <a:avLst/>
+                  </a:prstGeom>
+                  <a:blipFill rotWithShape="0">
+                    <a:blip r:embed="rId5"/>
+                    <a:stretch>
+                      <a:fillRect b="-9804"/>
+                    </a:stretch>
+                  </a:blipFill>
+                  <a:ln w="6350">
+                    <a:noFill/>
+                  </a:ln>
+                  <a:effectLst/>
+                </p:spPr>
+                <p:txBody>
+                  <a:bodyPr/>
+                  <a:lstStyle/>
+                  <a:p>
+                    <a:r>
+                      <a:rPr lang="fr-FR">
+                        <a:noFill/>
+                      </a:rPr>
+                      <a:t> </a:t>
+                    </a:r>
+                  </a:p>
+                </p:txBody>
+              </p:sp>
+            </mc:Fallback>
+          </mc:AlternateContent>
+          <mc:AlternateContent xmlns:mc="http://schemas.openxmlformats.org/markup-compatibility/2006">
+            <mc:Choice xmlns:a14="http://schemas.microsoft.com/office/drawing/2010/main" Requires="a14">
+              <p:sp>
+                <p:nvSpPr>
+                  <p:cNvPr id="43" name="Zone de texte 153"/>
+                  <p:cNvSpPr txBox="1"/>
+                  <p:nvPr/>
+                </p:nvSpPr>
+                <p:spPr>
+                  <a:xfrm>
+                    <a:off x="5197371" y="1257901"/>
+                    <a:ext cx="445966" cy="485203"/>
+                  </a:xfrm>
+                  <a:prstGeom prst="rect">
+                    <a:avLst/>
+                  </a:prstGeom>
+                  <a:noFill/>
+                  <a:ln w="6350">
+                    <a:noFill/>
+                  </a:ln>
+                  <a:effectLst/>
+                </p:spPr>
+                <p:style>
+                  <a:lnRef idx="0">
+                    <a:schemeClr val="accent1"/>
+                  </a:lnRef>
+                  <a:fillRef idx="0">
+                    <a:schemeClr val="accent1"/>
+                  </a:fillRef>
+                  <a:effectRef idx="0">
+                    <a:schemeClr val="accent1"/>
+                  </a:effectRef>
+                  <a:fontRef idx="minor">
+                    <a:schemeClr val="dk1"/>
+                  </a:fontRef>
+                </p:style>
+                <p:txBody>
+                  <a:bodyPr rot="0" spcFirstLastPara="0" vert="horz" wrap="square" lIns="91440" tIns="45720" rIns="91440" bIns="45720" numCol="1" spcCol="0" rtlCol="0" fromWordArt="0" anchor="t" anchorCtr="0" forceAA="0" compatLnSpc="1">
+                    <a:prstTxWarp prst="textNoShape">
+                      <a:avLst/>
+                    </a:prstTxWarp>
+                    <a:noAutofit/>
+                  </a:bodyPr>
+                  <a:lstStyle/>
+                  <a:p>
+                    <a:pPr>
+                      <a:lnSpc>
+                        <a:spcPct val="107000"/>
+                      </a:lnSpc>
+                      <a:spcAft>
+                        <a:spcPts val="800"/>
+                      </a:spcAft>
+                    </a:pPr>
+                    <a14:m>
+                      <m:oMathPara xmlns:m="http://schemas.openxmlformats.org/officeDocument/2006/math">
+                        <m:oMathParaPr>
+                          <m:jc m:val="centerGroup"/>
+                        </m:oMathParaPr>
+                        <m:oMath xmlns:m="http://schemas.openxmlformats.org/officeDocument/2006/math">
+                          <m:r>
+                            <a:rPr lang="fr-FR" sz="2400" b="0" i="1" smtClean="0">
+                              <a:solidFill>
+                                <a:srgbClr val="0070C0"/>
+                              </a:solidFill>
+                              <a:effectLst/>
+                              <a:latin typeface="Cambria Math" panose="02040503050406030204" pitchFamily="18" charset="0"/>
+                              <a:ea typeface="Calibri" panose="020F0502020204030204" pitchFamily="34" charset="0"/>
+                              <a:cs typeface="Times New Roman" panose="02020603050405020304" pitchFamily="18" charset="0"/>
+                            </a:rPr>
+                            <m:t>𝑡</m:t>
+                          </m:r>
+                        </m:oMath>
+                      </m:oMathPara>
+                    </a14:m>
+                    <a:endParaRPr lang="fr-FR" sz="2400" dirty="0">
+                      <a:solidFill>
+                        <a:srgbClr val="0070C0"/>
+                      </a:solidFill>
+                      <a:effectLst/>
+                      <a:ea typeface="Calibri" panose="020F0502020204030204" pitchFamily="34" charset="0"/>
+                      <a:cs typeface="Times New Roman" panose="02020603050405020304" pitchFamily="18" charset="0"/>
+                    </a:endParaRPr>
+                  </a:p>
+                  <a:p>
+                    <a:pPr>
+                      <a:lnSpc>
+                        <a:spcPct val="107000"/>
+                      </a:lnSpc>
+                      <a:spcAft>
+                        <a:spcPts val="800"/>
+                      </a:spcAft>
+                    </a:pPr>
+                    <a:r>
+                      <a:rPr lang="fr-FR" sz="2400" dirty="0">
+                        <a:effectLst/>
+                        <a:ea typeface="Calibri" panose="020F0502020204030204" pitchFamily="34" charset="0"/>
+                        <a:cs typeface="Times New Roman" panose="02020603050405020304" pitchFamily="18" charset="0"/>
+                      </a:rPr>
+                      <a:t> </a:t>
+                    </a:r>
+                  </a:p>
+                </p:txBody>
+              </p:sp>
+            </mc:Choice>
+            <mc:Fallback>
+              <p:sp>
+                <p:nvSpPr>
+                  <p:cNvPr id="43" name="Zone de texte 153"/>
+                  <p:cNvSpPr txBox="1">
+                    <a:spLocks noRot="1" noChangeAspect="1" noMove="1" noResize="1" noEditPoints="1" noAdjustHandles="1" noChangeArrowheads="1" noChangeShapeType="1" noTextEdit="1"/>
+                  </p:cNvSpPr>
+                  <p:nvPr/>
+                </p:nvSpPr>
+                <p:spPr>
+                  <a:xfrm>
+                    <a:off x="5197371" y="1257901"/>
+                    <a:ext cx="445966" cy="485203"/>
+                  </a:xfrm>
+                  <a:prstGeom prst="rect">
+                    <a:avLst/>
+                  </a:prstGeom>
+                  <a:blipFill rotWithShape="0">
+                    <a:blip r:embed="rId6"/>
+                    <a:stretch>
+                      <a:fillRect/>
+                    </a:stretch>
+                  </a:blipFill>
+                  <a:ln w="6350">
+                    <a:noFill/>
+                  </a:ln>
+                  <a:effectLst/>
+                </p:spPr>
+                <p:txBody>
+                  <a:bodyPr/>
+                  <a:lstStyle/>
+                  <a:p>
+                    <a:r>
+                      <a:rPr lang="fr-FR">
+                        <a:noFill/>
+                      </a:rPr>
+                      <a:t> </a:t>
+                    </a:r>
+                  </a:p>
+                </p:txBody>
+              </p:sp>
+            </mc:Fallback>
+          </mc:AlternateContent>
+        </p:grpSp>
+        <p:sp>
+          <p:nvSpPr>
+            <p:cNvPr id="53" name="Arc 52"/>
+            <p:cNvSpPr/>
+            <p:nvPr/>
+          </p:nvSpPr>
+          <p:spPr>
+            <a:xfrm rot="5724824">
+              <a:off x="4616415" y="2562622"/>
+              <a:ext cx="2356831" cy="2356831"/>
+            </a:xfrm>
+            <a:prstGeom prst="arc">
+              <a:avLst>
+                <a:gd name="adj1" fmla="val 18552621"/>
+                <a:gd name="adj2" fmla="val 0"/>
+              </a:avLst>
+            </a:prstGeom>
+            <a:ln w="38100">
+              <a:solidFill>
+                <a:schemeClr val="tx1"/>
+              </a:solidFill>
+              <a:headEnd type="arrow"/>
+            </a:ln>
+          </p:spPr>
+          <p:style>
+            <a:lnRef idx="1">
+              <a:schemeClr val="accent1"/>
+            </a:lnRef>
+            <a:fillRef idx="0">
+              <a:schemeClr val="accent1"/>
+            </a:fillRef>
+            <a:effectRef idx="0">
+              <a:schemeClr val="accent1"/>
+            </a:effectRef>
+            <a:fontRef idx="minor">
+              <a:schemeClr val="tx1"/>
+            </a:fontRef>
+          </p:style>
+          <p:txBody>
+            <a:bodyPr rtlCol="0" anchor="ctr"/>
+            <a:lstStyle/>
+            <a:p>
+              <a:pPr algn="ctr"/>
+              <a:endParaRPr lang="fr-FR"/>
+            </a:p>
+          </p:txBody>
+        </p:sp>
+        <mc:AlternateContent xmlns:mc="http://schemas.openxmlformats.org/markup-compatibility/2006">
+          <mc:Choice xmlns:a14="http://schemas.microsoft.com/office/drawing/2010/main" Requires="a14">
+            <p:sp>
+              <p:nvSpPr>
+                <p:cNvPr id="54" name="Zone de texte 153"/>
+                <p:cNvSpPr txBox="1"/>
+                <p:nvPr/>
+              </p:nvSpPr>
+              <p:spPr>
+                <a:xfrm>
+                  <a:off x="5949983" y="4712208"/>
+                  <a:ext cx="650214" cy="511035"/>
+                </a:xfrm>
+                <a:prstGeom prst="rect">
+                  <a:avLst/>
+                </a:prstGeom>
+                <a:noFill/>
+                <a:ln w="6350">
+                  <a:noFill/>
+                </a:ln>
+                <a:effectLst/>
+              </p:spPr>
+              <p:style>
+                <a:lnRef idx="0">
+                  <a:schemeClr val="accent1"/>
+                </a:lnRef>
+                <a:fillRef idx="0">
+                  <a:schemeClr val="accent1"/>
+                </a:fillRef>
+                <a:effectRef idx="0">
+                  <a:schemeClr val="accent1"/>
+                </a:effectRef>
+                <a:fontRef idx="minor">
+                  <a:schemeClr val="dk1"/>
+                </a:fontRef>
+              </p:style>
+              <p:txBody>
+                <a:bodyPr rot="0" spcFirstLastPara="0" vert="horz" wrap="square" lIns="91440" tIns="45720" rIns="91440" bIns="45720" numCol="1" spcCol="0" rtlCol="0" fromWordArt="0" anchor="t" anchorCtr="0" forceAA="0" compatLnSpc="1">
+                  <a:prstTxWarp prst="textNoShape">
+                    <a:avLst/>
+                  </a:prstTxWarp>
+                  <a:noAutofit/>
+                </a:bodyPr>
+                <a:lstStyle/>
+                <a:p>
+                  <a:pPr>
+                    <a:lnSpc>
+                      <a:spcPct val="107000"/>
+                    </a:lnSpc>
+                    <a:spcAft>
+                      <a:spcPts val="800"/>
+                    </a:spcAft>
+                  </a:pPr>
+                  <a14:m>
+                    <m:oMathPara xmlns:m="http://schemas.openxmlformats.org/officeDocument/2006/math">
+                      <m:oMathParaPr>
+                        <m:jc m:val="centerGroup"/>
+                      </m:oMathParaPr>
+                      <m:oMath xmlns:m="http://schemas.openxmlformats.org/officeDocument/2006/math">
+                        <m:r>
+                          <a:rPr lang="fr-FR" sz="2400" b="0" i="1" smtClean="0">
+                            <a:effectLst/>
+                            <a:latin typeface="Cambria Math" panose="02040503050406030204" pitchFamily="18" charset="0"/>
+                            <a:ea typeface="Calibri" panose="020F0502020204030204" pitchFamily="34" charset="0"/>
+                            <a:cs typeface="Times New Roman" panose="02020603050405020304" pitchFamily="18" charset="0"/>
+                          </a:rPr>
+                          <m:t>𝜑</m:t>
+                        </m:r>
+                      </m:oMath>
+                    </m:oMathPara>
+                  </a14:m>
+                  <a:endParaRPr lang="fr-FR" sz="2400" dirty="0">
+                    <a:effectLst/>
+                    <a:ea typeface="Calibri" panose="020F0502020204030204" pitchFamily="34" charset="0"/>
+                    <a:cs typeface="Times New Roman" panose="02020603050405020304" pitchFamily="18" charset="0"/>
+                  </a:endParaRPr>
+                </a:p>
+              </p:txBody>
+            </p:sp>
+          </mc:Choice>
+          <mc:Fallback>
+            <p:sp>
+              <p:nvSpPr>
+                <p:cNvPr id="54" name="Zone de texte 153"/>
+                <p:cNvSpPr txBox="1">
+                  <a:spLocks noRot="1" noChangeAspect="1" noMove="1" noResize="1" noEditPoints="1" noAdjustHandles="1" noChangeArrowheads="1" noChangeShapeType="1" noTextEdit="1"/>
+                </p:cNvSpPr>
+                <p:nvPr/>
+              </p:nvSpPr>
+              <p:spPr>
+                <a:xfrm>
+                  <a:off x="5949983" y="4712208"/>
+                  <a:ext cx="650214" cy="511035"/>
+                </a:xfrm>
+                <a:prstGeom prst="rect">
+                  <a:avLst/>
+                </a:prstGeom>
+                <a:blipFill rotWithShape="0">
+                  <a:blip r:embed="rId7"/>
+                  <a:stretch>
+                    <a:fillRect/>
+                  </a:stretch>
+                </a:blipFill>
+                <a:ln w="6350">
+                  <a:noFill/>
+                </a:ln>
+                <a:effectLst/>
+              </p:spPr>
+              <p:txBody>
+                <a:bodyPr/>
+                <a:lstStyle/>
+                <a:p>
+                  <a:r>
+                    <a:rPr lang="fr-FR">
+                      <a:noFill/>
+                    </a:rPr>
+                    <a:t> </a:t>
+                  </a:r>
+                </a:p>
+              </p:txBody>
+            </p:sp>
+          </mc:Fallback>
+        </mc:AlternateContent>
+      </p:grpSp>
+    </p:spTree>
+    <p:extLst>
+      <p:ext uri="{BB962C8B-B14F-4D97-AF65-F5344CB8AC3E}">
+        <p14:creationId xmlns:p14="http://schemas.microsoft.com/office/powerpoint/2010/main" val="3834753034"/>
       </p:ext>
     </p:extLst>
   </p:cSld>

--- a/to be ranged/CH.XX Mise à Points des outils numériques/figures/figure.pptx
+++ b/to be ranged/CH.XX Mise à Points des outils numériques/figures/figure.pptx
@@ -201,7 +201,7 @@
           <a:p>
             <a:fld id="{42D30341-7FEA-4EBA-8C94-D6EAB4B64397}" type="datetimeFigureOut">
               <a:rPr lang="fr-FR" smtClean="0"/>
-              <a:t>21/01/2019</a:t>
+              <a:t>28/01/2019</a:t>
             </a:fld>
             <a:endParaRPr lang="fr-FR"/>
           </a:p>
@@ -684,7 +684,7 @@
           <a:p>
             <a:fld id="{C001D32E-42E9-48CB-B1BA-2416B2F1CC2A}" type="datetimeFigureOut">
               <a:rPr lang="fr-FR" smtClean="0"/>
-              <a:t>21/01/2019</a:t>
+              <a:t>28/01/2019</a:t>
             </a:fld>
             <a:endParaRPr lang="fr-FR"/>
           </a:p>
@@ -854,7 +854,7 @@
           <a:p>
             <a:fld id="{C001D32E-42E9-48CB-B1BA-2416B2F1CC2A}" type="datetimeFigureOut">
               <a:rPr lang="fr-FR" smtClean="0"/>
-              <a:t>21/01/2019</a:t>
+              <a:t>28/01/2019</a:t>
             </a:fld>
             <a:endParaRPr lang="fr-FR"/>
           </a:p>
@@ -1034,7 +1034,7 @@
           <a:p>
             <a:fld id="{C001D32E-42E9-48CB-B1BA-2416B2F1CC2A}" type="datetimeFigureOut">
               <a:rPr lang="fr-FR" smtClean="0"/>
-              <a:t>21/01/2019</a:t>
+              <a:t>28/01/2019</a:t>
             </a:fld>
             <a:endParaRPr lang="fr-FR"/>
           </a:p>
@@ -1204,7 +1204,7 @@
           <a:p>
             <a:fld id="{C001D32E-42E9-48CB-B1BA-2416B2F1CC2A}" type="datetimeFigureOut">
               <a:rPr lang="fr-FR" smtClean="0"/>
-              <a:t>21/01/2019</a:t>
+              <a:t>28/01/2019</a:t>
             </a:fld>
             <a:endParaRPr lang="fr-FR"/>
           </a:p>
@@ -1450,7 +1450,7 @@
           <a:p>
             <a:fld id="{C001D32E-42E9-48CB-B1BA-2416B2F1CC2A}" type="datetimeFigureOut">
               <a:rPr lang="fr-FR" smtClean="0"/>
-              <a:t>21/01/2019</a:t>
+              <a:t>28/01/2019</a:t>
             </a:fld>
             <a:endParaRPr lang="fr-FR"/>
           </a:p>
@@ -1682,7 +1682,7 @@
           <a:p>
             <a:fld id="{C001D32E-42E9-48CB-B1BA-2416B2F1CC2A}" type="datetimeFigureOut">
               <a:rPr lang="fr-FR" smtClean="0"/>
-              <a:t>21/01/2019</a:t>
+              <a:t>28/01/2019</a:t>
             </a:fld>
             <a:endParaRPr lang="fr-FR"/>
           </a:p>
@@ -2049,7 +2049,7 @@
           <a:p>
             <a:fld id="{C001D32E-42E9-48CB-B1BA-2416B2F1CC2A}" type="datetimeFigureOut">
               <a:rPr lang="fr-FR" smtClean="0"/>
-              <a:t>21/01/2019</a:t>
+              <a:t>28/01/2019</a:t>
             </a:fld>
             <a:endParaRPr lang="fr-FR"/>
           </a:p>
@@ -2167,7 +2167,7 @@
           <a:p>
             <a:fld id="{C001D32E-42E9-48CB-B1BA-2416B2F1CC2A}" type="datetimeFigureOut">
               <a:rPr lang="fr-FR" smtClean="0"/>
-              <a:t>21/01/2019</a:t>
+              <a:t>28/01/2019</a:t>
             </a:fld>
             <a:endParaRPr lang="fr-FR"/>
           </a:p>
@@ -2262,7 +2262,7 @@
           <a:p>
             <a:fld id="{C001D32E-42E9-48CB-B1BA-2416B2F1CC2A}" type="datetimeFigureOut">
               <a:rPr lang="fr-FR" smtClean="0"/>
-              <a:t>21/01/2019</a:t>
+              <a:t>28/01/2019</a:t>
             </a:fld>
             <a:endParaRPr lang="fr-FR"/>
           </a:p>
@@ -2539,7 +2539,7 @@
           <a:p>
             <a:fld id="{C001D32E-42E9-48CB-B1BA-2416B2F1CC2A}" type="datetimeFigureOut">
               <a:rPr lang="fr-FR" smtClean="0"/>
-              <a:t>21/01/2019</a:t>
+              <a:t>28/01/2019</a:t>
             </a:fld>
             <a:endParaRPr lang="fr-FR"/>
           </a:p>
@@ -2792,7 +2792,7 @@
           <a:p>
             <a:fld id="{C001D32E-42E9-48CB-B1BA-2416B2F1CC2A}" type="datetimeFigureOut">
               <a:rPr lang="fr-FR" smtClean="0"/>
-              <a:t>21/01/2019</a:t>
+              <a:t>28/01/2019</a:t>
             </a:fld>
             <a:endParaRPr lang="fr-FR"/>
           </a:p>
@@ -3005,7 +3005,7 @@
           <a:p>
             <a:fld id="{C001D32E-42E9-48CB-B1BA-2416B2F1CC2A}" type="datetimeFigureOut">
               <a:rPr lang="fr-FR" smtClean="0"/>
-              <a:t>21/01/2019</a:t>
+              <a:t>28/01/2019</a:t>
             </a:fld>
             <a:endParaRPr lang="fr-FR"/>
           </a:p>
@@ -7095,7 +7095,7 @@
       </p:grpSpPr>
       <p:grpSp>
         <p:nvGrpSpPr>
-          <p:cNvPr id="489" name="Groupe 488"/>
+          <p:cNvPr id="6" name="Groupe 5"/>
           <p:cNvGrpSpPr/>
           <p:nvPr/>
         </p:nvGrpSpPr>
@@ -7103,356 +7103,214 @@
           <a:xfrm>
             <a:off x="1103687" y="421134"/>
             <a:ext cx="6149143" cy="5421798"/>
-            <a:chOff x="227387" y="202059"/>
+            <a:chOff x="1103687" y="421134"/>
             <a:chExt cx="6149143" cy="5421798"/>
           </a:xfrm>
         </p:grpSpPr>
         <p:grpSp>
           <p:nvGrpSpPr>
-            <p:cNvPr id="476" name="Groupe 475"/>
+            <p:cNvPr id="489" name="Groupe 488"/>
             <p:cNvGrpSpPr/>
             <p:nvPr/>
           </p:nvGrpSpPr>
           <p:grpSpPr>
             <a:xfrm>
-              <a:off x="227387" y="202059"/>
-              <a:ext cx="5347655" cy="5421798"/>
+              <a:off x="1103687" y="421134"/>
+              <a:ext cx="6149143" cy="5421798"/>
               <a:chOff x="227387" y="202059"/>
-              <a:chExt cx="5347655" cy="5421798"/>
+              <a:chExt cx="6149143" cy="5421798"/>
             </a:xfrm>
           </p:grpSpPr>
           <p:grpSp>
             <p:nvGrpSpPr>
-              <p:cNvPr id="311" name="Groupe 310"/>
+              <p:cNvPr id="476" name="Groupe 475"/>
               <p:cNvGrpSpPr/>
               <p:nvPr/>
             </p:nvGrpSpPr>
             <p:grpSpPr>
               <a:xfrm>
                 <a:off x="227387" y="202059"/>
-                <a:ext cx="5347655" cy="5421798"/>
+                <a:ext cx="5830825" cy="5421798"/>
                 <a:chOff x="227387" y="202059"/>
-                <a:chExt cx="5347655" cy="5421798"/>
+                <a:chExt cx="5830825" cy="5421798"/>
               </a:xfrm>
             </p:grpSpPr>
             <p:grpSp>
               <p:nvGrpSpPr>
-                <p:cNvPr id="233" name="Groupe 232"/>
+                <p:cNvPr id="311" name="Groupe 310"/>
                 <p:cNvGrpSpPr/>
                 <p:nvPr/>
               </p:nvGrpSpPr>
               <p:grpSpPr>
                 <a:xfrm>
-                  <a:off x="386780" y="202059"/>
-                  <a:ext cx="5188262" cy="5205510"/>
-                  <a:chOff x="1785050" y="687834"/>
-                  <a:chExt cx="5188262" cy="5205510"/>
+                  <a:off x="227387" y="202059"/>
+                  <a:ext cx="5830825" cy="5421798"/>
+                  <a:chOff x="227387" y="202059"/>
+                  <a:chExt cx="5830825" cy="5421798"/>
                 </a:xfrm>
               </p:grpSpPr>
               <p:grpSp>
                 <p:nvGrpSpPr>
-                  <p:cNvPr id="160" name="Groupe 159"/>
+                  <p:cNvPr id="233" name="Groupe 232"/>
                   <p:cNvGrpSpPr/>
                   <p:nvPr/>
                 </p:nvGrpSpPr>
                 <p:grpSpPr>
                   <a:xfrm>
-                    <a:off x="4999847" y="4407321"/>
-                    <a:ext cx="458714" cy="1411759"/>
-                    <a:chOff x="7536654" y="3168342"/>
-                    <a:chExt cx="458714" cy="1411759"/>
-                  </a:xfrm>
-                </p:grpSpPr>
-                <p:cxnSp>
-                  <p:nvCxnSpPr>
-                    <p:cNvPr id="185" name="Connecteur droit avec flèche 184"/>
-                    <p:cNvCxnSpPr/>
-                    <p:nvPr/>
-                  </p:nvCxnSpPr>
-                  <p:spPr>
-                    <a:xfrm>
-                      <a:off x="7995368" y="3168342"/>
-                      <a:ext cx="0" cy="1411759"/>
-                    </a:xfrm>
-                    <a:prstGeom prst="straightConnector1">
-                      <a:avLst/>
-                    </a:prstGeom>
-                    <a:ln w="28575">
-                      <a:solidFill>
-                        <a:schemeClr val="tx1"/>
-                      </a:solidFill>
-                      <a:prstDash val="solid"/>
-                      <a:tailEnd type="triangle"/>
-                    </a:ln>
-                  </p:spPr>
-                  <p:style>
-                    <a:lnRef idx="1">
-                      <a:schemeClr val="accent1"/>
-                    </a:lnRef>
-                    <a:fillRef idx="0">
-                      <a:schemeClr val="accent1"/>
-                    </a:fillRef>
-                    <a:effectRef idx="0">
-                      <a:schemeClr val="accent1"/>
-                    </a:effectRef>
-                    <a:fontRef idx="minor">
-                      <a:schemeClr val="tx1"/>
-                    </a:fontRef>
-                  </p:style>
-                </p:cxnSp>
-                <mc:AlternateContent xmlns:mc="http://schemas.openxmlformats.org/markup-compatibility/2006" xmlns:a14="http://schemas.microsoft.com/office/drawing/2010/main">
-                  <mc:Choice Requires="a14">
-                    <p:sp>
-                      <p:nvSpPr>
-                        <p:cNvPr id="182" name="Zone de texte 153"/>
-                        <p:cNvSpPr txBox="1"/>
-                        <p:nvPr/>
-                      </p:nvSpPr>
-                      <p:spPr>
-                        <a:xfrm>
-                          <a:off x="7536654" y="3866903"/>
-                          <a:ext cx="301748" cy="274650"/>
-                        </a:xfrm>
-                        <a:prstGeom prst="rect">
-                          <a:avLst/>
-                        </a:prstGeom>
-                        <a:noFill/>
-                        <a:ln w="6350">
-                          <a:noFill/>
-                          <a:prstDash val="sysDash"/>
-                        </a:ln>
-                        <a:effectLst/>
-                      </p:spPr>
-                      <p:style>
-                        <a:lnRef idx="0">
-                          <a:schemeClr val="accent1"/>
-                        </a:lnRef>
-                        <a:fillRef idx="0">
-                          <a:schemeClr val="accent1"/>
-                        </a:fillRef>
-                        <a:effectRef idx="0">
-                          <a:schemeClr val="accent1"/>
-                        </a:effectRef>
-                        <a:fontRef idx="minor">
-                          <a:schemeClr val="dk1"/>
-                        </a:fontRef>
-                      </p:style>
-                      <p:txBody>
-                        <a:bodyPr rot="0" spcFirstLastPara="0" vert="horz" wrap="square" lIns="91440" tIns="45720" rIns="91440" bIns="45720" numCol="1" spcCol="0" rtlCol="0" fromWordArt="0" anchor="t" anchorCtr="0" forceAA="0" compatLnSpc="1">
-                          <a:prstTxWarp prst="textNoShape">
-                            <a:avLst/>
-                          </a:prstTxWarp>
-                          <a:noAutofit/>
-                        </a:bodyPr>
-                        <a:lstStyle/>
-                        <a:p>
-                          <a:pPr>
-                            <a:lnSpc>
-                              <a:spcPct val="107000"/>
-                            </a:lnSpc>
-                            <a:spcAft>
-                              <a:spcPts val="800"/>
-                            </a:spcAft>
-                          </a:pPr>
-                          <a14:m>
-                            <m:oMath xmlns:m="http://schemas.openxmlformats.org/officeDocument/2006/math">
-                              <m:sSub>
-                                <m:sSubPr>
-                                  <m:ctrlPr>
-                                    <a:rPr lang="fr-FR" sz="2400" b="1" i="1" smtClean="0">
-                                      <a:latin typeface="Cambria Math" panose="02040503050406030204" pitchFamily="18" charset="0"/>
-                                      <a:ea typeface="SimSun" panose="02010600030101010101" pitchFamily="2" charset="-122"/>
-                                      <a:cs typeface="Times New Roman" panose="02020603050405020304" pitchFamily="18" charset="0"/>
-                                    </a:rPr>
-                                  </m:ctrlPr>
-                                </m:sSubPr>
-                                <m:e>
-                                  <m:r>
-                                    <a:rPr lang="fr-FR" sz="2400" b="1" i="1" smtClean="0">
-                                      <a:latin typeface="Cambria Math" panose="02040503050406030204" pitchFamily="18" charset="0"/>
-                                      <a:ea typeface="SimSun" panose="02010600030101010101" pitchFamily="2" charset="-122"/>
-                                      <a:cs typeface="Times New Roman" panose="02020603050405020304" pitchFamily="18" charset="0"/>
-                                    </a:rPr>
-                                    <m:t>𝑿</m:t>
-                                  </m:r>
-                                </m:e>
-                                <m:sub>
-                                  <m:r>
-                                    <a:rPr lang="fr-FR" sz="2400" b="1" i="1" smtClean="0">
-                                      <a:latin typeface="Cambria Math" panose="02040503050406030204" pitchFamily="18" charset="0"/>
-                                      <a:ea typeface="SimSun" panose="02010600030101010101" pitchFamily="2" charset="-122"/>
-                                      <a:cs typeface="Times New Roman" panose="02020603050405020304" pitchFamily="18" charset="0"/>
-                                    </a:rPr>
-                                    <m:t>𝒓</m:t>
-                                  </m:r>
-                                </m:sub>
-                              </m:sSub>
-                            </m:oMath>
-                          </a14:m>
-                          <a:r>
-                            <a:rPr lang="fr-FR" sz="2400" dirty="0">
-                              <a:effectLst/>
-                              <a:ea typeface="Calibri" panose="020F0502020204030204" pitchFamily="34" charset="0"/>
-                              <a:cs typeface="Times New Roman" panose="02020603050405020304" pitchFamily="18" charset="0"/>
-                            </a:rPr>
-                            <a:t> </a:t>
-                          </a:r>
-                        </a:p>
-                      </p:txBody>
-                    </p:sp>
-                  </mc:Choice>
-                  <mc:Fallback xmlns="">
-                    <p:sp>
-                      <p:nvSpPr>
-                        <p:cNvPr id="182" name="Zone de texte 153"/>
-                        <p:cNvSpPr txBox="1">
-                          <a:spLocks noRot="1" noChangeAspect="1" noMove="1" noResize="1" noEditPoints="1" noAdjustHandles="1" noChangeArrowheads="1" noChangeShapeType="1" noTextEdit="1"/>
-                        </p:cNvSpPr>
-                        <p:nvPr/>
-                      </p:nvSpPr>
-                      <p:spPr>
-                        <a:xfrm>
-                          <a:off x="7536654" y="3866903"/>
-                          <a:ext cx="301748" cy="274650"/>
-                        </a:xfrm>
-                        <a:prstGeom prst="rect">
-                          <a:avLst/>
-                        </a:prstGeom>
-                        <a:blipFill rotWithShape="0">
-                          <a:blip r:embed="rId3"/>
-                          <a:stretch>
-                            <a:fillRect l="-6122" r="-61224" b="-64444"/>
-                          </a:stretch>
-                        </a:blipFill>
-                        <a:ln w="6350">
-                          <a:noFill/>
-                          <a:prstDash val="sysDash"/>
-                        </a:ln>
-                        <a:effectLst/>
-                      </p:spPr>
-                      <p:txBody>
-                        <a:bodyPr/>
-                        <a:lstStyle/>
-                        <a:p>
-                          <a:r>
-                            <a:rPr lang="fr-FR">
-                              <a:noFill/>
-                            </a:rPr>
-                            <a:t> </a:t>
-                          </a:r>
-                        </a:p>
-                      </p:txBody>
-                    </p:sp>
-                  </mc:Fallback>
-                </mc:AlternateContent>
-              </p:grpSp>
-              <p:grpSp>
-                <p:nvGrpSpPr>
-                  <p:cNvPr id="232" name="Groupe 231"/>
-                  <p:cNvGrpSpPr/>
-                  <p:nvPr/>
-                </p:nvGrpSpPr>
-                <p:grpSpPr>
-                  <a:xfrm>
-                    <a:off x="1785050" y="687834"/>
-                    <a:ext cx="5188262" cy="5205510"/>
+                    <a:off x="386780" y="202059"/>
+                    <a:ext cx="5671432" cy="5337141"/>
                     <a:chOff x="1785050" y="687834"/>
-                    <a:chExt cx="5188262" cy="5205510"/>
+                    <a:chExt cx="5671432" cy="5337141"/>
                   </a:xfrm>
                 </p:grpSpPr>
                 <p:grpSp>
                   <p:nvGrpSpPr>
-                    <p:cNvPr id="228" name="Groupe 227"/>
+                    <p:cNvPr id="160" name="Groupe 159"/>
                     <p:cNvGrpSpPr/>
                     <p:nvPr/>
                   </p:nvGrpSpPr>
                   <p:grpSpPr>
                     <a:xfrm>
-                      <a:off x="4401017" y="2929393"/>
-                      <a:ext cx="2572295" cy="2963951"/>
-                      <a:chOff x="4401017" y="2929393"/>
-                      <a:chExt cx="2572295" cy="2963951"/>
+                      <a:off x="4999847" y="4407321"/>
+                      <a:ext cx="458714" cy="1411759"/>
+                      <a:chOff x="7536654" y="3168342"/>
+                      <a:chExt cx="458714" cy="1411759"/>
                     </a:xfrm>
                   </p:grpSpPr>
+                  <p:cxnSp>
+                    <p:nvCxnSpPr>
+                      <p:cNvPr id="185" name="Connecteur droit avec flèche 184"/>
+                      <p:cNvCxnSpPr/>
+                      <p:nvPr/>
+                    </p:nvCxnSpPr>
+                    <p:spPr>
+                      <a:xfrm>
+                        <a:off x="7995368" y="3168342"/>
+                        <a:ext cx="0" cy="1411759"/>
+                      </a:xfrm>
+                      <a:prstGeom prst="straightConnector1">
+                        <a:avLst/>
+                      </a:prstGeom>
+                      <a:ln w="28575">
+                        <a:solidFill>
+                          <a:schemeClr val="tx1"/>
+                        </a:solidFill>
+                        <a:prstDash val="solid"/>
+                        <a:tailEnd type="triangle"/>
+                      </a:ln>
+                    </p:spPr>
+                    <p:style>
+                      <a:lnRef idx="1">
+                        <a:schemeClr val="accent1"/>
+                      </a:lnRef>
+                      <a:fillRef idx="0">
+                        <a:schemeClr val="accent1"/>
+                      </a:fillRef>
+                      <a:effectRef idx="0">
+                        <a:schemeClr val="accent1"/>
+                      </a:effectRef>
+                      <a:fontRef idx="minor">
+                        <a:schemeClr val="tx1"/>
+                      </a:fontRef>
+                    </p:style>
+                  </p:cxnSp>
                   <mc:AlternateContent xmlns:mc="http://schemas.openxmlformats.org/markup-compatibility/2006" xmlns:a14="http://schemas.microsoft.com/office/drawing/2010/main">
                     <mc:Choice Requires="a14">
                       <p:sp>
                         <p:nvSpPr>
-                          <p:cNvPr id="159" name="ZoneTexte 158"/>
+                          <p:cNvPr id="182" name="Zone de texte 153"/>
                           <p:cNvSpPr txBox="1"/>
                           <p:nvPr/>
                         </p:nvSpPr>
                         <p:spPr>
                           <a:xfrm>
-                            <a:off x="4805196" y="4143373"/>
-                            <a:ext cx="693908" cy="393121"/>
+                            <a:off x="7536654" y="3866903"/>
+                            <a:ext cx="301748" cy="274650"/>
                           </a:xfrm>
                           <a:prstGeom prst="rect">
                             <a:avLst/>
                           </a:prstGeom>
                           <a:noFill/>
+                          <a:ln w="6350">
+                            <a:noFill/>
+                            <a:prstDash val="sysDash"/>
+                          </a:ln>
+                          <a:effectLst/>
                         </p:spPr>
+                        <p:style>
+                          <a:lnRef idx="0">
+                            <a:schemeClr val="accent1"/>
+                          </a:lnRef>
+                          <a:fillRef idx="0">
+                            <a:schemeClr val="accent1"/>
+                          </a:fillRef>
+                          <a:effectRef idx="0">
+                            <a:schemeClr val="accent1"/>
+                          </a:effectRef>
+                          <a:fontRef idx="minor">
+                            <a:schemeClr val="dk1"/>
+                          </a:fontRef>
+                        </p:style>
                         <p:txBody>
-                          <a:bodyPr wrap="none" rtlCol="0">
-                            <a:spAutoFit/>
+                          <a:bodyPr rot="0" spcFirstLastPara="0" vert="horz" wrap="square" lIns="91440" tIns="45720" rIns="91440" bIns="45720" numCol="1" spcCol="0" rtlCol="0" fromWordArt="0" anchor="t" anchorCtr="0" forceAA="0" compatLnSpc="1">
+                            <a:prstTxWarp prst="textNoShape">
+                              <a:avLst/>
+                            </a:prstTxWarp>
+                            <a:noAutofit/>
                           </a:bodyPr>
                           <a:lstStyle/>
                           <a:p>
-                            <a:pPr/>
+                            <a:pPr>
+                              <a:lnSpc>
+                                <a:spcPct val="107000"/>
+                              </a:lnSpc>
+                              <a:spcAft>
+                                <a:spcPts val="800"/>
+                              </a:spcAft>
+                            </a:pPr>
                             <a14:m>
-                              <m:oMathPara xmlns:m="http://schemas.openxmlformats.org/officeDocument/2006/math">
-                                <m:oMathParaPr>
-                                  <m:jc m:val="centerGroup"/>
-                                </m:oMathParaPr>
-                                <m:oMath xmlns:m="http://schemas.openxmlformats.org/officeDocument/2006/math">
-                                  <m:sSub>
-                                    <m:sSubPr>
-                                      <m:ctrlPr>
-                                        <a:rPr lang="fr-FR" b="0" i="1" smtClean="0">
-                                          <a:latin typeface="Cambria Math" panose="02040503050406030204" pitchFamily="18" charset="0"/>
-                                        </a:rPr>
-                                      </m:ctrlPr>
-                                    </m:sSubPr>
-                                    <m:e>
-                                      <m:r>
-                                        <a:rPr lang="fr-FR" b="0" i="1" smtClean="0">
-                                          <a:latin typeface="Cambria Math" panose="02040503050406030204" pitchFamily="18" charset="0"/>
-                                        </a:rPr>
-                                        <m:t>𝑂</m:t>
-                                      </m:r>
-                                    </m:e>
-                                    <m:sub>
-                                      <m:sSub>
-                                        <m:sSubPr>
-                                          <m:ctrlPr>
-                                            <a:rPr lang="fr-FR" b="0" i="1" smtClean="0">
-                                              <a:latin typeface="Cambria Math" panose="02040503050406030204" pitchFamily="18" charset="0"/>
-                                            </a:rPr>
-                                          </m:ctrlPr>
-                                        </m:sSubPr>
-                                        <m:e>
-                                          <m:r>
-                                            <a:rPr lang="fr-FR" b="0" i="1" smtClean="0">
-                                              <a:latin typeface="Cambria Math" panose="02040503050406030204" pitchFamily="18" charset="0"/>
-                                            </a:rPr>
-                                            <m:t>𝑟</m:t>
-                                          </m:r>
-                                        </m:e>
-                                        <m:sub>
-                                          <m:r>
-                                            <a:rPr lang="fr-FR" b="0" i="1" smtClean="0">
-                                              <a:latin typeface="Cambria Math" panose="02040503050406030204" pitchFamily="18" charset="0"/>
-                                            </a:rPr>
-                                            <m:t>𝑃𝐻</m:t>
-                                          </m:r>
-                                        </m:sub>
-                                      </m:sSub>
-                                    </m:sub>
-                                  </m:sSub>
-                                </m:oMath>
-                              </m:oMathPara>
+                              <m:oMath xmlns:m="http://schemas.openxmlformats.org/officeDocument/2006/math">
+                                <m:sSub>
+                                  <m:sSubPr>
+                                    <m:ctrlPr>
+                                      <a:rPr lang="fr-FR" sz="2400" b="1" i="1" smtClean="0">
+                                        <a:latin typeface="Cambria Math" panose="02040503050406030204" pitchFamily="18" charset="0"/>
+                                        <a:ea typeface="SimSun" panose="02010600030101010101" pitchFamily="2" charset="-122"/>
+                                        <a:cs typeface="Times New Roman" panose="02020603050405020304" pitchFamily="18" charset="0"/>
+                                      </a:rPr>
+                                    </m:ctrlPr>
+                                  </m:sSubPr>
+                                  <m:e>
+                                    <m:r>
+                                      <a:rPr lang="fr-FR" sz="2400" b="1" i="1" smtClean="0">
+                                        <a:latin typeface="Cambria Math" panose="02040503050406030204" pitchFamily="18" charset="0"/>
+                                        <a:ea typeface="SimSun" panose="02010600030101010101" pitchFamily="2" charset="-122"/>
+                                        <a:cs typeface="Times New Roman" panose="02020603050405020304" pitchFamily="18" charset="0"/>
+                                      </a:rPr>
+                                      <m:t>𝑿</m:t>
+                                    </m:r>
+                                  </m:e>
+                                  <m:sub>
+                                    <m:r>
+                                      <a:rPr lang="fr-FR" sz="2400" b="1" i="1" smtClean="0">
+                                        <a:latin typeface="Cambria Math" panose="02040503050406030204" pitchFamily="18" charset="0"/>
+                                        <a:ea typeface="SimSun" panose="02010600030101010101" pitchFamily="2" charset="-122"/>
+                                        <a:cs typeface="Times New Roman" panose="02020603050405020304" pitchFamily="18" charset="0"/>
+                                      </a:rPr>
+                                      <m:t>𝒓</m:t>
+                                    </m:r>
+                                  </m:sub>
+                                </m:sSub>
+                              </m:oMath>
                             </a14:m>
-                            <a:endParaRPr lang="fr-FR" dirty="0"/>
+                            <a:r>
+                              <a:rPr lang="fr-FR" sz="2400" dirty="0">
+                                <a:effectLst/>
+                                <a:ea typeface="Calibri" panose="020F0502020204030204" pitchFamily="34" charset="0"/>
+                                <a:cs typeface="Times New Roman" panose="02020603050405020304" pitchFamily="18" charset="0"/>
+                              </a:rPr>
+                              <a:t> </a:t>
+                            </a:r>
                           </a:p>
                         </p:txBody>
                       </p:sp>
@@ -7460,7 +7318,7 @@
                     <mc:Fallback xmlns="">
                       <p:sp>
                         <p:nvSpPr>
-                          <p:cNvPr id="159" name="ZoneTexte 158"/>
+                          <p:cNvPr id="182" name="Zone de texte 153"/>
                           <p:cNvSpPr txBox="1">
                             <a:spLocks noRot="1" noChangeAspect="1" noMove="1" noResize="1" noEditPoints="1" noAdjustHandles="1" noChangeArrowheads="1" noChangeShapeType="1" noTextEdit="1"/>
                           </p:cNvSpPr>
@@ -7468,18 +7326,23 @@
                         </p:nvSpPr>
                         <p:spPr>
                           <a:xfrm>
-                            <a:off x="4805196" y="4143373"/>
-                            <a:ext cx="693908" cy="393121"/>
+                            <a:off x="7536654" y="3866903"/>
+                            <a:ext cx="301748" cy="274650"/>
                           </a:xfrm>
                           <a:prstGeom prst="rect">
                             <a:avLst/>
                           </a:prstGeom>
                           <a:blipFill rotWithShape="0">
-                            <a:blip r:embed="rId4"/>
+                            <a:blip r:embed="rId3"/>
                             <a:stretch>
-                              <a:fillRect b="-1563"/>
+                              <a:fillRect l="-6122" r="-61224" b="-64444"/>
                             </a:stretch>
                           </a:blipFill>
+                          <a:ln w="6350">
+                            <a:noFill/>
+                            <a:prstDash val="sysDash"/>
+                          </a:ln>
+                          <a:effectLst/>
                         </p:spPr>
                         <p:txBody>
                           <a:bodyPr/>
@@ -7496,81 +7359,1285 @@
                       </p:sp>
                     </mc:Fallback>
                   </mc:AlternateContent>
+                </p:grpSp>
+                <p:grpSp>
+                  <p:nvGrpSpPr>
+                    <p:cNvPr id="232" name="Groupe 231"/>
+                    <p:cNvGrpSpPr/>
+                    <p:nvPr/>
+                  </p:nvGrpSpPr>
+                  <p:grpSpPr>
+                    <a:xfrm>
+                      <a:off x="1785050" y="687834"/>
+                      <a:ext cx="5671432" cy="5337141"/>
+                      <a:chOff x="1785050" y="687834"/>
+                      <a:chExt cx="5671432" cy="5337141"/>
+                    </a:xfrm>
+                  </p:grpSpPr>
                   <p:grpSp>
                     <p:nvGrpSpPr>
-                      <p:cNvPr id="227" name="Groupe 226"/>
+                      <p:cNvPr id="228" name="Groupe 227"/>
                       <p:cNvGrpSpPr/>
                       <p:nvPr/>
                     </p:nvGrpSpPr>
                     <p:grpSpPr>
                       <a:xfrm>
-                        <a:off x="4401017" y="2929393"/>
-                        <a:ext cx="2572295" cy="2963951"/>
-                        <a:chOff x="4401017" y="2929393"/>
-                        <a:chExt cx="2572295" cy="2963951"/>
+                        <a:off x="4365812" y="3061024"/>
+                        <a:ext cx="3090670" cy="2963951"/>
+                        <a:chOff x="4365812" y="3061024"/>
+                        <a:chExt cx="3090670" cy="2963951"/>
+                      </a:xfrm>
+                    </p:grpSpPr>
+                    <mc:AlternateContent xmlns:mc="http://schemas.openxmlformats.org/markup-compatibility/2006" xmlns:a14="http://schemas.microsoft.com/office/drawing/2010/main">
+                      <mc:Choice Requires="a14">
+                        <p:sp>
+                          <p:nvSpPr>
+                            <p:cNvPr id="159" name="ZoneTexte 158"/>
+                            <p:cNvSpPr txBox="1"/>
+                            <p:nvPr/>
+                          </p:nvSpPr>
+                          <p:spPr>
+                            <a:xfrm>
+                              <a:off x="4805196" y="4143373"/>
+                              <a:ext cx="693908" cy="393121"/>
+                            </a:xfrm>
+                            <a:prstGeom prst="rect">
+                              <a:avLst/>
+                            </a:prstGeom>
+                            <a:noFill/>
+                          </p:spPr>
+                          <p:txBody>
+                            <a:bodyPr wrap="none" rtlCol="0">
+                              <a:spAutoFit/>
+                            </a:bodyPr>
+                            <a:lstStyle/>
+                            <a:p>
+                              <a:pPr/>
+                              <a14:m>
+                                <m:oMathPara xmlns:m="http://schemas.openxmlformats.org/officeDocument/2006/math">
+                                  <m:oMathParaPr>
+                                    <m:jc m:val="centerGroup"/>
+                                  </m:oMathParaPr>
+                                  <m:oMath xmlns:m="http://schemas.openxmlformats.org/officeDocument/2006/math">
+                                    <m:sSub>
+                                      <m:sSubPr>
+                                        <m:ctrlPr>
+                                          <a:rPr lang="fr-FR" b="0" i="1" smtClean="0">
+                                            <a:latin typeface="Cambria Math" panose="02040503050406030204" pitchFamily="18" charset="0"/>
+                                          </a:rPr>
+                                        </m:ctrlPr>
+                                      </m:sSubPr>
+                                      <m:e>
+                                        <m:r>
+                                          <a:rPr lang="fr-FR" b="0" i="1" smtClean="0">
+                                            <a:latin typeface="Cambria Math" panose="02040503050406030204" pitchFamily="18" charset="0"/>
+                                          </a:rPr>
+                                          <m:t>𝑂</m:t>
+                                        </m:r>
+                                      </m:e>
+                                      <m:sub>
+                                        <m:sSub>
+                                          <m:sSubPr>
+                                            <m:ctrlPr>
+                                              <a:rPr lang="fr-FR" b="0" i="1" smtClean="0">
+                                                <a:latin typeface="Cambria Math" panose="02040503050406030204" pitchFamily="18" charset="0"/>
+                                              </a:rPr>
+                                            </m:ctrlPr>
+                                          </m:sSubPr>
+                                          <m:e>
+                                            <m:r>
+                                              <a:rPr lang="fr-FR" b="0" i="1" smtClean="0">
+                                                <a:latin typeface="Cambria Math" panose="02040503050406030204" pitchFamily="18" charset="0"/>
+                                              </a:rPr>
+                                              <m:t>𝑟</m:t>
+                                            </m:r>
+                                          </m:e>
+                                          <m:sub>
+                                            <m:r>
+                                              <a:rPr lang="fr-FR" b="0" i="1" smtClean="0">
+                                                <a:latin typeface="Cambria Math" panose="02040503050406030204" pitchFamily="18" charset="0"/>
+                                              </a:rPr>
+                                              <m:t>𝑃𝐻</m:t>
+                                            </m:r>
+                                          </m:sub>
+                                        </m:sSub>
+                                      </m:sub>
+                                    </m:sSub>
+                                  </m:oMath>
+                                </m:oMathPara>
+                              </a14:m>
+                              <a:endParaRPr lang="fr-FR" dirty="0"/>
+                            </a:p>
+                          </p:txBody>
+                        </p:sp>
+                      </mc:Choice>
+                      <mc:Fallback xmlns="">
+                        <p:sp>
+                          <p:nvSpPr>
+                            <p:cNvPr id="159" name="ZoneTexte 158"/>
+                            <p:cNvSpPr txBox="1">
+                              <a:spLocks noRot="1" noChangeAspect="1" noMove="1" noResize="1" noEditPoints="1" noAdjustHandles="1" noChangeArrowheads="1" noChangeShapeType="1" noTextEdit="1"/>
+                            </p:cNvSpPr>
+                            <p:nvPr/>
+                          </p:nvSpPr>
+                          <p:spPr>
+                            <a:xfrm>
+                              <a:off x="4805196" y="4143373"/>
+                              <a:ext cx="693908" cy="393121"/>
+                            </a:xfrm>
+                            <a:prstGeom prst="rect">
+                              <a:avLst/>
+                            </a:prstGeom>
+                            <a:blipFill rotWithShape="0">
+                              <a:blip r:embed="rId4"/>
+                              <a:stretch>
+                                <a:fillRect b="-1563"/>
+                              </a:stretch>
+                            </a:blipFill>
+                          </p:spPr>
+                          <p:txBody>
+                            <a:bodyPr/>
+                            <a:lstStyle/>
+                            <a:p>
+                              <a:r>
+                                <a:rPr lang="fr-FR">
+                                  <a:noFill/>
+                                </a:rPr>
+                                <a:t> </a:t>
+                              </a:r>
+                            </a:p>
+                          </p:txBody>
+                        </p:sp>
+                      </mc:Fallback>
+                    </mc:AlternateContent>
+                    <p:grpSp>
+                      <p:nvGrpSpPr>
+                        <p:cNvPr id="227" name="Groupe 226"/>
+                        <p:cNvGrpSpPr/>
+                        <p:nvPr/>
+                      </p:nvGrpSpPr>
+                      <p:grpSpPr>
+                        <a:xfrm>
+                          <a:off x="4365812" y="3061024"/>
+                          <a:ext cx="3090670" cy="2963951"/>
+                          <a:chOff x="4365812" y="3061024"/>
+                          <a:chExt cx="3090670" cy="2963951"/>
+                        </a:xfrm>
+                      </p:grpSpPr>
+                      <p:grpSp>
+                        <p:nvGrpSpPr>
+                          <p:cNvPr id="161" name="Groupe 160"/>
+                          <p:cNvGrpSpPr/>
+                          <p:nvPr/>
+                        </p:nvGrpSpPr>
+                        <p:grpSpPr>
+                          <a:xfrm rot="15585661">
+                            <a:off x="5387767" y="3058723"/>
+                            <a:ext cx="1266460" cy="1904631"/>
+                            <a:chOff x="6616757" y="3521682"/>
+                            <a:chExt cx="1266460" cy="1904631"/>
+                          </a:xfrm>
+                        </p:grpSpPr>
+                        <p:grpSp>
+                          <p:nvGrpSpPr>
+                            <p:cNvPr id="162" name="Groupe 161"/>
+                            <p:cNvGrpSpPr/>
+                            <p:nvPr/>
+                          </p:nvGrpSpPr>
+                          <p:grpSpPr>
+                            <a:xfrm>
+                              <a:off x="6835092" y="3846896"/>
+                              <a:ext cx="1048125" cy="1579417"/>
+                              <a:chOff x="7854568" y="3168342"/>
+                              <a:chExt cx="1048125" cy="1579417"/>
+                            </a:xfrm>
+                          </p:grpSpPr>
+                          <p:grpSp>
+                            <p:nvGrpSpPr>
+                              <p:cNvPr id="176" name="Groupe 175"/>
+                              <p:cNvGrpSpPr/>
+                              <p:nvPr/>
+                            </p:nvGrpSpPr>
+                            <p:grpSpPr>
+                              <a:xfrm>
+                                <a:off x="7854568" y="3168342"/>
+                                <a:ext cx="780643" cy="1564598"/>
+                                <a:chOff x="912447" y="1213268"/>
+                                <a:chExt cx="781109" cy="1565407"/>
+                              </a:xfrm>
+                            </p:grpSpPr>
+                            <p:cxnSp>
+                              <p:nvCxnSpPr>
+                                <p:cNvPr id="179" name="Connecteur droit avec flèche 178"/>
+                                <p:cNvCxnSpPr/>
+                                <p:nvPr/>
+                              </p:nvCxnSpPr>
+                              <p:spPr>
+                                <a:xfrm rot="6014339" flipV="1">
+                                  <a:off x="276281" y="1861996"/>
+                                  <a:ext cx="1552845" cy="280514"/>
+                                </a:xfrm>
+                                <a:prstGeom prst="straightConnector1">
+                                  <a:avLst/>
+                                </a:prstGeom>
+                                <a:ln w="12700">
+                                  <a:solidFill>
+                                    <a:schemeClr val="tx1"/>
+                                  </a:solidFill>
+                                  <a:prstDash val="dash"/>
+                                  <a:tailEnd type="triangle"/>
+                                </a:ln>
+                              </p:spPr>
+                              <p:style>
+                                <a:lnRef idx="1">
+                                  <a:schemeClr val="accent1"/>
+                                </a:lnRef>
+                                <a:fillRef idx="0">
+                                  <a:schemeClr val="accent1"/>
+                                </a:fillRef>
+                                <a:effectRef idx="0">
+                                  <a:schemeClr val="accent1"/>
+                                </a:effectRef>
+                                <a:fontRef idx="minor">
+                                  <a:schemeClr val="tx1"/>
+                                </a:fontRef>
+                              </p:style>
+                            </p:cxnSp>
+                            <p:cxnSp>
+                              <p:nvCxnSpPr>
+                                <p:cNvPr id="180" name="Connecteur droit avec flèche 179"/>
+                                <p:cNvCxnSpPr/>
+                                <p:nvPr/>
+                              </p:nvCxnSpPr>
+                              <p:spPr>
+                                <a:xfrm>
+                                  <a:off x="1052702" y="1213268"/>
+                                  <a:ext cx="640854" cy="9933"/>
+                                </a:xfrm>
+                                <a:prstGeom prst="straightConnector1">
+                                  <a:avLst/>
+                                </a:prstGeom>
+                                <a:ln w="12700">
+                                  <a:solidFill>
+                                    <a:schemeClr val="tx1"/>
+                                  </a:solidFill>
+                                  <a:prstDash val="dash"/>
+                                  <a:tailEnd type="triangle"/>
+                                </a:ln>
+                              </p:spPr>
+                              <p:style>
+                                <a:lnRef idx="1">
+                                  <a:schemeClr val="accent1"/>
+                                </a:lnRef>
+                                <a:fillRef idx="0">
+                                  <a:schemeClr val="accent1"/>
+                                </a:fillRef>
+                                <a:effectRef idx="0">
+                                  <a:schemeClr val="accent1"/>
+                                </a:effectRef>
+                                <a:fontRef idx="minor">
+                                  <a:schemeClr val="tx1"/>
+                                </a:fontRef>
+                              </p:style>
+                            </p:cxnSp>
+                          </p:grpSp>
+                          <mc:AlternateContent xmlns:mc="http://schemas.openxmlformats.org/markup-compatibility/2006" xmlns:a14="http://schemas.microsoft.com/office/drawing/2010/main">
+                            <mc:Choice Requires="a14">
+                              <p:sp>
+                                <p:nvSpPr>
+                                  <p:cNvPr id="177" name="Zone de texte 153"/>
+                                  <p:cNvSpPr txBox="1"/>
+                                  <p:nvPr/>
+                                </p:nvSpPr>
+                                <p:spPr>
+                                  <a:xfrm rot="6014339">
+                                    <a:off x="8080971" y="4459560"/>
+                                    <a:ext cx="301748" cy="274650"/>
+                                  </a:xfrm>
+                                  <a:prstGeom prst="rect">
+                                    <a:avLst/>
+                                  </a:prstGeom>
+                                  <a:noFill/>
+                                  <a:ln w="6350">
+                                    <a:noFill/>
+                                    <a:prstDash val="sysDash"/>
+                                  </a:ln>
+                                  <a:effectLst/>
+                                </p:spPr>
+                                <p:style>
+                                  <a:lnRef idx="0">
+                                    <a:schemeClr val="accent1"/>
+                                  </a:lnRef>
+                                  <a:fillRef idx="0">
+                                    <a:schemeClr val="accent1"/>
+                                  </a:fillRef>
+                                  <a:effectRef idx="0">
+                                    <a:schemeClr val="accent1"/>
+                                  </a:effectRef>
+                                  <a:fontRef idx="minor">
+                                    <a:schemeClr val="dk1"/>
+                                  </a:fontRef>
+                                </p:style>
+                                <p:txBody>
+                                  <a:bodyPr rot="0" spcFirstLastPara="0" vert="horz" wrap="square" lIns="91440" tIns="45720" rIns="91440" bIns="45720" numCol="1" spcCol="0" rtlCol="0" fromWordArt="0" anchor="t" anchorCtr="0" forceAA="0" compatLnSpc="1">
+                                    <a:prstTxWarp prst="textNoShape">
+                                      <a:avLst/>
+                                    </a:prstTxWarp>
+                                    <a:noAutofit/>
+                                  </a:bodyPr>
+                                  <a:lstStyle/>
+                                  <a:p>
+                                    <a:pPr>
+                                      <a:lnSpc>
+                                        <a:spcPct val="107000"/>
+                                      </a:lnSpc>
+                                      <a:spcAft>
+                                        <a:spcPts val="800"/>
+                                      </a:spcAft>
+                                    </a:pPr>
+                                    <a14:m>
+                                      <m:oMathPara xmlns:m="http://schemas.openxmlformats.org/officeDocument/2006/math">
+                                        <m:oMathParaPr>
+                                          <m:jc m:val="centerGroup"/>
+                                        </m:oMathParaPr>
+                                        <m:oMath xmlns:m="http://schemas.openxmlformats.org/officeDocument/2006/math">
+                                          <m:r>
+                                            <a:rPr lang="fr-FR" sz="2400" b="0" i="1" smtClean="0">
+                                              <a:effectLst/>
+                                              <a:latin typeface="Cambria Math" panose="02040503050406030204" pitchFamily="18" charset="0"/>
+                                              <a:ea typeface="Calibri" panose="020F0502020204030204" pitchFamily="34" charset="0"/>
+                                              <a:cs typeface="Times New Roman" panose="02020603050405020304" pitchFamily="18" charset="0"/>
+                                            </a:rPr>
+                                            <m:t>𝑟</m:t>
+                                          </m:r>
+                                        </m:oMath>
+                                      </m:oMathPara>
+                                    </a14:m>
+                                    <a:endParaRPr lang="fr-FR" sz="2400" dirty="0">
+                                      <a:effectLst/>
+                                      <a:ea typeface="Calibri" panose="020F0502020204030204" pitchFamily="34" charset="0"/>
+                                      <a:cs typeface="Times New Roman" panose="02020603050405020304" pitchFamily="18" charset="0"/>
+                                    </a:endParaRPr>
+                                  </a:p>
+                                  <a:p>
+                                    <a:pPr>
+                                      <a:lnSpc>
+                                        <a:spcPct val="107000"/>
+                                      </a:lnSpc>
+                                      <a:spcAft>
+                                        <a:spcPts val="800"/>
+                                      </a:spcAft>
+                                    </a:pPr>
+                                    <a:r>
+                                      <a:rPr lang="fr-FR" sz="2400" dirty="0">
+                                        <a:effectLst/>
+                                        <a:ea typeface="Calibri" panose="020F0502020204030204" pitchFamily="34" charset="0"/>
+                                        <a:cs typeface="Times New Roman" panose="02020603050405020304" pitchFamily="18" charset="0"/>
+                                      </a:rPr>
+                                      <a:t> </a:t>
+                                    </a:r>
+                                  </a:p>
+                                </p:txBody>
+                              </p:sp>
+                            </mc:Choice>
+                            <mc:Fallback xmlns="">
+                              <p:sp>
+                                <p:nvSpPr>
+                                  <p:cNvPr id="177" name="Zone de texte 153"/>
+                                  <p:cNvSpPr txBox="1">
+                                    <a:spLocks noRot="1" noChangeAspect="1" noMove="1" noResize="1" noEditPoints="1" noAdjustHandles="1" noChangeArrowheads="1" noChangeShapeType="1" noTextEdit="1"/>
+                                  </p:cNvSpPr>
+                                  <p:nvPr/>
+                                </p:nvSpPr>
+                                <p:spPr>
+                                  <a:xfrm rot="6014339">
+                                    <a:off x="8080971" y="4459560"/>
+                                    <a:ext cx="301748" cy="274650"/>
+                                  </a:xfrm>
+                                  <a:prstGeom prst="rect">
+                                    <a:avLst/>
+                                  </a:prstGeom>
+                                  <a:blipFill rotWithShape="0">
+                                    <a:blip r:embed="rId5"/>
+                                    <a:stretch>
+                                      <a:fillRect b="-24444"/>
+                                    </a:stretch>
+                                  </a:blipFill>
+                                  <a:ln w="6350">
+                                    <a:noFill/>
+                                    <a:prstDash val="sysDash"/>
+                                  </a:ln>
+                                  <a:effectLst/>
+                                </p:spPr>
+                                <p:txBody>
+                                  <a:bodyPr/>
+                                  <a:lstStyle/>
+                                  <a:p>
+                                    <a:r>
+                                      <a:rPr lang="fr-FR">
+                                        <a:noFill/>
+                                      </a:rPr>
+                                      <a:t> </a:t>
+                                    </a:r>
+                                  </a:p>
+                                </p:txBody>
+                              </p:sp>
+                            </mc:Fallback>
+                          </mc:AlternateContent>
+                          <mc:AlternateContent xmlns:mc="http://schemas.openxmlformats.org/markup-compatibility/2006" xmlns:a14="http://schemas.microsoft.com/office/drawing/2010/main">
+                            <mc:Choice Requires="a14">
+                              <p:sp>
+                                <p:nvSpPr>
+                                  <p:cNvPr id="178" name="Zone de texte 154"/>
+                                  <p:cNvSpPr txBox="1"/>
+                                  <p:nvPr/>
+                                </p:nvSpPr>
+                                <p:spPr>
+                                  <a:xfrm rot="6014339">
+                                    <a:off x="8614494" y="3207842"/>
+                                    <a:ext cx="301748" cy="274650"/>
+                                  </a:xfrm>
+                                  <a:prstGeom prst="rect">
+                                    <a:avLst/>
+                                  </a:prstGeom>
+                                  <a:noFill/>
+                                  <a:ln w="6350">
+                                    <a:noFill/>
+                                    <a:prstDash val="sysDash"/>
+                                  </a:ln>
+                                  <a:effectLst/>
+                                </p:spPr>
+                                <p:style>
+                                  <a:lnRef idx="0">
+                                    <a:schemeClr val="accent1"/>
+                                  </a:lnRef>
+                                  <a:fillRef idx="0">
+                                    <a:schemeClr val="accent1"/>
+                                  </a:fillRef>
+                                  <a:effectRef idx="0">
+                                    <a:schemeClr val="accent1"/>
+                                  </a:effectRef>
+                                  <a:fontRef idx="minor">
+                                    <a:schemeClr val="dk1"/>
+                                  </a:fontRef>
+                                </p:style>
+                                <p:txBody>
+                                  <a:bodyPr rot="0" spcFirstLastPara="0" vert="horz" wrap="square" lIns="91440" tIns="45720" rIns="91440" bIns="45720" numCol="1" spcCol="0" rtlCol="0" fromWordArt="0" anchor="t" anchorCtr="0" forceAA="0" compatLnSpc="1">
+                                    <a:prstTxWarp prst="textNoShape">
+                                      <a:avLst/>
+                                    </a:prstTxWarp>
+                                    <a:noAutofit/>
+                                  </a:bodyPr>
+                                  <a:lstStyle/>
+                                  <a:p>
+                                    <a:pPr>
+                                      <a:lnSpc>
+                                        <a:spcPct val="107000"/>
+                                      </a:lnSpc>
+                                      <a:spcAft>
+                                        <a:spcPts val="800"/>
+                                      </a:spcAft>
+                                    </a:pPr>
+                                    <a14:m>
+                                      <m:oMathPara xmlns:m="http://schemas.openxmlformats.org/officeDocument/2006/math">
+                                        <m:oMathParaPr>
+                                          <m:jc m:val="centerGroup"/>
+                                        </m:oMathParaPr>
+                                        <m:oMath xmlns:m="http://schemas.openxmlformats.org/officeDocument/2006/math">
+                                          <m:r>
+                                            <a:rPr lang="fr-FR" sz="2400" i="1" dirty="0" smtClean="0">
+                                              <a:effectLst/>
+                                              <a:latin typeface="Cambria Math" panose="02040503050406030204" pitchFamily="18" charset="0"/>
+                                              <a:ea typeface="Calibri" panose="020F0502020204030204" pitchFamily="34" charset="0"/>
+                                              <a:cs typeface="Times New Roman" panose="02020603050405020304" pitchFamily="18" charset="0"/>
+                                            </a:rPr>
+                                            <m:t>𝑡</m:t>
+                                          </m:r>
+                                        </m:oMath>
+                                      </m:oMathPara>
+                                    </a14:m>
+                                    <a:endParaRPr lang="fr-FR" sz="2400" dirty="0">
+                                      <a:effectLst/>
+                                      <a:ea typeface="Calibri" panose="020F0502020204030204" pitchFamily="34" charset="0"/>
+                                      <a:cs typeface="Times New Roman" panose="02020603050405020304" pitchFamily="18" charset="0"/>
+                                    </a:endParaRPr>
+                                  </a:p>
+                                  <a:p>
+                                    <a:pPr>
+                                      <a:lnSpc>
+                                        <a:spcPct val="107000"/>
+                                      </a:lnSpc>
+                                      <a:spcAft>
+                                        <a:spcPts val="800"/>
+                                      </a:spcAft>
+                                    </a:pPr>
+                                    <a:r>
+                                      <a:rPr lang="fr-FR" sz="2400" dirty="0">
+                                        <a:effectLst/>
+                                        <a:ea typeface="Calibri" panose="020F0502020204030204" pitchFamily="34" charset="0"/>
+                                        <a:cs typeface="Times New Roman" panose="02020603050405020304" pitchFamily="18" charset="0"/>
+                                      </a:rPr>
+                                      <a:t> </a:t>
+                                    </a:r>
+                                  </a:p>
+                                </p:txBody>
+                              </p:sp>
+                            </mc:Choice>
+                            <mc:Fallback xmlns="">
+                              <p:sp>
+                                <p:nvSpPr>
+                                  <p:cNvPr id="178" name="Zone de texte 154"/>
+                                  <p:cNvSpPr txBox="1">
+                                    <a:spLocks noRot="1" noChangeAspect="1" noMove="1" noResize="1" noEditPoints="1" noAdjustHandles="1" noChangeArrowheads="1" noChangeShapeType="1" noTextEdit="1"/>
+                                  </p:cNvSpPr>
+                                  <p:nvPr/>
+                                </p:nvSpPr>
+                                <p:spPr>
+                                  <a:xfrm rot="6014339">
+                                    <a:off x="8614494" y="3207842"/>
+                                    <a:ext cx="301748" cy="274650"/>
+                                  </a:xfrm>
+                                  <a:prstGeom prst="rect">
+                                    <a:avLst/>
+                                  </a:prstGeom>
+                                  <a:blipFill rotWithShape="0">
+                                    <a:blip r:embed="rId6"/>
+                                    <a:stretch>
+                                      <a:fillRect b="-24444"/>
+                                    </a:stretch>
+                                  </a:blipFill>
+                                  <a:ln w="6350">
+                                    <a:noFill/>
+                                    <a:prstDash val="sysDash"/>
+                                  </a:ln>
+                                  <a:effectLst/>
+                                </p:spPr>
+                                <p:txBody>
+                                  <a:bodyPr/>
+                                  <a:lstStyle/>
+                                  <a:p>
+                                    <a:r>
+                                      <a:rPr lang="fr-FR">
+                                        <a:noFill/>
+                                      </a:rPr>
+                                      <a:t> </a:t>
+                                    </a:r>
+                                  </a:p>
+                                </p:txBody>
+                              </p:sp>
+                            </mc:Fallback>
+                          </mc:AlternateContent>
+                        </p:grpSp>
+                        <p:grpSp>
+                          <p:nvGrpSpPr>
+                            <p:cNvPr id="164" name="Groupe 163"/>
+                            <p:cNvGrpSpPr/>
+                            <p:nvPr/>
+                          </p:nvGrpSpPr>
+                          <p:grpSpPr>
+                            <a:xfrm rot="18184110">
+                              <a:off x="6616736" y="3521703"/>
+                              <a:ext cx="732699" cy="732657"/>
+                              <a:chOff x="5038636" y="1461790"/>
+                              <a:chExt cx="977631" cy="977573"/>
+                            </a:xfrm>
+                          </p:grpSpPr>
+                          <p:sp>
+                            <p:nvSpPr>
+                              <p:cNvPr id="166" name="Ellipse 165"/>
+                              <p:cNvSpPr/>
+                              <p:nvPr/>
+                            </p:nvSpPr>
+                            <p:spPr>
+                              <a:xfrm rot="16864146">
+                                <a:off x="5501628" y="1873027"/>
+                                <a:ext cx="105190" cy="105185"/>
+                              </a:xfrm>
+                              <a:prstGeom prst="ellipse">
+                                <a:avLst/>
+                              </a:prstGeom>
+                              <a:solidFill>
+                                <a:srgbClr val="509E2F"/>
+                              </a:solidFill>
+                              <a:ln>
+                                <a:noFill/>
+                              </a:ln>
+                            </p:spPr>
+                            <p:style>
+                              <a:lnRef idx="2">
+                                <a:schemeClr val="accent6">
+                                  <a:shade val="50000"/>
+                                </a:schemeClr>
+                              </a:lnRef>
+                              <a:fillRef idx="1">
+                                <a:schemeClr val="accent6"/>
+                              </a:fillRef>
+                              <a:effectRef idx="0">
+                                <a:schemeClr val="accent6"/>
+                              </a:effectRef>
+                              <a:fontRef idx="minor">
+                                <a:schemeClr val="lt1"/>
+                              </a:fontRef>
+                            </p:style>
+                            <p:txBody>
+                              <a:bodyPr rtlCol="0" anchor="ctr"/>
+                              <a:lstStyle/>
+                              <a:p>
+                                <a:endParaRPr lang="fr-FR" sz="4000"/>
+                              </a:p>
+                            </p:txBody>
+                          </p:sp>
+                          <p:sp>
+                            <p:nvSpPr>
+                              <p:cNvPr id="175" name="Ellipse 174"/>
+                              <p:cNvSpPr/>
+                              <p:nvPr/>
+                            </p:nvSpPr>
+                            <p:spPr>
+                              <a:xfrm rot="19297221">
+                                <a:off x="5038636" y="1461790"/>
+                                <a:ext cx="977631" cy="977573"/>
+                              </a:xfrm>
+                              <a:prstGeom prst="ellipse">
+                                <a:avLst/>
+                              </a:prstGeom>
+                              <a:noFill/>
+                              <a:ln>
+                                <a:solidFill>
+                                  <a:srgbClr val="509E2F"/>
+                                </a:solidFill>
+                              </a:ln>
+                            </p:spPr>
+                            <p:style>
+                              <a:lnRef idx="2">
+                                <a:schemeClr val="accent1">
+                                  <a:shade val="50000"/>
+                                </a:schemeClr>
+                              </a:lnRef>
+                              <a:fillRef idx="1">
+                                <a:schemeClr val="accent1"/>
+                              </a:fillRef>
+                              <a:effectRef idx="0">
+                                <a:schemeClr val="accent1"/>
+                              </a:effectRef>
+                              <a:fontRef idx="minor">
+                                <a:schemeClr val="lt1"/>
+                              </a:fontRef>
+                            </p:style>
+                            <p:txBody>
+                              <a:bodyPr rtlCol="0" anchor="ctr"/>
+                              <a:lstStyle/>
+                              <a:p>
+                                <a:endParaRPr lang="fr-FR" sz="4000"/>
+                              </a:p>
+                            </p:txBody>
+                          </p:sp>
+                        </p:grpSp>
+                      </p:grpSp>
+                      <p:grpSp>
+                        <p:nvGrpSpPr>
+                          <p:cNvPr id="206" name="Groupe 205"/>
+                          <p:cNvGrpSpPr/>
+                          <p:nvPr/>
+                        </p:nvGrpSpPr>
+                        <p:grpSpPr>
+                          <a:xfrm rot="17294208">
+                            <a:off x="5641496" y="4081563"/>
+                            <a:ext cx="1027729" cy="1100145"/>
+                            <a:chOff x="2052492" y="3571017"/>
+                            <a:chExt cx="969557" cy="1477247"/>
+                          </a:xfrm>
+                        </p:grpSpPr>
+                        <p:sp>
+                          <p:nvSpPr>
+                            <p:cNvPr id="207" name="Arc 206"/>
+                            <p:cNvSpPr/>
+                            <p:nvPr/>
+                          </p:nvSpPr>
+                          <p:spPr>
+                            <a:xfrm>
+                              <a:off x="2052492" y="3571017"/>
+                              <a:ext cx="969557" cy="997421"/>
+                            </a:xfrm>
+                            <a:prstGeom prst="arc">
+                              <a:avLst>
+                                <a:gd name="adj1" fmla="val 1700863"/>
+                                <a:gd name="adj2" fmla="val 8519332"/>
+                              </a:avLst>
+                            </a:prstGeom>
+                            <a:ln w="19050">
+                              <a:headEnd type="none"/>
+                              <a:tailEnd type="triangle"/>
+                            </a:ln>
+                          </p:spPr>
+                          <p:style>
+                            <a:lnRef idx="1">
+                              <a:schemeClr val="accent1"/>
+                            </a:lnRef>
+                            <a:fillRef idx="0">
+                              <a:schemeClr val="accent1"/>
+                            </a:fillRef>
+                            <a:effectRef idx="0">
+                              <a:schemeClr val="accent1"/>
+                            </a:effectRef>
+                            <a:fontRef idx="minor">
+                              <a:schemeClr val="tx1"/>
+                            </a:fontRef>
+                          </p:style>
+                          <p:txBody>
+                            <a:bodyPr rtlCol="0" anchor="ctr"/>
+                            <a:lstStyle/>
+                            <a:p>
+                              <a:pPr algn="ctr"/>
+                              <a:endParaRPr lang="fr-FR"/>
+                            </a:p>
+                          </p:txBody>
+                        </p:sp>
+                        <mc:AlternateContent xmlns:mc="http://schemas.openxmlformats.org/markup-compatibility/2006" xmlns:a14="http://schemas.microsoft.com/office/drawing/2010/main">
+                          <mc:Choice Requires="a14">
+                            <p:sp>
+                              <p:nvSpPr>
+                                <p:cNvPr id="208" name="ZoneTexte 207"/>
+                                <p:cNvSpPr txBox="1"/>
+                                <p:nvPr/>
+                              </p:nvSpPr>
+                              <p:spPr>
+                                <a:xfrm rot="4305792">
+                                  <a:off x="2025090" y="4560778"/>
+                                  <a:ext cx="626544" cy="348427"/>
+                                </a:xfrm>
+                                <a:prstGeom prst="rect">
+                                  <a:avLst/>
+                                </a:prstGeom>
+                                <a:noFill/>
+                              </p:spPr>
+                              <p:txBody>
+                                <a:bodyPr wrap="none" rtlCol="0">
+                                  <a:spAutoFit/>
+                                </a:bodyPr>
+                                <a:lstStyle/>
+                                <a:p>
+                                  <a:pPr/>
+                                  <a14:m>
+                                    <m:oMathPara xmlns:m="http://schemas.openxmlformats.org/officeDocument/2006/math">
+                                      <m:oMathParaPr>
+                                        <m:jc m:val="centerGroup"/>
+                                      </m:oMathParaPr>
+                                      <m:oMath xmlns:m="http://schemas.openxmlformats.org/officeDocument/2006/math">
+                                        <m:sSub>
+                                          <m:sSubPr>
+                                            <m:ctrlPr>
+                                              <a:rPr lang="fr-FR" b="0" i="1" smtClean="0">
+                                                <a:solidFill>
+                                                  <a:srgbClr val="0070C0"/>
+                                                </a:solidFill>
+                                                <a:latin typeface="Cambria Math" panose="02040503050406030204" pitchFamily="18" charset="0"/>
+                                              </a:rPr>
+                                            </m:ctrlPr>
+                                          </m:sSubPr>
+                                          <m:e>
+                                            <m:r>
+                                              <a:rPr lang="fr-FR" b="0" i="1" smtClean="0">
+                                                <a:solidFill>
+                                                  <a:srgbClr val="0070C0"/>
+                                                </a:solidFill>
+                                                <a:latin typeface="Cambria Math" panose="02040503050406030204" pitchFamily="18" charset="0"/>
+                                              </a:rPr>
+                                              <m:t>𝜃</m:t>
+                                            </m:r>
+                                          </m:e>
+                                          <m:sub>
+                                            <m:r>
+                                              <a:rPr lang="fr-FR" b="0" i="1" smtClean="0">
+                                                <a:solidFill>
+                                                  <a:srgbClr val="0070C0"/>
+                                                </a:solidFill>
+                                                <a:latin typeface="Cambria Math" panose="02040503050406030204" pitchFamily="18" charset="0"/>
+                                              </a:rPr>
+                                              <m:t>0</m:t>
+                                            </m:r>
+                                          </m:sub>
+                                        </m:sSub>
+                                      </m:oMath>
+                                    </m:oMathPara>
+                                  </a14:m>
+                                  <a:endParaRPr lang="fr-FR" dirty="0"/>
+                                </a:p>
+                              </p:txBody>
+                            </p:sp>
+                          </mc:Choice>
+                          <mc:Fallback xmlns="">
+                            <p:sp>
+                              <p:nvSpPr>
+                                <p:cNvPr id="208" name="ZoneTexte 207"/>
+                                <p:cNvSpPr txBox="1">
+                                  <a:spLocks noRot="1" noChangeAspect="1" noMove="1" noResize="1" noEditPoints="1" noAdjustHandles="1" noChangeArrowheads="1" noChangeShapeType="1" noTextEdit="1"/>
+                                </p:cNvSpPr>
+                                <p:nvPr/>
+                              </p:nvSpPr>
+                              <p:spPr>
+                                <a:xfrm rot="4305792">
+                                  <a:off x="2025090" y="4560778"/>
+                                  <a:ext cx="626544" cy="348427"/>
+                                </a:xfrm>
+                                <a:prstGeom prst="rect">
+                                  <a:avLst/>
+                                </a:prstGeom>
+                                <a:blipFill rotWithShape="0">
+                                  <a:blip r:embed="rId7"/>
+                                  <a:stretch>
+                                    <a:fillRect/>
+                                  </a:stretch>
+                                </a:blipFill>
+                              </p:spPr>
+                              <p:txBody>
+                                <a:bodyPr/>
+                                <a:lstStyle/>
+                                <a:p>
+                                  <a:r>
+                                    <a:rPr lang="fr-FR">
+                                      <a:noFill/>
+                                    </a:rPr>
+                                    <a:t> </a:t>
+                                  </a:r>
+                                </a:p>
+                              </p:txBody>
+                            </p:sp>
+                          </mc:Fallback>
+                        </mc:AlternateContent>
+                      </p:grpSp>
+                      <p:grpSp>
+                        <p:nvGrpSpPr>
+                          <p:cNvPr id="209" name="Groupe 208"/>
+                          <p:cNvGrpSpPr/>
+                          <p:nvPr/>
+                        </p:nvGrpSpPr>
+                        <p:grpSpPr>
+                          <a:xfrm rot="17294208">
+                            <a:off x="5303074" y="3990334"/>
+                            <a:ext cx="1145943" cy="1284637"/>
+                            <a:chOff x="1925214" y="3830032"/>
+                            <a:chExt cx="1081080" cy="1724985"/>
+                          </a:xfrm>
+                        </p:grpSpPr>
+                        <p:sp>
+                          <p:nvSpPr>
+                            <p:cNvPr id="210" name="Arc 209"/>
+                            <p:cNvSpPr/>
+                            <p:nvPr/>
+                          </p:nvSpPr>
+                          <p:spPr>
+                            <a:xfrm>
+                              <a:off x="1960632" y="3830032"/>
+                              <a:ext cx="1045662" cy="1150085"/>
+                            </a:xfrm>
+                            <a:prstGeom prst="arc">
+                              <a:avLst>
+                                <a:gd name="adj1" fmla="val 2556607"/>
+                                <a:gd name="adj2" fmla="val 8840806"/>
+                              </a:avLst>
+                            </a:prstGeom>
+                            <a:ln w="19050">
+                              <a:solidFill>
+                                <a:srgbClr val="FF0000"/>
+                              </a:solidFill>
+                              <a:headEnd type="none"/>
+                              <a:tailEnd type="triangle"/>
+                            </a:ln>
+                          </p:spPr>
+                          <p:style>
+                            <a:lnRef idx="1">
+                              <a:schemeClr val="accent1"/>
+                            </a:lnRef>
+                            <a:fillRef idx="0">
+                              <a:schemeClr val="accent1"/>
+                            </a:fillRef>
+                            <a:effectRef idx="0">
+                              <a:schemeClr val="accent1"/>
+                            </a:effectRef>
+                            <a:fontRef idx="minor">
+                              <a:schemeClr val="tx1"/>
+                            </a:fontRef>
+                          </p:style>
+                          <p:txBody>
+                            <a:bodyPr rtlCol="0" anchor="ctr"/>
+                            <a:lstStyle/>
+                            <a:p>
+                              <a:pPr algn="ctr"/>
+                              <a:endParaRPr lang="fr-FR"/>
+                            </a:p>
+                          </p:txBody>
+                        </p:sp>
+                        <mc:AlternateContent xmlns:mc="http://schemas.openxmlformats.org/markup-compatibility/2006" xmlns:a14="http://schemas.microsoft.com/office/drawing/2010/main">
+                          <mc:Choice Requires="a14">
+                            <p:sp>
+                              <p:nvSpPr>
+                                <p:cNvPr id="211" name="ZoneTexte 210"/>
+                                <p:cNvSpPr txBox="1"/>
+                                <p:nvPr/>
+                              </p:nvSpPr>
+                              <p:spPr>
+                                <a:xfrm rot="4305792">
+                                  <a:off x="1690586" y="4971961"/>
+                                  <a:ext cx="817684" cy="348427"/>
+                                </a:xfrm>
+                                <a:prstGeom prst="rect">
+                                  <a:avLst/>
+                                </a:prstGeom>
+                                <a:noFill/>
+                              </p:spPr>
+                              <p:txBody>
+                                <a:bodyPr wrap="none" rtlCol="0">
+                                  <a:spAutoFit/>
+                                </a:bodyPr>
+                                <a:lstStyle/>
+                                <a:p>
+                                  <a:pPr/>
+                                  <a14:m>
+                                    <m:oMathPara xmlns:m="http://schemas.openxmlformats.org/officeDocument/2006/math">
+                                      <m:oMathParaPr>
+                                        <m:jc m:val="centerGroup"/>
+                                      </m:oMathParaPr>
+                                      <m:oMath xmlns:m="http://schemas.openxmlformats.org/officeDocument/2006/math">
+                                        <m:sSub>
+                                          <m:sSubPr>
+                                            <m:ctrlPr>
+                                              <a:rPr lang="fr-FR" b="0" i="1" smtClean="0">
+                                                <a:solidFill>
+                                                  <a:srgbClr val="FF0000"/>
+                                                </a:solidFill>
+                                                <a:latin typeface="Cambria Math" panose="02040503050406030204" pitchFamily="18" charset="0"/>
+                                              </a:rPr>
+                                            </m:ctrlPr>
+                                          </m:sSubPr>
+                                          <m:e>
+                                            <m:r>
+                                              <a:rPr lang="fr-FR" b="0" i="1" smtClean="0">
+                                                <a:solidFill>
+                                                  <a:srgbClr val="FF0000"/>
+                                                </a:solidFill>
+                                                <a:latin typeface="Cambria Math" panose="02040503050406030204" pitchFamily="18" charset="0"/>
+                                              </a:rPr>
+                                              <m:t>𝜃</m:t>
+                                            </m:r>
+                                          </m:e>
+                                          <m:sub>
+                                            <m:r>
+                                              <a:rPr lang="fr-FR" b="0" i="1" smtClean="0">
+                                                <a:solidFill>
+                                                  <a:srgbClr val="FF0000"/>
+                                                </a:solidFill>
+                                                <a:latin typeface="Cambria Math" panose="02040503050406030204" pitchFamily="18" charset="0"/>
+                                              </a:rPr>
+                                              <m:t>𝑃𝐻</m:t>
+                                            </m:r>
+                                          </m:sub>
+                                        </m:sSub>
+                                      </m:oMath>
+                                    </m:oMathPara>
+                                  </a14:m>
+                                  <a:endParaRPr lang="fr-FR" dirty="0"/>
+                                </a:p>
+                              </p:txBody>
+                            </p:sp>
+                          </mc:Choice>
+                          <mc:Fallback xmlns="">
+                            <p:sp>
+                              <p:nvSpPr>
+                                <p:cNvPr id="211" name="ZoneTexte 210"/>
+                                <p:cNvSpPr txBox="1">
+                                  <a:spLocks noRot="1" noChangeAspect="1" noMove="1" noResize="1" noEditPoints="1" noAdjustHandles="1" noChangeArrowheads="1" noChangeShapeType="1" noTextEdit="1"/>
+                                </p:cNvSpPr>
+                                <p:nvPr/>
+                              </p:nvSpPr>
+                              <p:spPr>
+                                <a:xfrm rot="4305792">
+                                  <a:off x="1690586" y="4971961"/>
+                                  <a:ext cx="817684" cy="348427"/>
+                                </a:xfrm>
+                                <a:prstGeom prst="rect">
+                                  <a:avLst/>
+                                </a:prstGeom>
+                                <a:blipFill rotWithShape="0">
+                                  <a:blip r:embed="rId8"/>
+                                  <a:stretch>
+                                    <a:fillRect/>
+                                  </a:stretch>
+                                </a:blipFill>
+                              </p:spPr>
+                              <p:txBody>
+                                <a:bodyPr/>
+                                <a:lstStyle/>
+                                <a:p>
+                                  <a:r>
+                                    <a:rPr lang="fr-FR">
+                                      <a:noFill/>
+                                    </a:rPr>
+                                    <a:t> </a:t>
+                                  </a:r>
+                                </a:p>
+                              </p:txBody>
+                            </p:sp>
+                          </mc:Fallback>
+                        </mc:AlternateContent>
+                      </p:grpSp>
+                      <p:grpSp>
+                        <p:nvGrpSpPr>
+                          <p:cNvPr id="213" name="Groupe 212"/>
+                          <p:cNvGrpSpPr/>
+                          <p:nvPr/>
+                        </p:nvGrpSpPr>
+                        <p:grpSpPr>
+                          <a:xfrm rot="17996829">
+                            <a:off x="4429171" y="2997665"/>
+                            <a:ext cx="2963951" cy="3090670"/>
+                            <a:chOff x="1820083" y="2351855"/>
+                            <a:chExt cx="2191979" cy="3209969"/>
+                          </a:xfrm>
+                        </p:grpSpPr>
+                        <p:sp>
+                          <p:nvSpPr>
+                            <p:cNvPr id="214" name="Arc 213"/>
+                            <p:cNvSpPr/>
+                            <p:nvPr/>
+                          </p:nvSpPr>
+                          <p:spPr>
+                            <a:xfrm>
+                              <a:off x="1820083" y="2351855"/>
+                              <a:ext cx="2191979" cy="2413586"/>
+                            </a:xfrm>
+                            <a:prstGeom prst="arc">
+                              <a:avLst>
+                                <a:gd name="adj1" fmla="val 3131986"/>
+                                <a:gd name="adj2" fmla="val 9233404"/>
+                              </a:avLst>
+                            </a:prstGeom>
+                            <a:ln w="19050">
+                              <a:solidFill>
+                                <a:schemeClr val="accent2"/>
+                              </a:solidFill>
+                              <a:headEnd type="none"/>
+                              <a:tailEnd type="triangle"/>
+                            </a:ln>
+                          </p:spPr>
+                          <p:style>
+                            <a:lnRef idx="1">
+                              <a:schemeClr val="accent1"/>
+                            </a:lnRef>
+                            <a:fillRef idx="0">
+                              <a:schemeClr val="accent1"/>
+                            </a:fillRef>
+                            <a:effectRef idx="0">
+                              <a:schemeClr val="accent1"/>
+                            </a:effectRef>
+                            <a:fontRef idx="minor">
+                              <a:schemeClr val="tx1"/>
+                            </a:fontRef>
+                          </p:style>
+                          <p:txBody>
+                            <a:bodyPr rtlCol="0" anchor="ctr"/>
+                            <a:lstStyle/>
+                            <a:p>
+                              <a:pPr algn="ctr"/>
+                              <a:endParaRPr lang="fr-FR"/>
+                            </a:p>
+                          </p:txBody>
+                        </p:sp>
+                        <mc:AlternateContent xmlns:mc="http://schemas.openxmlformats.org/markup-compatibility/2006">
+                          <mc:Choice xmlns:a14="http://schemas.microsoft.com/office/drawing/2010/main" Requires="a14">
+                            <p:sp>
+                              <p:nvSpPr>
+                                <p:cNvPr id="215" name="ZoneTexte 214"/>
+                                <p:cNvSpPr txBox="1"/>
+                                <p:nvPr/>
+                              </p:nvSpPr>
+                              <p:spPr>
+                                <a:xfrm rot="3603171">
+                                  <a:off x="2177864" y="4937513"/>
+                                  <a:ext cx="975485" cy="273138"/>
+                                </a:xfrm>
+                                <a:prstGeom prst="rect">
+                                  <a:avLst/>
+                                </a:prstGeom>
+                                <a:noFill/>
+                              </p:spPr>
+                              <p:txBody>
+                                <a:bodyPr wrap="none" rtlCol="0">
+                                  <a:spAutoFit/>
+                                </a:bodyPr>
+                                <a:lstStyle/>
+                                <a:p>
+                                  <a:pPr/>
+                                  <a14:m>
+                                    <m:oMathPara xmlns:m="http://schemas.openxmlformats.org/officeDocument/2006/math">
+                                      <m:oMathParaPr>
+                                        <m:jc m:val="centerGroup"/>
+                                      </m:oMathParaPr>
+                                      <m:oMath xmlns:m="http://schemas.openxmlformats.org/officeDocument/2006/math">
+                                        <m:r>
+                                          <a:rPr lang="fr-FR" b="0" i="1" smtClean="0">
+                                            <a:solidFill>
+                                              <a:schemeClr val="accent2"/>
+                                            </a:solidFill>
+                                            <a:latin typeface="Cambria Math" panose="02040503050406030204" pitchFamily="18" charset="0"/>
+                                          </a:rPr>
+                                          <m:t>𝜃</m:t>
+                                        </m:r>
+                                        <m:r>
+                                          <a:rPr lang="fr-FR" b="0" i="1" smtClean="0">
+                                            <a:solidFill>
+                                              <a:schemeClr val="accent2"/>
+                                            </a:solidFill>
+                                            <a:latin typeface="Cambria Math" panose="02040503050406030204" pitchFamily="18" charset="0"/>
+                                          </a:rPr>
+                                          <m:t>=</m:t>
+                                        </m:r>
+                                        <m:r>
+                                          <a:rPr lang="fr-FR" b="0" i="1" smtClean="0">
+                                            <a:solidFill>
+                                              <a:schemeClr val="accent2"/>
+                                            </a:solidFill>
+                                            <a:latin typeface="Cambria Math" panose="02040503050406030204" pitchFamily="18" charset="0"/>
+                                          </a:rPr>
+                                          <m:t>𝜔</m:t>
+                                        </m:r>
+                                        <m:r>
+                                          <a:rPr lang="fr-FR" b="0" i="1" smtClean="0">
+                                            <a:solidFill>
+                                              <a:schemeClr val="accent2"/>
+                                            </a:solidFill>
+                                            <a:latin typeface="Cambria Math" panose="02040503050406030204" pitchFamily="18" charset="0"/>
+                                          </a:rPr>
+                                          <m:t>𝑡</m:t>
+                                        </m:r>
+                                      </m:oMath>
+                                    </m:oMathPara>
+                                  </a14:m>
+                                  <a:endParaRPr lang="fr-FR" dirty="0">
+                                    <a:solidFill>
+                                      <a:schemeClr val="accent2"/>
+                                    </a:solidFill>
+                                  </a:endParaRPr>
+                                </a:p>
+                              </p:txBody>
+                            </p:sp>
+                          </mc:Choice>
+                          <mc:Fallback>
+                            <p:sp>
+                              <p:nvSpPr>
+                                <p:cNvPr id="215" name="ZoneTexte 214"/>
+                                <p:cNvSpPr txBox="1">
+                                  <a:spLocks noRot="1" noChangeAspect="1" noMove="1" noResize="1" noEditPoints="1" noAdjustHandles="1" noChangeArrowheads="1" noChangeShapeType="1" noTextEdit="1"/>
+                                </p:cNvSpPr>
+                                <p:nvPr/>
+                              </p:nvSpPr>
+                              <p:spPr>
+                                <a:xfrm rot="3603171">
+                                  <a:off x="2177864" y="4937513"/>
+                                  <a:ext cx="975485" cy="273138"/>
+                                </a:xfrm>
+                                <a:prstGeom prst="rect">
+                                  <a:avLst/>
+                                </a:prstGeom>
+                                <a:blipFill rotWithShape="0">
+                                  <a:blip r:embed="rId9"/>
+                                  <a:stretch>
+                                    <a:fillRect/>
+                                  </a:stretch>
+                                </a:blipFill>
+                              </p:spPr>
+                              <p:txBody>
+                                <a:bodyPr/>
+                                <a:lstStyle/>
+                                <a:p>
+                                  <a:r>
+                                    <a:rPr lang="fr-FR">
+                                      <a:noFill/>
+                                    </a:rPr>
+                                    <a:t> </a:t>
+                                  </a:r>
+                                </a:p>
+                              </p:txBody>
+                            </p:sp>
+                          </mc:Fallback>
+                        </mc:AlternateContent>
+                      </p:grpSp>
+                    </p:grpSp>
+                  </p:grpSp>
+                  <p:grpSp>
+                    <p:nvGrpSpPr>
+                      <p:cNvPr id="231" name="Groupe 230"/>
+                      <p:cNvGrpSpPr/>
+                      <p:nvPr/>
+                    </p:nvGrpSpPr>
+                    <p:grpSpPr>
+                      <a:xfrm>
+                        <a:off x="1785050" y="687834"/>
+                        <a:ext cx="4707703" cy="5131246"/>
+                        <a:chOff x="1785050" y="687834"/>
+                        <a:chExt cx="4707703" cy="5131246"/>
                       </a:xfrm>
                     </p:grpSpPr>
                     <p:grpSp>
                       <p:nvGrpSpPr>
-                        <p:cNvPr id="161" name="Groupe 160"/>
+                        <p:cNvPr id="230" name="Groupe 229"/>
                         <p:cNvGrpSpPr/>
                         <p:nvPr/>
                       </p:nvGrpSpPr>
                       <p:grpSpPr>
-                        <a:xfrm rot="15585661">
-                          <a:off x="5387767" y="3058723"/>
-                          <a:ext cx="1266460" cy="1904631"/>
-                          <a:chOff x="6616757" y="3521682"/>
-                          <a:chExt cx="1266460" cy="1904631"/>
+                        <a:xfrm>
+                          <a:off x="1785050" y="687834"/>
+                          <a:ext cx="4707703" cy="5131246"/>
+                          <a:chOff x="1785050" y="687834"/>
+                          <a:chExt cx="4707703" cy="5131246"/>
                         </a:xfrm>
                       </p:grpSpPr>
                       <p:grpSp>
                         <p:nvGrpSpPr>
-                          <p:cNvPr id="162" name="Groupe 161"/>
+                          <p:cNvPr id="229" name="Groupe 228"/>
                           <p:cNvGrpSpPr/>
                           <p:nvPr/>
                         </p:nvGrpSpPr>
                         <p:grpSpPr>
                           <a:xfrm>
-                            <a:off x="6835092" y="3846896"/>
-                            <a:ext cx="1048125" cy="1579417"/>
-                            <a:chOff x="7854568" y="3168342"/>
-                            <a:chExt cx="1048125" cy="1579417"/>
+                            <a:off x="1785050" y="687834"/>
+                            <a:ext cx="4707703" cy="5131246"/>
+                            <a:chOff x="1785050" y="687834"/>
+                            <a:chExt cx="4707703" cy="5131246"/>
                           </a:xfrm>
                         </p:grpSpPr>
                         <p:grpSp>
                           <p:nvGrpSpPr>
-                            <p:cNvPr id="176" name="Groupe 175"/>
+                            <p:cNvPr id="7" name="Groupe 6"/>
                             <p:cNvGrpSpPr/>
                             <p:nvPr/>
                           </p:nvGrpSpPr>
                           <p:grpSpPr>
                             <a:xfrm>
-                              <a:off x="7854568" y="3168342"/>
-                              <a:ext cx="780643" cy="1564598"/>
-                              <a:chOff x="912447" y="1213268"/>
-                              <a:chExt cx="781109" cy="1565407"/>
+                              <a:off x="3025692" y="687834"/>
+                              <a:ext cx="3467061" cy="5131246"/>
+                              <a:chOff x="3725833" y="0"/>
+                              <a:chExt cx="3467061" cy="5131246"/>
                             </a:xfrm>
                           </p:grpSpPr>
                           <p:cxnSp>
                             <p:nvCxnSpPr>
-                              <p:cNvPr id="179" name="Connecteur droit avec flèche 178"/>
+                              <p:cNvPr id="64" name="Connecteur droit avec flèche 63"/>
                               <p:cNvCxnSpPr/>
                               <p:nvPr/>
                             </p:nvCxnSpPr>
                             <p:spPr>
-                              <a:xfrm rot="6014339" flipV="1">
-                                <a:off x="276281" y="1861996"/>
-                                <a:ext cx="1552845" cy="280514"/>
+                              <a:xfrm>
+                                <a:off x="3725833" y="414278"/>
+                                <a:ext cx="3274113" cy="18059"/>
                               </a:xfrm>
                               <a:prstGeom prst="straightConnector1">
                                 <a:avLst/>
                               </a:prstGeom>
-                              <a:ln w="12700">
+                              <a:ln w="38100">
                                 <a:solidFill>
                                   <a:schemeClr val="tx1"/>
                                 </a:solidFill>
-                                <a:prstDash val="dash"/>
                                 <a:tailEnd type="triangle"/>
                               </a:ln>
                             </p:spPr>
@@ -7591,23 +8658,22 @@
                           </p:cxnSp>
                           <p:cxnSp>
                             <p:nvCxnSpPr>
-                              <p:cNvPr id="180" name="Connecteur droit avec flèche 179"/>
+                              <p:cNvPr id="65" name="Connecteur droit avec flèche 64"/>
                               <p:cNvCxnSpPr/>
                               <p:nvPr/>
                             </p:nvCxnSpPr>
                             <p:spPr>
                               <a:xfrm>
-                                <a:off x="1052702" y="1213268"/>
-                                <a:ext cx="640854" cy="9933"/>
+                                <a:off x="4405329" y="0"/>
+                                <a:ext cx="0" cy="4897029"/>
                               </a:xfrm>
                               <a:prstGeom prst="straightConnector1">
                                 <a:avLst/>
                               </a:prstGeom>
-                              <a:ln w="12700">
+                              <a:ln w="38100">
                                 <a:solidFill>
                                   <a:schemeClr val="tx1"/>
                                 </a:solidFill>
-                                <a:prstDash val="dash"/>
                                 <a:tailEnd type="triangle"/>
                               </a:ln>
                             </p:spPr>
@@ -7626,1486 +8692,30 @@
                               </a:fontRef>
                             </p:style>
                           </p:cxnSp>
-                        </p:grpSp>
-                        <mc:AlternateContent xmlns:mc="http://schemas.openxmlformats.org/markup-compatibility/2006" xmlns:a14="http://schemas.microsoft.com/office/drawing/2010/main">
-                          <mc:Choice Requires="a14">
-                            <p:sp>
-                              <p:nvSpPr>
-                                <p:cNvPr id="177" name="Zone de texte 153"/>
-                                <p:cNvSpPr txBox="1"/>
-                                <p:nvPr/>
-                              </p:nvSpPr>
-                              <p:spPr>
-                                <a:xfrm rot="6014339">
-                                  <a:off x="8080971" y="4459560"/>
-                                  <a:ext cx="301748" cy="274650"/>
-                                </a:xfrm>
-                                <a:prstGeom prst="rect">
-                                  <a:avLst/>
-                                </a:prstGeom>
-                                <a:noFill/>
-                                <a:ln w="6350">
-                                  <a:noFill/>
-                                  <a:prstDash val="sysDash"/>
-                                </a:ln>
-                                <a:effectLst/>
-                              </p:spPr>
-                              <p:style>
-                                <a:lnRef idx="0">
-                                  <a:schemeClr val="accent1"/>
-                                </a:lnRef>
-                                <a:fillRef idx="0">
-                                  <a:schemeClr val="accent1"/>
-                                </a:fillRef>
-                                <a:effectRef idx="0">
-                                  <a:schemeClr val="accent1"/>
-                                </a:effectRef>
-                                <a:fontRef idx="minor">
-                                  <a:schemeClr val="dk1"/>
-                                </a:fontRef>
-                              </p:style>
-                              <p:txBody>
-                                <a:bodyPr rot="0" spcFirstLastPara="0" vert="horz" wrap="square" lIns="91440" tIns="45720" rIns="91440" bIns="45720" numCol="1" spcCol="0" rtlCol="0" fromWordArt="0" anchor="t" anchorCtr="0" forceAA="0" compatLnSpc="1">
-                                  <a:prstTxWarp prst="textNoShape">
-                                    <a:avLst/>
-                                  </a:prstTxWarp>
-                                  <a:noAutofit/>
-                                </a:bodyPr>
-                                <a:lstStyle/>
-                                <a:p>
-                                  <a:pPr>
-                                    <a:lnSpc>
-                                      <a:spcPct val="107000"/>
-                                    </a:lnSpc>
-                                    <a:spcAft>
-                                      <a:spcPts val="800"/>
-                                    </a:spcAft>
-                                  </a:pPr>
-                                  <a14:m>
-                                    <m:oMathPara xmlns:m="http://schemas.openxmlformats.org/officeDocument/2006/math">
-                                      <m:oMathParaPr>
-                                        <m:jc m:val="centerGroup"/>
-                                      </m:oMathParaPr>
-                                      <m:oMath xmlns:m="http://schemas.openxmlformats.org/officeDocument/2006/math">
-                                        <m:r>
-                                          <a:rPr lang="fr-FR" sz="2400" b="0" i="1" smtClean="0">
-                                            <a:effectLst/>
-                                            <a:latin typeface="Cambria Math" panose="02040503050406030204" pitchFamily="18" charset="0"/>
-                                            <a:ea typeface="Calibri" panose="020F0502020204030204" pitchFamily="34" charset="0"/>
-                                            <a:cs typeface="Times New Roman" panose="02020603050405020304" pitchFamily="18" charset="0"/>
-                                          </a:rPr>
-                                          <m:t>𝑟</m:t>
-                                        </m:r>
-                                      </m:oMath>
-                                    </m:oMathPara>
-                                  </a14:m>
-                                  <a:endParaRPr lang="fr-FR" sz="2400" dirty="0">
-                                    <a:effectLst/>
-                                    <a:ea typeface="Calibri" panose="020F0502020204030204" pitchFamily="34" charset="0"/>
-                                    <a:cs typeface="Times New Roman" panose="02020603050405020304" pitchFamily="18" charset="0"/>
-                                  </a:endParaRPr>
-                                </a:p>
-                                <a:p>
-                                  <a:pPr>
-                                    <a:lnSpc>
-                                      <a:spcPct val="107000"/>
-                                    </a:lnSpc>
-                                    <a:spcAft>
-                                      <a:spcPts val="800"/>
-                                    </a:spcAft>
-                                  </a:pPr>
-                                  <a:r>
-                                    <a:rPr lang="fr-FR" sz="2400" dirty="0">
-                                      <a:effectLst/>
-                                      <a:ea typeface="Calibri" panose="020F0502020204030204" pitchFamily="34" charset="0"/>
-                                      <a:cs typeface="Times New Roman" panose="02020603050405020304" pitchFamily="18" charset="0"/>
-                                    </a:rPr>
-                                    <a:t> </a:t>
-                                  </a:r>
-                                </a:p>
-                              </p:txBody>
-                            </p:sp>
-                          </mc:Choice>
-                          <mc:Fallback xmlns="">
-                            <p:sp>
-                              <p:nvSpPr>
-                                <p:cNvPr id="177" name="Zone de texte 153"/>
-                                <p:cNvSpPr txBox="1">
-                                  <a:spLocks noRot="1" noChangeAspect="1" noMove="1" noResize="1" noEditPoints="1" noAdjustHandles="1" noChangeArrowheads="1" noChangeShapeType="1" noTextEdit="1"/>
-                                </p:cNvSpPr>
-                                <p:nvPr/>
-                              </p:nvSpPr>
-                              <p:spPr>
-                                <a:xfrm rot="6014339">
-                                  <a:off x="8080971" y="4459560"/>
-                                  <a:ext cx="301748" cy="274650"/>
-                                </a:xfrm>
-                                <a:prstGeom prst="rect">
-                                  <a:avLst/>
-                                </a:prstGeom>
-                                <a:blipFill rotWithShape="0">
-                                  <a:blip r:embed="rId5"/>
-                                  <a:stretch>
-                                    <a:fillRect b="-24444"/>
-                                  </a:stretch>
-                                </a:blipFill>
-                                <a:ln w="6350">
-                                  <a:noFill/>
-                                  <a:prstDash val="sysDash"/>
-                                </a:ln>
-                                <a:effectLst/>
-                              </p:spPr>
-                              <p:txBody>
-                                <a:bodyPr/>
-                                <a:lstStyle/>
-                                <a:p>
-                                  <a:r>
-                                    <a:rPr lang="fr-FR">
-                                      <a:noFill/>
-                                    </a:rPr>
-                                    <a:t> </a:t>
-                                  </a:r>
-                                </a:p>
-                              </p:txBody>
-                            </p:sp>
-                          </mc:Fallback>
-                        </mc:AlternateContent>
-                        <mc:AlternateContent xmlns:mc="http://schemas.openxmlformats.org/markup-compatibility/2006" xmlns:a14="http://schemas.microsoft.com/office/drawing/2010/main">
-                          <mc:Choice Requires="a14">
-                            <p:sp>
-                              <p:nvSpPr>
-                                <p:cNvPr id="178" name="Zone de texte 154"/>
-                                <p:cNvSpPr txBox="1"/>
-                                <p:nvPr/>
-                              </p:nvSpPr>
-                              <p:spPr>
-                                <a:xfrm rot="6014339">
-                                  <a:off x="8614494" y="3207842"/>
-                                  <a:ext cx="301748" cy="274650"/>
-                                </a:xfrm>
-                                <a:prstGeom prst="rect">
-                                  <a:avLst/>
-                                </a:prstGeom>
-                                <a:noFill/>
-                                <a:ln w="6350">
-                                  <a:noFill/>
-                                  <a:prstDash val="sysDash"/>
-                                </a:ln>
-                                <a:effectLst/>
-                              </p:spPr>
-                              <p:style>
-                                <a:lnRef idx="0">
-                                  <a:schemeClr val="accent1"/>
-                                </a:lnRef>
-                                <a:fillRef idx="0">
-                                  <a:schemeClr val="accent1"/>
-                                </a:fillRef>
-                                <a:effectRef idx="0">
-                                  <a:schemeClr val="accent1"/>
-                                </a:effectRef>
-                                <a:fontRef idx="minor">
-                                  <a:schemeClr val="dk1"/>
-                                </a:fontRef>
-                              </p:style>
-                              <p:txBody>
-                                <a:bodyPr rot="0" spcFirstLastPara="0" vert="horz" wrap="square" lIns="91440" tIns="45720" rIns="91440" bIns="45720" numCol="1" spcCol="0" rtlCol="0" fromWordArt="0" anchor="t" anchorCtr="0" forceAA="0" compatLnSpc="1">
-                                  <a:prstTxWarp prst="textNoShape">
-                                    <a:avLst/>
-                                  </a:prstTxWarp>
-                                  <a:noAutofit/>
-                                </a:bodyPr>
-                                <a:lstStyle/>
-                                <a:p>
-                                  <a:pPr>
-                                    <a:lnSpc>
-                                      <a:spcPct val="107000"/>
-                                    </a:lnSpc>
-                                    <a:spcAft>
-                                      <a:spcPts val="800"/>
-                                    </a:spcAft>
-                                  </a:pPr>
-                                  <a14:m>
-                                    <m:oMathPara xmlns:m="http://schemas.openxmlformats.org/officeDocument/2006/math">
-                                      <m:oMathParaPr>
-                                        <m:jc m:val="centerGroup"/>
-                                      </m:oMathParaPr>
-                                      <m:oMath xmlns:m="http://schemas.openxmlformats.org/officeDocument/2006/math">
-                                        <m:r>
-                                          <a:rPr lang="fr-FR" sz="2400" i="1" dirty="0" smtClean="0">
-                                            <a:effectLst/>
-                                            <a:latin typeface="Cambria Math" panose="02040503050406030204" pitchFamily="18" charset="0"/>
-                                            <a:ea typeface="Calibri" panose="020F0502020204030204" pitchFamily="34" charset="0"/>
-                                            <a:cs typeface="Times New Roman" panose="02020603050405020304" pitchFamily="18" charset="0"/>
-                                          </a:rPr>
-                                          <m:t>𝑡</m:t>
-                                        </m:r>
-                                      </m:oMath>
-                                    </m:oMathPara>
-                                  </a14:m>
-                                  <a:endParaRPr lang="fr-FR" sz="2400" dirty="0">
-                                    <a:effectLst/>
-                                    <a:ea typeface="Calibri" panose="020F0502020204030204" pitchFamily="34" charset="0"/>
-                                    <a:cs typeface="Times New Roman" panose="02020603050405020304" pitchFamily="18" charset="0"/>
-                                  </a:endParaRPr>
-                                </a:p>
-                                <a:p>
-                                  <a:pPr>
-                                    <a:lnSpc>
-                                      <a:spcPct val="107000"/>
-                                    </a:lnSpc>
-                                    <a:spcAft>
-                                      <a:spcPts val="800"/>
-                                    </a:spcAft>
-                                  </a:pPr>
-                                  <a:r>
-                                    <a:rPr lang="fr-FR" sz="2400" dirty="0">
-                                      <a:effectLst/>
-                                      <a:ea typeface="Calibri" panose="020F0502020204030204" pitchFamily="34" charset="0"/>
-                                      <a:cs typeface="Times New Roman" panose="02020603050405020304" pitchFamily="18" charset="0"/>
-                                    </a:rPr>
-                                    <a:t> </a:t>
-                                  </a:r>
-                                </a:p>
-                              </p:txBody>
-                            </p:sp>
-                          </mc:Choice>
-                          <mc:Fallback xmlns="">
-                            <p:sp>
-                              <p:nvSpPr>
-                                <p:cNvPr id="178" name="Zone de texte 154"/>
-                                <p:cNvSpPr txBox="1">
-                                  <a:spLocks noRot="1" noChangeAspect="1" noMove="1" noResize="1" noEditPoints="1" noAdjustHandles="1" noChangeArrowheads="1" noChangeShapeType="1" noTextEdit="1"/>
-                                </p:cNvSpPr>
-                                <p:nvPr/>
-                              </p:nvSpPr>
-                              <p:spPr>
-                                <a:xfrm rot="6014339">
-                                  <a:off x="8614494" y="3207842"/>
-                                  <a:ext cx="301748" cy="274650"/>
-                                </a:xfrm>
-                                <a:prstGeom prst="rect">
-                                  <a:avLst/>
-                                </a:prstGeom>
-                                <a:blipFill rotWithShape="0">
-                                  <a:blip r:embed="rId6"/>
-                                  <a:stretch>
-                                    <a:fillRect b="-24444"/>
-                                  </a:stretch>
-                                </a:blipFill>
-                                <a:ln w="6350">
-                                  <a:noFill/>
-                                  <a:prstDash val="sysDash"/>
-                                </a:ln>
-                                <a:effectLst/>
-                              </p:spPr>
-                              <p:txBody>
-                                <a:bodyPr/>
-                                <a:lstStyle/>
-                                <a:p>
-                                  <a:r>
-                                    <a:rPr lang="fr-FR">
-                                      <a:noFill/>
-                                    </a:rPr>
-                                    <a:t> </a:t>
-                                  </a:r>
-                                </a:p>
-                              </p:txBody>
-                            </p:sp>
-                          </mc:Fallback>
-                        </mc:AlternateContent>
-                      </p:grpSp>
-                      <p:grpSp>
-                        <p:nvGrpSpPr>
-                          <p:cNvPr id="164" name="Groupe 163"/>
-                          <p:cNvGrpSpPr/>
-                          <p:nvPr/>
-                        </p:nvGrpSpPr>
-                        <p:grpSpPr>
-                          <a:xfrm rot="18184110">
-                            <a:off x="6616736" y="3521703"/>
-                            <a:ext cx="732699" cy="732657"/>
-                            <a:chOff x="5038636" y="1461790"/>
-                            <a:chExt cx="977631" cy="977573"/>
-                          </a:xfrm>
-                        </p:grpSpPr>
-                        <p:sp>
-                          <p:nvSpPr>
-                            <p:cNvPr id="166" name="Ellipse 165"/>
-                            <p:cNvSpPr/>
-                            <p:nvPr/>
-                          </p:nvSpPr>
-                          <p:spPr>
-                            <a:xfrm rot="16864146">
-                              <a:off x="5501628" y="1873027"/>
-                              <a:ext cx="105190" cy="105185"/>
-                            </a:xfrm>
-                            <a:prstGeom prst="ellipse">
-                              <a:avLst/>
-                            </a:prstGeom>
-                            <a:solidFill>
-                              <a:srgbClr val="509E2F"/>
-                            </a:solidFill>
-                            <a:ln>
-                              <a:noFill/>
-                            </a:ln>
-                          </p:spPr>
-                          <p:style>
-                            <a:lnRef idx="2">
-                              <a:schemeClr val="accent6">
-                                <a:shade val="50000"/>
-                              </a:schemeClr>
-                            </a:lnRef>
-                            <a:fillRef idx="1">
-                              <a:schemeClr val="accent6"/>
-                            </a:fillRef>
-                            <a:effectRef idx="0">
-                              <a:schemeClr val="accent6"/>
-                            </a:effectRef>
-                            <a:fontRef idx="minor">
-                              <a:schemeClr val="lt1"/>
-                            </a:fontRef>
-                          </p:style>
-                          <p:txBody>
-                            <a:bodyPr rtlCol="0" anchor="ctr"/>
-                            <a:lstStyle/>
-                            <a:p>
-                              <a:endParaRPr lang="fr-FR" sz="4000"/>
-                            </a:p>
-                          </p:txBody>
-                        </p:sp>
-                        <p:sp>
-                          <p:nvSpPr>
-                            <p:cNvPr id="175" name="Ellipse 174"/>
-                            <p:cNvSpPr/>
-                            <p:nvPr/>
-                          </p:nvSpPr>
-                          <p:spPr>
-                            <a:xfrm rot="19297221">
-                              <a:off x="5038636" y="1461790"/>
-                              <a:ext cx="977631" cy="977573"/>
-                            </a:xfrm>
-                            <a:prstGeom prst="ellipse">
-                              <a:avLst/>
-                            </a:prstGeom>
-                            <a:noFill/>
-                            <a:ln>
-                              <a:solidFill>
-                                <a:srgbClr val="509E2F"/>
-                              </a:solidFill>
-                            </a:ln>
-                          </p:spPr>
-                          <p:style>
-                            <a:lnRef idx="2">
-                              <a:schemeClr val="accent1">
-                                <a:shade val="50000"/>
-                              </a:schemeClr>
-                            </a:lnRef>
-                            <a:fillRef idx="1">
-                              <a:schemeClr val="accent1"/>
-                            </a:fillRef>
-                            <a:effectRef idx="0">
-                              <a:schemeClr val="accent1"/>
-                            </a:effectRef>
-                            <a:fontRef idx="minor">
-                              <a:schemeClr val="lt1"/>
-                            </a:fontRef>
-                          </p:style>
-                          <p:txBody>
-                            <a:bodyPr rtlCol="0" anchor="ctr"/>
-                            <a:lstStyle/>
-                            <a:p>
-                              <a:endParaRPr lang="fr-FR" sz="4000"/>
-                            </a:p>
-                          </p:txBody>
-                        </p:sp>
-                      </p:grpSp>
-                    </p:grpSp>
-                    <p:grpSp>
-                      <p:nvGrpSpPr>
-                        <p:cNvPr id="206" name="Groupe 205"/>
-                        <p:cNvGrpSpPr/>
-                        <p:nvPr/>
-                      </p:nvGrpSpPr>
-                      <p:grpSpPr>
-                        <a:xfrm rot="17294208">
-                          <a:off x="5641496" y="4081563"/>
-                          <a:ext cx="1027729" cy="1100145"/>
-                          <a:chOff x="2052492" y="3571017"/>
-                          <a:chExt cx="969557" cy="1477247"/>
-                        </a:xfrm>
-                      </p:grpSpPr>
-                      <p:sp>
-                        <p:nvSpPr>
-                          <p:cNvPr id="207" name="Arc 206"/>
-                          <p:cNvSpPr/>
-                          <p:nvPr/>
-                        </p:nvSpPr>
-                        <p:spPr>
-                          <a:xfrm>
-                            <a:off x="2052492" y="3571017"/>
-                            <a:ext cx="969557" cy="997421"/>
-                          </a:xfrm>
-                          <a:prstGeom prst="arc">
-                            <a:avLst>
-                              <a:gd name="adj1" fmla="val 1700863"/>
-                              <a:gd name="adj2" fmla="val 8519332"/>
-                            </a:avLst>
-                          </a:prstGeom>
-                          <a:ln w="19050">
-                            <a:headEnd type="none"/>
-                            <a:tailEnd type="triangle"/>
-                          </a:ln>
-                        </p:spPr>
-                        <p:style>
-                          <a:lnRef idx="1">
-                            <a:schemeClr val="accent1"/>
-                          </a:lnRef>
-                          <a:fillRef idx="0">
-                            <a:schemeClr val="accent1"/>
-                          </a:fillRef>
-                          <a:effectRef idx="0">
-                            <a:schemeClr val="accent1"/>
-                          </a:effectRef>
-                          <a:fontRef idx="minor">
-                            <a:schemeClr val="tx1"/>
-                          </a:fontRef>
-                        </p:style>
-                        <p:txBody>
-                          <a:bodyPr rtlCol="0" anchor="ctr"/>
-                          <a:lstStyle/>
-                          <a:p>
-                            <a:pPr algn="ctr"/>
-                            <a:endParaRPr lang="fr-FR"/>
-                          </a:p>
-                        </p:txBody>
-                      </p:sp>
-                      <mc:AlternateContent xmlns:mc="http://schemas.openxmlformats.org/markup-compatibility/2006" xmlns:a14="http://schemas.microsoft.com/office/drawing/2010/main">
-                        <mc:Choice Requires="a14">
-                          <p:sp>
-                            <p:nvSpPr>
-                              <p:cNvPr id="208" name="ZoneTexte 207"/>
-                              <p:cNvSpPr txBox="1"/>
-                              <p:nvPr/>
-                            </p:nvSpPr>
-                            <p:spPr>
-                              <a:xfrm rot="4305792">
-                                <a:off x="2025090" y="4560778"/>
-                                <a:ext cx="626544" cy="348427"/>
-                              </a:xfrm>
-                              <a:prstGeom prst="rect">
-                                <a:avLst/>
-                              </a:prstGeom>
-                              <a:noFill/>
-                            </p:spPr>
-                            <p:txBody>
-                              <a:bodyPr wrap="none" rtlCol="0">
-                                <a:spAutoFit/>
-                              </a:bodyPr>
-                              <a:lstStyle/>
-                              <a:p>
-                                <a:pPr/>
-                                <a14:m>
-                                  <m:oMathPara xmlns:m="http://schemas.openxmlformats.org/officeDocument/2006/math">
-                                    <m:oMathParaPr>
-                                      <m:jc m:val="centerGroup"/>
-                                    </m:oMathParaPr>
-                                    <m:oMath xmlns:m="http://schemas.openxmlformats.org/officeDocument/2006/math">
-                                      <m:sSub>
-                                        <m:sSubPr>
-                                          <m:ctrlPr>
-                                            <a:rPr lang="fr-FR" b="0" i="1" smtClean="0">
-                                              <a:solidFill>
-                                                <a:srgbClr val="0070C0"/>
-                                              </a:solidFill>
-                                              <a:latin typeface="Cambria Math" panose="02040503050406030204" pitchFamily="18" charset="0"/>
-                                            </a:rPr>
-                                          </m:ctrlPr>
-                                        </m:sSubPr>
-                                        <m:e>
-                                          <m:r>
-                                            <a:rPr lang="fr-FR" b="0" i="1" smtClean="0">
-                                              <a:solidFill>
-                                                <a:srgbClr val="0070C0"/>
-                                              </a:solidFill>
-                                              <a:latin typeface="Cambria Math" panose="02040503050406030204" pitchFamily="18" charset="0"/>
-                                            </a:rPr>
-                                            <m:t>𝜃</m:t>
-                                          </m:r>
-                                        </m:e>
-                                        <m:sub>
-                                          <m:r>
-                                            <a:rPr lang="fr-FR" b="0" i="1" smtClean="0">
-                                              <a:solidFill>
-                                                <a:srgbClr val="0070C0"/>
-                                              </a:solidFill>
-                                              <a:latin typeface="Cambria Math" panose="02040503050406030204" pitchFamily="18" charset="0"/>
-                                            </a:rPr>
-                                            <m:t>0</m:t>
-                                          </m:r>
-                                        </m:sub>
-                                      </m:sSub>
-                                    </m:oMath>
-                                  </m:oMathPara>
-                                </a14:m>
-                                <a:endParaRPr lang="fr-FR" dirty="0"/>
-                              </a:p>
-                            </p:txBody>
-                          </p:sp>
-                        </mc:Choice>
-                        <mc:Fallback xmlns="">
-                          <p:sp>
-                            <p:nvSpPr>
-                              <p:cNvPr id="208" name="ZoneTexte 207"/>
-                              <p:cNvSpPr txBox="1">
-                                <a:spLocks noRot="1" noChangeAspect="1" noMove="1" noResize="1" noEditPoints="1" noAdjustHandles="1" noChangeArrowheads="1" noChangeShapeType="1" noTextEdit="1"/>
-                              </p:cNvSpPr>
-                              <p:nvPr/>
-                            </p:nvSpPr>
-                            <p:spPr>
-                              <a:xfrm rot="4305792">
-                                <a:off x="2025090" y="4560778"/>
-                                <a:ext cx="626544" cy="348427"/>
-                              </a:xfrm>
-                              <a:prstGeom prst="rect">
-                                <a:avLst/>
-                              </a:prstGeom>
-                              <a:blipFill rotWithShape="0">
-                                <a:blip r:embed="rId7"/>
-                                <a:stretch>
-                                  <a:fillRect/>
-                                </a:stretch>
-                              </a:blipFill>
-                            </p:spPr>
-                            <p:txBody>
-                              <a:bodyPr/>
-                              <a:lstStyle/>
-                              <a:p>
-                                <a:r>
-                                  <a:rPr lang="fr-FR">
-                                    <a:noFill/>
-                                  </a:rPr>
-                                  <a:t> </a:t>
-                                </a:r>
-                              </a:p>
-                            </p:txBody>
-                          </p:sp>
-                        </mc:Fallback>
-                      </mc:AlternateContent>
-                    </p:grpSp>
-                    <p:grpSp>
-                      <p:nvGrpSpPr>
-                        <p:cNvPr id="209" name="Groupe 208"/>
-                        <p:cNvGrpSpPr/>
-                        <p:nvPr/>
-                      </p:nvGrpSpPr>
-                      <p:grpSpPr>
-                        <a:xfrm rot="17294208">
-                          <a:off x="5303074" y="3990334"/>
-                          <a:ext cx="1145943" cy="1284637"/>
-                          <a:chOff x="1925214" y="3830032"/>
-                          <a:chExt cx="1081080" cy="1724985"/>
-                        </a:xfrm>
-                      </p:grpSpPr>
-                      <p:sp>
-                        <p:nvSpPr>
-                          <p:cNvPr id="210" name="Arc 209"/>
-                          <p:cNvSpPr/>
-                          <p:nvPr/>
-                        </p:nvSpPr>
-                        <p:spPr>
-                          <a:xfrm>
-                            <a:off x="1960632" y="3830032"/>
-                            <a:ext cx="1045662" cy="1150085"/>
-                          </a:xfrm>
-                          <a:prstGeom prst="arc">
-                            <a:avLst>
-                              <a:gd name="adj1" fmla="val 2556607"/>
-                              <a:gd name="adj2" fmla="val 8840806"/>
-                            </a:avLst>
-                          </a:prstGeom>
-                          <a:ln w="19050">
-                            <a:solidFill>
-                              <a:srgbClr val="FF0000"/>
-                            </a:solidFill>
-                            <a:headEnd type="none"/>
-                            <a:tailEnd type="triangle"/>
-                          </a:ln>
-                        </p:spPr>
-                        <p:style>
-                          <a:lnRef idx="1">
-                            <a:schemeClr val="accent1"/>
-                          </a:lnRef>
-                          <a:fillRef idx="0">
-                            <a:schemeClr val="accent1"/>
-                          </a:fillRef>
-                          <a:effectRef idx="0">
-                            <a:schemeClr val="accent1"/>
-                          </a:effectRef>
-                          <a:fontRef idx="minor">
-                            <a:schemeClr val="tx1"/>
-                          </a:fontRef>
-                        </p:style>
-                        <p:txBody>
-                          <a:bodyPr rtlCol="0" anchor="ctr"/>
-                          <a:lstStyle/>
-                          <a:p>
-                            <a:pPr algn="ctr"/>
-                            <a:endParaRPr lang="fr-FR"/>
-                          </a:p>
-                        </p:txBody>
-                      </p:sp>
-                      <mc:AlternateContent xmlns:mc="http://schemas.openxmlformats.org/markup-compatibility/2006" xmlns:a14="http://schemas.microsoft.com/office/drawing/2010/main">
-                        <mc:Choice Requires="a14">
-                          <p:sp>
-                            <p:nvSpPr>
-                              <p:cNvPr id="211" name="ZoneTexte 210"/>
-                              <p:cNvSpPr txBox="1"/>
-                              <p:nvPr/>
-                            </p:nvSpPr>
-                            <p:spPr>
-                              <a:xfrm rot="4305792">
-                                <a:off x="1690586" y="4971961"/>
-                                <a:ext cx="817684" cy="348427"/>
-                              </a:xfrm>
-                              <a:prstGeom prst="rect">
-                                <a:avLst/>
-                              </a:prstGeom>
-                              <a:noFill/>
-                            </p:spPr>
-                            <p:txBody>
-                              <a:bodyPr wrap="none" rtlCol="0">
-                                <a:spAutoFit/>
-                              </a:bodyPr>
-                              <a:lstStyle/>
-                              <a:p>
-                                <a:pPr/>
-                                <a14:m>
-                                  <m:oMathPara xmlns:m="http://schemas.openxmlformats.org/officeDocument/2006/math">
-                                    <m:oMathParaPr>
-                                      <m:jc m:val="centerGroup"/>
-                                    </m:oMathParaPr>
-                                    <m:oMath xmlns:m="http://schemas.openxmlformats.org/officeDocument/2006/math">
-                                      <m:sSub>
-                                        <m:sSubPr>
-                                          <m:ctrlPr>
-                                            <a:rPr lang="fr-FR" b="0" i="1" smtClean="0">
-                                              <a:solidFill>
-                                                <a:srgbClr val="FF0000"/>
-                                              </a:solidFill>
-                                              <a:latin typeface="Cambria Math" panose="02040503050406030204" pitchFamily="18" charset="0"/>
-                                            </a:rPr>
-                                          </m:ctrlPr>
-                                        </m:sSubPr>
-                                        <m:e>
-                                          <m:r>
-                                            <a:rPr lang="fr-FR" b="0" i="1" smtClean="0">
-                                              <a:solidFill>
-                                                <a:srgbClr val="FF0000"/>
-                                              </a:solidFill>
-                                              <a:latin typeface="Cambria Math" panose="02040503050406030204" pitchFamily="18" charset="0"/>
-                                            </a:rPr>
-                                            <m:t>𝜃</m:t>
-                                          </m:r>
-                                        </m:e>
-                                        <m:sub>
-                                          <m:r>
-                                            <a:rPr lang="fr-FR" b="0" i="1" smtClean="0">
-                                              <a:solidFill>
-                                                <a:srgbClr val="FF0000"/>
-                                              </a:solidFill>
-                                              <a:latin typeface="Cambria Math" panose="02040503050406030204" pitchFamily="18" charset="0"/>
-                                            </a:rPr>
-                                            <m:t>𝑃𝐻</m:t>
-                                          </m:r>
-                                        </m:sub>
-                                      </m:sSub>
-                                    </m:oMath>
-                                  </m:oMathPara>
-                                </a14:m>
-                                <a:endParaRPr lang="fr-FR" dirty="0"/>
-                              </a:p>
-                            </p:txBody>
-                          </p:sp>
-                        </mc:Choice>
-                        <mc:Fallback xmlns="">
-                          <p:sp>
-                            <p:nvSpPr>
-                              <p:cNvPr id="211" name="ZoneTexte 210"/>
-                              <p:cNvSpPr txBox="1">
-                                <a:spLocks noRot="1" noChangeAspect="1" noMove="1" noResize="1" noEditPoints="1" noAdjustHandles="1" noChangeArrowheads="1" noChangeShapeType="1" noTextEdit="1"/>
-                              </p:cNvSpPr>
-                              <p:nvPr/>
-                            </p:nvSpPr>
-                            <p:spPr>
-                              <a:xfrm rot="4305792">
-                                <a:off x="1690586" y="4971961"/>
-                                <a:ext cx="817684" cy="348427"/>
-                              </a:xfrm>
-                              <a:prstGeom prst="rect">
-                                <a:avLst/>
-                              </a:prstGeom>
-                              <a:blipFill rotWithShape="0">
-                                <a:blip r:embed="rId8"/>
-                                <a:stretch>
-                                  <a:fillRect/>
-                                </a:stretch>
-                              </a:blipFill>
-                            </p:spPr>
-                            <p:txBody>
-                              <a:bodyPr/>
-                              <a:lstStyle/>
-                              <a:p>
-                                <a:r>
-                                  <a:rPr lang="fr-FR">
-                                    <a:noFill/>
-                                  </a:rPr>
-                                  <a:t> </a:t>
-                                </a:r>
-                              </a:p>
-                            </p:txBody>
-                          </p:sp>
-                        </mc:Fallback>
-                      </mc:AlternateContent>
-                    </p:grpSp>
-                    <p:grpSp>
-                      <p:nvGrpSpPr>
-                        <p:cNvPr id="213" name="Groupe 212"/>
-                        <p:cNvGrpSpPr/>
-                        <p:nvPr/>
-                      </p:nvGrpSpPr>
-                      <p:grpSpPr>
-                        <a:xfrm rot="17996829">
-                          <a:off x="4200693" y="3129717"/>
-                          <a:ext cx="2963951" cy="2563303"/>
-                          <a:chOff x="1820083" y="2351855"/>
-                          <a:chExt cx="2191979" cy="2662246"/>
-                        </a:xfrm>
-                      </p:grpSpPr>
-                      <p:sp>
-                        <p:nvSpPr>
-                          <p:cNvPr id="214" name="Arc 213"/>
-                          <p:cNvSpPr/>
-                          <p:nvPr/>
-                        </p:nvSpPr>
-                        <p:spPr>
-                          <a:xfrm>
-                            <a:off x="1820083" y="2351855"/>
-                            <a:ext cx="2191979" cy="2413586"/>
-                          </a:xfrm>
-                          <a:prstGeom prst="arc">
-                            <a:avLst>
-                              <a:gd name="adj1" fmla="val 3131986"/>
-                              <a:gd name="adj2" fmla="val 9233404"/>
-                            </a:avLst>
-                          </a:prstGeom>
-                          <a:ln w="19050">
-                            <a:solidFill>
-                              <a:schemeClr val="accent2"/>
-                            </a:solidFill>
-                            <a:headEnd type="none"/>
-                            <a:tailEnd type="triangle"/>
-                          </a:ln>
-                        </p:spPr>
-                        <p:style>
-                          <a:lnRef idx="1">
-                            <a:schemeClr val="accent1"/>
-                          </a:lnRef>
-                          <a:fillRef idx="0">
-                            <a:schemeClr val="accent1"/>
-                          </a:fillRef>
-                          <a:effectRef idx="0">
-                            <a:schemeClr val="accent1"/>
-                          </a:effectRef>
-                          <a:fontRef idx="minor">
-                            <a:schemeClr val="tx1"/>
-                          </a:fontRef>
-                        </p:style>
-                        <p:txBody>
-                          <a:bodyPr rtlCol="0" anchor="ctr"/>
-                          <a:lstStyle/>
-                          <a:p>
-                            <a:pPr algn="ctr"/>
-                            <a:endParaRPr lang="fr-FR"/>
-                          </a:p>
-                        </p:txBody>
-                      </p:sp>
-                      <mc:AlternateContent xmlns:mc="http://schemas.openxmlformats.org/markup-compatibility/2006" xmlns:a14="http://schemas.microsoft.com/office/drawing/2010/main">
-                        <mc:Choice Requires="a14">
-                          <p:sp>
-                            <p:nvSpPr>
-                              <p:cNvPr id="215" name="ZoneTexte 214"/>
-                              <p:cNvSpPr txBox="1"/>
-                              <p:nvPr/>
-                            </p:nvSpPr>
-                            <p:spPr>
-                              <a:xfrm rot="3603171">
-                                <a:off x="2367005" y="4683241"/>
-                                <a:ext cx="388583" cy="273138"/>
-                              </a:xfrm>
-                              <a:prstGeom prst="rect">
-                                <a:avLst/>
-                              </a:prstGeom>
-                              <a:noFill/>
-                            </p:spPr>
-                            <p:txBody>
-                              <a:bodyPr wrap="none" rtlCol="0">
-                                <a:spAutoFit/>
-                              </a:bodyPr>
-                              <a:lstStyle/>
-                              <a:p>
-                                <a:pPr/>
-                                <a14:m>
-                                  <m:oMathPara xmlns:m="http://schemas.openxmlformats.org/officeDocument/2006/math">
-                                    <m:oMathParaPr>
-                                      <m:jc m:val="centerGroup"/>
-                                    </m:oMathParaPr>
-                                    <m:oMath xmlns:m="http://schemas.openxmlformats.org/officeDocument/2006/math">
-                                      <m:r>
-                                        <a:rPr lang="fr-FR" b="0" i="1" smtClean="0">
-                                          <a:solidFill>
-                                            <a:schemeClr val="accent2"/>
-                                          </a:solidFill>
-                                          <a:latin typeface="Cambria Math" panose="02040503050406030204" pitchFamily="18" charset="0"/>
-                                        </a:rPr>
-                                        <m:t>𝜃</m:t>
-                                      </m:r>
-                                    </m:oMath>
-                                  </m:oMathPara>
-                                </a14:m>
-                                <a:endParaRPr lang="fr-FR" dirty="0">
-                                  <a:solidFill>
-                                    <a:schemeClr val="accent2"/>
-                                  </a:solidFill>
-                                </a:endParaRPr>
-                              </a:p>
-                            </p:txBody>
-                          </p:sp>
-                        </mc:Choice>
-                        <mc:Fallback xmlns="">
-                          <p:sp>
-                            <p:nvSpPr>
-                              <p:cNvPr id="215" name="ZoneTexte 214"/>
-                              <p:cNvSpPr txBox="1">
-                                <a:spLocks noRot="1" noChangeAspect="1" noMove="1" noResize="1" noEditPoints="1" noAdjustHandles="1" noChangeArrowheads="1" noChangeShapeType="1" noTextEdit="1"/>
-                              </p:cNvSpPr>
-                              <p:nvPr/>
-                            </p:nvSpPr>
-                            <p:spPr>
-                              <a:xfrm rot="3603171">
-                                <a:off x="2367005" y="4683241"/>
-                                <a:ext cx="388583" cy="273138"/>
-                              </a:xfrm>
-                              <a:prstGeom prst="rect">
-                                <a:avLst/>
-                              </a:prstGeom>
-                              <a:blipFill rotWithShape="0">
-                                <a:blip r:embed="rId9"/>
-                                <a:stretch>
-                                  <a:fillRect/>
-                                </a:stretch>
-                              </a:blipFill>
-                            </p:spPr>
-                            <p:txBody>
-                              <a:bodyPr/>
-                              <a:lstStyle/>
-                              <a:p>
-                                <a:r>
-                                  <a:rPr lang="fr-FR">
-                                    <a:noFill/>
-                                  </a:rPr>
-                                  <a:t> </a:t>
-                                </a:r>
-                              </a:p>
-                            </p:txBody>
-                          </p:sp>
-                        </mc:Fallback>
-                      </mc:AlternateContent>
-                    </p:grpSp>
-                  </p:grpSp>
-                </p:grpSp>
-                <p:grpSp>
-                  <p:nvGrpSpPr>
-                    <p:cNvPr id="231" name="Groupe 230"/>
-                    <p:cNvGrpSpPr/>
-                    <p:nvPr/>
-                  </p:nvGrpSpPr>
-                  <p:grpSpPr>
-                    <a:xfrm>
-                      <a:off x="1785050" y="687834"/>
-                      <a:ext cx="4707703" cy="5131246"/>
-                      <a:chOff x="1785050" y="687834"/>
-                      <a:chExt cx="4707703" cy="5131246"/>
-                    </a:xfrm>
-                  </p:grpSpPr>
-                  <p:grpSp>
-                    <p:nvGrpSpPr>
-                      <p:cNvPr id="230" name="Groupe 229"/>
-                      <p:cNvGrpSpPr/>
-                      <p:nvPr/>
-                    </p:nvGrpSpPr>
-                    <p:grpSpPr>
-                      <a:xfrm>
-                        <a:off x="1785050" y="687834"/>
-                        <a:ext cx="4707703" cy="5131246"/>
-                        <a:chOff x="1785050" y="687834"/>
-                        <a:chExt cx="4707703" cy="5131246"/>
-                      </a:xfrm>
-                    </p:grpSpPr>
-                    <p:grpSp>
-                      <p:nvGrpSpPr>
-                        <p:cNvPr id="229" name="Groupe 228"/>
-                        <p:cNvGrpSpPr/>
-                        <p:nvPr/>
-                      </p:nvGrpSpPr>
-                      <p:grpSpPr>
-                        <a:xfrm>
-                          <a:off x="1785050" y="687834"/>
-                          <a:ext cx="4707703" cy="5131246"/>
-                          <a:chOff x="1785050" y="687834"/>
-                          <a:chExt cx="4707703" cy="5131246"/>
-                        </a:xfrm>
-                      </p:grpSpPr>
-                      <p:grpSp>
-                        <p:nvGrpSpPr>
-                          <p:cNvPr id="7" name="Groupe 6"/>
-                          <p:cNvGrpSpPr/>
-                          <p:nvPr/>
-                        </p:nvGrpSpPr>
-                        <p:grpSpPr>
-                          <a:xfrm>
-                            <a:off x="3025692" y="687834"/>
-                            <a:ext cx="3467061" cy="5131246"/>
-                            <a:chOff x="3725833" y="0"/>
-                            <a:chExt cx="3467061" cy="5131246"/>
-                          </a:xfrm>
-                        </p:grpSpPr>
-                        <p:cxnSp>
-                          <p:nvCxnSpPr>
-                            <p:cNvPr id="64" name="Connecteur droit avec flèche 63"/>
-                            <p:cNvCxnSpPr/>
-                            <p:nvPr/>
-                          </p:nvCxnSpPr>
-                          <p:spPr>
-                            <a:xfrm>
-                              <a:off x="3725833" y="414278"/>
-                              <a:ext cx="3274113" cy="18059"/>
-                            </a:xfrm>
-                            <a:prstGeom prst="straightConnector1">
-                              <a:avLst/>
-                            </a:prstGeom>
-                            <a:ln w="38100">
-                              <a:solidFill>
-                                <a:schemeClr val="tx1"/>
-                              </a:solidFill>
-                              <a:tailEnd type="triangle"/>
-                            </a:ln>
-                          </p:spPr>
-                          <p:style>
-                            <a:lnRef idx="1">
-                              <a:schemeClr val="accent1"/>
-                            </a:lnRef>
-                            <a:fillRef idx="0">
-                              <a:schemeClr val="accent1"/>
-                            </a:fillRef>
-                            <a:effectRef idx="0">
-                              <a:schemeClr val="accent1"/>
-                            </a:effectRef>
-                            <a:fontRef idx="minor">
-                              <a:schemeClr val="tx1"/>
-                            </a:fontRef>
-                          </p:style>
-                        </p:cxnSp>
-                        <p:cxnSp>
-                          <p:nvCxnSpPr>
-                            <p:cNvPr id="65" name="Connecteur droit avec flèche 64"/>
-                            <p:cNvCxnSpPr/>
-                            <p:nvPr/>
-                          </p:nvCxnSpPr>
-                          <p:spPr>
-                            <a:xfrm>
-                              <a:off x="4405329" y="0"/>
-                              <a:ext cx="0" cy="4897029"/>
-                            </a:xfrm>
-                            <a:prstGeom prst="straightConnector1">
-                              <a:avLst/>
-                            </a:prstGeom>
-                            <a:ln w="38100">
-                              <a:solidFill>
-                                <a:schemeClr val="tx1"/>
-                              </a:solidFill>
-                              <a:tailEnd type="triangle"/>
-                            </a:ln>
-                          </p:spPr>
-                          <p:style>
-                            <a:lnRef idx="1">
-                              <a:schemeClr val="accent1"/>
-                            </a:lnRef>
-                            <a:fillRef idx="0">
-                              <a:schemeClr val="accent1"/>
-                            </a:fillRef>
-                            <a:effectRef idx="0">
-                              <a:schemeClr val="accent1"/>
-                            </a:effectRef>
-                            <a:fontRef idx="minor">
-                              <a:schemeClr val="tx1"/>
-                            </a:fontRef>
-                          </p:style>
-                        </p:cxnSp>
-                        <mc:AlternateContent xmlns:mc="http://schemas.openxmlformats.org/markup-compatibility/2006" xmlns:a14="http://schemas.microsoft.com/office/drawing/2010/main">
-                          <mc:Choice Requires="a14">
-                            <p:sp>
-                              <p:nvSpPr>
-                                <p:cNvPr id="66" name="Zone de texte 153"/>
-                                <p:cNvSpPr txBox="1"/>
-                                <p:nvPr/>
-                              </p:nvSpPr>
-                              <p:spPr>
-                                <a:xfrm>
-                                  <a:off x="4405329" y="4825920"/>
-                                  <a:ext cx="372933" cy="305326"/>
-                                </a:xfrm>
-                                <a:prstGeom prst="rect">
-                                  <a:avLst/>
-                                </a:prstGeom>
-                                <a:noFill/>
-                                <a:ln w="6350">
-                                  <a:noFill/>
-                                </a:ln>
-                                <a:effectLst/>
-                              </p:spPr>
-                              <p:style>
-                                <a:lnRef idx="0">
-                                  <a:schemeClr val="accent1"/>
-                                </a:lnRef>
-                                <a:fillRef idx="0">
-                                  <a:schemeClr val="accent1"/>
-                                </a:fillRef>
-                                <a:effectRef idx="0">
-                                  <a:schemeClr val="accent1"/>
-                                </a:effectRef>
-                                <a:fontRef idx="minor">
-                                  <a:schemeClr val="dk1"/>
-                                </a:fontRef>
-                              </p:style>
-                              <p:txBody>
-                                <a:bodyPr rot="0" spcFirstLastPara="0" vert="horz" wrap="square" lIns="91440" tIns="45720" rIns="91440" bIns="45720" numCol="1" spcCol="0" rtlCol="0" fromWordArt="0" anchor="t" anchorCtr="0" forceAA="0" compatLnSpc="1">
-                                  <a:prstTxWarp prst="textNoShape">
-                                    <a:avLst/>
-                                  </a:prstTxWarp>
-                                  <a:noAutofit/>
-                                </a:bodyPr>
-                                <a:lstStyle/>
-                                <a:p>
-                                  <a:pPr>
-                                    <a:lnSpc>
-                                      <a:spcPct val="107000"/>
-                                    </a:lnSpc>
-                                    <a:spcAft>
-                                      <a:spcPts val="800"/>
-                                    </a:spcAft>
-                                  </a:pPr>
-                                  <a14:m>
-                                    <m:oMathPara xmlns:m="http://schemas.openxmlformats.org/officeDocument/2006/math">
-                                      <m:oMathParaPr>
-                                        <m:jc m:val="centerGroup"/>
-                                      </m:oMathParaPr>
-                                      <m:oMath xmlns:m="http://schemas.openxmlformats.org/officeDocument/2006/math">
-                                        <m:r>
-                                          <a:rPr lang="fr-FR" sz="2400" b="1" i="1">
-                                            <a:effectLst/>
-                                            <a:latin typeface="Cambria Math" panose="02040503050406030204" pitchFamily="18" charset="0"/>
-                                            <a:ea typeface="SimSun" panose="02010600030101010101" pitchFamily="2" charset="-122"/>
-                                            <a:cs typeface="Times New Roman" panose="02020603050405020304" pitchFamily="18" charset="0"/>
-                                          </a:rPr>
-                                          <m:t>𝑿</m:t>
-                                        </m:r>
-                                      </m:oMath>
-                                    </m:oMathPara>
-                                  </a14:m>
-                                  <a:endParaRPr lang="fr-FR" sz="2400" dirty="0">
-                                    <a:effectLst/>
-                                    <a:ea typeface="Calibri" panose="020F0502020204030204" pitchFamily="34" charset="0"/>
-                                    <a:cs typeface="Times New Roman" panose="02020603050405020304" pitchFamily="18" charset="0"/>
-                                  </a:endParaRPr>
-                                </a:p>
-                                <a:p>
-                                  <a:pPr>
-                                    <a:lnSpc>
-                                      <a:spcPct val="107000"/>
-                                    </a:lnSpc>
-                                    <a:spcAft>
-                                      <a:spcPts val="800"/>
-                                    </a:spcAft>
-                                  </a:pPr>
-                                  <a:r>
-                                    <a:rPr lang="fr-FR" sz="2400" dirty="0">
-                                      <a:effectLst/>
-                                      <a:ea typeface="Calibri" panose="020F0502020204030204" pitchFamily="34" charset="0"/>
-                                      <a:cs typeface="Times New Roman" panose="02020603050405020304" pitchFamily="18" charset="0"/>
-                                    </a:rPr>
-                                    <a:t> </a:t>
-                                  </a:r>
-                                </a:p>
-                              </p:txBody>
-                            </p:sp>
-                          </mc:Choice>
-                          <mc:Fallback xmlns="">
-                            <p:sp>
-                              <p:nvSpPr>
-                                <p:cNvPr id="66" name="Zone de texte 153"/>
-                                <p:cNvSpPr txBox="1">
-                                  <a:spLocks noRot="1" noChangeAspect="1" noMove="1" noResize="1" noEditPoints="1" noAdjustHandles="1" noChangeArrowheads="1" noChangeShapeType="1" noTextEdit="1"/>
-                                </p:cNvSpPr>
-                                <p:nvPr/>
-                              </p:nvSpPr>
-                              <p:spPr>
-                                <a:xfrm>
-                                  <a:off x="4405329" y="4825920"/>
-                                  <a:ext cx="372933" cy="305326"/>
-                                </a:xfrm>
-                                <a:prstGeom prst="rect">
-                                  <a:avLst/>
-                                </a:prstGeom>
-                                <a:blipFill rotWithShape="0">
-                                  <a:blip r:embed="rId10"/>
-                                  <a:stretch>
-                                    <a:fillRect b="-12000"/>
-                                  </a:stretch>
-                                </a:blipFill>
-                                <a:ln w="6350">
-                                  <a:noFill/>
-                                </a:ln>
-                                <a:effectLst/>
-                              </p:spPr>
-                              <p:txBody>
-                                <a:bodyPr/>
-                                <a:lstStyle/>
-                                <a:p>
-                                  <a:r>
-                                    <a:rPr lang="fr-FR">
-                                      <a:noFill/>
-                                    </a:rPr>
-                                    <a:t> </a:t>
-                                  </a:r>
-                                </a:p>
-                              </p:txBody>
-                            </p:sp>
-                          </mc:Fallback>
-                        </mc:AlternateContent>
-                        <mc:AlternateContent xmlns:mc="http://schemas.openxmlformats.org/markup-compatibility/2006" xmlns:a14="http://schemas.microsoft.com/office/drawing/2010/main">
-                          <mc:Choice Requires="a14">
-                            <p:sp>
-                              <p:nvSpPr>
-                                <p:cNvPr id="67" name="Zone de texte 154"/>
-                                <p:cNvSpPr txBox="1"/>
-                                <p:nvPr/>
-                              </p:nvSpPr>
-                              <p:spPr>
-                                <a:xfrm>
-                                  <a:off x="6819961" y="462133"/>
-                                  <a:ext cx="372933" cy="305326"/>
-                                </a:xfrm>
-                                <a:prstGeom prst="rect">
-                                  <a:avLst/>
-                                </a:prstGeom>
-                                <a:noFill/>
-                                <a:ln w="6350">
-                                  <a:noFill/>
-                                </a:ln>
-                                <a:effectLst/>
-                              </p:spPr>
-                              <p:style>
-                                <a:lnRef idx="0">
-                                  <a:schemeClr val="accent1"/>
-                                </a:lnRef>
-                                <a:fillRef idx="0">
-                                  <a:schemeClr val="accent1"/>
-                                </a:fillRef>
-                                <a:effectRef idx="0">
-                                  <a:schemeClr val="accent1"/>
-                                </a:effectRef>
-                                <a:fontRef idx="minor">
-                                  <a:schemeClr val="dk1"/>
-                                </a:fontRef>
-                              </p:style>
-                              <p:txBody>
-                                <a:bodyPr rot="0" spcFirstLastPara="0" vert="horz" wrap="square" lIns="91440" tIns="45720" rIns="91440" bIns="45720" numCol="1" spcCol="0" rtlCol="0" fromWordArt="0" anchor="t" anchorCtr="0" forceAA="0" compatLnSpc="1">
-                                  <a:prstTxWarp prst="textNoShape">
-                                    <a:avLst/>
-                                  </a:prstTxWarp>
-                                  <a:noAutofit/>
-                                </a:bodyPr>
-                                <a:lstStyle/>
-                                <a:p>
-                                  <a:pPr>
-                                    <a:lnSpc>
-                                      <a:spcPct val="107000"/>
-                                    </a:lnSpc>
-                                    <a:spcAft>
-                                      <a:spcPts val="800"/>
-                                    </a:spcAft>
-                                  </a:pPr>
-                                  <a14:m>
-                                    <m:oMathPara xmlns:m="http://schemas.openxmlformats.org/officeDocument/2006/math">
-                                      <m:oMathParaPr>
-                                        <m:jc m:val="centerGroup"/>
-                                      </m:oMathParaPr>
-                                      <m:oMath xmlns:m="http://schemas.openxmlformats.org/officeDocument/2006/math">
-                                        <m:r>
-                                          <a:rPr lang="fr-FR" sz="2400" b="1" i="1">
-                                            <a:effectLst/>
-                                            <a:latin typeface="Cambria Math" panose="02040503050406030204" pitchFamily="18" charset="0"/>
-                                            <a:ea typeface="SimSun" panose="02010600030101010101" pitchFamily="2" charset="-122"/>
-                                            <a:cs typeface="Times New Roman" panose="02020603050405020304" pitchFamily="18" charset="0"/>
-                                          </a:rPr>
-                                          <m:t>𝒀</m:t>
-                                        </m:r>
-                                      </m:oMath>
-                                    </m:oMathPara>
-                                  </a14:m>
-                                  <a:endParaRPr lang="fr-FR" sz="2400" dirty="0">
-                                    <a:effectLst/>
-                                    <a:ea typeface="Calibri" panose="020F0502020204030204" pitchFamily="34" charset="0"/>
-                                    <a:cs typeface="Times New Roman" panose="02020603050405020304" pitchFamily="18" charset="0"/>
-                                  </a:endParaRPr>
-                                </a:p>
-                                <a:p>
-                                  <a:pPr>
-                                    <a:lnSpc>
-                                      <a:spcPct val="107000"/>
-                                    </a:lnSpc>
-                                    <a:spcAft>
-                                      <a:spcPts val="800"/>
-                                    </a:spcAft>
-                                  </a:pPr>
-                                  <a:r>
-                                    <a:rPr lang="fr-FR" sz="2400" dirty="0">
-                                      <a:effectLst/>
-                                      <a:ea typeface="Calibri" panose="020F0502020204030204" pitchFamily="34" charset="0"/>
-                                      <a:cs typeface="Times New Roman" panose="02020603050405020304" pitchFamily="18" charset="0"/>
-                                    </a:rPr>
-                                    <a:t> </a:t>
-                                  </a:r>
-                                </a:p>
-                              </p:txBody>
-                            </p:sp>
-                          </mc:Choice>
-                          <mc:Fallback xmlns="">
-                            <p:sp>
-                              <p:nvSpPr>
-                                <p:cNvPr id="67" name="Zone de texte 154"/>
-                                <p:cNvSpPr txBox="1">
-                                  <a:spLocks noRot="1" noChangeAspect="1" noMove="1" noResize="1" noEditPoints="1" noAdjustHandles="1" noChangeArrowheads="1" noChangeShapeType="1" noTextEdit="1"/>
-                                </p:cNvSpPr>
-                                <p:nvPr/>
-                              </p:nvSpPr>
-                              <p:spPr>
-                                <a:xfrm>
-                                  <a:off x="6819961" y="462133"/>
-                                  <a:ext cx="372933" cy="305326"/>
-                                </a:xfrm>
-                                <a:prstGeom prst="rect">
-                                  <a:avLst/>
-                                </a:prstGeom>
-                                <a:blipFill rotWithShape="0">
-                                  <a:blip r:embed="rId11"/>
-                                  <a:stretch>
-                                    <a:fillRect b="-12000"/>
-                                  </a:stretch>
-                                </a:blipFill>
-                                <a:ln w="6350">
-                                  <a:noFill/>
-                                </a:ln>
-                                <a:effectLst/>
-                              </p:spPr>
-                              <p:txBody>
-                                <a:bodyPr/>
-                                <a:lstStyle/>
-                                <a:p>
-                                  <a:r>
-                                    <a:rPr lang="fr-FR">
-                                      <a:noFill/>
-                                    </a:rPr>
-                                    <a:t> </a:t>
-                                  </a:r>
-                                </a:p>
-                              </p:txBody>
-                            </p:sp>
-                          </mc:Fallback>
-                        </mc:AlternateContent>
-                      </p:grpSp>
-                      <p:grpSp>
-                        <p:nvGrpSpPr>
-                          <p:cNvPr id="8" name="Groupe 7"/>
-                          <p:cNvGrpSpPr/>
-                          <p:nvPr/>
-                        </p:nvGrpSpPr>
-                        <p:grpSpPr>
-                          <a:xfrm>
-                            <a:off x="2391326" y="1847731"/>
-                            <a:ext cx="3634836" cy="3108001"/>
-                            <a:chOff x="3612353" y="873795"/>
-                            <a:chExt cx="3898151" cy="3290189"/>
-                          </a:xfrm>
-                        </p:grpSpPr>
-                        <p:sp>
-                          <p:nvSpPr>
-                            <p:cNvPr id="72" name="Ellipse 71"/>
-                            <p:cNvSpPr/>
-                            <p:nvPr/>
-                          </p:nvSpPr>
-                          <p:spPr>
-                            <a:xfrm rot="14469293">
-                              <a:off x="3916334" y="569814"/>
-                              <a:ext cx="3290189" cy="3898151"/>
-                            </a:xfrm>
-                            <a:prstGeom prst="ellipse">
-                              <a:avLst/>
-                            </a:prstGeom>
-                            <a:noFill/>
-                            <a:ln w="19050"/>
-                          </p:spPr>
-                          <p:style>
-                            <a:lnRef idx="2">
-                              <a:schemeClr val="accent4"/>
-                            </a:lnRef>
-                            <a:fillRef idx="1">
-                              <a:schemeClr val="lt1"/>
-                            </a:fillRef>
-                            <a:effectRef idx="0">
-                              <a:schemeClr val="accent4"/>
-                            </a:effectRef>
-                            <a:fontRef idx="minor">
-                              <a:schemeClr val="dk1"/>
-                            </a:fontRef>
-                          </p:style>
-                          <p:txBody>
-                            <a:bodyPr rtlCol="0" anchor="ctr"/>
-                            <a:lstStyle/>
-                            <a:p>
-                              <a:endParaRPr lang="fr-FR" sz="4000"/>
-                            </a:p>
-                          </p:txBody>
-                        </p:sp>
-                        <p:sp>
-                          <p:nvSpPr>
-                            <p:cNvPr id="73" name="Ellipse 72"/>
-                            <p:cNvSpPr/>
-                            <p:nvPr/>
-                          </p:nvSpPr>
-                          <p:spPr>
-                            <a:xfrm rot="13448256">
-                              <a:off x="5502384" y="2466231"/>
-                              <a:ext cx="118089" cy="105314"/>
-                            </a:xfrm>
-                            <a:prstGeom prst="ellipse">
-                              <a:avLst/>
-                            </a:prstGeom>
-                            <a:ln/>
-                          </p:spPr>
-                          <p:style>
-                            <a:lnRef idx="3">
-                              <a:schemeClr val="lt1"/>
-                            </a:lnRef>
-                            <a:fillRef idx="1">
-                              <a:schemeClr val="accent4"/>
-                            </a:fillRef>
-                            <a:effectRef idx="1">
-                              <a:schemeClr val="accent4"/>
-                            </a:effectRef>
-                            <a:fontRef idx="minor">
-                              <a:schemeClr val="lt1"/>
-                            </a:fontRef>
-                          </p:style>
-                          <p:txBody>
-                            <a:bodyPr rtlCol="0" anchor="ctr"/>
-                            <a:lstStyle/>
-                            <a:p>
-                              <a:endParaRPr lang="fr-FR" sz="4000"/>
-                            </a:p>
-                          </p:txBody>
-                        </p:sp>
-                      </p:grpSp>
-                      <p:grpSp>
-                        <p:nvGrpSpPr>
-                          <p:cNvPr id="192" name="Groupe 191"/>
-                          <p:cNvGrpSpPr/>
-                          <p:nvPr/>
-                        </p:nvGrpSpPr>
-                        <p:grpSpPr>
-                          <a:xfrm>
-                            <a:off x="1785050" y="3437428"/>
-                            <a:ext cx="2389055" cy="2209499"/>
-                            <a:chOff x="1766000" y="3561253"/>
-                            <a:chExt cx="2389055" cy="2209499"/>
-                          </a:xfrm>
-                        </p:grpSpPr>
-                        <p:grpSp>
-                          <p:nvGrpSpPr>
-                            <p:cNvPr id="76" name="Groupe 75"/>
-                            <p:cNvGrpSpPr/>
-                            <p:nvPr/>
-                          </p:nvGrpSpPr>
-                          <p:grpSpPr>
-                            <a:xfrm>
-                              <a:off x="2256807" y="4022214"/>
-                              <a:ext cx="1449033" cy="1748538"/>
-                              <a:chOff x="3745439" y="3364941"/>
-                              <a:chExt cx="1449033" cy="1748538"/>
-                            </a:xfrm>
-                          </p:grpSpPr>
-                          <p:grpSp>
-                            <p:nvGrpSpPr>
-                              <p:cNvPr id="79" name="Groupe 78"/>
-                              <p:cNvGrpSpPr/>
-                              <p:nvPr/>
-                            </p:nvGrpSpPr>
-                            <p:grpSpPr>
-                              <a:xfrm>
-                                <a:off x="3745439" y="3364941"/>
-                                <a:ext cx="1449033" cy="1748538"/>
-                                <a:chOff x="6616757" y="3434809"/>
-                                <a:chExt cx="1449033" cy="1748538"/>
-                              </a:xfrm>
-                            </p:grpSpPr>
-                            <p:grpSp>
-                              <p:nvGrpSpPr>
-                                <p:cNvPr id="81" name="Groupe 80"/>
-                                <p:cNvGrpSpPr/>
-                                <p:nvPr/>
-                              </p:nvGrpSpPr>
-                              <p:grpSpPr>
-                                <a:xfrm>
-                                  <a:off x="6946949" y="3842813"/>
-                                  <a:ext cx="524267" cy="1176215"/>
-                                  <a:chOff x="7970566" y="3168342"/>
-                                  <a:chExt cx="524267" cy="1176215"/>
-                                </a:xfrm>
-                              </p:grpSpPr>
-                              <p:cxnSp>
-                                <p:nvCxnSpPr>
-                                  <p:cNvPr id="98" name="Connecteur droit avec flèche 97"/>
-                                  <p:cNvCxnSpPr/>
+                          <mc:AlternateContent xmlns:mc="http://schemas.openxmlformats.org/markup-compatibility/2006" xmlns:a14="http://schemas.microsoft.com/office/drawing/2010/main">
+                            <mc:Choice Requires="a14">
+                              <p:sp>
+                                <p:nvSpPr>
+                                  <p:cNvPr id="66" name="Zone de texte 153"/>
+                                  <p:cNvSpPr txBox="1"/>
                                   <p:nvPr/>
-                                </p:nvCxnSpPr>
+                                </p:nvSpPr>
                                 <p:spPr>
                                   <a:xfrm>
-                                    <a:off x="7995368" y="3168342"/>
-                                    <a:ext cx="0" cy="936814"/>
+                                    <a:off x="4405329" y="4825920"/>
+                                    <a:ext cx="372933" cy="305326"/>
                                   </a:xfrm>
-                                  <a:prstGeom prst="straightConnector1">
+                                  <a:prstGeom prst="rect">
                                     <a:avLst/>
                                   </a:prstGeom>
-                                  <a:ln w="28575">
-                                    <a:solidFill>
-                                      <a:schemeClr val="tx1"/>
-                                    </a:solidFill>
-                                    <a:prstDash val="solid"/>
-                                    <a:tailEnd type="triangle"/>
+                                  <a:noFill/>
+                                  <a:ln w="6350">
+                                    <a:noFill/>
                                   </a:ln>
+                                  <a:effectLst/>
                                 </p:spPr>
                                 <p:style>
-                                  <a:lnRef idx="1">
+                                  <a:lnRef idx="0">
                                     <a:schemeClr val="accent1"/>
                                   </a:lnRef>
                                   <a:fillRef idx="0">
@@ -9115,165 +8725,385 @@
                                     <a:schemeClr val="accent1"/>
                                   </a:effectRef>
                                   <a:fontRef idx="minor">
-                                    <a:schemeClr val="tx1"/>
+                                    <a:schemeClr val="dk1"/>
                                   </a:fontRef>
                                 </p:style>
-                              </p:cxnSp>
-                              <mc:AlternateContent xmlns:mc="http://schemas.openxmlformats.org/markup-compatibility/2006" xmlns:a14="http://schemas.microsoft.com/office/drawing/2010/main">
-                                <mc:Choice Requires="a14">
-                                  <p:sp>
-                                    <p:nvSpPr>
-                                      <p:cNvPr id="95" name="Zone de texte 153"/>
-                                      <p:cNvSpPr txBox="1"/>
-                                      <p:nvPr/>
-                                    </p:nvSpPr>
-                                    <p:spPr>
-                                      <a:xfrm>
-                                        <a:off x="7970566" y="3900821"/>
-                                        <a:ext cx="524267" cy="443736"/>
-                                      </a:xfrm>
-                                      <a:prstGeom prst="rect">
-                                        <a:avLst/>
-                                      </a:prstGeom>
-                                      <a:noFill/>
-                                      <a:ln w="6350">
+                                <p:txBody>
+                                  <a:bodyPr rot="0" spcFirstLastPara="0" vert="horz" wrap="square" lIns="91440" tIns="45720" rIns="91440" bIns="45720" numCol="1" spcCol="0" rtlCol="0" fromWordArt="0" anchor="t" anchorCtr="0" forceAA="0" compatLnSpc="1">
+                                    <a:prstTxWarp prst="textNoShape">
+                                      <a:avLst/>
+                                    </a:prstTxWarp>
+                                    <a:noAutofit/>
+                                  </a:bodyPr>
+                                  <a:lstStyle/>
+                                  <a:p>
+                                    <a:pPr>
+                                      <a:lnSpc>
+                                        <a:spcPct val="107000"/>
+                                      </a:lnSpc>
+                                      <a:spcAft>
+                                        <a:spcPts val="800"/>
+                                      </a:spcAft>
+                                    </a:pPr>
+                                    <a14:m>
+                                      <m:oMathPara xmlns:m="http://schemas.openxmlformats.org/officeDocument/2006/math">
+                                        <m:oMathParaPr>
+                                          <m:jc m:val="centerGroup"/>
+                                        </m:oMathParaPr>
+                                        <m:oMath xmlns:m="http://schemas.openxmlformats.org/officeDocument/2006/math">
+                                          <m:r>
+                                            <a:rPr lang="fr-FR" sz="2400" b="1" i="1">
+                                              <a:effectLst/>
+                                              <a:latin typeface="Cambria Math" panose="02040503050406030204" pitchFamily="18" charset="0"/>
+                                              <a:ea typeface="SimSun" panose="02010600030101010101" pitchFamily="2" charset="-122"/>
+                                              <a:cs typeface="Times New Roman" panose="02020603050405020304" pitchFamily="18" charset="0"/>
+                                            </a:rPr>
+                                            <m:t>𝑿</m:t>
+                                          </m:r>
+                                        </m:oMath>
+                                      </m:oMathPara>
+                                    </a14:m>
+                                    <a:endParaRPr lang="fr-FR" sz="2400" dirty="0">
+                                      <a:effectLst/>
+                                      <a:ea typeface="Calibri" panose="020F0502020204030204" pitchFamily="34" charset="0"/>
+                                      <a:cs typeface="Times New Roman" panose="02020603050405020304" pitchFamily="18" charset="0"/>
+                                    </a:endParaRPr>
+                                  </a:p>
+                                  <a:p>
+                                    <a:pPr>
+                                      <a:lnSpc>
+                                        <a:spcPct val="107000"/>
+                                      </a:lnSpc>
+                                      <a:spcAft>
+                                        <a:spcPts val="800"/>
+                                      </a:spcAft>
+                                    </a:pPr>
+                                    <a:r>
+                                      <a:rPr lang="fr-FR" sz="2400" dirty="0">
+                                        <a:effectLst/>
+                                        <a:ea typeface="Calibri" panose="020F0502020204030204" pitchFamily="34" charset="0"/>
+                                        <a:cs typeface="Times New Roman" panose="02020603050405020304" pitchFamily="18" charset="0"/>
+                                      </a:rPr>
+                                      <a:t> </a:t>
+                                    </a:r>
+                                  </a:p>
+                                </p:txBody>
+                              </p:sp>
+                            </mc:Choice>
+                            <mc:Fallback xmlns="">
+                              <p:sp>
+                                <p:nvSpPr>
+                                  <p:cNvPr id="66" name="Zone de texte 153"/>
+                                  <p:cNvSpPr txBox="1">
+                                    <a:spLocks noRot="1" noChangeAspect="1" noMove="1" noResize="1" noEditPoints="1" noAdjustHandles="1" noChangeArrowheads="1" noChangeShapeType="1" noTextEdit="1"/>
+                                  </p:cNvSpPr>
+                                  <p:nvPr/>
+                                </p:nvSpPr>
+                                <p:spPr>
+                                  <a:xfrm>
+                                    <a:off x="4405329" y="4825920"/>
+                                    <a:ext cx="372933" cy="305326"/>
+                                  </a:xfrm>
+                                  <a:prstGeom prst="rect">
+                                    <a:avLst/>
+                                  </a:prstGeom>
+                                  <a:blipFill rotWithShape="0">
+                                    <a:blip r:embed="rId10"/>
+                                    <a:stretch>
+                                      <a:fillRect b="-12000"/>
+                                    </a:stretch>
+                                  </a:blipFill>
+                                  <a:ln w="6350">
+                                    <a:noFill/>
+                                  </a:ln>
+                                  <a:effectLst/>
+                                </p:spPr>
+                                <p:txBody>
+                                  <a:bodyPr/>
+                                  <a:lstStyle/>
+                                  <a:p>
+                                    <a:r>
+                                      <a:rPr lang="fr-FR">
                                         <a:noFill/>
-                                        <a:prstDash val="sysDash"/>
-                                      </a:ln>
+                                      </a:rPr>
+                                      <a:t> </a:t>
+                                    </a:r>
+                                  </a:p>
+                                </p:txBody>
+                              </p:sp>
+                            </mc:Fallback>
+                          </mc:AlternateContent>
+                          <mc:AlternateContent xmlns:mc="http://schemas.openxmlformats.org/markup-compatibility/2006" xmlns:a14="http://schemas.microsoft.com/office/drawing/2010/main">
+                            <mc:Choice Requires="a14">
+                              <p:sp>
+                                <p:nvSpPr>
+                                  <p:cNvPr id="67" name="Zone de texte 154"/>
+                                  <p:cNvSpPr txBox="1"/>
+                                  <p:nvPr/>
+                                </p:nvSpPr>
+                                <p:spPr>
+                                  <a:xfrm>
+                                    <a:off x="6819961" y="462133"/>
+                                    <a:ext cx="372933" cy="305326"/>
+                                  </a:xfrm>
+                                  <a:prstGeom prst="rect">
+                                    <a:avLst/>
+                                  </a:prstGeom>
+                                  <a:noFill/>
+                                  <a:ln w="6350">
+                                    <a:noFill/>
+                                  </a:ln>
+                                  <a:effectLst/>
+                                </p:spPr>
+                                <p:style>
+                                  <a:lnRef idx="0">
+                                    <a:schemeClr val="accent1"/>
+                                  </a:lnRef>
+                                  <a:fillRef idx="0">
+                                    <a:schemeClr val="accent1"/>
+                                  </a:fillRef>
+                                  <a:effectRef idx="0">
+                                    <a:schemeClr val="accent1"/>
+                                  </a:effectRef>
+                                  <a:fontRef idx="minor">
+                                    <a:schemeClr val="dk1"/>
+                                  </a:fontRef>
+                                </p:style>
+                                <p:txBody>
+                                  <a:bodyPr rot="0" spcFirstLastPara="0" vert="horz" wrap="square" lIns="91440" tIns="45720" rIns="91440" bIns="45720" numCol="1" spcCol="0" rtlCol="0" fromWordArt="0" anchor="t" anchorCtr="0" forceAA="0" compatLnSpc="1">
+                                    <a:prstTxWarp prst="textNoShape">
+                                      <a:avLst/>
+                                    </a:prstTxWarp>
+                                    <a:noAutofit/>
+                                  </a:bodyPr>
+                                  <a:lstStyle/>
+                                  <a:p>
+                                    <a:pPr>
+                                      <a:lnSpc>
+                                        <a:spcPct val="107000"/>
+                                      </a:lnSpc>
+                                      <a:spcAft>
+                                        <a:spcPts val="800"/>
+                                      </a:spcAft>
+                                    </a:pPr>
+                                    <a14:m>
+                                      <m:oMathPara xmlns:m="http://schemas.openxmlformats.org/officeDocument/2006/math">
+                                        <m:oMathParaPr>
+                                          <m:jc m:val="centerGroup"/>
+                                        </m:oMathParaPr>
+                                        <m:oMath xmlns:m="http://schemas.openxmlformats.org/officeDocument/2006/math">
+                                          <m:r>
+                                            <a:rPr lang="fr-FR" sz="2400" b="1" i="1">
+                                              <a:effectLst/>
+                                              <a:latin typeface="Cambria Math" panose="02040503050406030204" pitchFamily="18" charset="0"/>
+                                              <a:ea typeface="SimSun" panose="02010600030101010101" pitchFamily="2" charset="-122"/>
+                                              <a:cs typeface="Times New Roman" panose="02020603050405020304" pitchFamily="18" charset="0"/>
+                                            </a:rPr>
+                                            <m:t>𝒀</m:t>
+                                          </m:r>
+                                        </m:oMath>
+                                      </m:oMathPara>
+                                    </a14:m>
+                                    <a:endParaRPr lang="fr-FR" sz="2400" dirty="0">
                                       <a:effectLst/>
-                                    </p:spPr>
-                                    <p:style>
-                                      <a:lnRef idx="0">
-                                        <a:schemeClr val="accent1"/>
-                                      </a:lnRef>
-                                      <a:fillRef idx="0">
-                                        <a:schemeClr val="accent1"/>
-                                      </a:fillRef>
-                                      <a:effectRef idx="0">
-                                        <a:schemeClr val="accent1"/>
-                                      </a:effectRef>
-                                      <a:fontRef idx="minor">
-                                        <a:schemeClr val="dk1"/>
-                                      </a:fontRef>
-                                    </p:style>
-                                    <p:txBody>
-                                      <a:bodyPr rot="0" spcFirstLastPara="0" vert="horz" wrap="square" lIns="91440" tIns="45720" rIns="91440" bIns="45720" numCol="1" spcCol="0" rtlCol="0" fromWordArt="0" anchor="t" anchorCtr="0" forceAA="0" compatLnSpc="1">
-                                        <a:prstTxWarp prst="textNoShape">
-                                          <a:avLst/>
-                                        </a:prstTxWarp>
-                                        <a:noAutofit/>
-                                      </a:bodyPr>
-                                      <a:lstStyle/>
-                                      <a:p>
-                                        <a:pPr>
-                                          <a:lnSpc>
-                                            <a:spcPct val="107000"/>
-                                          </a:lnSpc>
-                                          <a:spcAft>
-                                            <a:spcPts val="800"/>
-                                          </a:spcAft>
-                                        </a:pPr>
-                                        <a14:m>
-                                          <m:oMath xmlns:m="http://schemas.openxmlformats.org/officeDocument/2006/math">
-                                            <m:sSub>
-                                              <m:sSubPr>
-                                                <m:ctrlPr>
-                                                  <a:rPr lang="fr-FR" sz="2400" b="1" i="1" smtClean="0">
-                                                    <a:latin typeface="Cambria Math" panose="02040503050406030204" pitchFamily="18" charset="0"/>
-                                                    <a:ea typeface="SimSun" panose="02010600030101010101" pitchFamily="2" charset="-122"/>
-                                                    <a:cs typeface="Times New Roman" panose="02020603050405020304" pitchFamily="18" charset="0"/>
-                                                  </a:rPr>
-                                                </m:ctrlPr>
-                                              </m:sSubPr>
-                                              <m:e>
-                                                <m:r>
-                                                  <a:rPr lang="fr-FR" sz="2400" b="1" i="1" smtClean="0">
-                                                    <a:latin typeface="Cambria Math" panose="02040503050406030204" pitchFamily="18" charset="0"/>
-                                                    <a:ea typeface="SimSun" panose="02010600030101010101" pitchFamily="2" charset="-122"/>
-                                                    <a:cs typeface="Times New Roman" panose="02020603050405020304" pitchFamily="18" charset="0"/>
-                                                  </a:rPr>
-                                                  <m:t>𝑿</m:t>
-                                                </m:r>
-                                              </m:e>
-                                              <m:sub>
-                                                <m:r>
-                                                  <a:rPr lang="fr-FR" sz="2400" b="1" i="1" smtClean="0">
-                                                    <a:latin typeface="Cambria Math" panose="02040503050406030204" pitchFamily="18" charset="0"/>
-                                                    <a:ea typeface="SimSun" panose="02010600030101010101" pitchFamily="2" charset="-122"/>
-                                                    <a:cs typeface="Times New Roman" panose="02020603050405020304" pitchFamily="18" charset="0"/>
-                                                  </a:rPr>
-                                                  <m:t>𝒓</m:t>
-                                                </m:r>
-                                              </m:sub>
-                                            </m:sSub>
-                                          </m:oMath>
-                                        </a14:m>
-                                        <a:r>
-                                          <a:rPr lang="fr-FR" sz="2400" dirty="0">
-                                            <a:effectLst/>
-                                            <a:ea typeface="Calibri" panose="020F0502020204030204" pitchFamily="34" charset="0"/>
-                                            <a:cs typeface="Times New Roman" panose="02020603050405020304" pitchFamily="18" charset="0"/>
-                                          </a:rPr>
-                                          <a:t> </a:t>
-                                        </a:r>
-                                      </a:p>
-                                    </p:txBody>
-                                  </p:sp>
-                                </mc:Choice>
-                                <mc:Fallback xmlns="">
-                                  <p:sp>
-                                    <p:nvSpPr>
-                                      <p:cNvPr id="95" name="Zone de texte 153"/>
-                                      <p:cNvSpPr txBox="1">
-                                        <a:spLocks noRot="1" noChangeAspect="1" noMove="1" noResize="1" noEditPoints="1" noAdjustHandles="1" noChangeArrowheads="1" noChangeShapeType="1" noTextEdit="1"/>
-                                      </p:cNvSpPr>
-                                      <p:nvPr/>
-                                    </p:nvSpPr>
-                                    <p:spPr>
-                                      <a:xfrm>
-                                        <a:off x="7970566" y="3900821"/>
-                                        <a:ext cx="524267" cy="443736"/>
-                                      </a:xfrm>
-                                      <a:prstGeom prst="rect">
-                                        <a:avLst/>
-                                      </a:prstGeom>
-                                      <a:blipFill rotWithShape="0">
-                                        <a:blip r:embed="rId12"/>
-                                        <a:stretch>
-                                          <a:fillRect l="-3488" b="-1370"/>
-                                        </a:stretch>
-                                      </a:blipFill>
-                                      <a:ln w="6350">
+                                      <a:ea typeface="Calibri" panose="020F0502020204030204" pitchFamily="34" charset="0"/>
+                                      <a:cs typeface="Times New Roman" panose="02020603050405020304" pitchFamily="18" charset="0"/>
+                                    </a:endParaRPr>
+                                  </a:p>
+                                  <a:p>
+                                    <a:pPr>
+                                      <a:lnSpc>
+                                        <a:spcPct val="107000"/>
+                                      </a:lnSpc>
+                                      <a:spcAft>
+                                        <a:spcPts val="800"/>
+                                      </a:spcAft>
+                                    </a:pPr>
+                                    <a:r>
+                                      <a:rPr lang="fr-FR" sz="2400" dirty="0">
+                                        <a:effectLst/>
+                                        <a:ea typeface="Calibri" panose="020F0502020204030204" pitchFamily="34" charset="0"/>
+                                        <a:cs typeface="Times New Roman" panose="02020603050405020304" pitchFamily="18" charset="0"/>
+                                      </a:rPr>
+                                      <a:t> </a:t>
+                                    </a:r>
+                                  </a:p>
+                                </p:txBody>
+                              </p:sp>
+                            </mc:Choice>
+                            <mc:Fallback xmlns="">
+                              <p:sp>
+                                <p:nvSpPr>
+                                  <p:cNvPr id="67" name="Zone de texte 154"/>
+                                  <p:cNvSpPr txBox="1">
+                                    <a:spLocks noRot="1" noChangeAspect="1" noMove="1" noResize="1" noEditPoints="1" noAdjustHandles="1" noChangeArrowheads="1" noChangeShapeType="1" noTextEdit="1"/>
+                                  </p:cNvSpPr>
+                                  <p:nvPr/>
+                                </p:nvSpPr>
+                                <p:spPr>
+                                  <a:xfrm>
+                                    <a:off x="6819961" y="462133"/>
+                                    <a:ext cx="372933" cy="305326"/>
+                                  </a:xfrm>
+                                  <a:prstGeom prst="rect">
+                                    <a:avLst/>
+                                  </a:prstGeom>
+                                  <a:blipFill rotWithShape="0">
+                                    <a:blip r:embed="rId11"/>
+                                    <a:stretch>
+                                      <a:fillRect b="-12000"/>
+                                    </a:stretch>
+                                  </a:blipFill>
+                                  <a:ln w="6350">
+                                    <a:noFill/>
+                                  </a:ln>
+                                  <a:effectLst/>
+                                </p:spPr>
+                                <p:txBody>
+                                  <a:bodyPr/>
+                                  <a:lstStyle/>
+                                  <a:p>
+                                    <a:r>
+                                      <a:rPr lang="fr-FR">
                                         <a:noFill/>
-                                        <a:prstDash val="sysDash"/>
-                                      </a:ln>
-                                      <a:effectLst/>
-                                    </p:spPr>
-                                    <p:txBody>
-                                      <a:bodyPr/>
-                                      <a:lstStyle/>
-                                      <a:p>
-                                        <a:r>
-                                          <a:rPr lang="fr-FR">
-                                            <a:noFill/>
-                                          </a:rPr>
-                                          <a:t> </a:t>
-                                        </a:r>
-                                      </a:p>
-                                    </p:txBody>
-                                  </p:sp>
-                                </mc:Fallback>
-                              </mc:AlternateContent>
-                            </p:grpSp>
+                                      </a:rPr>
+                                      <a:t> </a:t>
+                                    </a:r>
+                                  </a:p>
+                                </p:txBody>
+                              </p:sp>
+                            </mc:Fallback>
+                          </mc:AlternateContent>
+                        </p:grpSp>
+                        <p:grpSp>
+                          <p:nvGrpSpPr>
+                            <p:cNvPr id="8" name="Groupe 7"/>
+                            <p:cNvGrpSpPr/>
+                            <p:nvPr/>
+                          </p:nvGrpSpPr>
+                          <p:grpSpPr>
+                            <a:xfrm>
+                              <a:off x="2391326" y="1847731"/>
+                              <a:ext cx="3634836" cy="3108001"/>
+                              <a:chOff x="3612353" y="873795"/>
+                              <a:chExt cx="3898151" cy="3290189"/>
+                            </a:xfrm>
+                          </p:grpSpPr>
+                          <p:sp>
+                            <p:nvSpPr>
+                              <p:cNvPr id="72" name="Ellipse 71"/>
+                              <p:cNvSpPr/>
+                              <p:nvPr/>
+                            </p:nvSpPr>
+                            <p:spPr>
+                              <a:xfrm rot="14469293">
+                                <a:off x="3916334" y="569814"/>
+                                <a:ext cx="3290189" cy="3898151"/>
+                              </a:xfrm>
+                              <a:prstGeom prst="ellipse">
+                                <a:avLst/>
+                              </a:prstGeom>
+                              <a:noFill/>
+                              <a:ln w="19050"/>
+                            </p:spPr>
+                            <p:style>
+                              <a:lnRef idx="2">
+                                <a:schemeClr val="accent4"/>
+                              </a:lnRef>
+                              <a:fillRef idx="1">
+                                <a:schemeClr val="lt1"/>
+                              </a:fillRef>
+                              <a:effectRef idx="0">
+                                <a:schemeClr val="accent4"/>
+                              </a:effectRef>
+                              <a:fontRef idx="minor">
+                                <a:schemeClr val="dk1"/>
+                              </a:fontRef>
+                            </p:style>
+                            <p:txBody>
+                              <a:bodyPr rtlCol="0" anchor="ctr"/>
+                              <a:lstStyle/>
+                              <a:p>
+                                <a:endParaRPr lang="fr-FR" sz="4000"/>
+                              </a:p>
+                            </p:txBody>
+                          </p:sp>
+                          <p:sp>
+                            <p:nvSpPr>
+                              <p:cNvPr id="73" name="Ellipse 72"/>
+                              <p:cNvSpPr/>
+                              <p:nvPr/>
+                            </p:nvSpPr>
+                            <p:spPr>
+                              <a:xfrm rot="13448256">
+                                <a:off x="5502384" y="2466231"/>
+                                <a:ext cx="118089" cy="105314"/>
+                              </a:xfrm>
+                              <a:prstGeom prst="ellipse">
+                                <a:avLst/>
+                              </a:prstGeom>
+                              <a:ln/>
+                            </p:spPr>
+                            <p:style>
+                              <a:lnRef idx="3">
+                                <a:schemeClr val="lt1"/>
+                              </a:lnRef>
+                              <a:fillRef idx="1">
+                                <a:schemeClr val="accent4"/>
+                              </a:fillRef>
+                              <a:effectRef idx="1">
+                                <a:schemeClr val="accent4"/>
+                              </a:effectRef>
+                              <a:fontRef idx="minor">
+                                <a:schemeClr val="lt1"/>
+                              </a:fontRef>
+                            </p:style>
+                            <p:txBody>
+                              <a:bodyPr rtlCol="0" anchor="ctr"/>
+                              <a:lstStyle/>
+                              <a:p>
+                                <a:endParaRPr lang="fr-FR" sz="4000"/>
+                              </a:p>
+                            </p:txBody>
+                          </p:sp>
+                        </p:grpSp>
+                        <p:grpSp>
+                          <p:nvGrpSpPr>
+                            <p:cNvPr id="192" name="Groupe 191"/>
+                            <p:cNvGrpSpPr/>
+                            <p:nvPr/>
+                          </p:nvGrpSpPr>
+                          <p:grpSpPr>
+                            <a:xfrm>
+                              <a:off x="1785050" y="3437428"/>
+                              <a:ext cx="2389055" cy="2209499"/>
+                              <a:chOff x="1766000" y="3561253"/>
+                              <a:chExt cx="2389055" cy="2209499"/>
+                            </a:xfrm>
+                          </p:grpSpPr>
+                          <p:grpSp>
+                            <p:nvGrpSpPr>
+                              <p:cNvPr id="76" name="Groupe 75"/>
+                              <p:cNvGrpSpPr/>
+                              <p:nvPr/>
+                            </p:nvGrpSpPr>
+                            <p:grpSpPr>
+                              <a:xfrm>
+                                <a:off x="2256807" y="4022214"/>
+                                <a:ext cx="1449033" cy="1748538"/>
+                                <a:chOff x="3745439" y="3364941"/>
+                                <a:chExt cx="1449033" cy="1748538"/>
+                              </a:xfrm>
+                            </p:grpSpPr>
                             <p:grpSp>
                               <p:nvGrpSpPr>
-                                <p:cNvPr id="82" name="Groupe 81"/>
+                                <p:cNvPr id="79" name="Groupe 78"/>
                                 <p:cNvGrpSpPr/>
                                 <p:nvPr/>
                               </p:nvGrpSpPr>
                               <p:grpSpPr>
                                 <a:xfrm>
-                                  <a:off x="6616757" y="3434809"/>
+                                  <a:off x="3745439" y="3364941"/>
                                   <a:ext cx="1449033" cy="1748538"/>
                                   <a:chOff x="6616757" y="3434809"/>
                                   <a:chExt cx="1449033" cy="1748538"/>
@@ -9281,119 +9111,67 @@
                               </p:grpSpPr>
                               <p:grpSp>
                                 <p:nvGrpSpPr>
-                                  <p:cNvPr id="83" name="Groupe 82"/>
+                                  <p:cNvPr id="81" name="Groupe 80"/>
                                   <p:cNvGrpSpPr/>
                                   <p:nvPr/>
                                 </p:nvGrpSpPr>
                                 <p:grpSpPr>
                                   <a:xfrm>
-                                    <a:off x="6926657" y="3434809"/>
-                                    <a:ext cx="1139133" cy="1748538"/>
-                                    <a:chOff x="7946133" y="2756255"/>
-                                    <a:chExt cx="1139133" cy="1748538"/>
+                                    <a:off x="6946949" y="3842813"/>
+                                    <a:ext cx="524267" cy="1176215"/>
+                                    <a:chOff x="7970566" y="3168342"/>
+                                    <a:chExt cx="524267" cy="1176215"/>
                                   </a:xfrm>
                                 </p:grpSpPr>
-                                <p:grpSp>
-                                  <p:nvGrpSpPr>
-                                    <p:cNvPr id="89" name="Groupe 88"/>
-                                    <p:cNvGrpSpPr/>
+                                <p:cxnSp>
+                                  <p:nvCxnSpPr>
+                                    <p:cNvPr id="98" name="Connecteur droit avec flèche 97"/>
+                                    <p:cNvCxnSpPr/>
                                     <p:nvPr/>
-                                  </p:nvGrpSpPr>
-                                  <p:grpSpPr>
+                                  </p:nvCxnSpPr>
+                                  <p:spPr>
                                     <a:xfrm>
-                                      <a:off x="7994738" y="3168342"/>
-                                      <a:ext cx="923511" cy="1199126"/>
-                                      <a:chOff x="1052702" y="1213268"/>
-                                      <a:chExt cx="924063" cy="1199746"/>
+                                      <a:off x="7995368" y="3168342"/>
+                                      <a:ext cx="0" cy="936814"/>
                                     </a:xfrm>
-                                  </p:grpSpPr>
-                                  <p:cxnSp>
-                                    <p:nvCxnSpPr>
-                                      <p:cNvPr id="92" name="Connecteur droit avec flèche 91"/>
-                                      <p:cNvCxnSpPr/>
-                                      <p:nvPr/>
-                                    </p:nvCxnSpPr>
-                                    <p:spPr>
-                                      <a:xfrm>
-                                        <a:off x="1052703" y="1213268"/>
-                                        <a:ext cx="0" cy="1199746"/>
-                                      </a:xfrm>
-                                      <a:prstGeom prst="straightConnector1">
-                                        <a:avLst/>
-                                      </a:prstGeom>
-                                      <a:ln w="12700">
-                                        <a:solidFill>
-                                          <a:schemeClr val="tx1"/>
-                                        </a:solidFill>
-                                        <a:prstDash val="dash"/>
-                                        <a:tailEnd type="triangle"/>
-                                      </a:ln>
-                                    </p:spPr>
-                                    <p:style>
-                                      <a:lnRef idx="1">
-                                        <a:schemeClr val="accent1"/>
-                                      </a:lnRef>
-                                      <a:fillRef idx="0">
-                                        <a:schemeClr val="accent1"/>
-                                      </a:fillRef>
-                                      <a:effectRef idx="0">
-                                        <a:schemeClr val="accent1"/>
-                                      </a:effectRef>
-                                      <a:fontRef idx="minor">
+                                    <a:prstGeom prst="straightConnector1">
+                                      <a:avLst/>
+                                    </a:prstGeom>
+                                    <a:ln w="28575">
+                                      <a:solidFill>
                                         <a:schemeClr val="tx1"/>
-                                      </a:fontRef>
-                                    </p:style>
-                                  </p:cxnSp>
-                                  <p:cxnSp>
-                                    <p:nvCxnSpPr>
-                                      <p:cNvPr id="93" name="Connecteur droit avec flèche 92"/>
-                                      <p:cNvCxnSpPr/>
-                                      <p:nvPr/>
-                                    </p:nvCxnSpPr>
-                                    <p:spPr>
-                                      <a:xfrm>
-                                        <a:off x="1052702" y="1213268"/>
-                                        <a:ext cx="924063" cy="14323"/>
-                                      </a:xfrm>
-                                      <a:prstGeom prst="straightConnector1">
-                                        <a:avLst/>
-                                      </a:prstGeom>
-                                      <a:ln w="12700">
-                                        <a:solidFill>
-                                          <a:schemeClr val="tx1"/>
-                                        </a:solidFill>
-                                        <a:prstDash val="dash"/>
-                                        <a:tailEnd type="triangle"/>
-                                      </a:ln>
-                                    </p:spPr>
-                                    <p:style>
-                                      <a:lnRef idx="1">
-                                        <a:schemeClr val="accent1"/>
-                                      </a:lnRef>
-                                      <a:fillRef idx="0">
-                                        <a:schemeClr val="accent1"/>
-                                      </a:fillRef>
-                                      <a:effectRef idx="0">
-                                        <a:schemeClr val="accent1"/>
-                                      </a:effectRef>
-                                      <a:fontRef idx="minor">
-                                        <a:schemeClr val="tx1"/>
-                                      </a:fontRef>
-                                    </p:style>
-                                  </p:cxnSp>
-                                </p:grpSp>
+                                      </a:solidFill>
+                                      <a:prstDash val="solid"/>
+                                      <a:tailEnd type="triangle"/>
+                                    </a:ln>
+                                  </p:spPr>
+                                  <p:style>
+                                    <a:lnRef idx="1">
+                                      <a:schemeClr val="accent1"/>
+                                    </a:lnRef>
+                                    <a:fillRef idx="0">
+                                      <a:schemeClr val="accent1"/>
+                                    </a:fillRef>
+                                    <a:effectRef idx="0">
+                                      <a:schemeClr val="accent1"/>
+                                    </a:effectRef>
+                                    <a:fontRef idx="minor">
+                                      <a:schemeClr val="tx1"/>
+                                    </a:fontRef>
+                                  </p:style>
+                                </p:cxnSp>
                                 <mc:AlternateContent xmlns:mc="http://schemas.openxmlformats.org/markup-compatibility/2006" xmlns:a14="http://schemas.microsoft.com/office/drawing/2010/main">
                                   <mc:Choice Requires="a14">
                                     <p:sp>
                                       <p:nvSpPr>
-                                        <p:cNvPr id="90" name="Zone de texte 153"/>
+                                        <p:cNvPr id="95" name="Zone de texte 153"/>
                                         <p:cNvSpPr txBox="1"/>
                                         <p:nvPr/>
                                       </p:nvSpPr>
                                       <p:spPr>
                                         <a:xfrm>
-                                          <a:off x="7946133" y="4230143"/>
-                                          <a:ext cx="301748" cy="274650"/>
+                                          <a:off x="7970566" y="3900821"/>
+                                          <a:ext cx="524267" cy="443736"/>
                                         </a:xfrm>
                                         <a:prstGeom prst="rect">
                                           <a:avLst/>
@@ -9437,38 +9215,40 @@
                                             </a:spcAft>
                                           </a:pPr>
                                           <a14:m>
-                                            <m:oMathPara xmlns:m="http://schemas.openxmlformats.org/officeDocument/2006/math">
-                                              <m:oMathParaPr>
-                                                <m:jc m:val="centerGroup"/>
-                                              </m:oMathParaPr>
-                                              <m:oMath xmlns:m="http://schemas.openxmlformats.org/officeDocument/2006/math">
-                                                <m:r>
-                                                  <a:rPr lang="fr-FR" sz="2400" b="0" i="1" smtClean="0">
-                                                    <a:effectLst/>
-                                                    <a:latin typeface="Cambria Math" panose="02040503050406030204" pitchFamily="18" charset="0"/>
-                                                    <a:ea typeface="Calibri" panose="020F0502020204030204" pitchFamily="34" charset="0"/>
-                                                    <a:cs typeface="Times New Roman" panose="02020603050405020304" pitchFamily="18" charset="0"/>
-                                                  </a:rPr>
-                                                  <m:t>𝑟</m:t>
-                                                </m:r>
-                                              </m:oMath>
-                                            </m:oMathPara>
+                                            <m:oMath xmlns:m="http://schemas.openxmlformats.org/officeDocument/2006/math">
+                                              <m:sSub>
+                                                <m:sSubPr>
+                                                  <m:ctrlPr>
+                                                    <a:rPr lang="fr-FR" sz="2400" b="1" i="1" smtClean="0">
+                                                      <a:latin typeface="Cambria Math" panose="02040503050406030204" pitchFamily="18" charset="0"/>
+                                                      <a:ea typeface="SimSun" panose="02010600030101010101" pitchFamily="2" charset="-122"/>
+                                                      <a:cs typeface="Times New Roman" panose="02020603050405020304" pitchFamily="18" charset="0"/>
+                                                    </a:rPr>
+                                                  </m:ctrlPr>
+                                                </m:sSubPr>
+                                                <m:e>
+                                                  <m:r>
+                                                    <a:rPr lang="fr-FR" sz="2400" b="1" i="1" smtClean="0">
+                                                      <a:latin typeface="Cambria Math" panose="02040503050406030204" pitchFamily="18" charset="0"/>
+                                                      <a:ea typeface="SimSun" panose="02010600030101010101" pitchFamily="2" charset="-122"/>
+                                                      <a:cs typeface="Times New Roman" panose="02020603050405020304" pitchFamily="18" charset="0"/>
+                                                    </a:rPr>
+                                                    <m:t>𝑿</m:t>
+                                                  </m:r>
+                                                </m:e>
+                                                <m:sub>
+                                                  <m:r>
+                                                    <a:rPr lang="fr-FR" sz="2400" b="1" i="1" smtClean="0">
+                                                      <a:latin typeface="Cambria Math" panose="02040503050406030204" pitchFamily="18" charset="0"/>
+                                                      <a:ea typeface="SimSun" panose="02010600030101010101" pitchFamily="2" charset="-122"/>
+                                                      <a:cs typeface="Times New Roman" panose="02020603050405020304" pitchFamily="18" charset="0"/>
+                                                    </a:rPr>
+                                                    <m:t>𝒓</m:t>
+                                                  </m:r>
+                                                </m:sub>
+                                              </m:sSub>
+                                            </m:oMath>
                                           </a14:m>
-                                          <a:endParaRPr lang="fr-FR" sz="2400" dirty="0">
-                                            <a:effectLst/>
-                                            <a:ea typeface="Calibri" panose="020F0502020204030204" pitchFamily="34" charset="0"/>
-                                            <a:cs typeface="Times New Roman" panose="02020603050405020304" pitchFamily="18" charset="0"/>
-                                          </a:endParaRPr>
-                                        </a:p>
-                                        <a:p>
-                                          <a:pPr>
-                                            <a:lnSpc>
-                                              <a:spcPct val="107000"/>
-                                            </a:lnSpc>
-                                            <a:spcAft>
-                                              <a:spcPts val="800"/>
-                                            </a:spcAft>
-                                          </a:pPr>
                                           <a:r>
                                             <a:rPr lang="fr-FR" sz="2400" dirty="0">
                                               <a:effectLst/>
@@ -9484,7 +9264,7 @@
                                   <mc:Fallback xmlns="">
                                     <p:sp>
                                       <p:nvSpPr>
-                                        <p:cNvPr id="142" name="Zone de texte 153"/>
+                                        <p:cNvPr id="95" name="Zone de texte 153"/>
                                         <p:cNvSpPr txBox="1">
                                           <a:spLocks noRot="1" noChangeAspect="1" noMove="1" noResize="1" noEditPoints="1" noAdjustHandles="1" noChangeArrowheads="1" noChangeShapeType="1" noTextEdit="1"/>
                                         </p:cNvSpPr>
@@ -9492,159 +9272,16 @@
                                       </p:nvSpPr>
                                       <p:spPr>
                                         <a:xfrm>
-                                          <a:off x="7946133" y="4230143"/>
-                                          <a:ext cx="301748" cy="274650"/>
+                                          <a:off x="7970566" y="3900821"/>
+                                          <a:ext cx="524267" cy="443736"/>
                                         </a:xfrm>
                                         <a:prstGeom prst="rect">
                                           <a:avLst/>
                                         </a:prstGeom>
                                         <a:blipFill rotWithShape="0">
-                                          <a:blip r:embed="rId13"/>
+                                          <a:blip r:embed="rId12"/>
                                           <a:stretch>
-                                            <a:fillRect b="-24444"/>
-                                          </a:stretch>
-                                        </a:blipFill>
-                                        <a:ln w="6350">
-                                          <a:noFill/>
-                                          <a:prstDash val="sysDash"/>
-                                        </a:ln>
-                                        <a:effectLst/>
-                                      </p:spPr>
-                                      <p:txBody>
-                                        <a:bodyPr/>
-                                        <a:lstStyle/>
-                                        <a:p>
-                                          <a:r>
-                                            <a:rPr lang="fr-FR">
-                                              <a:noFill/>
-                                            </a:rPr>
-                                            <a:t> </a:t>
-                                          </a:r>
-                                        </a:p>
-                                      </p:txBody>
-                                    </p:sp>
-                                  </mc:Fallback>
-                                </mc:AlternateContent>
-                                <mc:AlternateContent xmlns:mc="http://schemas.openxmlformats.org/markup-compatibility/2006" xmlns:a14="http://schemas.microsoft.com/office/drawing/2010/main">
-                                  <mc:Choice Requires="a14">
-                                    <p:sp>
-                                      <p:nvSpPr>
-                                        <p:cNvPr id="91" name="Zone de texte 154"/>
-                                        <p:cNvSpPr txBox="1"/>
-                                        <p:nvPr/>
-                                      </p:nvSpPr>
-                                      <p:spPr>
-                                        <a:xfrm>
-                                          <a:off x="8783518" y="2756255"/>
-                                          <a:ext cx="301748" cy="274650"/>
-                                        </a:xfrm>
-                                        <a:prstGeom prst="rect">
-                                          <a:avLst/>
-                                        </a:prstGeom>
-                                        <a:noFill/>
-                                        <a:ln w="6350">
-                                          <a:noFill/>
-                                          <a:prstDash val="sysDash"/>
-                                        </a:ln>
-                                        <a:effectLst/>
-                                      </p:spPr>
-                                      <p:style>
-                                        <a:lnRef idx="0">
-                                          <a:schemeClr val="accent1"/>
-                                        </a:lnRef>
-                                        <a:fillRef idx="0">
-                                          <a:schemeClr val="accent1"/>
-                                        </a:fillRef>
-                                        <a:effectRef idx="0">
-                                          <a:schemeClr val="accent1"/>
-                                        </a:effectRef>
-                                        <a:fontRef idx="minor">
-                                          <a:schemeClr val="dk1"/>
-                                        </a:fontRef>
-                                      </p:style>
-                                      <p:txBody>
-                                        <a:bodyPr rot="0" spcFirstLastPara="0" vert="horz" wrap="square" lIns="91440" tIns="45720" rIns="91440" bIns="45720" numCol="1" spcCol="0" rtlCol="0" fromWordArt="0" anchor="t" anchorCtr="0" forceAA="0" compatLnSpc="1">
-                                          <a:prstTxWarp prst="textNoShape">
-                                            <a:avLst/>
-                                          </a:prstTxWarp>
-                                          <a:noAutofit/>
-                                        </a:bodyPr>
-                                        <a:lstStyle/>
-                                        <a:p>
-                                          <a:pPr>
-                                            <a:lnSpc>
-                                              <a:spcPct val="107000"/>
-                                            </a:lnSpc>
-                                            <a:spcAft>
-                                              <a:spcPts val="800"/>
-                                            </a:spcAft>
-                                          </a:pPr>
-                                          <a14:m>
-                                            <m:oMathPara xmlns:m="http://schemas.openxmlformats.org/officeDocument/2006/math">
-                                              <m:oMathParaPr>
-                                                <m:jc m:val="centerGroup"/>
-                                              </m:oMathParaPr>
-                                              <m:oMath xmlns:m="http://schemas.openxmlformats.org/officeDocument/2006/math">
-                                                <m:r>
-                                                  <a:rPr lang="fr-FR" sz="2400" b="0" i="1" smtClean="0">
-                                                    <a:effectLst/>
-                                                    <a:latin typeface="Cambria Math" panose="02040503050406030204" pitchFamily="18" charset="0"/>
-                                                    <a:ea typeface="Calibri" panose="020F0502020204030204" pitchFamily="34" charset="0"/>
-                                                    <a:cs typeface="Times New Roman" panose="02020603050405020304" pitchFamily="18" charset="0"/>
-                                                  </a:rPr>
-                                                  <m:t>𝑡</m:t>
-                                                </m:r>
-                                              </m:oMath>
-                                            </m:oMathPara>
-                                          </a14:m>
-                                          <a:endParaRPr lang="fr-FR" sz="2400" dirty="0">
-                                            <a:effectLst/>
-                                            <a:ea typeface="Calibri" panose="020F0502020204030204" pitchFamily="34" charset="0"/>
-                                            <a:cs typeface="Times New Roman" panose="02020603050405020304" pitchFamily="18" charset="0"/>
-                                          </a:endParaRPr>
-                                        </a:p>
-                                        <a:p>
-                                          <a:pPr>
-                                            <a:lnSpc>
-                                              <a:spcPct val="107000"/>
-                                            </a:lnSpc>
-                                            <a:spcAft>
-                                              <a:spcPts val="800"/>
-                                            </a:spcAft>
-                                          </a:pPr>
-                                          <a:r>
-                                            <a:rPr lang="fr-FR" sz="2400" dirty="0">
-                                              <a:effectLst/>
-                                              <a:ea typeface="Calibri" panose="020F0502020204030204" pitchFamily="34" charset="0"/>
-                                              <a:cs typeface="Times New Roman" panose="02020603050405020304" pitchFamily="18" charset="0"/>
-                                            </a:rPr>
-                                            <a:t> </a:t>
-                                          </a:r>
-                                        </a:p>
-                                      </p:txBody>
-                                    </p:sp>
-                                  </mc:Choice>
-                                  <mc:Fallback xmlns="">
-                                    <p:sp>
-                                      <p:nvSpPr>
-                                        <p:cNvPr id="143" name="Zone de texte 154"/>
-                                        <p:cNvSpPr txBox="1">
-                                          <a:spLocks noRot="1" noChangeAspect="1" noMove="1" noResize="1" noEditPoints="1" noAdjustHandles="1" noChangeArrowheads="1" noChangeShapeType="1" noTextEdit="1"/>
-                                        </p:cNvSpPr>
-                                        <p:nvPr/>
-                                      </p:nvSpPr>
-                                      <p:spPr>
-                                        <a:xfrm>
-                                          <a:off x="8783518" y="2756255"/>
-                                          <a:ext cx="301748" cy="274650"/>
-                                        </a:xfrm>
-                                        <a:prstGeom prst="rect">
-                                          <a:avLst/>
-                                        </a:prstGeom>
-                                        <a:blipFill rotWithShape="0">
-                                          <a:blip r:embed="rId14"/>
-                                          <a:stretch>
-                                            <a:fillRect b="-24444"/>
+                                            <a:fillRect l="-3488" b="-1370"/>
                                           </a:stretch>
                                         </a:blipFill>
                                         <a:ln w="6350">
@@ -9671,246 +9308,725 @@
                               </p:grpSp>
                               <p:grpSp>
                                 <p:nvGrpSpPr>
-                                  <p:cNvPr id="85" name="Groupe 84"/>
+                                  <p:cNvPr id="82" name="Groupe 81"/>
                                   <p:cNvGrpSpPr/>
                                   <p:nvPr/>
                                 </p:nvGrpSpPr>
                                 <p:grpSpPr>
-                                  <a:xfrm rot="18184110">
-                                    <a:off x="6616736" y="3521703"/>
-                                    <a:ext cx="732699" cy="732657"/>
-                                    <a:chOff x="5038636" y="1461790"/>
-                                    <a:chExt cx="977631" cy="977573"/>
+                                  <a:xfrm>
+                                    <a:off x="6616757" y="3434809"/>
+                                    <a:ext cx="1449033" cy="1748538"/>
+                                    <a:chOff x="6616757" y="3434809"/>
+                                    <a:chExt cx="1449033" cy="1748538"/>
                                   </a:xfrm>
                                 </p:grpSpPr>
+                                <p:grpSp>
+                                  <p:nvGrpSpPr>
+                                    <p:cNvPr id="83" name="Groupe 82"/>
+                                    <p:cNvGrpSpPr/>
+                                    <p:nvPr/>
+                                  </p:nvGrpSpPr>
+                                  <p:grpSpPr>
+                                    <a:xfrm>
+                                      <a:off x="6926657" y="3434809"/>
+                                      <a:ext cx="1139133" cy="1748538"/>
+                                      <a:chOff x="7946133" y="2756255"/>
+                                      <a:chExt cx="1139133" cy="1748538"/>
+                                    </a:xfrm>
+                                  </p:grpSpPr>
+                                  <p:grpSp>
+                                    <p:nvGrpSpPr>
+                                      <p:cNvPr id="89" name="Groupe 88"/>
+                                      <p:cNvGrpSpPr/>
+                                      <p:nvPr/>
+                                    </p:nvGrpSpPr>
+                                    <p:grpSpPr>
+                                      <a:xfrm>
+                                        <a:off x="7994738" y="3168342"/>
+                                        <a:ext cx="923511" cy="1199126"/>
+                                        <a:chOff x="1052702" y="1213268"/>
+                                        <a:chExt cx="924063" cy="1199746"/>
+                                      </a:xfrm>
+                                    </p:grpSpPr>
+                                    <p:cxnSp>
+                                      <p:nvCxnSpPr>
+                                        <p:cNvPr id="92" name="Connecteur droit avec flèche 91"/>
+                                        <p:cNvCxnSpPr/>
+                                        <p:nvPr/>
+                                      </p:nvCxnSpPr>
+                                      <p:spPr>
+                                        <a:xfrm>
+                                          <a:off x="1052703" y="1213268"/>
+                                          <a:ext cx="0" cy="1199746"/>
+                                        </a:xfrm>
+                                        <a:prstGeom prst="straightConnector1">
+                                          <a:avLst/>
+                                        </a:prstGeom>
+                                        <a:ln w="12700">
+                                          <a:solidFill>
+                                            <a:schemeClr val="tx1"/>
+                                          </a:solidFill>
+                                          <a:prstDash val="dash"/>
+                                          <a:tailEnd type="triangle"/>
+                                        </a:ln>
+                                      </p:spPr>
+                                      <p:style>
+                                        <a:lnRef idx="1">
+                                          <a:schemeClr val="accent1"/>
+                                        </a:lnRef>
+                                        <a:fillRef idx="0">
+                                          <a:schemeClr val="accent1"/>
+                                        </a:fillRef>
+                                        <a:effectRef idx="0">
+                                          <a:schemeClr val="accent1"/>
+                                        </a:effectRef>
+                                        <a:fontRef idx="minor">
+                                          <a:schemeClr val="tx1"/>
+                                        </a:fontRef>
+                                      </p:style>
+                                    </p:cxnSp>
+                                    <p:cxnSp>
+                                      <p:nvCxnSpPr>
+                                        <p:cNvPr id="93" name="Connecteur droit avec flèche 92"/>
+                                        <p:cNvCxnSpPr/>
+                                        <p:nvPr/>
+                                      </p:nvCxnSpPr>
+                                      <p:spPr>
+                                        <a:xfrm>
+                                          <a:off x="1052702" y="1213268"/>
+                                          <a:ext cx="924063" cy="14323"/>
+                                        </a:xfrm>
+                                        <a:prstGeom prst="straightConnector1">
+                                          <a:avLst/>
+                                        </a:prstGeom>
+                                        <a:ln w="12700">
+                                          <a:solidFill>
+                                            <a:schemeClr val="tx1"/>
+                                          </a:solidFill>
+                                          <a:prstDash val="dash"/>
+                                          <a:tailEnd type="triangle"/>
+                                        </a:ln>
+                                      </p:spPr>
+                                      <p:style>
+                                        <a:lnRef idx="1">
+                                          <a:schemeClr val="accent1"/>
+                                        </a:lnRef>
+                                        <a:fillRef idx="0">
+                                          <a:schemeClr val="accent1"/>
+                                        </a:fillRef>
+                                        <a:effectRef idx="0">
+                                          <a:schemeClr val="accent1"/>
+                                        </a:effectRef>
+                                        <a:fontRef idx="minor">
+                                          <a:schemeClr val="tx1"/>
+                                        </a:fontRef>
+                                      </p:style>
+                                    </p:cxnSp>
+                                  </p:grpSp>
+                                  <mc:AlternateContent xmlns:mc="http://schemas.openxmlformats.org/markup-compatibility/2006" xmlns:a14="http://schemas.microsoft.com/office/drawing/2010/main">
+                                    <mc:Choice Requires="a14">
+                                      <p:sp>
+                                        <p:nvSpPr>
+                                          <p:cNvPr id="90" name="Zone de texte 153"/>
+                                          <p:cNvSpPr txBox="1"/>
+                                          <p:nvPr/>
+                                        </p:nvSpPr>
+                                        <p:spPr>
+                                          <a:xfrm>
+                                            <a:off x="7946133" y="4230143"/>
+                                            <a:ext cx="301748" cy="274650"/>
+                                          </a:xfrm>
+                                          <a:prstGeom prst="rect">
+                                            <a:avLst/>
+                                          </a:prstGeom>
+                                          <a:noFill/>
+                                          <a:ln w="6350">
+                                            <a:noFill/>
+                                            <a:prstDash val="sysDash"/>
+                                          </a:ln>
+                                          <a:effectLst/>
+                                        </p:spPr>
+                                        <p:style>
+                                          <a:lnRef idx="0">
+                                            <a:schemeClr val="accent1"/>
+                                          </a:lnRef>
+                                          <a:fillRef idx="0">
+                                            <a:schemeClr val="accent1"/>
+                                          </a:fillRef>
+                                          <a:effectRef idx="0">
+                                            <a:schemeClr val="accent1"/>
+                                          </a:effectRef>
+                                          <a:fontRef idx="minor">
+                                            <a:schemeClr val="dk1"/>
+                                          </a:fontRef>
+                                        </p:style>
+                                        <p:txBody>
+                                          <a:bodyPr rot="0" spcFirstLastPara="0" vert="horz" wrap="square" lIns="91440" tIns="45720" rIns="91440" bIns="45720" numCol="1" spcCol="0" rtlCol="0" fromWordArt="0" anchor="t" anchorCtr="0" forceAA="0" compatLnSpc="1">
+                                            <a:prstTxWarp prst="textNoShape">
+                                              <a:avLst/>
+                                            </a:prstTxWarp>
+                                            <a:noAutofit/>
+                                          </a:bodyPr>
+                                          <a:lstStyle/>
+                                          <a:p>
+                                            <a:pPr>
+                                              <a:lnSpc>
+                                                <a:spcPct val="107000"/>
+                                              </a:lnSpc>
+                                              <a:spcAft>
+                                                <a:spcPts val="800"/>
+                                              </a:spcAft>
+                                            </a:pPr>
+                                            <a14:m>
+                                              <m:oMathPara xmlns:m="http://schemas.openxmlformats.org/officeDocument/2006/math">
+                                                <m:oMathParaPr>
+                                                  <m:jc m:val="centerGroup"/>
+                                                </m:oMathParaPr>
+                                                <m:oMath xmlns:m="http://schemas.openxmlformats.org/officeDocument/2006/math">
+                                                  <m:r>
+                                                    <a:rPr lang="fr-FR" sz="2400" b="0" i="1" smtClean="0">
+                                                      <a:effectLst/>
+                                                      <a:latin typeface="Cambria Math" panose="02040503050406030204" pitchFamily="18" charset="0"/>
+                                                      <a:ea typeface="Calibri" panose="020F0502020204030204" pitchFamily="34" charset="0"/>
+                                                      <a:cs typeface="Times New Roman" panose="02020603050405020304" pitchFamily="18" charset="0"/>
+                                                    </a:rPr>
+                                                    <m:t>𝑟</m:t>
+                                                  </m:r>
+                                                </m:oMath>
+                                              </m:oMathPara>
+                                            </a14:m>
+                                            <a:endParaRPr lang="fr-FR" sz="2400" dirty="0">
+                                              <a:effectLst/>
+                                              <a:ea typeface="Calibri" panose="020F0502020204030204" pitchFamily="34" charset="0"/>
+                                              <a:cs typeface="Times New Roman" panose="02020603050405020304" pitchFamily="18" charset="0"/>
+                                            </a:endParaRPr>
+                                          </a:p>
+                                          <a:p>
+                                            <a:pPr>
+                                              <a:lnSpc>
+                                                <a:spcPct val="107000"/>
+                                              </a:lnSpc>
+                                              <a:spcAft>
+                                                <a:spcPts val="800"/>
+                                              </a:spcAft>
+                                            </a:pPr>
+                                            <a:r>
+                                              <a:rPr lang="fr-FR" sz="2400" dirty="0">
+                                                <a:effectLst/>
+                                                <a:ea typeface="Calibri" panose="020F0502020204030204" pitchFamily="34" charset="0"/>
+                                                <a:cs typeface="Times New Roman" panose="02020603050405020304" pitchFamily="18" charset="0"/>
+                                              </a:rPr>
+                                              <a:t> </a:t>
+                                            </a:r>
+                                          </a:p>
+                                        </p:txBody>
+                                      </p:sp>
+                                    </mc:Choice>
+                                    <mc:Fallback xmlns="">
+                                      <p:sp>
+                                        <p:nvSpPr>
+                                          <p:cNvPr id="142" name="Zone de texte 153"/>
+                                          <p:cNvSpPr txBox="1">
+                                            <a:spLocks noRot="1" noChangeAspect="1" noMove="1" noResize="1" noEditPoints="1" noAdjustHandles="1" noChangeArrowheads="1" noChangeShapeType="1" noTextEdit="1"/>
+                                          </p:cNvSpPr>
+                                          <p:nvPr/>
+                                        </p:nvSpPr>
+                                        <p:spPr>
+                                          <a:xfrm>
+                                            <a:off x="7946133" y="4230143"/>
+                                            <a:ext cx="301748" cy="274650"/>
+                                          </a:xfrm>
+                                          <a:prstGeom prst="rect">
+                                            <a:avLst/>
+                                          </a:prstGeom>
+                                          <a:blipFill rotWithShape="0">
+                                            <a:blip r:embed="rId13"/>
+                                            <a:stretch>
+                                              <a:fillRect b="-24444"/>
+                                            </a:stretch>
+                                          </a:blipFill>
+                                          <a:ln w="6350">
+                                            <a:noFill/>
+                                            <a:prstDash val="sysDash"/>
+                                          </a:ln>
+                                          <a:effectLst/>
+                                        </p:spPr>
+                                        <p:txBody>
+                                          <a:bodyPr/>
+                                          <a:lstStyle/>
+                                          <a:p>
+                                            <a:r>
+                                              <a:rPr lang="fr-FR">
+                                                <a:noFill/>
+                                              </a:rPr>
+                                              <a:t> </a:t>
+                                            </a:r>
+                                          </a:p>
+                                        </p:txBody>
+                                      </p:sp>
+                                    </mc:Fallback>
+                                  </mc:AlternateContent>
+                                  <mc:AlternateContent xmlns:mc="http://schemas.openxmlformats.org/markup-compatibility/2006" xmlns:a14="http://schemas.microsoft.com/office/drawing/2010/main">
+                                    <mc:Choice Requires="a14">
+                                      <p:sp>
+                                        <p:nvSpPr>
+                                          <p:cNvPr id="91" name="Zone de texte 154"/>
+                                          <p:cNvSpPr txBox="1"/>
+                                          <p:nvPr/>
+                                        </p:nvSpPr>
+                                        <p:spPr>
+                                          <a:xfrm>
+                                            <a:off x="8783518" y="2756255"/>
+                                            <a:ext cx="301748" cy="274650"/>
+                                          </a:xfrm>
+                                          <a:prstGeom prst="rect">
+                                            <a:avLst/>
+                                          </a:prstGeom>
+                                          <a:noFill/>
+                                          <a:ln w="6350">
+                                            <a:noFill/>
+                                            <a:prstDash val="sysDash"/>
+                                          </a:ln>
+                                          <a:effectLst/>
+                                        </p:spPr>
+                                        <p:style>
+                                          <a:lnRef idx="0">
+                                            <a:schemeClr val="accent1"/>
+                                          </a:lnRef>
+                                          <a:fillRef idx="0">
+                                            <a:schemeClr val="accent1"/>
+                                          </a:fillRef>
+                                          <a:effectRef idx="0">
+                                            <a:schemeClr val="accent1"/>
+                                          </a:effectRef>
+                                          <a:fontRef idx="minor">
+                                            <a:schemeClr val="dk1"/>
+                                          </a:fontRef>
+                                        </p:style>
+                                        <p:txBody>
+                                          <a:bodyPr rot="0" spcFirstLastPara="0" vert="horz" wrap="square" lIns="91440" tIns="45720" rIns="91440" bIns="45720" numCol="1" spcCol="0" rtlCol="0" fromWordArt="0" anchor="t" anchorCtr="0" forceAA="0" compatLnSpc="1">
+                                            <a:prstTxWarp prst="textNoShape">
+                                              <a:avLst/>
+                                            </a:prstTxWarp>
+                                            <a:noAutofit/>
+                                          </a:bodyPr>
+                                          <a:lstStyle/>
+                                          <a:p>
+                                            <a:pPr>
+                                              <a:lnSpc>
+                                                <a:spcPct val="107000"/>
+                                              </a:lnSpc>
+                                              <a:spcAft>
+                                                <a:spcPts val="800"/>
+                                              </a:spcAft>
+                                            </a:pPr>
+                                            <a14:m>
+                                              <m:oMathPara xmlns:m="http://schemas.openxmlformats.org/officeDocument/2006/math">
+                                                <m:oMathParaPr>
+                                                  <m:jc m:val="centerGroup"/>
+                                                </m:oMathParaPr>
+                                                <m:oMath xmlns:m="http://schemas.openxmlformats.org/officeDocument/2006/math">
+                                                  <m:r>
+                                                    <a:rPr lang="fr-FR" sz="2400" b="0" i="1" smtClean="0">
+                                                      <a:effectLst/>
+                                                      <a:latin typeface="Cambria Math" panose="02040503050406030204" pitchFamily="18" charset="0"/>
+                                                      <a:ea typeface="Calibri" panose="020F0502020204030204" pitchFamily="34" charset="0"/>
+                                                      <a:cs typeface="Times New Roman" panose="02020603050405020304" pitchFamily="18" charset="0"/>
+                                                    </a:rPr>
+                                                    <m:t>𝑡</m:t>
+                                                  </m:r>
+                                                </m:oMath>
+                                              </m:oMathPara>
+                                            </a14:m>
+                                            <a:endParaRPr lang="fr-FR" sz="2400" dirty="0">
+                                              <a:effectLst/>
+                                              <a:ea typeface="Calibri" panose="020F0502020204030204" pitchFamily="34" charset="0"/>
+                                              <a:cs typeface="Times New Roman" panose="02020603050405020304" pitchFamily="18" charset="0"/>
+                                            </a:endParaRPr>
+                                          </a:p>
+                                          <a:p>
+                                            <a:pPr>
+                                              <a:lnSpc>
+                                                <a:spcPct val="107000"/>
+                                              </a:lnSpc>
+                                              <a:spcAft>
+                                                <a:spcPts val="800"/>
+                                              </a:spcAft>
+                                            </a:pPr>
+                                            <a:r>
+                                              <a:rPr lang="fr-FR" sz="2400" dirty="0">
+                                                <a:effectLst/>
+                                                <a:ea typeface="Calibri" panose="020F0502020204030204" pitchFamily="34" charset="0"/>
+                                                <a:cs typeface="Times New Roman" panose="02020603050405020304" pitchFamily="18" charset="0"/>
+                                              </a:rPr>
+                                              <a:t> </a:t>
+                                            </a:r>
+                                          </a:p>
+                                        </p:txBody>
+                                      </p:sp>
+                                    </mc:Choice>
+                                    <mc:Fallback xmlns="">
+                                      <p:sp>
+                                        <p:nvSpPr>
+                                          <p:cNvPr id="143" name="Zone de texte 154"/>
+                                          <p:cNvSpPr txBox="1">
+                                            <a:spLocks noRot="1" noChangeAspect="1" noMove="1" noResize="1" noEditPoints="1" noAdjustHandles="1" noChangeArrowheads="1" noChangeShapeType="1" noTextEdit="1"/>
+                                          </p:cNvSpPr>
+                                          <p:nvPr/>
+                                        </p:nvSpPr>
+                                        <p:spPr>
+                                          <a:xfrm>
+                                            <a:off x="8783518" y="2756255"/>
+                                            <a:ext cx="301748" cy="274650"/>
+                                          </a:xfrm>
+                                          <a:prstGeom prst="rect">
+                                            <a:avLst/>
+                                          </a:prstGeom>
+                                          <a:blipFill rotWithShape="0">
+                                            <a:blip r:embed="rId14"/>
+                                            <a:stretch>
+                                              <a:fillRect b="-24444"/>
+                                            </a:stretch>
+                                          </a:blipFill>
+                                          <a:ln w="6350">
+                                            <a:noFill/>
+                                            <a:prstDash val="sysDash"/>
+                                          </a:ln>
+                                          <a:effectLst/>
+                                        </p:spPr>
+                                        <p:txBody>
+                                          <a:bodyPr/>
+                                          <a:lstStyle/>
+                                          <a:p>
+                                            <a:r>
+                                              <a:rPr lang="fr-FR">
+                                                <a:noFill/>
+                                              </a:rPr>
+                                              <a:t> </a:t>
+                                            </a:r>
+                                          </a:p>
+                                        </p:txBody>
+                                      </p:sp>
+                                    </mc:Fallback>
+                                  </mc:AlternateContent>
+                                </p:grpSp>
+                                <p:grpSp>
+                                  <p:nvGrpSpPr>
+                                    <p:cNvPr id="85" name="Groupe 84"/>
+                                    <p:cNvGrpSpPr/>
+                                    <p:nvPr/>
+                                  </p:nvGrpSpPr>
+                                  <p:grpSpPr>
+                                    <a:xfrm rot="18184110">
+                                      <a:off x="6616736" y="3521703"/>
+                                      <a:ext cx="732699" cy="732657"/>
+                                      <a:chOff x="5038636" y="1461790"/>
+                                      <a:chExt cx="977631" cy="977573"/>
+                                    </a:xfrm>
+                                  </p:grpSpPr>
+                                  <p:sp>
+                                    <p:nvSpPr>
+                                      <p:cNvPr id="87" name="Ellipse 86"/>
+                                      <p:cNvSpPr/>
+                                      <p:nvPr/>
+                                    </p:nvSpPr>
+                                    <p:spPr>
+                                      <a:xfrm rot="16864146">
+                                        <a:off x="5501628" y="1873027"/>
+                                        <a:ext cx="105190" cy="105185"/>
+                                      </a:xfrm>
+                                      <a:prstGeom prst="ellipse">
+                                        <a:avLst/>
+                                      </a:prstGeom>
+                                      <a:solidFill>
+                                        <a:srgbClr val="509E2F"/>
+                                      </a:solidFill>
+                                      <a:ln>
+                                        <a:noFill/>
+                                      </a:ln>
+                                    </p:spPr>
+                                    <p:style>
+                                      <a:lnRef idx="2">
+                                        <a:schemeClr val="accent6">
+                                          <a:shade val="50000"/>
+                                        </a:schemeClr>
+                                      </a:lnRef>
+                                      <a:fillRef idx="1">
+                                        <a:schemeClr val="accent6"/>
+                                      </a:fillRef>
+                                      <a:effectRef idx="0">
+                                        <a:schemeClr val="accent6"/>
+                                      </a:effectRef>
+                                      <a:fontRef idx="minor">
+                                        <a:schemeClr val="lt1"/>
+                                      </a:fontRef>
+                                    </p:style>
+                                    <p:txBody>
+                                      <a:bodyPr rtlCol="0" anchor="ctr"/>
+                                      <a:lstStyle/>
+                                      <a:p>
+                                        <a:endParaRPr lang="fr-FR" sz="4000"/>
+                                      </a:p>
+                                    </p:txBody>
+                                  </p:sp>
+                                  <p:sp>
+                                    <p:nvSpPr>
+                                      <p:cNvPr id="88" name="Ellipse 87"/>
+                                      <p:cNvSpPr/>
+                                      <p:nvPr/>
+                                    </p:nvSpPr>
+                                    <p:spPr>
+                                      <a:xfrm rot="19297221">
+                                        <a:off x="5038636" y="1461790"/>
+                                        <a:ext cx="977631" cy="977573"/>
+                                      </a:xfrm>
+                                      <a:prstGeom prst="ellipse">
+                                        <a:avLst/>
+                                      </a:prstGeom>
+                                      <a:noFill/>
+                                      <a:ln>
+                                        <a:solidFill>
+                                          <a:srgbClr val="509E2F"/>
+                                        </a:solidFill>
+                                      </a:ln>
+                                    </p:spPr>
+                                    <p:style>
+                                      <a:lnRef idx="2">
+                                        <a:schemeClr val="accent1">
+                                          <a:shade val="50000"/>
+                                        </a:schemeClr>
+                                      </a:lnRef>
+                                      <a:fillRef idx="1">
+                                        <a:schemeClr val="accent1"/>
+                                      </a:fillRef>
+                                      <a:effectRef idx="0">
+                                        <a:schemeClr val="accent1"/>
+                                      </a:effectRef>
+                                      <a:fontRef idx="minor">
+                                        <a:schemeClr val="lt1"/>
+                                      </a:fontRef>
+                                    </p:style>
+                                    <p:txBody>
+                                      <a:bodyPr rtlCol="0" anchor="ctr"/>
+                                      <a:lstStyle/>
+                                      <a:p>
+                                        <a:endParaRPr lang="fr-FR" sz="4000"/>
+                                      </a:p>
+                                    </p:txBody>
+                                  </p:sp>
+                                </p:grpSp>
+                              </p:grpSp>
+                            </p:grpSp>
+                            <mc:AlternateContent xmlns:mc="http://schemas.openxmlformats.org/markup-compatibility/2006" xmlns:a14="http://schemas.microsoft.com/office/drawing/2010/main">
+                              <mc:Choice Requires="a14">
                                 <p:sp>
                                   <p:nvSpPr>
-                                    <p:cNvPr id="87" name="Ellipse 86"/>
-                                    <p:cNvSpPr/>
+                                    <p:cNvPr id="80" name="ZoneTexte 79"/>
+                                    <p:cNvSpPr txBox="1"/>
                                     <p:nvPr/>
                                   </p:nvSpPr>
                                   <p:spPr>
-                                    <a:xfrm rot="16864146">
-                                      <a:off x="5501628" y="1873027"/>
-                                      <a:ext cx="105190" cy="105185"/>
+                                    <a:xfrm>
+                                      <a:off x="4015999" y="3695470"/>
+                                      <a:ext cx="544444" cy="394660"/>
                                     </a:xfrm>
-                                    <a:prstGeom prst="ellipse">
+                                    <a:prstGeom prst="rect">
                                       <a:avLst/>
                                     </a:prstGeom>
-                                    <a:solidFill>
-                                      <a:srgbClr val="509E2F"/>
-                                    </a:solidFill>
-                                    <a:ln>
-                                      <a:noFill/>
-                                    </a:ln>
+                                    <a:noFill/>
                                   </p:spPr>
-                                  <p:style>
-                                    <a:lnRef idx="2">
-                                      <a:schemeClr val="accent6">
-                                        <a:shade val="50000"/>
-                                      </a:schemeClr>
-                                    </a:lnRef>
-                                    <a:fillRef idx="1">
-                                      <a:schemeClr val="accent6"/>
-                                    </a:fillRef>
-                                    <a:effectRef idx="0">
-                                      <a:schemeClr val="accent6"/>
-                                    </a:effectRef>
-                                    <a:fontRef idx="minor">
-                                      <a:schemeClr val="lt1"/>
-                                    </a:fontRef>
-                                  </p:style>
                                   <p:txBody>
-                                    <a:bodyPr rtlCol="0" anchor="ctr"/>
+                                    <a:bodyPr wrap="none" rtlCol="0">
+                                      <a:spAutoFit/>
+                                    </a:bodyPr>
                                     <a:lstStyle/>
                                     <a:p>
-                                      <a:endParaRPr lang="fr-FR" sz="4000"/>
+                                      <a:pPr/>
+                                      <a14:m>
+                                        <m:oMathPara xmlns:m="http://schemas.openxmlformats.org/officeDocument/2006/math">
+                                          <m:oMathParaPr>
+                                            <m:jc m:val="centerGroup"/>
+                                          </m:oMathParaPr>
+                                          <m:oMath xmlns:m="http://schemas.openxmlformats.org/officeDocument/2006/math">
+                                            <m:sSub>
+                                              <m:sSubPr>
+                                                <m:ctrlPr>
+                                                  <a:rPr lang="fr-FR" b="0" i="1" smtClean="0">
+                                                    <a:latin typeface="Cambria Math" panose="02040503050406030204" pitchFamily="18" charset="0"/>
+                                                  </a:rPr>
+                                                </m:ctrlPr>
+                                              </m:sSubPr>
+                                              <m:e>
+                                                <m:r>
+                                                  <a:rPr lang="fr-FR" b="0" i="1" smtClean="0">
+                                                    <a:latin typeface="Cambria Math" panose="02040503050406030204" pitchFamily="18" charset="0"/>
+                                                  </a:rPr>
+                                                  <m:t>𝑂</m:t>
+                                                </m:r>
+                                              </m:e>
+                                              <m:sub>
+                                                <m:sSub>
+                                                  <m:sSubPr>
+                                                    <m:ctrlPr>
+                                                      <a:rPr lang="fr-FR" b="0" i="1" smtClean="0">
+                                                        <a:latin typeface="Cambria Math" panose="02040503050406030204" pitchFamily="18" charset="0"/>
+                                                      </a:rPr>
+                                                    </m:ctrlPr>
+                                                  </m:sSubPr>
+                                                  <m:e>
+                                                    <m:r>
+                                                      <a:rPr lang="fr-FR" b="0" i="1" smtClean="0">
+                                                        <a:latin typeface="Cambria Math" panose="02040503050406030204" pitchFamily="18" charset="0"/>
+                                                      </a:rPr>
+                                                      <m:t>𝑟</m:t>
+                                                    </m:r>
+                                                  </m:e>
+                                                  <m:sub>
+                                                    <m:r>
+                                                      <a:rPr lang="fr-FR" b="0" i="1" smtClean="0">
+                                                        <a:latin typeface="Cambria Math" panose="02040503050406030204" pitchFamily="18" charset="0"/>
+                                                      </a:rPr>
+                                                      <m:t>0</m:t>
+                                                    </m:r>
+                                                  </m:sub>
+                                                </m:sSub>
+                                              </m:sub>
+                                            </m:sSub>
+                                          </m:oMath>
+                                        </m:oMathPara>
+                                      </a14:m>
+                                      <a:endParaRPr lang="fr-FR" dirty="0"/>
                                     </a:p>
                                   </p:txBody>
                                 </p:sp>
+                              </mc:Choice>
+                              <mc:Fallback xmlns="">
                                 <p:sp>
                                   <p:nvSpPr>
-                                    <p:cNvPr id="88" name="Ellipse 87"/>
-                                    <p:cNvSpPr/>
+                                    <p:cNvPr id="80" name="ZoneTexte 79"/>
+                                    <p:cNvSpPr txBox="1">
+                                      <a:spLocks noRot="1" noChangeAspect="1" noMove="1" noResize="1" noEditPoints="1" noAdjustHandles="1" noChangeArrowheads="1" noChangeShapeType="1" noTextEdit="1"/>
+                                    </p:cNvSpPr>
                                     <p:nvPr/>
                                   </p:nvSpPr>
                                   <p:spPr>
-                                    <a:xfrm rot="19297221">
-                                      <a:off x="5038636" y="1461790"/>
-                                      <a:ext cx="977631" cy="977573"/>
+                                    <a:xfrm>
+                                      <a:off x="4015999" y="3695470"/>
+                                      <a:ext cx="544444" cy="394660"/>
                                     </a:xfrm>
-                                    <a:prstGeom prst="ellipse">
+                                    <a:prstGeom prst="rect">
                                       <a:avLst/>
                                     </a:prstGeom>
-                                    <a:noFill/>
-                                    <a:ln>
-                                      <a:solidFill>
-                                        <a:srgbClr val="509E2F"/>
-                                      </a:solidFill>
-                                    </a:ln>
+                                    <a:blipFill rotWithShape="0">
+                                      <a:blip r:embed="rId15"/>
+                                      <a:stretch>
+                                        <a:fillRect/>
+                                      </a:stretch>
+                                    </a:blipFill>
                                   </p:spPr>
-                                  <p:style>
-                                    <a:lnRef idx="2">
-                                      <a:schemeClr val="accent1">
-                                        <a:shade val="50000"/>
-                                      </a:schemeClr>
-                                    </a:lnRef>
-                                    <a:fillRef idx="1">
-                                      <a:schemeClr val="accent1"/>
-                                    </a:fillRef>
-                                    <a:effectRef idx="0">
-                                      <a:schemeClr val="accent1"/>
-                                    </a:effectRef>
-                                    <a:fontRef idx="minor">
-                                      <a:schemeClr val="lt1"/>
-                                    </a:fontRef>
-                                  </p:style>
                                   <p:txBody>
-                                    <a:bodyPr rtlCol="0" anchor="ctr"/>
+                                    <a:bodyPr/>
                                     <a:lstStyle/>
                                     <a:p>
-                                      <a:endParaRPr lang="fr-FR" sz="4000"/>
+                                      <a:r>
+                                        <a:rPr lang="fr-FR">
+                                          <a:noFill/>
+                                        </a:rPr>
+                                        <a:t> </a:t>
+                                      </a:r>
                                     </a:p>
                                   </p:txBody>
                                 </p:sp>
-                              </p:grpSp>
-                            </p:grpSp>
+                              </mc:Fallback>
+                            </mc:AlternateContent>
                           </p:grpSp>
-                          <mc:AlternateContent xmlns:mc="http://schemas.openxmlformats.org/markup-compatibility/2006" xmlns:a14="http://schemas.microsoft.com/office/drawing/2010/main">
-                            <mc:Choice Requires="a14">
-                              <p:sp>
-                                <p:nvSpPr>
-                                  <p:cNvPr id="80" name="ZoneTexte 79"/>
-                                  <p:cNvSpPr txBox="1"/>
-                                  <p:nvPr/>
-                                </p:nvSpPr>
-                                <p:spPr>
-                                  <a:xfrm>
-                                    <a:off x="4015999" y="3695470"/>
-                                    <a:ext cx="544444" cy="394660"/>
-                                  </a:xfrm>
-                                  <a:prstGeom prst="rect">
-                                    <a:avLst/>
-                                  </a:prstGeom>
-                                  <a:noFill/>
-                                </p:spPr>
-                                <p:txBody>
-                                  <a:bodyPr wrap="none" rtlCol="0">
-                                    <a:spAutoFit/>
-                                  </a:bodyPr>
-                                  <a:lstStyle/>
-                                  <a:p>
-                                    <a:pPr/>
-                                    <a14:m>
-                                      <m:oMathPara xmlns:m="http://schemas.openxmlformats.org/officeDocument/2006/math">
-                                        <m:oMathParaPr>
-                                          <m:jc m:val="centerGroup"/>
-                                        </m:oMathParaPr>
-                                        <m:oMath xmlns:m="http://schemas.openxmlformats.org/officeDocument/2006/math">
-                                          <m:sSub>
-                                            <m:sSubPr>
-                                              <m:ctrlPr>
-                                                <a:rPr lang="fr-FR" b="0" i="1" smtClean="0">
-                                                  <a:latin typeface="Cambria Math" panose="02040503050406030204" pitchFamily="18" charset="0"/>
-                                                </a:rPr>
-                                              </m:ctrlPr>
-                                            </m:sSubPr>
-                                            <m:e>
-                                              <m:r>
-                                                <a:rPr lang="fr-FR" b="0" i="1" smtClean="0">
-                                                  <a:latin typeface="Cambria Math" panose="02040503050406030204" pitchFamily="18" charset="0"/>
-                                                </a:rPr>
-                                                <m:t>𝑂</m:t>
-                                              </m:r>
-                                            </m:e>
-                                            <m:sub>
-                                              <m:sSub>
-                                                <m:sSubPr>
-                                                  <m:ctrlPr>
-                                                    <a:rPr lang="fr-FR" b="0" i="1" smtClean="0">
-                                                      <a:latin typeface="Cambria Math" panose="02040503050406030204" pitchFamily="18" charset="0"/>
-                                                    </a:rPr>
-                                                  </m:ctrlPr>
-                                                </m:sSubPr>
-                                                <m:e>
-                                                  <m:r>
-                                                    <a:rPr lang="fr-FR" b="0" i="1" smtClean="0">
-                                                      <a:latin typeface="Cambria Math" panose="02040503050406030204" pitchFamily="18" charset="0"/>
-                                                    </a:rPr>
-                                                    <m:t>𝑟</m:t>
-                                                  </m:r>
-                                                </m:e>
-                                                <m:sub>
-                                                  <m:r>
-                                                    <a:rPr lang="fr-FR" b="0" i="1" smtClean="0">
-                                                      <a:latin typeface="Cambria Math" panose="02040503050406030204" pitchFamily="18" charset="0"/>
-                                                    </a:rPr>
-                                                    <m:t>0</m:t>
-                                                  </m:r>
-                                                </m:sub>
-                                              </m:sSub>
-                                            </m:sub>
-                                          </m:sSub>
-                                        </m:oMath>
-                                      </m:oMathPara>
-                                    </a14:m>
-                                    <a:endParaRPr lang="fr-FR" dirty="0"/>
-                                  </a:p>
-                                </p:txBody>
-                              </p:sp>
-                            </mc:Choice>
-                            <mc:Fallback xmlns="">
-                              <p:sp>
-                                <p:nvSpPr>
-                                  <p:cNvPr id="80" name="ZoneTexte 79"/>
-                                  <p:cNvSpPr txBox="1">
-                                    <a:spLocks noRot="1" noChangeAspect="1" noMove="1" noResize="1" noEditPoints="1" noAdjustHandles="1" noChangeArrowheads="1" noChangeShapeType="1" noTextEdit="1"/>
-                                  </p:cNvSpPr>
-                                  <p:nvPr/>
-                                </p:nvSpPr>
-                                <p:spPr>
-                                  <a:xfrm>
-                                    <a:off x="4015999" y="3695470"/>
-                                    <a:ext cx="544444" cy="394660"/>
-                                  </a:xfrm>
-                                  <a:prstGeom prst="rect">
-                                    <a:avLst/>
-                                  </a:prstGeom>
-                                  <a:blipFill rotWithShape="0">
-                                    <a:blip r:embed="rId15"/>
-                                    <a:stretch>
-                                      <a:fillRect/>
-                                    </a:stretch>
-                                  </a:blipFill>
-                                </p:spPr>
-                                <p:txBody>
-                                  <a:bodyPr/>
-                                  <a:lstStyle/>
-                                  <a:p>
-                                    <a:r>
-                                      <a:rPr lang="fr-FR">
-                                        <a:noFill/>
-                                      </a:rPr>
-                                      <a:t> </a:t>
-                                    </a:r>
-                                  </a:p>
-                                </p:txBody>
-                              </p:sp>
-                            </mc:Fallback>
-                          </mc:AlternateContent>
+                          <p:cxnSp>
+                            <p:nvCxnSpPr>
+                              <p:cNvPr id="190" name="Connecteur droit 189"/>
+                              <p:cNvCxnSpPr>
+                                <a:endCxn id="73" idx="0"/>
+                              </p:cNvCxnSpPr>
+                              <p:nvPr/>
+                            </p:nvCxnSpPr>
+                            <p:spPr>
+                              <a:xfrm flipV="1">
+                                <a:off x="1766000" y="3561253"/>
+                                <a:ext cx="2389055" cy="1365670"/>
+                              </a:xfrm>
+                              <a:prstGeom prst="line">
+                                <a:avLst/>
+                              </a:prstGeom>
+                              <a:ln w="38100">
+                                <a:solidFill>
+                                  <a:schemeClr val="accent1"/>
+                                </a:solidFill>
+                                <a:prstDash val="sysDot"/>
+                              </a:ln>
+                            </p:spPr>
+                            <p:style>
+                              <a:lnRef idx="1">
+                                <a:schemeClr val="accent1"/>
+                              </a:lnRef>
+                              <a:fillRef idx="0">
+                                <a:schemeClr val="accent1"/>
+                              </a:fillRef>
+                              <a:effectRef idx="0">
+                                <a:schemeClr val="accent1"/>
+                              </a:effectRef>
+                              <a:fontRef idx="minor">
+                                <a:schemeClr val="tx1"/>
+                              </a:fontRef>
+                            </p:style>
+                          </p:cxnSp>
                         </p:grpSp>
                         <p:cxnSp>
                           <p:nvCxnSpPr>
-                            <p:cNvPr id="190" name="Connecteur droit 189"/>
+                            <p:cNvPr id="187" name="Connecteur droit 186"/>
+                            <p:cNvCxnSpPr/>
+                            <p:nvPr/>
+                          </p:nvCxnSpPr>
+                          <p:spPr>
+                            <a:xfrm flipH="1" flipV="1">
+                              <a:off x="3701137" y="1102115"/>
+                              <a:ext cx="2241816" cy="4195474"/>
+                            </a:xfrm>
+                            <a:prstGeom prst="line">
+                              <a:avLst/>
+                            </a:prstGeom>
+                            <a:ln w="15875">
+                              <a:solidFill>
+                                <a:srgbClr val="FF0000"/>
+                              </a:solidFill>
+                              <a:prstDash val="sysDash"/>
+                            </a:ln>
+                          </p:spPr>
+                          <p:style>
+                            <a:lnRef idx="1">
+                              <a:schemeClr val="accent1"/>
+                            </a:lnRef>
+                            <a:fillRef idx="0">
+                              <a:schemeClr val="accent1"/>
+                            </a:fillRef>
+                            <a:effectRef idx="0">
+                              <a:schemeClr val="accent1"/>
+                            </a:effectRef>
+                            <a:fontRef idx="minor">
+                              <a:schemeClr val="tx1"/>
+                            </a:fontRef>
+                          </p:style>
+                        </p:cxnSp>
+                        <p:cxnSp>
+                          <p:nvCxnSpPr>
+                            <p:cNvPr id="191" name="Connecteur droit 190"/>
                             <p:cNvCxnSpPr>
-                              <a:endCxn id="73" idx="0"/>
+                              <a:endCxn id="73" idx="2"/>
                             </p:cNvCxnSpPr>
                             <p:nvPr/>
                           </p:nvCxnSpPr>
                           <p:spPr>
-                            <a:xfrm flipV="1">
-                              <a:off x="1766000" y="3561253"/>
-                              <a:ext cx="2389055" cy="1365670"/>
+                            <a:xfrm flipH="1" flipV="1">
+                              <a:off x="4248256" y="3440070"/>
+                              <a:ext cx="2131621" cy="1736127"/>
                             </a:xfrm>
                             <a:prstGeom prst="line">
                               <a:avLst/>
@@ -9938,25 +10054,413 @@
                           </p:style>
                         </p:cxnSp>
                       </p:grpSp>
+                      <p:grpSp>
+                        <p:nvGrpSpPr>
+                          <p:cNvPr id="198" name="Groupe 197"/>
+                          <p:cNvGrpSpPr/>
+                          <p:nvPr/>
+                        </p:nvGrpSpPr>
+                        <p:grpSpPr>
+                          <a:xfrm>
+                            <a:off x="1960631" y="3830032"/>
+                            <a:ext cx="1045662" cy="1467557"/>
+                            <a:chOff x="1960631" y="3830032"/>
+                            <a:chExt cx="1045662" cy="1467557"/>
+                          </a:xfrm>
+                        </p:grpSpPr>
+                        <p:sp>
+                          <p:nvSpPr>
+                            <p:cNvPr id="195" name="Arc 194"/>
+                            <p:cNvSpPr/>
+                            <p:nvPr/>
+                          </p:nvSpPr>
+                          <p:spPr>
+                            <a:xfrm>
+                              <a:off x="1960631" y="3830032"/>
+                              <a:ext cx="1045662" cy="1150085"/>
+                            </a:xfrm>
+                            <a:prstGeom prst="arc">
+                              <a:avLst>
+                                <a:gd name="adj1" fmla="val 4662280"/>
+                                <a:gd name="adj2" fmla="val 8835146"/>
+                              </a:avLst>
+                            </a:prstGeom>
+                            <a:ln w="19050">
+                              <a:headEnd type="none"/>
+                              <a:tailEnd type="triangle"/>
+                            </a:ln>
+                          </p:spPr>
+                          <p:style>
+                            <a:lnRef idx="1">
+                              <a:schemeClr val="accent1"/>
+                            </a:lnRef>
+                            <a:fillRef idx="0">
+                              <a:schemeClr val="accent1"/>
+                            </a:fillRef>
+                            <a:effectRef idx="0">
+                              <a:schemeClr val="accent1"/>
+                            </a:effectRef>
+                            <a:fontRef idx="minor">
+                              <a:schemeClr val="tx1"/>
+                            </a:fontRef>
+                          </p:style>
+                          <p:txBody>
+                            <a:bodyPr rtlCol="0" anchor="ctr"/>
+                            <a:lstStyle/>
+                            <a:p>
+                              <a:pPr algn="ctr"/>
+                              <a:endParaRPr lang="fr-FR"/>
+                            </a:p>
+                          </p:txBody>
+                        </p:sp>
+                        <mc:AlternateContent xmlns:mc="http://schemas.openxmlformats.org/markup-compatibility/2006" xmlns:a14="http://schemas.microsoft.com/office/drawing/2010/main">
+                          <mc:Choice Requires="a14">
+                            <p:sp>
+                              <p:nvSpPr>
+                                <p:cNvPr id="197" name="ZoneTexte 196"/>
+                                <p:cNvSpPr txBox="1"/>
+                                <p:nvPr/>
+                              </p:nvSpPr>
+                              <p:spPr>
+                                <a:xfrm>
+                                  <a:off x="2009369" y="4928257"/>
+                                  <a:ext cx="466602" cy="369332"/>
+                                </a:xfrm>
+                                <a:prstGeom prst="rect">
+                                  <a:avLst/>
+                                </a:prstGeom>
+                                <a:noFill/>
+                              </p:spPr>
+                              <p:txBody>
+                                <a:bodyPr wrap="none" rtlCol="0">
+                                  <a:spAutoFit/>
+                                </a:bodyPr>
+                                <a:lstStyle/>
+                                <a:p>
+                                  <a:pPr/>
+                                  <a14:m>
+                                    <m:oMathPara xmlns:m="http://schemas.openxmlformats.org/officeDocument/2006/math">
+                                      <m:oMathParaPr>
+                                        <m:jc m:val="centerGroup"/>
+                                      </m:oMathParaPr>
+                                      <m:oMath xmlns:m="http://schemas.openxmlformats.org/officeDocument/2006/math">
+                                        <m:sSub>
+                                          <m:sSubPr>
+                                            <m:ctrlPr>
+                                              <a:rPr lang="fr-FR" b="0" i="1" smtClean="0">
+                                                <a:solidFill>
+                                                  <a:srgbClr val="0070C0"/>
+                                                </a:solidFill>
+                                                <a:latin typeface="Cambria Math" panose="02040503050406030204" pitchFamily="18" charset="0"/>
+                                              </a:rPr>
+                                            </m:ctrlPr>
+                                          </m:sSubPr>
+                                          <m:e>
+                                            <m:r>
+                                              <a:rPr lang="fr-FR" b="0" i="1" smtClean="0">
+                                                <a:solidFill>
+                                                  <a:srgbClr val="0070C0"/>
+                                                </a:solidFill>
+                                                <a:latin typeface="Cambria Math" panose="02040503050406030204" pitchFamily="18" charset="0"/>
+                                              </a:rPr>
+                                              <m:t>𝜃</m:t>
+                                            </m:r>
+                                          </m:e>
+                                          <m:sub>
+                                            <m:r>
+                                              <a:rPr lang="fr-FR" b="0" i="1" smtClean="0">
+                                                <a:solidFill>
+                                                  <a:srgbClr val="0070C0"/>
+                                                </a:solidFill>
+                                                <a:latin typeface="Cambria Math" panose="02040503050406030204" pitchFamily="18" charset="0"/>
+                                              </a:rPr>
+                                              <m:t>0</m:t>
+                                            </m:r>
+                                          </m:sub>
+                                        </m:sSub>
+                                      </m:oMath>
+                                    </m:oMathPara>
+                                  </a14:m>
+                                  <a:endParaRPr lang="fr-FR" dirty="0"/>
+                                </a:p>
+                              </p:txBody>
+                            </p:sp>
+                          </mc:Choice>
+                          <mc:Fallback xmlns="">
+                            <p:sp>
+                              <p:nvSpPr>
+                                <p:cNvPr id="197" name="ZoneTexte 196"/>
+                                <p:cNvSpPr txBox="1">
+                                  <a:spLocks noRot="1" noChangeAspect="1" noMove="1" noResize="1" noEditPoints="1" noAdjustHandles="1" noChangeArrowheads="1" noChangeShapeType="1" noTextEdit="1"/>
+                                </p:cNvSpPr>
+                                <p:nvPr/>
+                              </p:nvSpPr>
+                              <p:spPr>
+                                <a:xfrm>
+                                  <a:off x="2009369" y="4928257"/>
+                                  <a:ext cx="466602" cy="369332"/>
+                                </a:xfrm>
+                                <a:prstGeom prst="rect">
+                                  <a:avLst/>
+                                </a:prstGeom>
+                                <a:blipFill rotWithShape="0">
+                                  <a:blip r:embed="rId16"/>
+                                  <a:stretch>
+                                    <a:fillRect/>
+                                  </a:stretch>
+                                </a:blipFill>
+                              </p:spPr>
+                              <p:txBody>
+                                <a:bodyPr/>
+                                <a:lstStyle/>
+                                <a:p>
+                                  <a:r>
+                                    <a:rPr lang="fr-FR">
+                                      <a:noFill/>
+                                    </a:rPr>
+                                    <a:t> </a:t>
+                                  </a:r>
+                                </a:p>
+                              </p:txBody>
+                            </p:sp>
+                          </mc:Fallback>
+                        </mc:AlternateContent>
+                      </p:grpSp>
+                      <p:grpSp>
+                        <p:nvGrpSpPr>
+                          <p:cNvPr id="218" name="Groupe 217"/>
+                          <p:cNvGrpSpPr/>
+                          <p:nvPr/>
+                        </p:nvGrpSpPr>
+                        <p:grpSpPr>
+                          <a:xfrm>
+                            <a:off x="3213070" y="1285678"/>
+                            <a:ext cx="1238522" cy="1138550"/>
+                            <a:chOff x="2033863" y="2989005"/>
+                            <a:chExt cx="1168418" cy="1528816"/>
+                          </a:xfrm>
+                        </p:grpSpPr>
+                        <p:sp>
+                          <p:nvSpPr>
+                            <p:cNvPr id="219" name="Arc 218"/>
+                            <p:cNvSpPr/>
+                            <p:nvPr/>
+                          </p:nvSpPr>
+                          <p:spPr>
+                            <a:xfrm>
+                              <a:off x="2033863" y="2989005"/>
+                              <a:ext cx="969557" cy="997421"/>
+                            </a:xfrm>
+                            <a:prstGeom prst="arc">
+                              <a:avLst>
+                                <a:gd name="adj1" fmla="val 1845835"/>
+                                <a:gd name="adj2" fmla="val 5619120"/>
+                              </a:avLst>
+                            </a:prstGeom>
+                            <a:ln w="19050">
+                              <a:solidFill>
+                                <a:srgbClr val="00B050"/>
+                              </a:solidFill>
+                              <a:headEnd type="triangle"/>
+                              <a:tailEnd type="none"/>
+                            </a:ln>
+                          </p:spPr>
+                          <p:style>
+                            <a:lnRef idx="1">
+                              <a:schemeClr val="accent1"/>
+                            </a:lnRef>
+                            <a:fillRef idx="0">
+                              <a:schemeClr val="accent1"/>
+                            </a:fillRef>
+                            <a:effectRef idx="0">
+                              <a:schemeClr val="accent1"/>
+                            </a:effectRef>
+                            <a:fontRef idx="minor">
+                              <a:schemeClr val="tx1"/>
+                            </a:fontRef>
+                          </p:style>
+                          <p:txBody>
+                            <a:bodyPr rtlCol="0" anchor="ctr"/>
+                            <a:lstStyle/>
+                            <a:p>
+                              <a:pPr algn="ctr"/>
+                              <a:endParaRPr lang="fr-FR"/>
+                            </a:p>
+                          </p:txBody>
+                        </p:sp>
+                        <mc:AlternateContent xmlns:mc="http://schemas.openxmlformats.org/markup-compatibility/2006" xmlns:a14="http://schemas.microsoft.com/office/drawing/2010/main">
+                          <mc:Choice Requires="a14">
+                            <p:sp>
+                              <p:nvSpPr>
+                                <p:cNvPr id="220" name="ZoneTexte 219"/>
+                                <p:cNvSpPr txBox="1"/>
+                                <p:nvPr/>
+                              </p:nvSpPr>
+                              <p:spPr>
+                                <a:xfrm>
+                                  <a:off x="2477239" y="3985385"/>
+                                  <a:ext cx="725042" cy="532436"/>
+                                </a:xfrm>
+                                <a:prstGeom prst="rect">
+                                  <a:avLst/>
+                                </a:prstGeom>
+                                <a:noFill/>
+                              </p:spPr>
+                              <p:txBody>
+                                <a:bodyPr wrap="none" rtlCol="0">
+                                  <a:spAutoFit/>
+                                </a:bodyPr>
+                                <a:lstStyle/>
+                                <a:p>
+                                  <a:pPr/>
+                                  <a14:m>
+                                    <m:oMathPara xmlns:m="http://schemas.openxmlformats.org/officeDocument/2006/math">
+                                      <m:oMathParaPr>
+                                        <m:jc m:val="centerGroup"/>
+                                      </m:oMathParaPr>
+                                      <m:oMath xmlns:m="http://schemas.openxmlformats.org/officeDocument/2006/math">
+                                        <m:sSub>
+                                          <m:sSubPr>
+                                            <m:ctrlPr>
+                                              <a:rPr lang="fr-FR" b="0" i="1" smtClean="0">
+                                                <a:solidFill>
+                                                  <a:srgbClr val="00B050"/>
+                                                </a:solidFill>
+                                                <a:latin typeface="Cambria Math" panose="02040503050406030204" pitchFamily="18" charset="0"/>
+                                              </a:rPr>
+                                            </m:ctrlPr>
+                                          </m:sSubPr>
+                                          <m:e>
+                                            <m:r>
+                                              <a:rPr lang="fr-FR" b="0" i="1" smtClean="0">
+                                                <a:solidFill>
+                                                  <a:srgbClr val="00B050"/>
+                                                </a:solidFill>
+                                                <a:latin typeface="Cambria Math" panose="02040503050406030204" pitchFamily="18" charset="0"/>
+                                              </a:rPr>
+                                              <m:t>𝜃</m:t>
+                                            </m:r>
+                                          </m:e>
+                                          <m:sub>
+                                            <m:sSub>
+                                              <m:sSubPr>
+                                                <m:ctrlPr>
+                                                  <a:rPr lang="fr-FR" b="0" i="1" smtClean="0">
+                                                    <a:solidFill>
+                                                      <a:srgbClr val="00B050"/>
+                                                    </a:solidFill>
+                                                    <a:latin typeface="Cambria Math" panose="02040503050406030204" pitchFamily="18" charset="0"/>
+                                                  </a:rPr>
+                                                </m:ctrlPr>
+                                              </m:sSubPr>
+                                              <m:e>
+                                                <m:r>
+                                                  <a:rPr lang="fr-FR" b="0" i="1" smtClean="0">
+                                                    <a:solidFill>
+                                                      <a:srgbClr val="00B050"/>
+                                                    </a:solidFill>
+                                                    <a:latin typeface="Cambria Math" panose="02040503050406030204" pitchFamily="18" charset="0"/>
+                                                  </a:rPr>
+                                                  <m:t>h</m:t>
+                                                </m:r>
+                                              </m:e>
+                                              <m:sub>
+                                                <m:r>
+                                                  <a:rPr lang="fr-FR" b="0" i="1" smtClean="0">
+                                                    <a:solidFill>
+                                                      <a:srgbClr val="00B050"/>
+                                                    </a:solidFill>
+                                                    <a:latin typeface="Cambria Math" panose="02040503050406030204" pitchFamily="18" charset="0"/>
+                                                  </a:rPr>
+                                                  <m:t>𝑚𝑖𝑛</m:t>
+                                                </m:r>
+                                              </m:sub>
+                                            </m:sSub>
+                                          </m:sub>
+                                        </m:sSub>
+                                      </m:oMath>
+                                    </m:oMathPara>
+                                  </a14:m>
+                                  <a:endParaRPr lang="fr-FR" dirty="0"/>
+                                </a:p>
+                              </p:txBody>
+                            </p:sp>
+                          </mc:Choice>
+                          <mc:Fallback xmlns="">
+                            <p:sp>
+                              <p:nvSpPr>
+                                <p:cNvPr id="220" name="ZoneTexte 219"/>
+                                <p:cNvSpPr txBox="1">
+                                  <a:spLocks noRot="1" noChangeAspect="1" noMove="1" noResize="1" noEditPoints="1" noAdjustHandles="1" noChangeArrowheads="1" noChangeShapeType="1" noTextEdit="1"/>
+                                </p:cNvSpPr>
+                                <p:nvPr/>
+                              </p:nvSpPr>
+                              <p:spPr>
+                                <a:xfrm>
+                                  <a:off x="2477239" y="3985385"/>
+                                  <a:ext cx="725042" cy="532436"/>
+                                </a:xfrm>
+                                <a:prstGeom prst="rect">
+                                  <a:avLst/>
+                                </a:prstGeom>
+                                <a:blipFill rotWithShape="0">
+                                  <a:blip r:embed="rId17"/>
+                                  <a:stretch>
+                                    <a:fillRect b="-1538"/>
+                                  </a:stretch>
+                                </a:blipFill>
+                              </p:spPr>
+                              <p:txBody>
+                                <a:bodyPr/>
+                                <a:lstStyle/>
+                                <a:p>
+                                  <a:r>
+                                    <a:rPr lang="fr-FR">
+                                      <a:noFill/>
+                                    </a:rPr>
+                                    <a:t> </a:t>
+                                  </a:r>
+                                </a:p>
+                              </p:txBody>
+                            </p:sp>
+                          </mc:Fallback>
+                        </mc:AlternateContent>
+                      </p:grpSp>
+                    </p:grpSp>
+                    <p:grpSp>
+                      <p:nvGrpSpPr>
+                        <p:cNvPr id="221" name="Groupe 220"/>
+                        <p:cNvGrpSpPr/>
+                        <p:nvPr/>
+                      </p:nvGrpSpPr>
+                      <p:grpSpPr>
+                        <a:xfrm>
+                          <a:off x="3805878" y="3417220"/>
+                          <a:ext cx="402866" cy="1421733"/>
+                          <a:chOff x="7576593" y="3178932"/>
+                          <a:chExt cx="402866" cy="1421733"/>
+                        </a:xfrm>
+                      </p:grpSpPr>
                       <p:cxnSp>
                         <p:nvCxnSpPr>
-                          <p:cNvPr id="187" name="Connecteur droit 186"/>
+                          <p:cNvPr id="222" name="Connecteur droit avec flèche 221"/>
                           <p:cNvCxnSpPr/>
                           <p:nvPr/>
                         </p:nvCxnSpPr>
                         <p:spPr>
-                          <a:xfrm flipH="1" flipV="1">
-                            <a:off x="3701137" y="1102115"/>
-                            <a:ext cx="2241816" cy="4195474"/>
+                          <a:xfrm>
+                            <a:off x="7979459" y="3178932"/>
+                            <a:ext cx="0" cy="1411759"/>
                           </a:xfrm>
-                          <a:prstGeom prst="line">
+                          <a:prstGeom prst="straightConnector1">
                             <a:avLst/>
                           </a:prstGeom>
-                          <a:ln w="15875">
+                          <a:ln w="28575">
                             <a:solidFill>
-                              <a:srgbClr val="FF0000"/>
+                              <a:schemeClr val="tx1"/>
                             </a:solidFill>
-                            <a:prstDash val="sysDash"/>
+                            <a:prstDash val="solid"/>
+                            <a:tailEnd type="triangle"/>
                           </a:ln>
                         </p:spPr>
                         <p:style>
@@ -9974,173 +10478,103 @@
                           </a:fontRef>
                         </p:style>
                       </p:cxnSp>
-                      <p:cxnSp>
-                        <p:nvCxnSpPr>
-                          <p:cNvPr id="191" name="Connecteur droit 190"/>
-                          <p:cNvCxnSpPr>
-                            <a:endCxn id="73" idx="2"/>
-                          </p:cNvCxnSpPr>
-                          <p:nvPr/>
-                        </p:nvCxnSpPr>
-                        <p:spPr>
-                          <a:xfrm flipH="1" flipV="1">
-                            <a:off x="4248256" y="3440070"/>
-                            <a:ext cx="2131621" cy="1736127"/>
-                          </a:xfrm>
-                          <a:prstGeom prst="line">
-                            <a:avLst/>
-                          </a:prstGeom>
-                          <a:ln w="38100">
-                            <a:solidFill>
-                              <a:schemeClr val="accent1"/>
-                            </a:solidFill>
-                            <a:prstDash val="sysDot"/>
-                          </a:ln>
-                        </p:spPr>
-                        <p:style>
-                          <a:lnRef idx="1">
-                            <a:schemeClr val="accent1"/>
-                          </a:lnRef>
-                          <a:fillRef idx="0">
-                            <a:schemeClr val="accent1"/>
-                          </a:fillRef>
-                          <a:effectRef idx="0">
-                            <a:schemeClr val="accent1"/>
-                          </a:effectRef>
-                          <a:fontRef idx="minor">
-                            <a:schemeClr val="tx1"/>
-                          </a:fontRef>
-                        </p:style>
-                      </p:cxnSp>
-                    </p:grpSp>
-                    <p:grpSp>
-                      <p:nvGrpSpPr>
-                        <p:cNvPr id="198" name="Groupe 197"/>
-                        <p:cNvGrpSpPr/>
-                        <p:nvPr/>
-                      </p:nvGrpSpPr>
-                      <p:grpSpPr>
-                        <a:xfrm>
-                          <a:off x="1960631" y="3830032"/>
-                          <a:ext cx="1045662" cy="1467557"/>
-                          <a:chOff x="1960631" y="3830032"/>
-                          <a:chExt cx="1045662" cy="1467557"/>
-                        </a:xfrm>
-                      </p:grpSpPr>
-                      <p:sp>
-                        <p:nvSpPr>
-                          <p:cNvPr id="195" name="Arc 194"/>
-                          <p:cNvSpPr/>
-                          <p:nvPr/>
-                        </p:nvSpPr>
-                        <p:spPr>
-                          <a:xfrm>
-                            <a:off x="1960631" y="3830032"/>
-                            <a:ext cx="1045662" cy="1150085"/>
-                          </a:xfrm>
-                          <a:prstGeom prst="arc">
-                            <a:avLst>
-                              <a:gd name="adj1" fmla="val 4662280"/>
-                              <a:gd name="adj2" fmla="val 8835146"/>
-                            </a:avLst>
-                          </a:prstGeom>
-                          <a:ln w="19050">
-                            <a:headEnd type="none"/>
-                            <a:tailEnd type="triangle"/>
-                          </a:ln>
-                        </p:spPr>
-                        <p:style>
-                          <a:lnRef idx="1">
-                            <a:schemeClr val="accent1"/>
-                          </a:lnRef>
-                          <a:fillRef idx="0">
-                            <a:schemeClr val="accent1"/>
-                          </a:fillRef>
-                          <a:effectRef idx="0">
-                            <a:schemeClr val="accent1"/>
-                          </a:effectRef>
-                          <a:fontRef idx="minor">
-                            <a:schemeClr val="tx1"/>
-                          </a:fontRef>
-                        </p:style>
-                        <p:txBody>
-                          <a:bodyPr rtlCol="0" anchor="ctr"/>
-                          <a:lstStyle/>
-                          <a:p>
-                            <a:pPr algn="ctr"/>
-                            <a:endParaRPr lang="fr-FR"/>
-                          </a:p>
-                        </p:txBody>
-                      </p:sp>
                       <mc:AlternateContent xmlns:mc="http://schemas.openxmlformats.org/markup-compatibility/2006" xmlns:a14="http://schemas.microsoft.com/office/drawing/2010/main">
                         <mc:Choice Requires="a14">
                           <p:sp>
                             <p:nvSpPr>
-                              <p:cNvPr id="197" name="ZoneTexte 196"/>
+                              <p:cNvPr id="223" name="Zone de texte 153"/>
                               <p:cNvSpPr txBox="1"/>
                               <p:nvPr/>
                             </p:nvSpPr>
                             <p:spPr>
                               <a:xfrm>
-                                <a:off x="2009369" y="4928257"/>
-                                <a:ext cx="466602" cy="369332"/>
+                                <a:off x="7576593" y="4326015"/>
+                                <a:ext cx="301748" cy="274650"/>
                               </a:xfrm>
                               <a:prstGeom prst="rect">
                                 <a:avLst/>
                               </a:prstGeom>
                               <a:noFill/>
+                              <a:ln w="6350">
+                                <a:noFill/>
+                                <a:prstDash val="sysDash"/>
+                              </a:ln>
+                              <a:effectLst/>
                             </p:spPr>
+                            <p:style>
+                              <a:lnRef idx="0">
+                                <a:schemeClr val="accent1"/>
+                              </a:lnRef>
+                              <a:fillRef idx="0">
+                                <a:schemeClr val="accent1"/>
+                              </a:fillRef>
+                              <a:effectRef idx="0">
+                                <a:schemeClr val="accent1"/>
+                              </a:effectRef>
+                              <a:fontRef idx="minor">
+                                <a:schemeClr val="dk1"/>
+                              </a:fontRef>
+                            </p:style>
                             <p:txBody>
-                              <a:bodyPr wrap="none" rtlCol="0">
-                                <a:spAutoFit/>
+                              <a:bodyPr rot="0" spcFirstLastPara="0" vert="horz" wrap="square" lIns="91440" tIns="45720" rIns="91440" bIns="45720" numCol="1" spcCol="0" rtlCol="0" fromWordArt="0" anchor="t" anchorCtr="0" forceAA="0" compatLnSpc="1">
+                                <a:prstTxWarp prst="textNoShape">
+                                  <a:avLst/>
+                                </a:prstTxWarp>
+                                <a:noAutofit/>
                               </a:bodyPr>
                               <a:lstStyle/>
                               <a:p>
-                                <a:pPr/>
+                                <a:pPr>
+                                  <a:lnSpc>
+                                    <a:spcPct val="107000"/>
+                                  </a:lnSpc>
+                                  <a:spcAft>
+                                    <a:spcPts val="800"/>
+                                  </a:spcAft>
+                                </a:pPr>
                                 <a14:m>
-                                  <m:oMathPara xmlns:m="http://schemas.openxmlformats.org/officeDocument/2006/math">
-                                    <m:oMathParaPr>
-                                      <m:jc m:val="centerGroup"/>
-                                    </m:oMathParaPr>
-                                    <m:oMath xmlns:m="http://schemas.openxmlformats.org/officeDocument/2006/math">
-                                      <m:sSub>
-                                        <m:sSubPr>
-                                          <m:ctrlPr>
-                                            <a:rPr lang="fr-FR" b="0" i="1" smtClean="0">
-                                              <a:solidFill>
-                                                <a:srgbClr val="0070C0"/>
-                                              </a:solidFill>
-                                              <a:latin typeface="Cambria Math" panose="02040503050406030204" pitchFamily="18" charset="0"/>
-                                            </a:rPr>
-                                          </m:ctrlPr>
-                                        </m:sSubPr>
-                                        <m:e>
-                                          <m:r>
-                                            <a:rPr lang="fr-FR" b="0" i="1" smtClean="0">
-                                              <a:solidFill>
-                                                <a:srgbClr val="0070C0"/>
-                                              </a:solidFill>
-                                              <a:latin typeface="Cambria Math" panose="02040503050406030204" pitchFamily="18" charset="0"/>
-                                            </a:rPr>
-                                            <m:t>𝜃</m:t>
-                                          </m:r>
-                                        </m:e>
-                                        <m:sub>
-                                          <m:r>
-                                            <a:rPr lang="fr-FR" b="0" i="1" smtClean="0">
-                                              <a:solidFill>
-                                                <a:srgbClr val="0070C0"/>
-                                              </a:solidFill>
-                                              <a:latin typeface="Cambria Math" panose="02040503050406030204" pitchFamily="18" charset="0"/>
-                                            </a:rPr>
-                                            <m:t>0</m:t>
-                                          </m:r>
-                                        </m:sub>
-                                      </m:sSub>
-                                    </m:oMath>
-                                  </m:oMathPara>
+                                  <m:oMath xmlns:m="http://schemas.openxmlformats.org/officeDocument/2006/math">
+                                    <m:sSub>
+                                      <m:sSubPr>
+                                        <m:ctrlPr>
+                                          <a:rPr lang="fr-FR" sz="2400" b="1" i="1" smtClean="0">
+                                            <a:latin typeface="Cambria Math" panose="02040503050406030204" pitchFamily="18" charset="0"/>
+                                            <a:ea typeface="SimSun" panose="02010600030101010101" pitchFamily="2" charset="-122"/>
+                                            <a:cs typeface="Times New Roman" panose="02020603050405020304" pitchFamily="18" charset="0"/>
+                                          </a:rPr>
+                                        </m:ctrlPr>
+                                      </m:sSubPr>
+                                      <m:e>
+                                        <m:r>
+                                          <a:rPr lang="fr-FR" sz="2400" b="1" i="1" smtClean="0">
+                                            <a:latin typeface="Cambria Math" panose="02040503050406030204" pitchFamily="18" charset="0"/>
+                                            <a:ea typeface="SimSun" panose="02010600030101010101" pitchFamily="2" charset="-122"/>
+                                            <a:cs typeface="Times New Roman" panose="02020603050405020304" pitchFamily="18" charset="0"/>
+                                          </a:rPr>
+                                          <m:t>𝑿</m:t>
+                                        </m:r>
+                                      </m:e>
+                                      <m:sub>
+                                        <m:r>
+                                          <a:rPr lang="fr-FR" sz="2400" b="1" i="1" smtClean="0">
+                                            <a:latin typeface="Cambria Math" panose="02040503050406030204" pitchFamily="18" charset="0"/>
+                                            <a:ea typeface="SimSun" panose="02010600030101010101" pitchFamily="2" charset="-122"/>
+                                            <a:cs typeface="Times New Roman" panose="02020603050405020304" pitchFamily="18" charset="0"/>
+                                          </a:rPr>
+                                          <m:t>𝒐</m:t>
+                                        </m:r>
+                                      </m:sub>
+                                    </m:sSub>
+                                  </m:oMath>
                                 </a14:m>
-                                <a:endParaRPr lang="fr-FR" dirty="0"/>
+                                <a:r>
+                                  <a:rPr lang="fr-FR" sz="2400" dirty="0">
+                                    <a:effectLst/>
+                                    <a:ea typeface="Calibri" panose="020F0502020204030204" pitchFamily="34" charset="0"/>
+                                    <a:cs typeface="Times New Roman" panose="02020603050405020304" pitchFamily="18" charset="0"/>
+                                  </a:rPr>
+                                  <a:t> </a:t>
+                                </a:r>
                               </a:p>
                             </p:txBody>
                           </p:sp>
@@ -10148,7 +10582,7 @@
                         <mc:Fallback xmlns="">
                           <p:sp>
                             <p:nvSpPr>
-                              <p:cNvPr id="197" name="ZoneTexte 196"/>
+                              <p:cNvPr id="223" name="Zone de texte 153"/>
                               <p:cNvSpPr txBox="1">
                                 <a:spLocks noRot="1" noChangeAspect="1" noMove="1" noResize="1" noEditPoints="1" noAdjustHandles="1" noChangeArrowheads="1" noChangeShapeType="1" noTextEdit="1"/>
                               </p:cNvSpPr>
@@ -10156,18 +10590,23 @@
                             </p:nvSpPr>
                             <p:spPr>
                               <a:xfrm>
-                                <a:off x="2009369" y="4928257"/>
-                                <a:ext cx="466602" cy="369332"/>
+                                <a:off x="7576593" y="4326015"/>
+                                <a:ext cx="301748" cy="274650"/>
                               </a:xfrm>
                               <a:prstGeom prst="rect">
                                 <a:avLst/>
                               </a:prstGeom>
                               <a:blipFill rotWithShape="0">
-                                <a:blip r:embed="rId16"/>
+                                <a:blip r:embed="rId18"/>
                                 <a:stretch>
-                                  <a:fillRect/>
+                                  <a:fillRect l="-6122" r="-63265" b="-64444"/>
                                 </a:stretch>
                               </a:blipFill>
+                              <a:ln w="6350">
+                                <a:noFill/>
+                                <a:prstDash val="sysDash"/>
+                              </a:ln>
+                              <a:effectLst/>
                             </p:spPr>
                             <p:txBody>
                               <a:bodyPr/>
@@ -10187,21 +10626,21 @@
                     </p:grpSp>
                     <p:grpSp>
                       <p:nvGrpSpPr>
-                        <p:cNvPr id="218" name="Groupe 217"/>
+                        <p:cNvPr id="224" name="Groupe 223"/>
                         <p:cNvGrpSpPr/>
                         <p:nvPr/>
                       </p:nvGrpSpPr>
                       <p:grpSpPr>
                         <a:xfrm>
-                          <a:off x="3213070" y="1285678"/>
-                          <a:ext cx="1238522" cy="1138550"/>
+                          <a:off x="3707636" y="3129948"/>
+                          <a:ext cx="1027728" cy="993995"/>
                           <a:chOff x="2033863" y="2989005"/>
-                          <a:chExt cx="1168418" cy="1528816"/>
+                          <a:chExt cx="969557" cy="1334710"/>
                         </a:xfrm>
                       </p:grpSpPr>
                       <p:sp>
                         <p:nvSpPr>
-                          <p:cNvPr id="219" name="Arc 218"/>
+                          <p:cNvPr id="225" name="Arc 224"/>
                           <p:cNvSpPr/>
                           <p:nvPr/>
                         </p:nvSpPr>
@@ -10218,7 +10657,7 @@
                           </a:prstGeom>
                           <a:ln w="19050">
                             <a:solidFill>
-                              <a:srgbClr val="00B050"/>
+                              <a:schemeClr val="tx1"/>
                             </a:solidFill>
                             <a:headEnd type="triangle"/>
                             <a:tailEnd type="none"/>
@@ -10251,14 +10690,14 @@
                         <mc:Choice Requires="a14">
                           <p:sp>
                             <p:nvSpPr>
-                              <p:cNvPr id="220" name="ZoneTexte 219"/>
+                              <p:cNvPr id="226" name="ZoneTexte 225"/>
                               <p:cNvSpPr txBox="1"/>
                               <p:nvPr/>
                             </p:nvSpPr>
                             <p:spPr>
                               <a:xfrm>
-                                <a:off x="2477239" y="3985385"/>
-                                <a:ext cx="725042" cy="532436"/>
+                                <a:off x="2556239" y="3827786"/>
+                                <a:ext cx="360767" cy="495929"/>
                               </a:xfrm>
                               <a:prstGeom prst="rect">
                                 <a:avLst/>
@@ -10278,65 +10717,12 @@
                                       <m:jc m:val="centerGroup"/>
                                     </m:oMathParaPr>
                                     <m:oMath xmlns:m="http://schemas.openxmlformats.org/officeDocument/2006/math">
-                                      <m:sSub>
-                                        <m:sSubPr>
-                                          <m:ctrlPr>
-                                            <a:rPr lang="fr-FR" b="0" i="1" smtClean="0">
-                                              <a:solidFill>
-                                                <a:srgbClr val="00B050"/>
-                                              </a:solidFill>
-                                              <a:latin typeface="Cambria Math" panose="02040503050406030204" pitchFamily="18" charset="0"/>
-                                            </a:rPr>
-                                          </m:ctrlPr>
-                                        </m:sSubPr>
-                                        <m:e>
-                                          <m:r>
-                                            <a:rPr lang="fr-FR" b="0" i="1" smtClean="0">
-                                              <a:solidFill>
-                                                <a:srgbClr val="00B050"/>
-                                              </a:solidFill>
-                                              <a:latin typeface="Cambria Math" panose="02040503050406030204" pitchFamily="18" charset="0"/>
-                                            </a:rPr>
-                                            <m:t>𝜃</m:t>
-                                          </m:r>
-                                        </m:e>
-                                        <m:sub>
-                                          <m:sSub>
-                                            <m:sSubPr>
-                                              <m:ctrlPr>
-                                                <a:rPr lang="fr-FR" b="0" i="1" smtClean="0">
-                                                  <a:solidFill>
-                                                    <a:srgbClr val="00B050"/>
-                                                  </a:solidFill>
-                                                  <a:latin typeface="Cambria Math" panose="02040503050406030204" pitchFamily="18" charset="0"/>
-                                                </a:rPr>
-                                              </m:ctrlPr>
-                                            </m:sSubPr>
-                                            <m:e>
-                                              <m:r>
-                                                <a:rPr lang="fr-FR" b="0" i="1" smtClean="0">
-                                                  <a:solidFill>
-                                                    <a:srgbClr val="00B050"/>
-                                                  </a:solidFill>
-                                                  <a:latin typeface="Cambria Math" panose="02040503050406030204" pitchFamily="18" charset="0"/>
-                                                </a:rPr>
-                                                <m:t>h</m:t>
-                                              </m:r>
-                                            </m:e>
-                                            <m:sub>
-                                              <m:r>
-                                                <a:rPr lang="fr-FR" b="0" i="1" smtClean="0">
-                                                  <a:solidFill>
-                                                    <a:srgbClr val="00B050"/>
-                                                  </a:solidFill>
-                                                  <a:latin typeface="Cambria Math" panose="02040503050406030204" pitchFamily="18" charset="0"/>
-                                                </a:rPr>
-                                                <m:t>𝑚𝑖𝑛</m:t>
-                                              </m:r>
-                                            </m:sub>
-                                          </m:sSub>
-                                        </m:sub>
-                                      </m:sSub>
+                                      <m:r>
+                                        <a:rPr lang="fr-FR" b="0" i="1" smtClean="0">
+                                          <a:latin typeface="Cambria Math" panose="02040503050406030204" pitchFamily="18" charset="0"/>
+                                        </a:rPr>
+                                        <m:t>𝛼</m:t>
+                                      </m:r>
                                     </m:oMath>
                                   </m:oMathPara>
                                 </a14:m>
@@ -10348,7 +10734,7 @@
                         <mc:Fallback xmlns="">
                           <p:sp>
                             <p:nvSpPr>
-                              <p:cNvPr id="220" name="ZoneTexte 219"/>
+                              <p:cNvPr id="226" name="ZoneTexte 225"/>
                               <p:cNvSpPr txBox="1">
                                 <a:spLocks noRot="1" noChangeAspect="1" noMove="1" noResize="1" noEditPoints="1" noAdjustHandles="1" noChangeArrowheads="1" noChangeShapeType="1" noTextEdit="1"/>
                               </p:cNvSpPr>
@@ -10356,16 +10742,16 @@
                             </p:nvSpPr>
                             <p:spPr>
                               <a:xfrm>
-                                <a:off x="2477239" y="3985385"/>
-                                <a:ext cx="725042" cy="532436"/>
+                                <a:off x="2556239" y="3827786"/>
+                                <a:ext cx="360767" cy="495929"/>
                               </a:xfrm>
                               <a:prstGeom prst="rect">
                                 <a:avLst/>
                               </a:prstGeom>
                               <a:blipFill rotWithShape="0">
-                                <a:blip r:embed="rId17"/>
+                                <a:blip r:embed="rId19"/>
                                 <a:stretch>
-                                  <a:fillRect b="-1538"/>
+                                  <a:fillRect/>
                                 </a:stretch>
                               </a:blipFill>
                             </p:spPr>
@@ -10386,477 +10772,33 @@
                       </mc:AlternateContent>
                     </p:grpSp>
                   </p:grpSp>
-                  <p:grpSp>
-                    <p:nvGrpSpPr>
-                      <p:cNvPr id="221" name="Groupe 220"/>
-                      <p:cNvGrpSpPr/>
-                      <p:nvPr/>
-                    </p:nvGrpSpPr>
-                    <p:grpSpPr>
-                      <a:xfrm>
-                        <a:off x="3805878" y="3417220"/>
-                        <a:ext cx="402866" cy="1421733"/>
-                        <a:chOff x="7576593" y="3178932"/>
-                        <a:chExt cx="402866" cy="1421733"/>
-                      </a:xfrm>
-                    </p:grpSpPr>
-                    <p:cxnSp>
-                      <p:nvCxnSpPr>
-                        <p:cNvPr id="222" name="Connecteur droit avec flèche 221"/>
-                        <p:cNvCxnSpPr/>
-                        <p:nvPr/>
-                      </p:nvCxnSpPr>
-                      <p:spPr>
-                        <a:xfrm>
-                          <a:off x="7979459" y="3178932"/>
-                          <a:ext cx="0" cy="1411759"/>
-                        </a:xfrm>
-                        <a:prstGeom prst="straightConnector1">
-                          <a:avLst/>
-                        </a:prstGeom>
-                        <a:ln w="28575">
-                          <a:solidFill>
-                            <a:schemeClr val="tx1"/>
-                          </a:solidFill>
-                          <a:prstDash val="solid"/>
-                          <a:tailEnd type="triangle"/>
-                        </a:ln>
-                      </p:spPr>
-                      <p:style>
-                        <a:lnRef idx="1">
-                          <a:schemeClr val="accent1"/>
-                        </a:lnRef>
-                        <a:fillRef idx="0">
-                          <a:schemeClr val="accent1"/>
-                        </a:fillRef>
-                        <a:effectRef idx="0">
-                          <a:schemeClr val="accent1"/>
-                        </a:effectRef>
-                        <a:fontRef idx="minor">
-                          <a:schemeClr val="tx1"/>
-                        </a:fontRef>
-                      </p:style>
-                    </p:cxnSp>
-                    <mc:AlternateContent xmlns:mc="http://schemas.openxmlformats.org/markup-compatibility/2006" xmlns:a14="http://schemas.microsoft.com/office/drawing/2010/main">
-                      <mc:Choice Requires="a14">
-                        <p:sp>
-                          <p:nvSpPr>
-                            <p:cNvPr id="223" name="Zone de texte 153"/>
-                            <p:cNvSpPr txBox="1"/>
-                            <p:nvPr/>
-                          </p:nvSpPr>
-                          <p:spPr>
-                            <a:xfrm>
-                              <a:off x="7576593" y="4326015"/>
-                              <a:ext cx="301748" cy="274650"/>
-                            </a:xfrm>
-                            <a:prstGeom prst="rect">
-                              <a:avLst/>
-                            </a:prstGeom>
-                            <a:noFill/>
-                            <a:ln w="6350">
-                              <a:noFill/>
-                              <a:prstDash val="sysDash"/>
-                            </a:ln>
-                            <a:effectLst/>
-                          </p:spPr>
-                          <p:style>
-                            <a:lnRef idx="0">
-                              <a:schemeClr val="accent1"/>
-                            </a:lnRef>
-                            <a:fillRef idx="0">
-                              <a:schemeClr val="accent1"/>
-                            </a:fillRef>
-                            <a:effectRef idx="0">
-                              <a:schemeClr val="accent1"/>
-                            </a:effectRef>
-                            <a:fontRef idx="minor">
-                              <a:schemeClr val="dk1"/>
-                            </a:fontRef>
-                          </p:style>
-                          <p:txBody>
-                            <a:bodyPr rot="0" spcFirstLastPara="0" vert="horz" wrap="square" lIns="91440" tIns="45720" rIns="91440" bIns="45720" numCol="1" spcCol="0" rtlCol="0" fromWordArt="0" anchor="t" anchorCtr="0" forceAA="0" compatLnSpc="1">
-                              <a:prstTxWarp prst="textNoShape">
-                                <a:avLst/>
-                              </a:prstTxWarp>
-                              <a:noAutofit/>
-                            </a:bodyPr>
-                            <a:lstStyle/>
-                            <a:p>
-                              <a:pPr>
-                                <a:lnSpc>
-                                  <a:spcPct val="107000"/>
-                                </a:lnSpc>
-                                <a:spcAft>
-                                  <a:spcPts val="800"/>
-                                </a:spcAft>
-                              </a:pPr>
-                              <a14:m>
-                                <m:oMath xmlns:m="http://schemas.openxmlformats.org/officeDocument/2006/math">
-                                  <m:sSub>
-                                    <m:sSubPr>
-                                      <m:ctrlPr>
-                                        <a:rPr lang="fr-FR" sz="2400" b="1" i="1" smtClean="0">
-                                          <a:latin typeface="Cambria Math" panose="02040503050406030204" pitchFamily="18" charset="0"/>
-                                          <a:ea typeface="SimSun" panose="02010600030101010101" pitchFamily="2" charset="-122"/>
-                                          <a:cs typeface="Times New Roman" panose="02020603050405020304" pitchFamily="18" charset="0"/>
-                                        </a:rPr>
-                                      </m:ctrlPr>
-                                    </m:sSubPr>
-                                    <m:e>
-                                      <m:r>
-                                        <a:rPr lang="fr-FR" sz="2400" b="1" i="1" smtClean="0">
-                                          <a:latin typeface="Cambria Math" panose="02040503050406030204" pitchFamily="18" charset="0"/>
-                                          <a:ea typeface="SimSun" panose="02010600030101010101" pitchFamily="2" charset="-122"/>
-                                          <a:cs typeface="Times New Roman" panose="02020603050405020304" pitchFamily="18" charset="0"/>
-                                        </a:rPr>
-                                        <m:t>𝑿</m:t>
-                                      </m:r>
-                                    </m:e>
-                                    <m:sub>
-                                      <m:r>
-                                        <a:rPr lang="fr-FR" sz="2400" b="1" i="1" smtClean="0">
-                                          <a:latin typeface="Cambria Math" panose="02040503050406030204" pitchFamily="18" charset="0"/>
-                                          <a:ea typeface="SimSun" panose="02010600030101010101" pitchFamily="2" charset="-122"/>
-                                          <a:cs typeface="Times New Roman" panose="02020603050405020304" pitchFamily="18" charset="0"/>
-                                        </a:rPr>
-                                        <m:t>𝒐</m:t>
-                                      </m:r>
-                                    </m:sub>
-                                  </m:sSub>
-                                </m:oMath>
-                              </a14:m>
-                              <a:r>
-                                <a:rPr lang="fr-FR" sz="2400" dirty="0">
-                                  <a:effectLst/>
-                                  <a:ea typeface="Calibri" panose="020F0502020204030204" pitchFamily="34" charset="0"/>
-                                  <a:cs typeface="Times New Roman" panose="02020603050405020304" pitchFamily="18" charset="0"/>
-                                </a:rPr>
-                                <a:t> </a:t>
-                              </a:r>
-                            </a:p>
-                          </p:txBody>
-                        </p:sp>
-                      </mc:Choice>
-                      <mc:Fallback xmlns="">
-                        <p:sp>
-                          <p:nvSpPr>
-                            <p:cNvPr id="223" name="Zone de texte 153"/>
-                            <p:cNvSpPr txBox="1">
-                              <a:spLocks noRot="1" noChangeAspect="1" noMove="1" noResize="1" noEditPoints="1" noAdjustHandles="1" noChangeArrowheads="1" noChangeShapeType="1" noTextEdit="1"/>
-                            </p:cNvSpPr>
-                            <p:nvPr/>
-                          </p:nvSpPr>
-                          <p:spPr>
-                            <a:xfrm>
-                              <a:off x="7576593" y="4326015"/>
-                              <a:ext cx="301748" cy="274650"/>
-                            </a:xfrm>
-                            <a:prstGeom prst="rect">
-                              <a:avLst/>
-                            </a:prstGeom>
-                            <a:blipFill rotWithShape="0">
-                              <a:blip r:embed="rId18"/>
-                              <a:stretch>
-                                <a:fillRect l="-6122" r="-63265" b="-64444"/>
-                              </a:stretch>
-                            </a:blipFill>
-                            <a:ln w="6350">
-                              <a:noFill/>
-                              <a:prstDash val="sysDash"/>
-                            </a:ln>
-                            <a:effectLst/>
-                          </p:spPr>
-                          <p:txBody>
-                            <a:bodyPr/>
-                            <a:lstStyle/>
-                            <a:p>
-                              <a:r>
-                                <a:rPr lang="fr-FR">
-                                  <a:noFill/>
-                                </a:rPr>
-                                <a:t> </a:t>
-                              </a:r>
-                            </a:p>
-                          </p:txBody>
-                        </p:sp>
-                      </mc:Fallback>
-                    </mc:AlternateContent>
-                  </p:grpSp>
-                  <p:grpSp>
-                    <p:nvGrpSpPr>
-                      <p:cNvPr id="224" name="Groupe 223"/>
-                      <p:cNvGrpSpPr/>
-                      <p:nvPr/>
-                    </p:nvGrpSpPr>
-                    <p:grpSpPr>
-                      <a:xfrm>
-                        <a:off x="3707636" y="3129948"/>
-                        <a:ext cx="1027728" cy="993995"/>
-                        <a:chOff x="2033863" y="2989005"/>
-                        <a:chExt cx="969557" cy="1334710"/>
-                      </a:xfrm>
-                    </p:grpSpPr>
-                    <p:sp>
-                      <p:nvSpPr>
-                        <p:cNvPr id="225" name="Arc 224"/>
-                        <p:cNvSpPr/>
-                        <p:nvPr/>
-                      </p:nvSpPr>
-                      <p:spPr>
-                        <a:xfrm>
-                          <a:off x="2033863" y="2989005"/>
-                          <a:ext cx="969557" cy="997421"/>
-                        </a:xfrm>
-                        <a:prstGeom prst="arc">
-                          <a:avLst>
-                            <a:gd name="adj1" fmla="val 1845835"/>
-                            <a:gd name="adj2" fmla="val 5619120"/>
-                          </a:avLst>
-                        </a:prstGeom>
-                        <a:ln w="19050">
-                          <a:solidFill>
-                            <a:schemeClr val="tx1"/>
-                          </a:solidFill>
-                          <a:headEnd type="triangle"/>
-                          <a:tailEnd type="none"/>
-                        </a:ln>
-                      </p:spPr>
-                      <p:style>
-                        <a:lnRef idx="1">
-                          <a:schemeClr val="accent1"/>
-                        </a:lnRef>
-                        <a:fillRef idx="0">
-                          <a:schemeClr val="accent1"/>
-                        </a:fillRef>
-                        <a:effectRef idx="0">
-                          <a:schemeClr val="accent1"/>
-                        </a:effectRef>
-                        <a:fontRef idx="minor">
-                          <a:schemeClr val="tx1"/>
-                        </a:fontRef>
-                      </p:style>
-                      <p:txBody>
-                        <a:bodyPr rtlCol="0" anchor="ctr"/>
-                        <a:lstStyle/>
-                        <a:p>
-                          <a:pPr algn="ctr"/>
-                          <a:endParaRPr lang="fr-FR"/>
-                        </a:p>
-                      </p:txBody>
-                    </p:sp>
-                    <mc:AlternateContent xmlns:mc="http://schemas.openxmlformats.org/markup-compatibility/2006" xmlns:a14="http://schemas.microsoft.com/office/drawing/2010/main">
-                      <mc:Choice Requires="a14">
-                        <p:sp>
-                          <p:nvSpPr>
-                            <p:cNvPr id="226" name="ZoneTexte 225"/>
-                            <p:cNvSpPr txBox="1"/>
-                            <p:nvPr/>
-                          </p:nvSpPr>
-                          <p:spPr>
-                            <a:xfrm>
-                              <a:off x="2556239" y="3827786"/>
-                              <a:ext cx="360767" cy="495929"/>
-                            </a:xfrm>
-                            <a:prstGeom prst="rect">
-                              <a:avLst/>
-                            </a:prstGeom>
-                            <a:noFill/>
-                          </p:spPr>
-                          <p:txBody>
-                            <a:bodyPr wrap="none" rtlCol="0">
-                              <a:spAutoFit/>
-                            </a:bodyPr>
-                            <a:lstStyle/>
-                            <a:p>
-                              <a:pPr/>
-                              <a14:m>
-                                <m:oMathPara xmlns:m="http://schemas.openxmlformats.org/officeDocument/2006/math">
-                                  <m:oMathParaPr>
-                                    <m:jc m:val="centerGroup"/>
-                                  </m:oMathParaPr>
-                                  <m:oMath xmlns:m="http://schemas.openxmlformats.org/officeDocument/2006/math">
-                                    <m:r>
-                                      <a:rPr lang="fr-FR" b="0" i="1" smtClean="0">
-                                        <a:latin typeface="Cambria Math" panose="02040503050406030204" pitchFamily="18" charset="0"/>
-                                      </a:rPr>
-                                      <m:t>𝛼</m:t>
-                                    </m:r>
-                                  </m:oMath>
-                                </m:oMathPara>
-                              </a14:m>
-                              <a:endParaRPr lang="fr-FR" dirty="0"/>
-                            </a:p>
-                          </p:txBody>
-                        </p:sp>
-                      </mc:Choice>
-                      <mc:Fallback xmlns="">
-                        <p:sp>
-                          <p:nvSpPr>
-                            <p:cNvPr id="226" name="ZoneTexte 225"/>
-                            <p:cNvSpPr txBox="1">
-                              <a:spLocks noRot="1" noChangeAspect="1" noMove="1" noResize="1" noEditPoints="1" noAdjustHandles="1" noChangeArrowheads="1" noChangeShapeType="1" noTextEdit="1"/>
-                            </p:cNvSpPr>
-                            <p:nvPr/>
-                          </p:nvSpPr>
-                          <p:spPr>
-                            <a:xfrm>
-                              <a:off x="2556239" y="3827786"/>
-                              <a:ext cx="360767" cy="495929"/>
-                            </a:xfrm>
-                            <a:prstGeom prst="rect">
-                              <a:avLst/>
-                            </a:prstGeom>
-                            <a:blipFill rotWithShape="0">
-                              <a:blip r:embed="rId19"/>
-                              <a:stretch>
-                                <a:fillRect/>
-                              </a:stretch>
-                            </a:blipFill>
-                          </p:spPr>
-                          <p:txBody>
-                            <a:bodyPr/>
-                            <a:lstStyle/>
-                            <a:p>
-                              <a:r>
-                                <a:rPr lang="fr-FR">
-                                  <a:noFill/>
-                                </a:rPr>
-                                <a:t> </a:t>
-                              </a:r>
-                            </a:p>
-                          </p:txBody>
-                        </p:sp>
-                      </mc:Fallback>
-                    </mc:AlternateContent>
-                  </p:grpSp>
                 </p:grpSp>
               </p:grpSp>
-            </p:grpSp>
-            <mc:AlternateContent xmlns:mc="http://schemas.openxmlformats.org/markup-compatibility/2006" xmlns:a14="http://schemas.microsoft.com/office/drawing/2010/main">
-              <mc:Choice Requires="a14">
-                <p:sp>
-                  <p:nvSpPr>
-                    <p:cNvPr id="309" name="ZoneTexte 308"/>
-                    <p:cNvSpPr txBox="1"/>
-                    <p:nvPr/>
-                  </p:nvSpPr>
-                  <p:spPr>
-                    <a:xfrm>
-                      <a:off x="227387" y="5243354"/>
-                      <a:ext cx="1912127" cy="369332"/>
-                    </a:xfrm>
-                    <a:prstGeom prst="rect">
-                      <a:avLst/>
-                    </a:prstGeom>
-                    <a:noFill/>
-                  </p:spPr>
-                  <p:txBody>
-                    <a:bodyPr wrap="none" rtlCol="0">
-                      <a:spAutoFit/>
-                    </a:bodyPr>
-                    <a:lstStyle/>
-                    <a:p>
-                      <a14:m>
-                        <m:oMath xmlns:m="http://schemas.openxmlformats.org/officeDocument/2006/math">
-                          <m:r>
-                            <a:rPr lang="fr-FR" b="0" i="1" smtClean="0">
-                              <a:latin typeface="Cambria Math" panose="02040503050406030204" pitchFamily="18" charset="0"/>
-                            </a:rPr>
-                            <m:t>𝑝𝑜𝑠𝑖𝑡𝑖𝑜𝑛</m:t>
-                          </m:r>
-                          <m:r>
-                            <a:rPr lang="fr-FR" b="0" i="1" smtClean="0">
-                              <a:latin typeface="Cambria Math" panose="02040503050406030204" pitchFamily="18" charset="0"/>
-                            </a:rPr>
-                            <m:t> </m:t>
-                          </m:r>
-                          <m:r>
-                            <a:rPr lang="fr-FR" b="0" i="1" smtClean="0">
-                              <a:latin typeface="Cambria Math" panose="02040503050406030204" pitchFamily="18" charset="0"/>
-                            </a:rPr>
-                            <m:t>𝑖𝑛𝑖𝑡𝑖𝑎𝑙𝑒</m:t>
-                          </m:r>
-                        </m:oMath>
-                      </a14:m>
-                      <a:r>
-                        <a:rPr lang="fr-FR" dirty="0" smtClean="0"/>
-                        <a:t> </a:t>
-                      </a:r>
-                      <a:endParaRPr lang="fr-FR" dirty="0"/>
-                    </a:p>
-                  </p:txBody>
-                </p:sp>
-              </mc:Choice>
-              <mc:Fallback xmlns="">
-                <p:sp>
-                  <p:nvSpPr>
-                    <p:cNvPr id="309" name="ZoneTexte 308"/>
-                    <p:cNvSpPr txBox="1">
-                      <a:spLocks noRot="1" noChangeAspect="1" noMove="1" noResize="1" noEditPoints="1" noAdjustHandles="1" noChangeArrowheads="1" noChangeShapeType="1" noTextEdit="1"/>
-                    </p:cNvSpPr>
-                    <p:nvPr/>
-                  </p:nvSpPr>
-                  <p:spPr>
-                    <a:xfrm>
-                      <a:off x="227387" y="5243354"/>
-                      <a:ext cx="1912127" cy="369332"/>
-                    </a:xfrm>
-                    <a:prstGeom prst="rect">
-                      <a:avLst/>
-                    </a:prstGeom>
-                    <a:blipFill rotWithShape="0">
-                      <a:blip r:embed="rId20"/>
-                      <a:stretch>
-                        <a:fillRect l="-955" b="-13115"/>
-                      </a:stretch>
-                    </a:blipFill>
-                  </p:spPr>
-                  <p:txBody>
-                    <a:bodyPr/>
-                    <a:lstStyle/>
-                    <a:p>
-                      <a:r>
-                        <a:rPr lang="fr-FR">
-                          <a:noFill/>
-                        </a:rPr>
-                        <a:t> </a:t>
-                      </a:r>
-                    </a:p>
-                  </p:txBody>
-                </p:sp>
-              </mc:Fallback>
-            </mc:AlternateContent>
-            <mc:AlternateContent xmlns:mc="http://schemas.openxmlformats.org/markup-compatibility/2006" xmlns:a14="http://schemas.microsoft.com/office/drawing/2010/main">
-              <mc:Choice Requires="a14">
-                <p:sp>
-                  <p:nvSpPr>
-                    <p:cNvPr id="310" name="ZoneTexte 309"/>
-                    <p:cNvSpPr txBox="1"/>
-                    <p:nvPr/>
-                  </p:nvSpPr>
-                  <p:spPr>
-                    <a:xfrm>
-                      <a:off x="3040499" y="5254525"/>
-                      <a:ext cx="2240550" cy="369332"/>
-                    </a:xfrm>
-                    <a:prstGeom prst="rect">
-                      <a:avLst/>
-                    </a:prstGeom>
-                    <a:noFill/>
-                  </p:spPr>
-                  <p:txBody>
-                    <a:bodyPr wrap="none" rtlCol="0">
-                      <a:spAutoFit/>
-                    </a:bodyPr>
-                    <a:lstStyle/>
-                    <a:p>
-                      <a:pPr/>
-                      <a14:m>
-                        <m:oMathPara xmlns:m="http://schemas.openxmlformats.org/officeDocument/2006/math">
-                          <m:oMathParaPr>
-                            <m:jc m:val="centerGroup"/>
-                          </m:oMathParaPr>
+              <mc:AlternateContent xmlns:mc="http://schemas.openxmlformats.org/markup-compatibility/2006" xmlns:a14="http://schemas.microsoft.com/office/drawing/2010/main">
+                <mc:Choice Requires="a14">
+                  <p:sp>
+                    <p:nvSpPr>
+                      <p:cNvPr id="309" name="ZoneTexte 308"/>
+                      <p:cNvSpPr txBox="1"/>
+                      <p:nvPr/>
+                    </p:nvSpPr>
+                    <p:spPr>
+                      <a:xfrm>
+                        <a:off x="227387" y="5243354"/>
+                        <a:ext cx="1912127" cy="369332"/>
+                      </a:xfrm>
+                      <a:prstGeom prst="rect">
+                        <a:avLst/>
+                      </a:prstGeom>
+                      <a:noFill/>
+                    </p:spPr>
+                    <p:txBody>
+                      <a:bodyPr wrap="none" rtlCol="0">
+                        <a:spAutoFit/>
+                      </a:bodyPr>
+                      <a:lstStyle/>
+                      <a:p>
+                        <a14:m>
                           <m:oMath xmlns:m="http://schemas.openxmlformats.org/officeDocument/2006/math">
                             <m:r>
                               <a:rPr lang="fr-FR" b="0" i="1" smtClean="0">
@@ -10874,192 +10816,176 @@
                               <a:rPr lang="fr-FR" b="0" i="1" smtClean="0">
                                 <a:latin typeface="Cambria Math" panose="02040503050406030204" pitchFamily="18" charset="0"/>
                               </a:rPr>
-                              <m:t>𝑝𝑜𝑖𝑛𝑡</m:t>
-                            </m:r>
-                            <m:r>
-                              <a:rPr lang="fr-FR" b="0" i="1" smtClean="0">
-                                <a:latin typeface="Cambria Math" panose="02040503050406030204" pitchFamily="18" charset="0"/>
-                              </a:rPr>
-                              <m:t> </m:t>
-                            </m:r>
-                            <m:r>
-                              <a:rPr lang="fr-FR" b="0" i="1" smtClean="0">
-                                <a:latin typeface="Cambria Math" panose="02040503050406030204" pitchFamily="18" charset="0"/>
-                              </a:rPr>
-                              <m:t>h𝑎𝑢𝑡</m:t>
+                              <m:t>𝑖𝑛𝑖𝑡𝑖𝑎𝑙𝑒</m:t>
                             </m:r>
                           </m:oMath>
-                        </m:oMathPara>
-                      </a14:m>
-                      <a:endParaRPr lang="fr-FR" dirty="0"/>
-                    </a:p>
-                  </p:txBody>
-                </p:sp>
-              </mc:Choice>
-              <mc:Fallback xmlns="">
-                <p:sp>
-                  <p:nvSpPr>
-                    <p:cNvPr id="310" name="ZoneTexte 309"/>
-                    <p:cNvSpPr txBox="1">
-                      <a:spLocks noRot="1" noChangeAspect="1" noMove="1" noResize="1" noEditPoints="1" noAdjustHandles="1" noChangeArrowheads="1" noChangeShapeType="1" noTextEdit="1"/>
-                    </p:cNvSpPr>
-                    <p:nvPr/>
-                  </p:nvSpPr>
-                  <p:spPr>
-                    <a:xfrm>
-                      <a:off x="3040499" y="5254525"/>
-                      <a:ext cx="2240550" cy="369332"/>
-                    </a:xfrm>
-                    <a:prstGeom prst="rect">
-                      <a:avLst/>
-                    </a:prstGeom>
-                    <a:blipFill rotWithShape="0">
-                      <a:blip r:embed="rId21"/>
-                      <a:stretch>
-                        <a:fillRect b="-13333"/>
-                      </a:stretch>
-                    </a:blipFill>
-                  </p:spPr>
-                  <p:txBody>
-                    <a:bodyPr/>
-                    <a:lstStyle/>
-                    <a:p>
-                      <a:r>
-                        <a:rPr lang="fr-FR">
-                          <a:noFill/>
-                        </a:rPr>
-                        <a:t> </a:t>
-                      </a:r>
-                    </a:p>
-                  </p:txBody>
-                </p:sp>
-              </mc:Fallback>
-            </mc:AlternateContent>
-          </p:grpSp>
-          <p:sp>
-            <p:nvSpPr>
-              <p:cNvPr id="465" name="Ellipse 464"/>
-              <p:cNvSpPr/>
-              <p:nvPr/>
-            </p:nvSpPr>
-            <p:spPr>
-              <a:xfrm rot="13448256">
-                <a:off x="4175370" y="4176038"/>
-                <a:ext cx="110112" cy="99482"/>
-              </a:xfrm>
-              <a:prstGeom prst="ellipse">
-                <a:avLst/>
-              </a:prstGeom>
-              <a:solidFill>
-                <a:srgbClr val="FF0000"/>
-              </a:solidFill>
-              <a:ln>
-                <a:noFill/>
-              </a:ln>
-            </p:spPr>
-            <p:style>
-              <a:lnRef idx="3">
-                <a:schemeClr val="lt1"/>
-              </a:lnRef>
-              <a:fillRef idx="1">
-                <a:schemeClr val="accent4"/>
-              </a:fillRef>
-              <a:effectRef idx="1">
-                <a:schemeClr val="accent4"/>
-              </a:effectRef>
-              <a:fontRef idx="minor">
-                <a:schemeClr val="lt1"/>
-              </a:fontRef>
-            </p:style>
-            <p:txBody>
-              <a:bodyPr rtlCol="0" anchor="ctr"/>
-              <a:lstStyle/>
-              <a:p>
-                <a:endParaRPr lang="fr-FR" sz="4000"/>
-              </a:p>
-            </p:txBody>
-          </p:sp>
-          <p:sp>
-            <p:nvSpPr>
-              <p:cNvPr id="466" name="Ellipse 465"/>
-              <p:cNvSpPr/>
-              <p:nvPr/>
-            </p:nvSpPr>
-            <p:spPr>
-              <a:xfrm rot="13448256">
-                <a:off x="807041" y="3782118"/>
-                <a:ext cx="110112" cy="99482"/>
-              </a:xfrm>
-              <a:prstGeom prst="ellipse">
-                <a:avLst/>
-              </a:prstGeom>
-              <a:solidFill>
-                <a:srgbClr val="FF0000"/>
-              </a:solidFill>
-              <a:ln>
-                <a:noFill/>
-              </a:ln>
-            </p:spPr>
-            <p:style>
-              <a:lnRef idx="3">
-                <a:schemeClr val="lt1"/>
-              </a:lnRef>
-              <a:fillRef idx="1">
-                <a:schemeClr val="accent4"/>
-              </a:fillRef>
-              <a:effectRef idx="1">
-                <a:schemeClr val="accent4"/>
-              </a:effectRef>
-              <a:fontRef idx="minor">
-                <a:schemeClr val="lt1"/>
-              </a:fontRef>
-            </p:style>
-            <p:txBody>
-              <a:bodyPr rtlCol="0" anchor="ctr"/>
-              <a:lstStyle/>
-              <a:p>
-                <a:endParaRPr lang="fr-FR" sz="4000"/>
-              </a:p>
-            </p:txBody>
-          </p:sp>
-        </p:grpSp>
-        <p:grpSp>
-          <p:nvGrpSpPr>
-            <p:cNvPr id="488" name="Groupe 487"/>
-            <p:cNvGrpSpPr/>
-            <p:nvPr/>
-          </p:nvGrpSpPr>
-          <p:grpSpPr>
-            <a:xfrm>
-              <a:off x="4448892" y="1140875"/>
-              <a:ext cx="1927638" cy="989787"/>
-              <a:chOff x="4448892" y="1140875"/>
-              <a:chExt cx="1927638" cy="989787"/>
-            </a:xfrm>
-          </p:grpSpPr>
-          <p:grpSp>
-            <p:nvGrpSpPr>
-              <p:cNvPr id="469" name="Groupe 468"/>
-              <p:cNvGrpSpPr/>
-              <p:nvPr/>
-            </p:nvGrpSpPr>
-            <p:grpSpPr>
-              <a:xfrm>
-                <a:off x="4448892" y="1140875"/>
-                <a:ext cx="1299005" cy="369332"/>
-                <a:chOff x="4402737" y="1245592"/>
-                <a:chExt cx="1299005" cy="369332"/>
-              </a:xfrm>
-            </p:grpSpPr>
+                        </a14:m>
+                        <a:r>
+                          <a:rPr lang="fr-FR" dirty="0" smtClean="0"/>
+                          <a:t> </a:t>
+                        </a:r>
+                        <a:endParaRPr lang="fr-FR" dirty="0"/>
+                      </a:p>
+                    </p:txBody>
+                  </p:sp>
+                </mc:Choice>
+                <mc:Fallback xmlns="">
+                  <p:sp>
+                    <p:nvSpPr>
+                      <p:cNvPr id="309" name="ZoneTexte 308"/>
+                      <p:cNvSpPr txBox="1">
+                        <a:spLocks noRot="1" noChangeAspect="1" noMove="1" noResize="1" noEditPoints="1" noAdjustHandles="1" noChangeArrowheads="1" noChangeShapeType="1" noTextEdit="1"/>
+                      </p:cNvSpPr>
+                      <p:nvPr/>
+                    </p:nvSpPr>
+                    <p:spPr>
+                      <a:xfrm>
+                        <a:off x="227387" y="5243354"/>
+                        <a:ext cx="1912127" cy="369332"/>
+                      </a:xfrm>
+                      <a:prstGeom prst="rect">
+                        <a:avLst/>
+                      </a:prstGeom>
+                      <a:blipFill rotWithShape="0">
+                        <a:blip r:embed="rId20"/>
+                        <a:stretch>
+                          <a:fillRect l="-955" b="-13115"/>
+                        </a:stretch>
+                      </a:blipFill>
+                    </p:spPr>
+                    <p:txBody>
+                      <a:bodyPr/>
+                      <a:lstStyle/>
+                      <a:p>
+                        <a:r>
+                          <a:rPr lang="fr-FR">
+                            <a:noFill/>
+                          </a:rPr>
+                          <a:t> </a:t>
+                        </a:r>
+                      </a:p>
+                    </p:txBody>
+                  </p:sp>
+                </mc:Fallback>
+              </mc:AlternateContent>
+              <mc:AlternateContent xmlns:mc="http://schemas.openxmlformats.org/markup-compatibility/2006" xmlns:a14="http://schemas.microsoft.com/office/drawing/2010/main">
+                <mc:Choice Requires="a14">
+                  <p:sp>
+                    <p:nvSpPr>
+                      <p:cNvPr id="310" name="ZoneTexte 309"/>
+                      <p:cNvSpPr txBox="1"/>
+                      <p:nvPr/>
+                    </p:nvSpPr>
+                    <p:spPr>
+                      <a:xfrm>
+                        <a:off x="3040499" y="5254525"/>
+                        <a:ext cx="2240550" cy="369332"/>
+                      </a:xfrm>
+                      <a:prstGeom prst="rect">
+                        <a:avLst/>
+                      </a:prstGeom>
+                      <a:noFill/>
+                    </p:spPr>
+                    <p:txBody>
+                      <a:bodyPr wrap="none" rtlCol="0">
+                        <a:spAutoFit/>
+                      </a:bodyPr>
+                      <a:lstStyle/>
+                      <a:p>
+                        <a:pPr/>
+                        <a14:m>
+                          <m:oMathPara xmlns:m="http://schemas.openxmlformats.org/officeDocument/2006/math">
+                            <m:oMathParaPr>
+                              <m:jc m:val="centerGroup"/>
+                            </m:oMathParaPr>
+                            <m:oMath xmlns:m="http://schemas.openxmlformats.org/officeDocument/2006/math">
+                              <m:r>
+                                <a:rPr lang="fr-FR" b="0" i="1" smtClean="0">
+                                  <a:latin typeface="Cambria Math" panose="02040503050406030204" pitchFamily="18" charset="0"/>
+                                </a:rPr>
+                                <m:t>𝑝𝑜𝑠𝑖𝑡𝑖𝑜𝑛</m:t>
+                              </m:r>
+                              <m:r>
+                                <a:rPr lang="fr-FR" b="0" i="1" smtClean="0">
+                                  <a:latin typeface="Cambria Math" panose="02040503050406030204" pitchFamily="18" charset="0"/>
+                                </a:rPr>
+                                <m:t> </m:t>
+                              </m:r>
+                              <m:r>
+                                <a:rPr lang="fr-FR" b="0" i="1" smtClean="0">
+                                  <a:latin typeface="Cambria Math" panose="02040503050406030204" pitchFamily="18" charset="0"/>
+                                </a:rPr>
+                                <m:t>𝑝𝑜𝑖𝑛𝑡</m:t>
+                              </m:r>
+                              <m:r>
+                                <a:rPr lang="fr-FR" b="0" i="1" smtClean="0">
+                                  <a:latin typeface="Cambria Math" panose="02040503050406030204" pitchFamily="18" charset="0"/>
+                                </a:rPr>
+                                <m:t> </m:t>
+                              </m:r>
+                              <m:r>
+                                <a:rPr lang="fr-FR" b="0" i="1" smtClean="0">
+                                  <a:latin typeface="Cambria Math" panose="02040503050406030204" pitchFamily="18" charset="0"/>
+                                </a:rPr>
+                                <m:t>h𝑎𝑢𝑡</m:t>
+                              </m:r>
+                            </m:oMath>
+                          </m:oMathPara>
+                        </a14:m>
+                        <a:endParaRPr lang="fr-FR" dirty="0"/>
+                      </a:p>
+                    </p:txBody>
+                  </p:sp>
+                </mc:Choice>
+                <mc:Fallback xmlns="">
+                  <p:sp>
+                    <p:nvSpPr>
+                      <p:cNvPr id="310" name="ZoneTexte 309"/>
+                      <p:cNvSpPr txBox="1">
+                        <a:spLocks noRot="1" noChangeAspect="1" noMove="1" noResize="1" noEditPoints="1" noAdjustHandles="1" noChangeArrowheads="1" noChangeShapeType="1" noTextEdit="1"/>
+                      </p:cNvSpPr>
+                      <p:nvPr/>
+                    </p:nvSpPr>
+                    <p:spPr>
+                      <a:xfrm>
+                        <a:off x="3040499" y="5254525"/>
+                        <a:ext cx="2240550" cy="369332"/>
+                      </a:xfrm>
+                      <a:prstGeom prst="rect">
+                        <a:avLst/>
+                      </a:prstGeom>
+                      <a:blipFill rotWithShape="0">
+                        <a:blip r:embed="rId21"/>
+                        <a:stretch>
+                          <a:fillRect b="-13333"/>
+                        </a:stretch>
+                      </a:blipFill>
+                    </p:spPr>
+                    <p:txBody>
+                      <a:bodyPr/>
+                      <a:lstStyle/>
+                      <a:p>
+                        <a:r>
+                          <a:rPr lang="fr-FR">
+                            <a:noFill/>
+                          </a:rPr>
+                          <a:t> </a:t>
+                        </a:r>
+                      </a:p>
+                    </p:txBody>
+                  </p:sp>
+                </mc:Fallback>
+              </mc:AlternateContent>
+            </p:grpSp>
             <p:sp>
               <p:nvSpPr>
-                <p:cNvPr id="467" name="Ellipse 466"/>
+                <p:cNvPr id="465" name="Ellipse 464"/>
                 <p:cNvSpPr/>
                 <p:nvPr/>
               </p:nvSpPr>
               <p:spPr>
                 <a:xfrm rot="13448256">
-                  <a:off x="4402737" y="1375899"/>
+                  <a:off x="4175370" y="4176038"/>
                   <a:ext cx="110112" cy="99482"/>
                 </a:xfrm>
                 <a:prstGeom prst="ellipse">
@@ -11096,65 +11022,20 @@
             </p:sp>
             <p:sp>
               <p:nvSpPr>
-                <p:cNvPr id="468" name="ZoneTexte 467"/>
-                <p:cNvSpPr txBox="1"/>
-                <p:nvPr/>
-              </p:nvSpPr>
-              <p:spPr>
-                <a:xfrm>
-                  <a:off x="4539757" y="1245592"/>
-                  <a:ext cx="1161985" cy="369332"/>
-                </a:xfrm>
-                <a:prstGeom prst="rect">
-                  <a:avLst/>
-                </a:prstGeom>
-                <a:noFill/>
-              </p:spPr>
-              <p:txBody>
-                <a:bodyPr wrap="none" rtlCol="0">
-                  <a:spAutoFit/>
-                </a:bodyPr>
-                <a:lstStyle/>
-                <a:p>
-                  <a:r>
-                    <a:rPr lang="fr-FR" dirty="0" smtClean="0"/>
-                    <a:t>point haut</a:t>
-                  </a:r>
-                  <a:endParaRPr lang="fr-FR" dirty="0"/>
-                </a:p>
-              </p:txBody>
-            </p:sp>
-          </p:grpSp>
-          <p:grpSp>
-            <p:nvGrpSpPr>
-              <p:cNvPr id="470" name="Groupe 469"/>
-              <p:cNvGrpSpPr/>
-              <p:nvPr/>
-            </p:nvGrpSpPr>
-            <p:grpSpPr>
-              <a:xfrm>
-                <a:off x="4448892" y="1456164"/>
-                <a:ext cx="1927638" cy="369332"/>
-                <a:chOff x="4402737" y="1245592"/>
-                <a:chExt cx="1927638" cy="369332"/>
-              </a:xfrm>
-            </p:grpSpPr>
-            <p:sp>
-              <p:nvSpPr>
-                <p:cNvPr id="471" name="Ellipse 470"/>
+                <p:cNvPr id="466" name="Ellipse 465"/>
                 <p:cNvSpPr/>
                 <p:nvPr/>
               </p:nvSpPr>
               <p:spPr>
                 <a:xfrm rot="13448256">
-                  <a:off x="4402737" y="1375899"/>
+                  <a:off x="807041" y="3782118"/>
                   <a:ext cx="110112" cy="99482"/>
                 </a:xfrm>
                 <a:prstGeom prst="ellipse">
                   <a:avLst/>
                 </a:prstGeom>
                 <a:solidFill>
-                  <a:srgbClr val="FFC000"/>
+                  <a:srgbClr val="FF0000"/>
                 </a:solidFill>
                 <a:ln>
                   <a:noFill/>
@@ -11182,16 +11063,353 @@
                 </a:p>
               </p:txBody>
             </p:sp>
+          </p:grpSp>
+          <p:grpSp>
+            <p:nvGrpSpPr>
+              <p:cNvPr id="488" name="Groupe 487"/>
+              <p:cNvGrpSpPr/>
+              <p:nvPr/>
+            </p:nvGrpSpPr>
+            <p:grpSpPr>
+              <a:xfrm>
+                <a:off x="4448892" y="1140875"/>
+                <a:ext cx="1927638" cy="989787"/>
+                <a:chOff x="4448892" y="1140875"/>
+                <a:chExt cx="1927638" cy="989787"/>
+              </a:xfrm>
+            </p:grpSpPr>
+            <p:grpSp>
+              <p:nvGrpSpPr>
+                <p:cNvPr id="469" name="Groupe 468"/>
+                <p:cNvGrpSpPr/>
+                <p:nvPr/>
+              </p:nvGrpSpPr>
+              <p:grpSpPr>
+                <a:xfrm>
+                  <a:off x="4448892" y="1140875"/>
+                  <a:ext cx="1299005" cy="369332"/>
+                  <a:chOff x="4402737" y="1245592"/>
+                  <a:chExt cx="1299005" cy="369332"/>
+                </a:xfrm>
+              </p:grpSpPr>
+              <p:sp>
+                <p:nvSpPr>
+                  <p:cNvPr id="467" name="Ellipse 466"/>
+                  <p:cNvSpPr/>
+                  <p:nvPr/>
+                </p:nvSpPr>
+                <p:spPr>
+                  <a:xfrm rot="13448256">
+                    <a:off x="4402737" y="1375899"/>
+                    <a:ext cx="110112" cy="99482"/>
+                  </a:xfrm>
+                  <a:prstGeom prst="ellipse">
+                    <a:avLst/>
+                  </a:prstGeom>
+                  <a:solidFill>
+                    <a:srgbClr val="FF0000"/>
+                  </a:solidFill>
+                  <a:ln>
+                    <a:noFill/>
+                  </a:ln>
+                </p:spPr>
+                <p:style>
+                  <a:lnRef idx="3">
+                    <a:schemeClr val="lt1"/>
+                  </a:lnRef>
+                  <a:fillRef idx="1">
+                    <a:schemeClr val="accent4"/>
+                  </a:fillRef>
+                  <a:effectRef idx="1">
+                    <a:schemeClr val="accent4"/>
+                  </a:effectRef>
+                  <a:fontRef idx="minor">
+                    <a:schemeClr val="lt1"/>
+                  </a:fontRef>
+                </p:style>
+                <p:txBody>
+                  <a:bodyPr rtlCol="0" anchor="ctr"/>
+                  <a:lstStyle/>
+                  <a:p>
+                    <a:endParaRPr lang="fr-FR" sz="4000"/>
+                  </a:p>
+                </p:txBody>
+              </p:sp>
+              <p:sp>
+                <p:nvSpPr>
+                  <p:cNvPr id="468" name="ZoneTexte 467"/>
+                  <p:cNvSpPr txBox="1"/>
+                  <p:nvPr/>
+                </p:nvSpPr>
+                <p:spPr>
+                  <a:xfrm>
+                    <a:off x="4539757" y="1245592"/>
+                    <a:ext cx="1161985" cy="369332"/>
+                  </a:xfrm>
+                  <a:prstGeom prst="rect">
+                    <a:avLst/>
+                  </a:prstGeom>
+                  <a:noFill/>
+                </p:spPr>
+                <p:txBody>
+                  <a:bodyPr wrap="none" rtlCol="0">
+                    <a:spAutoFit/>
+                  </a:bodyPr>
+                  <a:lstStyle/>
+                  <a:p>
+                    <a:r>
+                      <a:rPr lang="fr-FR" dirty="0" smtClean="0"/>
+                      <a:t>point haut</a:t>
+                    </a:r>
+                    <a:endParaRPr lang="fr-FR" dirty="0"/>
+                  </a:p>
+                </p:txBody>
+              </p:sp>
+            </p:grpSp>
+            <p:grpSp>
+              <p:nvGrpSpPr>
+                <p:cNvPr id="470" name="Groupe 469"/>
+                <p:cNvGrpSpPr/>
+                <p:nvPr/>
+              </p:nvGrpSpPr>
+              <p:grpSpPr>
+                <a:xfrm>
+                  <a:off x="4448892" y="1456164"/>
+                  <a:ext cx="1927638" cy="369332"/>
+                  <a:chOff x="4402737" y="1245592"/>
+                  <a:chExt cx="1927638" cy="369332"/>
+                </a:xfrm>
+              </p:grpSpPr>
+              <p:sp>
+                <p:nvSpPr>
+                  <p:cNvPr id="471" name="Ellipse 470"/>
+                  <p:cNvSpPr/>
+                  <p:nvPr/>
+                </p:nvSpPr>
+                <p:spPr>
+                  <a:xfrm rot="13448256">
+                    <a:off x="4402737" y="1375899"/>
+                    <a:ext cx="110112" cy="99482"/>
+                  </a:xfrm>
+                  <a:prstGeom prst="ellipse">
+                    <a:avLst/>
+                  </a:prstGeom>
+                  <a:solidFill>
+                    <a:srgbClr val="FFC000"/>
+                  </a:solidFill>
+                  <a:ln>
+                    <a:noFill/>
+                  </a:ln>
+                </p:spPr>
+                <p:style>
+                  <a:lnRef idx="3">
+                    <a:schemeClr val="lt1"/>
+                  </a:lnRef>
+                  <a:fillRef idx="1">
+                    <a:schemeClr val="accent4"/>
+                  </a:fillRef>
+                  <a:effectRef idx="1">
+                    <a:schemeClr val="accent4"/>
+                  </a:effectRef>
+                  <a:fontRef idx="minor">
+                    <a:schemeClr val="lt1"/>
+                  </a:fontRef>
+                </p:style>
+                <p:txBody>
+                  <a:bodyPr rtlCol="0" anchor="ctr"/>
+                  <a:lstStyle/>
+                  <a:p>
+                    <a:endParaRPr lang="fr-FR" sz="4000"/>
+                  </a:p>
+                </p:txBody>
+              </p:sp>
+              <p:sp>
+                <p:nvSpPr>
+                  <p:cNvPr id="472" name="ZoneTexte 471"/>
+                  <p:cNvSpPr txBox="1"/>
+                  <p:nvPr/>
+                </p:nvSpPr>
+                <p:spPr>
+                  <a:xfrm>
+                    <a:off x="4539757" y="1245592"/>
+                    <a:ext cx="1790618" cy="369332"/>
+                  </a:xfrm>
+                  <a:prstGeom prst="rect">
+                    <a:avLst/>
+                  </a:prstGeom>
+                  <a:noFill/>
+                </p:spPr>
+                <p:txBody>
+                  <a:bodyPr wrap="none" rtlCol="0">
+                    <a:spAutoFit/>
+                  </a:bodyPr>
+                  <a:lstStyle/>
+                  <a:p>
+                    <a:r>
+                      <a:rPr lang="fr-FR" dirty="0"/>
+                      <a:t>c</a:t>
+                    </a:r>
+                    <a:r>
+                      <a:rPr lang="fr-FR" dirty="0" smtClean="0"/>
+                      <a:t>entre de l’orbite</a:t>
+                    </a:r>
+                    <a:endParaRPr lang="fr-FR" dirty="0"/>
+                  </a:p>
+                </p:txBody>
+              </p:sp>
+            </p:grpSp>
+            <p:grpSp>
+              <p:nvGrpSpPr>
+                <p:cNvPr id="473" name="Groupe 472"/>
+                <p:cNvGrpSpPr/>
+                <p:nvPr/>
+              </p:nvGrpSpPr>
+              <p:grpSpPr>
+                <a:xfrm>
+                  <a:off x="4462363" y="1761330"/>
+                  <a:ext cx="1748487" cy="369332"/>
+                  <a:chOff x="4402737" y="1245592"/>
+                  <a:chExt cx="1748487" cy="369332"/>
+                </a:xfrm>
+              </p:grpSpPr>
+              <p:sp>
+                <p:nvSpPr>
+                  <p:cNvPr id="474" name="Ellipse 473"/>
+                  <p:cNvSpPr/>
+                  <p:nvPr/>
+                </p:nvSpPr>
+                <p:spPr>
+                  <a:xfrm rot="13448256">
+                    <a:off x="4402737" y="1375899"/>
+                    <a:ext cx="110112" cy="99482"/>
+                  </a:xfrm>
+                  <a:prstGeom prst="ellipse">
+                    <a:avLst/>
+                  </a:prstGeom>
+                  <a:solidFill>
+                    <a:srgbClr val="509E2F"/>
+                  </a:solidFill>
+                  <a:ln>
+                    <a:noFill/>
+                  </a:ln>
+                </p:spPr>
+                <p:style>
+                  <a:lnRef idx="3">
+                    <a:schemeClr val="lt1"/>
+                  </a:lnRef>
+                  <a:fillRef idx="1">
+                    <a:schemeClr val="accent4"/>
+                  </a:fillRef>
+                  <a:effectRef idx="1">
+                    <a:schemeClr val="accent4"/>
+                  </a:effectRef>
+                  <a:fontRef idx="minor">
+                    <a:schemeClr val="lt1"/>
+                  </a:fontRef>
+                </p:style>
+                <p:txBody>
+                  <a:bodyPr rtlCol="0" anchor="ctr"/>
+                  <a:lstStyle/>
+                  <a:p>
+                    <a:endParaRPr lang="fr-FR" sz="4000"/>
+                  </a:p>
+                </p:txBody>
+              </p:sp>
+              <p:sp>
+                <p:nvSpPr>
+                  <p:cNvPr id="475" name="ZoneTexte 474"/>
+                  <p:cNvSpPr txBox="1"/>
+                  <p:nvPr/>
+                </p:nvSpPr>
+                <p:spPr>
+                  <a:xfrm>
+                    <a:off x="4539757" y="1245592"/>
+                    <a:ext cx="1611467" cy="369332"/>
+                  </a:xfrm>
+                  <a:prstGeom prst="rect">
+                    <a:avLst/>
+                  </a:prstGeom>
+                  <a:noFill/>
+                </p:spPr>
+                <p:txBody>
+                  <a:bodyPr wrap="none" rtlCol="0">
+                    <a:spAutoFit/>
+                  </a:bodyPr>
+                  <a:lstStyle/>
+                  <a:p>
+                    <a:r>
+                      <a:rPr lang="fr-FR" dirty="0"/>
+                      <a:t>c</a:t>
+                    </a:r>
+                    <a:r>
+                      <a:rPr lang="fr-FR" dirty="0" smtClean="0"/>
+                      <a:t>entre du rotor</a:t>
+                    </a:r>
+                    <a:endParaRPr lang="fr-FR" dirty="0"/>
+                  </a:p>
+                </p:txBody>
+              </p:sp>
+            </p:grpSp>
+          </p:grpSp>
+          <p:grpSp>
+            <p:nvGrpSpPr>
+              <p:cNvPr id="480" name="Groupe 479"/>
+              <p:cNvGrpSpPr/>
+              <p:nvPr/>
+            </p:nvGrpSpPr>
+            <p:grpSpPr>
+              <a:xfrm>
+                <a:off x="642634" y="1788526"/>
+                <a:ext cx="751231" cy="784916"/>
+                <a:chOff x="642634" y="1788526"/>
+                <a:chExt cx="751231" cy="784916"/>
+              </a:xfrm>
+            </p:grpSpPr>
+            <p:cxnSp>
+              <p:nvCxnSpPr>
+                <p:cNvPr id="478" name="Connecteur droit avec flèche 477"/>
+                <p:cNvCxnSpPr>
+                  <a:endCxn id="72" idx="7"/>
+                </p:cNvCxnSpPr>
+                <p:nvPr/>
+              </p:nvCxnSpPr>
+              <p:spPr>
+                <a:xfrm>
+                  <a:off x="1038225" y="2130662"/>
+                  <a:ext cx="116457" cy="442780"/>
+                </a:xfrm>
+                <a:prstGeom prst="straightConnector1">
+                  <a:avLst/>
+                </a:prstGeom>
+                <a:ln>
+                  <a:tailEnd type="triangle"/>
+                </a:ln>
+              </p:spPr>
+              <p:style>
+                <a:lnRef idx="1">
+                  <a:schemeClr val="dk1"/>
+                </a:lnRef>
+                <a:fillRef idx="0">
+                  <a:schemeClr val="dk1"/>
+                </a:fillRef>
+                <a:effectRef idx="0">
+                  <a:schemeClr val="dk1"/>
+                </a:effectRef>
+                <a:fontRef idx="minor">
+                  <a:schemeClr val="tx1"/>
+                </a:fontRef>
+              </p:style>
+            </p:cxnSp>
             <p:sp>
               <p:nvSpPr>
-                <p:cNvPr id="472" name="ZoneTexte 471"/>
+                <p:cNvPr id="479" name="ZoneTexte 478"/>
                 <p:cNvSpPr txBox="1"/>
                 <p:nvPr/>
               </p:nvSpPr>
               <p:spPr>
                 <a:xfrm>
-                  <a:off x="4539757" y="1245592"/>
-                  <a:ext cx="1790618" cy="369332"/>
+                  <a:off x="642634" y="1788526"/>
+                  <a:ext cx="751231" cy="369332"/>
                 </a:xfrm>
                 <a:prstGeom prst="rect">
                   <a:avLst/>
@@ -11205,85 +11423,279 @@
                 <a:lstStyle/>
                 <a:p>
                   <a:r>
-                    <a:rPr lang="fr-FR" dirty="0"/>
-                    <a:t>c</a:t>
-                  </a:r>
-                  <a:r>
                     <a:rPr lang="fr-FR" dirty="0" smtClean="0"/>
-                    <a:t>entre de l’orbite</a:t>
+                    <a:t>orbite</a:t>
                   </a:r>
                   <a:endParaRPr lang="fr-FR" dirty="0"/>
                 </a:p>
               </p:txBody>
             </p:sp>
           </p:grpSp>
+          <mc:AlternateContent xmlns:mc="http://schemas.openxmlformats.org/markup-compatibility/2006" xmlns:a14="http://schemas.microsoft.com/office/drawing/2010/main">
+            <mc:Choice Requires="a14">
+              <p:sp>
+                <p:nvSpPr>
+                  <p:cNvPr id="481" name="ZoneTexte 480"/>
+                  <p:cNvSpPr txBox="1"/>
+                  <p:nvPr/>
+                </p:nvSpPr>
+                <p:spPr>
+                  <a:xfrm>
+                    <a:off x="2557573" y="2534001"/>
+                    <a:ext cx="485453" cy="369332"/>
+                  </a:xfrm>
+                  <a:prstGeom prst="rect">
+                    <a:avLst/>
+                  </a:prstGeom>
+                  <a:noFill/>
+                </p:spPr>
+                <p:txBody>
+                  <a:bodyPr wrap="none" rtlCol="0">
+                    <a:spAutoFit/>
+                  </a:bodyPr>
+                  <a:lstStyle/>
+                  <a:p>
+                    <a:pPr/>
+                    <a14:m>
+                      <m:oMathPara xmlns:m="http://schemas.openxmlformats.org/officeDocument/2006/math">
+                        <m:oMathParaPr>
+                          <m:jc m:val="centerGroup"/>
+                        </m:oMathParaPr>
+                        <m:oMath xmlns:m="http://schemas.openxmlformats.org/officeDocument/2006/math">
+                          <m:sSub>
+                            <m:sSubPr>
+                              <m:ctrlPr>
+                                <a:rPr lang="fr-FR" b="0" i="1" smtClean="0">
+                                  <a:latin typeface="Cambria Math" panose="02040503050406030204" pitchFamily="18" charset="0"/>
+                                </a:rPr>
+                              </m:ctrlPr>
+                            </m:sSubPr>
+                            <m:e>
+                              <m:r>
+                                <a:rPr lang="fr-FR" b="0" i="1" smtClean="0">
+                                  <a:latin typeface="Cambria Math" panose="02040503050406030204" pitchFamily="18" charset="0"/>
+                                </a:rPr>
+                                <m:t>𝑂</m:t>
+                              </m:r>
+                            </m:e>
+                            <m:sub>
+                              <m:r>
+                                <a:rPr lang="fr-FR" b="0" i="1" smtClean="0">
+                                  <a:latin typeface="Cambria Math" panose="02040503050406030204" pitchFamily="18" charset="0"/>
+                                </a:rPr>
+                                <m:t>𝑜</m:t>
+                              </m:r>
+                            </m:sub>
+                          </m:sSub>
+                        </m:oMath>
+                      </m:oMathPara>
+                    </a14:m>
+                    <a:endParaRPr lang="fr-FR" dirty="0"/>
+                  </a:p>
+                </p:txBody>
+              </p:sp>
+            </mc:Choice>
+            <mc:Fallback xmlns="">
+              <p:sp>
+                <p:nvSpPr>
+                  <p:cNvPr id="481" name="ZoneTexte 480"/>
+                  <p:cNvSpPr txBox="1">
+                    <a:spLocks noRot="1" noChangeAspect="1" noMove="1" noResize="1" noEditPoints="1" noAdjustHandles="1" noChangeArrowheads="1" noChangeShapeType="1" noTextEdit="1"/>
+                  </p:cNvSpPr>
+                  <p:nvPr/>
+                </p:nvSpPr>
+                <p:spPr>
+                  <a:xfrm>
+                    <a:off x="2557573" y="2534001"/>
+                    <a:ext cx="485453" cy="369332"/>
+                  </a:xfrm>
+                  <a:prstGeom prst="rect">
+                    <a:avLst/>
+                  </a:prstGeom>
+                  <a:blipFill rotWithShape="0">
+                    <a:blip r:embed="rId22"/>
+                    <a:stretch>
+                      <a:fillRect/>
+                    </a:stretch>
+                  </a:blipFill>
+                </p:spPr>
+                <p:txBody>
+                  <a:bodyPr/>
+                  <a:lstStyle/>
+                  <a:p>
+                    <a:r>
+                      <a:rPr lang="fr-FR">
+                        <a:noFill/>
+                      </a:rPr>
+                      <a:t> </a:t>
+                    </a:r>
+                  </a:p>
+                </p:txBody>
+              </p:sp>
+            </mc:Fallback>
+          </mc:AlternateContent>
+          <mc:AlternateContent xmlns:mc="http://schemas.openxmlformats.org/markup-compatibility/2006" xmlns:a14="http://schemas.microsoft.com/office/drawing/2010/main">
+            <mc:Choice Requires="a14">
+              <p:sp>
+                <p:nvSpPr>
+                  <p:cNvPr id="482" name="ZoneTexte 481"/>
+                  <p:cNvSpPr txBox="1"/>
+                  <p:nvPr/>
+                </p:nvSpPr>
+                <p:spPr>
+                  <a:xfrm>
+                    <a:off x="1865943" y="591039"/>
+                    <a:ext cx="472629" cy="369332"/>
+                  </a:xfrm>
+                  <a:prstGeom prst="rect">
+                    <a:avLst/>
+                  </a:prstGeom>
+                  <a:noFill/>
+                </p:spPr>
+                <p:txBody>
+                  <a:bodyPr wrap="none" rtlCol="0">
+                    <a:spAutoFit/>
+                  </a:bodyPr>
+                  <a:lstStyle/>
+                  <a:p>
+                    <a:pPr/>
+                    <a14:m>
+                      <m:oMathPara xmlns:m="http://schemas.openxmlformats.org/officeDocument/2006/math">
+                        <m:oMathParaPr>
+                          <m:jc m:val="centerGroup"/>
+                        </m:oMathParaPr>
+                        <m:oMath xmlns:m="http://schemas.openxmlformats.org/officeDocument/2006/math">
+                          <m:sSub>
+                            <m:sSubPr>
+                              <m:ctrlPr>
+                                <a:rPr lang="fr-FR" b="0" i="1" smtClean="0">
+                                  <a:latin typeface="Cambria Math" panose="02040503050406030204" pitchFamily="18" charset="0"/>
+                                </a:rPr>
+                              </m:ctrlPr>
+                            </m:sSubPr>
+                            <m:e>
+                              <m:r>
+                                <a:rPr lang="fr-FR" b="0" i="1" smtClean="0">
+                                  <a:latin typeface="Cambria Math" panose="02040503050406030204" pitchFamily="18" charset="0"/>
+                                </a:rPr>
+                                <m:t>𝑂</m:t>
+                              </m:r>
+                            </m:e>
+                            <m:sub>
+                              <m:r>
+                                <a:rPr lang="fr-FR" b="0" i="1" smtClean="0">
+                                  <a:latin typeface="Cambria Math" panose="02040503050406030204" pitchFamily="18" charset="0"/>
+                                </a:rPr>
+                                <m:t>𝑐</m:t>
+                              </m:r>
+                            </m:sub>
+                          </m:sSub>
+                        </m:oMath>
+                      </m:oMathPara>
+                    </a14:m>
+                    <a:endParaRPr lang="fr-FR" dirty="0"/>
+                  </a:p>
+                </p:txBody>
+              </p:sp>
+            </mc:Choice>
+            <mc:Fallback xmlns="">
+              <p:sp>
+                <p:nvSpPr>
+                  <p:cNvPr id="482" name="ZoneTexte 481"/>
+                  <p:cNvSpPr txBox="1">
+                    <a:spLocks noRot="1" noChangeAspect="1" noMove="1" noResize="1" noEditPoints="1" noAdjustHandles="1" noChangeArrowheads="1" noChangeShapeType="1" noTextEdit="1"/>
+                  </p:cNvSpPr>
+                  <p:nvPr/>
+                </p:nvSpPr>
+                <p:spPr>
+                  <a:xfrm>
+                    <a:off x="1865943" y="591039"/>
+                    <a:ext cx="472629" cy="369332"/>
+                  </a:xfrm>
+                  <a:prstGeom prst="rect">
+                    <a:avLst/>
+                  </a:prstGeom>
+                  <a:blipFill rotWithShape="0">
+                    <a:blip r:embed="rId23"/>
+                    <a:stretch>
+                      <a:fillRect/>
+                    </a:stretch>
+                  </a:blipFill>
+                </p:spPr>
+                <p:txBody>
+                  <a:bodyPr/>
+                  <a:lstStyle/>
+                  <a:p>
+                    <a:r>
+                      <a:rPr lang="fr-FR">
+                        <a:noFill/>
+                      </a:rPr>
+                      <a:t> </a:t>
+                    </a:r>
+                  </a:p>
+                </p:txBody>
+              </p:sp>
+            </mc:Fallback>
+          </mc:AlternateContent>
           <p:grpSp>
             <p:nvGrpSpPr>
-              <p:cNvPr id="473" name="Groupe 472"/>
+              <p:cNvPr id="484" name="Groupe 483"/>
               <p:cNvGrpSpPr/>
               <p:nvPr/>
             </p:nvGrpSpPr>
             <p:grpSpPr>
               <a:xfrm>
-                <a:off x="4462363" y="1761330"/>
-                <a:ext cx="1748487" cy="369332"/>
-                <a:chOff x="4402737" y="1245592"/>
-                <a:chExt cx="1748487" cy="369332"/>
+                <a:off x="347269" y="2855298"/>
+                <a:ext cx="659604" cy="776579"/>
+                <a:chOff x="642634" y="1788526"/>
+                <a:chExt cx="659604" cy="776579"/>
               </a:xfrm>
             </p:grpSpPr>
-            <p:sp>
-              <p:nvSpPr>
-                <p:cNvPr id="474" name="Ellipse 473"/>
-                <p:cNvSpPr/>
+            <p:cxnSp>
+              <p:nvCxnSpPr>
+                <p:cNvPr id="485" name="Connecteur droit avec flèche 484"/>
+                <p:cNvCxnSpPr>
+                  <a:endCxn id="88" idx="7"/>
+                </p:cNvCxnSpPr>
                 <p:nvPr/>
-              </p:nvSpPr>
+              </p:nvCxnSpPr>
               <p:spPr>
-                <a:xfrm rot="13448256">
-                  <a:off x="4402737" y="1375899"/>
-                  <a:ext cx="110112" cy="99482"/>
+                <a:xfrm>
+                  <a:off x="1038225" y="2130662"/>
+                  <a:ext cx="219155" cy="434443"/>
                 </a:xfrm>
-                <a:prstGeom prst="ellipse">
+                <a:prstGeom prst="straightConnector1">
                   <a:avLst/>
                 </a:prstGeom>
-                <a:solidFill>
-                  <a:srgbClr val="509E2F"/>
-                </a:solidFill>
                 <a:ln>
-                  <a:noFill/>
+                  <a:tailEnd type="triangle"/>
                 </a:ln>
               </p:spPr>
               <p:style>
-                <a:lnRef idx="3">
-                  <a:schemeClr val="lt1"/>
+                <a:lnRef idx="1">
+                  <a:schemeClr val="dk1"/>
                 </a:lnRef>
-                <a:fillRef idx="1">
-                  <a:schemeClr val="accent4"/>
+                <a:fillRef idx="0">
+                  <a:schemeClr val="dk1"/>
                 </a:fillRef>
-                <a:effectRef idx="1">
-                  <a:schemeClr val="accent4"/>
+                <a:effectRef idx="0">
+                  <a:schemeClr val="dk1"/>
                 </a:effectRef>
                 <a:fontRef idx="minor">
-                  <a:schemeClr val="lt1"/>
+                  <a:schemeClr val="tx1"/>
                 </a:fontRef>
               </p:style>
-              <p:txBody>
-                <a:bodyPr rtlCol="0" anchor="ctr"/>
-                <a:lstStyle/>
-                <a:p>
-                  <a:endParaRPr lang="fr-FR" sz="4000"/>
-                </a:p>
-              </p:txBody>
-            </p:sp>
+            </p:cxnSp>
             <p:sp>
               <p:nvSpPr>
-                <p:cNvPr id="475" name="ZoneTexte 474"/>
+                <p:cNvPr id="486" name="ZoneTexte 485"/>
                 <p:cNvSpPr txBox="1"/>
                 <p:nvPr/>
               </p:nvSpPr>
               <p:spPr>
                 <a:xfrm>
-                  <a:off x="4539757" y="1245592"/>
-                  <a:ext cx="1611467" cy="369332"/>
+                  <a:off x="642634" y="1788526"/>
+                  <a:ext cx="659604" cy="369332"/>
                 </a:xfrm>
                 <a:prstGeom prst="rect">
                   <a:avLst/>
@@ -11297,12 +11709,8 @@
                 <a:lstStyle/>
                 <a:p>
                   <a:r>
-                    <a:rPr lang="fr-FR" dirty="0"/>
-                    <a:t>c</a:t>
-                  </a:r>
-                  <a:r>
                     <a:rPr lang="fr-FR" dirty="0" smtClean="0"/>
-                    <a:t>entre du rotor</a:t>
+                    <a:t>rotor</a:t>
                   </a:r>
                   <a:endParaRPr lang="fr-FR" dirty="0"/>
                 </a:p>
@@ -11310,368 +11718,202 @@
             </p:sp>
           </p:grpSp>
         </p:grpSp>
+        <p:sp>
+          <p:nvSpPr>
+            <p:cNvPr id="4" name="Arc 3"/>
+            <p:cNvSpPr/>
+            <p:nvPr/>
+          </p:nvSpPr>
+          <p:spPr>
+            <a:xfrm rot="6393969">
+              <a:off x="5048085" y="3348767"/>
+              <a:ext cx="522808" cy="104481"/>
+            </a:xfrm>
+            <a:prstGeom prst="arc">
+              <a:avLst>
+                <a:gd name="adj1" fmla="val 14545225"/>
+                <a:gd name="adj2" fmla="val 0"/>
+              </a:avLst>
+            </a:prstGeom>
+            <a:ln w="38100">
+              <a:solidFill>
+                <a:schemeClr val="tx1"/>
+              </a:solidFill>
+              <a:headEnd type="triangle" w="med" len="med"/>
+              <a:tailEnd type="none" w="med" len="med"/>
+            </a:ln>
+          </p:spPr>
+          <p:style>
+            <a:lnRef idx="1">
+              <a:schemeClr val="accent1"/>
+            </a:lnRef>
+            <a:fillRef idx="0">
+              <a:schemeClr val="accent1"/>
+            </a:fillRef>
+            <a:effectRef idx="0">
+              <a:schemeClr val="accent1"/>
+            </a:effectRef>
+            <a:fontRef idx="minor">
+              <a:schemeClr val="tx1"/>
+            </a:fontRef>
+          </p:style>
+          <p:txBody>
+            <a:bodyPr rtlCol="0" anchor="ctr"/>
+            <a:lstStyle/>
+            <a:p>
+              <a:pPr algn="ctr"/>
+              <a:endParaRPr lang="fr-FR"/>
+            </a:p>
+          </p:txBody>
+        </p:sp>
         <p:grpSp>
           <p:nvGrpSpPr>
-            <p:cNvPr id="480" name="Groupe 479"/>
+            <p:cNvPr id="244" name="Groupe 243"/>
             <p:cNvGrpSpPr/>
             <p:nvPr/>
           </p:nvGrpSpPr>
           <p:grpSpPr>
-            <a:xfrm>
-              <a:off x="642634" y="1788526"/>
-              <a:ext cx="751231" cy="784916"/>
-              <a:chOff x="642634" y="1788526"/>
-              <a:chExt cx="751231" cy="784916"/>
+            <a:xfrm rot="21190450">
+              <a:off x="1749928" y="3335066"/>
+              <a:ext cx="588046" cy="499559"/>
+              <a:chOff x="3889831" y="1135860"/>
+              <a:chExt cx="588046" cy="499559"/>
             </a:xfrm>
           </p:grpSpPr>
-          <p:cxnSp>
-            <p:nvCxnSpPr>
-              <p:cNvPr id="478" name="Connecteur droit avec flèche 477"/>
-              <p:cNvCxnSpPr>
-                <a:endCxn id="72" idx="7"/>
-              </p:cNvCxnSpPr>
+          <mc:AlternateContent xmlns:mc="http://schemas.openxmlformats.org/markup-compatibility/2006">
+            <mc:Choice xmlns:a14="http://schemas.microsoft.com/office/drawing/2010/main" Requires="a14">
+              <p:sp>
+                <p:nvSpPr>
+                  <p:cNvPr id="245" name="Rectangle 244"/>
+                  <p:cNvSpPr/>
+                  <p:nvPr/>
+                </p:nvSpPr>
+                <p:spPr>
+                  <a:xfrm rot="409550">
+                    <a:off x="4068534" y="1135860"/>
+                    <a:ext cx="409343" cy="369332"/>
+                  </a:xfrm>
+                  <a:prstGeom prst="rect">
+                    <a:avLst/>
+                  </a:prstGeom>
+                </p:spPr>
+                <p:txBody>
+                  <a:bodyPr wrap="none">
+                    <a:spAutoFit/>
+                  </a:bodyPr>
+                  <a:lstStyle/>
+                  <a:p>
+                    <a14:m>
+                      <m:oMathPara xmlns:m="http://schemas.openxmlformats.org/officeDocument/2006/math">
+                        <m:oMathParaPr>
+                          <m:jc m:val="centerGroup"/>
+                        </m:oMathParaPr>
+                        <m:oMath xmlns:m="http://schemas.openxmlformats.org/officeDocument/2006/math">
+                          <m:r>
+                            <a:rPr lang="fr-FR" i="1" smtClean="0">
+                              <a:solidFill>
+                                <a:schemeClr val="tx1"/>
+                              </a:solidFill>
+                              <a:latin typeface="Cambria Math" panose="02040503050406030204" pitchFamily="18" charset="0"/>
+                            </a:rPr>
+                            <m:t>𝜔</m:t>
+                          </m:r>
+                        </m:oMath>
+                      </m:oMathPara>
+                    </a14:m>
+                    <a:endParaRPr lang="fr-FR" dirty="0">
+                      <a:solidFill>
+                        <a:schemeClr val="tx1"/>
+                      </a:solidFill>
+                    </a:endParaRPr>
+                  </a:p>
+                </p:txBody>
+              </p:sp>
+            </mc:Choice>
+            <mc:Fallback>
+              <p:sp>
+                <p:nvSpPr>
+                  <p:cNvPr id="245" name="Rectangle 244"/>
+                  <p:cNvSpPr>
+                    <a:spLocks noRot="1" noChangeAspect="1" noMove="1" noResize="1" noEditPoints="1" noAdjustHandles="1" noChangeArrowheads="1" noChangeShapeType="1" noTextEdit="1"/>
+                  </p:cNvSpPr>
+                  <p:nvPr/>
+                </p:nvSpPr>
+                <p:spPr>
+                  <a:xfrm rot="409550">
+                    <a:off x="4068534" y="1135860"/>
+                    <a:ext cx="409343" cy="369332"/>
+                  </a:xfrm>
+                  <a:prstGeom prst="rect">
+                    <a:avLst/>
+                  </a:prstGeom>
+                  <a:blipFill rotWithShape="0">
+                    <a:blip r:embed="rId24"/>
+                    <a:stretch>
+                      <a:fillRect/>
+                    </a:stretch>
+                  </a:blipFill>
+                </p:spPr>
+                <p:txBody>
+                  <a:bodyPr/>
+                  <a:lstStyle/>
+                  <a:p>
+                    <a:r>
+                      <a:rPr lang="fr-FR">
+                        <a:noFill/>
+                      </a:rPr>
+                      <a:t> </a:t>
+                    </a:r>
+                  </a:p>
+                </p:txBody>
+              </p:sp>
+            </mc:Fallback>
+          </mc:AlternateContent>
+          <p:sp>
+            <p:nvSpPr>
+              <p:cNvPr id="246" name="Arc 245"/>
+              <p:cNvSpPr/>
               <p:nvPr/>
-            </p:nvCxnSpPr>
+            </p:nvSpPr>
             <p:spPr>
               <a:xfrm>
-                <a:off x="1038225" y="2130662"/>
-                <a:ext cx="116457" cy="442780"/>
+                <a:off x="3889831" y="1526791"/>
+                <a:ext cx="484436" cy="108628"/>
               </a:xfrm>
-              <a:prstGeom prst="straightConnector1">
-                <a:avLst/>
+              <a:prstGeom prst="arc">
+                <a:avLst>
+                  <a:gd name="adj1" fmla="val 19765601"/>
+                  <a:gd name="adj2" fmla="val 0"/>
+                </a:avLst>
               </a:prstGeom>
-              <a:ln>
-                <a:tailEnd type="triangle"/>
+              <a:ln w="12700">
+                <a:solidFill>
+                  <a:schemeClr val="tx1"/>
+                </a:solidFill>
+                <a:headEnd type="triangle" w="med" len="med"/>
+                <a:tailEnd type="none" w="med" len="med"/>
               </a:ln>
             </p:spPr>
             <p:style>
               <a:lnRef idx="1">
-                <a:schemeClr val="dk1"/>
+                <a:schemeClr val="accent1"/>
               </a:lnRef>
               <a:fillRef idx="0">
-                <a:schemeClr val="dk1"/>
+                <a:schemeClr val="accent1"/>
               </a:fillRef>
               <a:effectRef idx="0">
-                <a:schemeClr val="dk1"/>
+                <a:schemeClr val="accent1"/>
               </a:effectRef>
               <a:fontRef idx="minor">
                 <a:schemeClr val="tx1"/>
               </a:fontRef>
             </p:style>
-          </p:cxnSp>
-          <p:sp>
-            <p:nvSpPr>
-              <p:cNvPr id="479" name="ZoneTexte 478"/>
-              <p:cNvSpPr txBox="1"/>
-              <p:nvPr/>
-            </p:nvSpPr>
-            <p:spPr>
-              <a:xfrm>
-                <a:off x="642634" y="1788526"/>
-                <a:ext cx="751231" cy="369332"/>
-              </a:xfrm>
-              <a:prstGeom prst="rect">
-                <a:avLst/>
-              </a:prstGeom>
-              <a:noFill/>
-            </p:spPr>
             <p:txBody>
-              <a:bodyPr wrap="none" rtlCol="0">
-                <a:spAutoFit/>
-              </a:bodyPr>
+              <a:bodyPr rtlCol="0" anchor="ctr"/>
               <a:lstStyle/>
               <a:p>
-                <a:r>
-                  <a:rPr lang="fr-FR" dirty="0" smtClean="0"/>
-                  <a:t>orbite</a:t>
-                </a:r>
-                <a:endParaRPr lang="fr-FR" dirty="0"/>
-              </a:p>
-            </p:txBody>
-          </p:sp>
-        </p:grpSp>
-        <mc:AlternateContent xmlns:mc="http://schemas.openxmlformats.org/markup-compatibility/2006" xmlns:a14="http://schemas.microsoft.com/office/drawing/2010/main">
-          <mc:Choice Requires="a14">
-            <p:sp>
-              <p:nvSpPr>
-                <p:cNvPr id="481" name="ZoneTexte 480"/>
-                <p:cNvSpPr txBox="1"/>
-                <p:nvPr/>
-              </p:nvSpPr>
-              <p:spPr>
-                <a:xfrm>
-                  <a:off x="2557573" y="2534001"/>
-                  <a:ext cx="485453" cy="369332"/>
-                </a:xfrm>
-                <a:prstGeom prst="rect">
-                  <a:avLst/>
-                </a:prstGeom>
-                <a:noFill/>
-              </p:spPr>
-              <p:txBody>
-                <a:bodyPr wrap="none" rtlCol="0">
-                  <a:spAutoFit/>
-                </a:bodyPr>
-                <a:lstStyle/>
-                <a:p>
-                  <a:pPr/>
-                  <a14:m>
-                    <m:oMathPara xmlns:m="http://schemas.openxmlformats.org/officeDocument/2006/math">
-                      <m:oMathParaPr>
-                        <m:jc m:val="centerGroup"/>
-                      </m:oMathParaPr>
-                      <m:oMath xmlns:m="http://schemas.openxmlformats.org/officeDocument/2006/math">
-                        <m:sSub>
-                          <m:sSubPr>
-                            <m:ctrlPr>
-                              <a:rPr lang="fr-FR" b="0" i="1" smtClean="0">
-                                <a:latin typeface="Cambria Math" panose="02040503050406030204" pitchFamily="18" charset="0"/>
-                              </a:rPr>
-                            </m:ctrlPr>
-                          </m:sSubPr>
-                          <m:e>
-                            <m:r>
-                              <a:rPr lang="fr-FR" b="0" i="1" smtClean="0">
-                                <a:latin typeface="Cambria Math" panose="02040503050406030204" pitchFamily="18" charset="0"/>
-                              </a:rPr>
-                              <m:t>𝑂</m:t>
-                            </m:r>
-                          </m:e>
-                          <m:sub>
-                            <m:r>
-                              <a:rPr lang="fr-FR" b="0" i="1" smtClean="0">
-                                <a:latin typeface="Cambria Math" panose="02040503050406030204" pitchFamily="18" charset="0"/>
-                              </a:rPr>
-                              <m:t>𝑜</m:t>
-                            </m:r>
-                          </m:sub>
-                        </m:sSub>
-                      </m:oMath>
-                    </m:oMathPara>
-                  </a14:m>
-                  <a:endParaRPr lang="fr-FR" dirty="0"/>
-                </a:p>
-              </p:txBody>
-            </p:sp>
-          </mc:Choice>
-          <mc:Fallback xmlns="">
-            <p:sp>
-              <p:nvSpPr>
-                <p:cNvPr id="481" name="ZoneTexte 480"/>
-                <p:cNvSpPr txBox="1">
-                  <a:spLocks noRot="1" noChangeAspect="1" noMove="1" noResize="1" noEditPoints="1" noAdjustHandles="1" noChangeArrowheads="1" noChangeShapeType="1" noTextEdit="1"/>
-                </p:cNvSpPr>
-                <p:nvPr/>
-              </p:nvSpPr>
-              <p:spPr>
-                <a:xfrm>
-                  <a:off x="2557573" y="2534001"/>
-                  <a:ext cx="485453" cy="369332"/>
-                </a:xfrm>
-                <a:prstGeom prst="rect">
-                  <a:avLst/>
-                </a:prstGeom>
-                <a:blipFill rotWithShape="0">
-                  <a:blip r:embed="rId22"/>
-                  <a:stretch>
-                    <a:fillRect/>
-                  </a:stretch>
-                </a:blipFill>
-              </p:spPr>
-              <p:txBody>
-                <a:bodyPr/>
-                <a:lstStyle/>
-                <a:p>
-                  <a:r>
-                    <a:rPr lang="fr-FR">
-                      <a:noFill/>
-                    </a:rPr>
-                    <a:t> </a:t>
-                  </a:r>
-                </a:p>
-              </p:txBody>
-            </p:sp>
-          </mc:Fallback>
-        </mc:AlternateContent>
-        <mc:AlternateContent xmlns:mc="http://schemas.openxmlformats.org/markup-compatibility/2006" xmlns:a14="http://schemas.microsoft.com/office/drawing/2010/main">
-          <mc:Choice Requires="a14">
-            <p:sp>
-              <p:nvSpPr>
-                <p:cNvPr id="482" name="ZoneTexte 481"/>
-                <p:cNvSpPr txBox="1"/>
-                <p:nvPr/>
-              </p:nvSpPr>
-              <p:spPr>
-                <a:xfrm>
-                  <a:off x="1865943" y="591039"/>
-                  <a:ext cx="472629" cy="369332"/>
-                </a:xfrm>
-                <a:prstGeom prst="rect">
-                  <a:avLst/>
-                </a:prstGeom>
-                <a:noFill/>
-              </p:spPr>
-              <p:txBody>
-                <a:bodyPr wrap="none" rtlCol="0">
-                  <a:spAutoFit/>
-                </a:bodyPr>
-                <a:lstStyle/>
-                <a:p>
-                  <a:pPr/>
-                  <a14:m>
-                    <m:oMathPara xmlns:m="http://schemas.openxmlformats.org/officeDocument/2006/math">
-                      <m:oMathParaPr>
-                        <m:jc m:val="centerGroup"/>
-                      </m:oMathParaPr>
-                      <m:oMath xmlns:m="http://schemas.openxmlformats.org/officeDocument/2006/math">
-                        <m:sSub>
-                          <m:sSubPr>
-                            <m:ctrlPr>
-                              <a:rPr lang="fr-FR" b="0" i="1" smtClean="0">
-                                <a:latin typeface="Cambria Math" panose="02040503050406030204" pitchFamily="18" charset="0"/>
-                              </a:rPr>
-                            </m:ctrlPr>
-                          </m:sSubPr>
-                          <m:e>
-                            <m:r>
-                              <a:rPr lang="fr-FR" b="0" i="1" smtClean="0">
-                                <a:latin typeface="Cambria Math" panose="02040503050406030204" pitchFamily="18" charset="0"/>
-                              </a:rPr>
-                              <m:t>𝑂</m:t>
-                            </m:r>
-                          </m:e>
-                          <m:sub>
-                            <m:r>
-                              <a:rPr lang="fr-FR" b="0" i="1" smtClean="0">
-                                <a:latin typeface="Cambria Math" panose="02040503050406030204" pitchFamily="18" charset="0"/>
-                              </a:rPr>
-                              <m:t>𝑐</m:t>
-                            </m:r>
-                          </m:sub>
-                        </m:sSub>
-                      </m:oMath>
-                    </m:oMathPara>
-                  </a14:m>
-                  <a:endParaRPr lang="fr-FR" dirty="0"/>
-                </a:p>
-              </p:txBody>
-            </p:sp>
-          </mc:Choice>
-          <mc:Fallback xmlns="">
-            <p:sp>
-              <p:nvSpPr>
-                <p:cNvPr id="482" name="ZoneTexte 481"/>
-                <p:cNvSpPr txBox="1">
-                  <a:spLocks noRot="1" noChangeAspect="1" noMove="1" noResize="1" noEditPoints="1" noAdjustHandles="1" noChangeArrowheads="1" noChangeShapeType="1" noTextEdit="1"/>
-                </p:cNvSpPr>
-                <p:nvPr/>
-              </p:nvSpPr>
-              <p:spPr>
-                <a:xfrm>
-                  <a:off x="1865943" y="591039"/>
-                  <a:ext cx="472629" cy="369332"/>
-                </a:xfrm>
-                <a:prstGeom prst="rect">
-                  <a:avLst/>
-                </a:prstGeom>
-                <a:blipFill rotWithShape="0">
-                  <a:blip r:embed="rId23"/>
-                  <a:stretch>
-                    <a:fillRect/>
-                  </a:stretch>
-                </a:blipFill>
-              </p:spPr>
-              <p:txBody>
-                <a:bodyPr/>
-                <a:lstStyle/>
-                <a:p>
-                  <a:r>
-                    <a:rPr lang="fr-FR">
-                      <a:noFill/>
-                    </a:rPr>
-                    <a:t> </a:t>
-                  </a:r>
-                </a:p>
-              </p:txBody>
-            </p:sp>
-          </mc:Fallback>
-        </mc:AlternateContent>
-        <p:grpSp>
-          <p:nvGrpSpPr>
-            <p:cNvPr id="484" name="Groupe 483"/>
-            <p:cNvGrpSpPr/>
-            <p:nvPr/>
-          </p:nvGrpSpPr>
-          <p:grpSpPr>
-            <a:xfrm>
-              <a:off x="347269" y="2855298"/>
-              <a:ext cx="659604" cy="776579"/>
-              <a:chOff x="642634" y="1788526"/>
-              <a:chExt cx="659604" cy="776579"/>
-            </a:xfrm>
-          </p:grpSpPr>
-          <p:cxnSp>
-            <p:nvCxnSpPr>
-              <p:cNvPr id="485" name="Connecteur droit avec flèche 484"/>
-              <p:cNvCxnSpPr>
-                <a:endCxn id="88" idx="7"/>
-              </p:cNvCxnSpPr>
-              <p:nvPr/>
-            </p:nvCxnSpPr>
-            <p:spPr>
-              <a:xfrm>
-                <a:off x="1038225" y="2130662"/>
-                <a:ext cx="219155" cy="434443"/>
-              </a:xfrm>
-              <a:prstGeom prst="straightConnector1">
-                <a:avLst/>
-              </a:prstGeom>
-              <a:ln>
-                <a:tailEnd type="triangle"/>
-              </a:ln>
-            </p:spPr>
-            <p:style>
-              <a:lnRef idx="1">
-                <a:schemeClr val="dk1"/>
-              </a:lnRef>
-              <a:fillRef idx="0">
-                <a:schemeClr val="dk1"/>
-              </a:fillRef>
-              <a:effectRef idx="0">
-                <a:schemeClr val="dk1"/>
-              </a:effectRef>
-              <a:fontRef idx="minor">
-                <a:schemeClr val="tx1"/>
-              </a:fontRef>
-            </p:style>
-          </p:cxnSp>
-          <p:sp>
-            <p:nvSpPr>
-              <p:cNvPr id="486" name="ZoneTexte 485"/>
-              <p:cNvSpPr txBox="1"/>
-              <p:nvPr/>
-            </p:nvSpPr>
-            <p:spPr>
-              <a:xfrm>
-                <a:off x="642634" y="1788526"/>
-                <a:ext cx="659604" cy="369332"/>
-              </a:xfrm>
-              <a:prstGeom prst="rect">
-                <a:avLst/>
-              </a:prstGeom>
-              <a:noFill/>
-            </p:spPr>
-            <p:txBody>
-              <a:bodyPr wrap="none" rtlCol="0">
-                <a:spAutoFit/>
-              </a:bodyPr>
-              <a:lstStyle/>
-              <a:p>
-                <a:r>
-                  <a:rPr lang="fr-FR" dirty="0" smtClean="0"/>
-                  <a:t>rotor</a:t>
-                </a:r>
-                <a:endParaRPr lang="fr-FR" dirty="0"/>
+                <a:pPr algn="ctr"/>
+                <a:endParaRPr lang="fr-FR"/>
               </a:p>
             </p:txBody>
           </p:sp>
@@ -14116,8 +14358,8 @@
                   </p:style>
                 </p:cxnSp>
               </p:grpSp>
-              <mc:AlternateContent xmlns:mc="http://schemas.openxmlformats.org/markup-compatibility/2006">
-                <mc:Choice xmlns:a14="http://schemas.microsoft.com/office/drawing/2010/main" Requires="a14">
+              <mc:AlternateContent xmlns:mc="http://schemas.openxmlformats.org/markup-compatibility/2006" xmlns:a14="http://schemas.microsoft.com/office/drawing/2010/main">
+                <mc:Choice Requires="a14">
                   <p:sp>
                     <p:nvSpPr>
                       <p:cNvPr id="11" name="Zone de texte 153"/>
@@ -14214,7 +14456,7 @@
                     </p:txBody>
                   </p:sp>
                 </mc:Choice>
-                <mc:Fallback>
+                <mc:Fallback xmlns="">
                   <p:sp>
                     <p:nvSpPr>
                       <p:cNvPr id="11" name="Zone de texte 153"/>
@@ -14257,8 +14499,8 @@
                   </p:sp>
                 </mc:Fallback>
               </mc:AlternateContent>
-              <mc:AlternateContent xmlns:mc="http://schemas.openxmlformats.org/markup-compatibility/2006">
-                <mc:Choice xmlns:a14="http://schemas.microsoft.com/office/drawing/2010/main" Requires="a14">
+              <mc:AlternateContent xmlns:mc="http://schemas.openxmlformats.org/markup-compatibility/2006" xmlns:a14="http://schemas.microsoft.com/office/drawing/2010/main">
+                <mc:Choice Requires="a14">
                   <p:sp>
                     <p:nvSpPr>
                       <p:cNvPr id="12" name="Zone de texte 154"/>
@@ -14355,7 +14597,7 @@
                     </p:txBody>
                   </p:sp>
                 </mc:Choice>
-                <mc:Fallback>
+                <mc:Fallback xmlns="">
                   <p:sp>
                     <p:nvSpPr>
                       <p:cNvPr id="12" name="Zone de texte 154"/>
@@ -14889,8 +15131,8 @@
               </p:style>
             </p:cxnSp>
           </p:grpSp>
-          <mc:AlternateContent xmlns:mc="http://schemas.openxmlformats.org/markup-compatibility/2006">
-            <mc:Choice xmlns:a14="http://schemas.microsoft.com/office/drawing/2010/main" Requires="a14">
+          <mc:AlternateContent xmlns:mc="http://schemas.openxmlformats.org/markup-compatibility/2006" xmlns:a14="http://schemas.microsoft.com/office/drawing/2010/main">
+            <mc:Choice Requires="a14">
               <p:sp>
                 <p:nvSpPr>
                   <p:cNvPr id="42" name="Zone de texte 153"/>
@@ -14993,7 +15235,7 @@
                 </p:txBody>
               </p:sp>
             </mc:Choice>
-            <mc:Fallback>
+            <mc:Fallback xmlns="">
               <p:sp>
                 <p:nvSpPr>
                   <p:cNvPr id="42" name="Zone de texte 153"/>
@@ -15036,8 +15278,8 @@
               </p:sp>
             </mc:Fallback>
           </mc:AlternateContent>
-          <mc:AlternateContent xmlns:mc="http://schemas.openxmlformats.org/markup-compatibility/2006">
-            <mc:Choice xmlns:a14="http://schemas.microsoft.com/office/drawing/2010/main" Requires="a14">
+          <mc:AlternateContent xmlns:mc="http://schemas.openxmlformats.org/markup-compatibility/2006" xmlns:a14="http://schemas.microsoft.com/office/drawing/2010/main">
+            <mc:Choice Requires="a14">
               <p:sp>
                 <p:nvSpPr>
                   <p:cNvPr id="43" name="Zone de texte 153"/>
@@ -15140,7 +15382,7 @@
                 </p:txBody>
               </p:sp>
             </mc:Choice>
-            <mc:Fallback>
+            <mc:Fallback xmlns="">
               <p:sp>
                 <p:nvSpPr>
                   <p:cNvPr id="43" name="Zone de texte 153"/>
@@ -15231,8 +15473,8 @@
             </a:p>
           </p:txBody>
         </p:sp>
-        <mc:AlternateContent xmlns:mc="http://schemas.openxmlformats.org/markup-compatibility/2006">
-          <mc:Choice xmlns:a14="http://schemas.microsoft.com/office/drawing/2010/main" Requires="a14">
+        <mc:AlternateContent xmlns:mc="http://schemas.openxmlformats.org/markup-compatibility/2006" xmlns:a14="http://schemas.microsoft.com/office/drawing/2010/main">
+          <mc:Choice Requires="a14">
             <p:sp>
               <p:nvSpPr>
                 <p:cNvPr id="54" name="Zone de texte 153"/>
@@ -15311,7 +15553,7 @@
               </p:txBody>
             </p:sp>
           </mc:Choice>
-          <mc:Fallback>
+          <mc:Fallback xmlns="">
             <p:sp>
               <p:nvSpPr>
                 <p:cNvPr id="54" name="Zone de texte 153"/>
